--- a/Junior_下書き.pptx
+++ b/Junior_下書き.pptx
@@ -6,10 +6,10 @@
     <p:sldMasterId id="2147483650" r:id="rId2"/>
   </p:sldMasterIdLst>
   <p:notesMasterIdLst>
-    <p:notesMasterId r:id="rId20"/>
+    <p:notesMasterId r:id="rId28"/>
   </p:notesMasterIdLst>
   <p:handoutMasterIdLst>
-    <p:handoutMasterId r:id="rId21"/>
+    <p:handoutMasterId r:id="rId29"/>
   </p:handoutMasterIdLst>
   <p:sldIdLst>
     <p:sldId id="256" r:id="rId3"/>
@@ -21,17 +21,25 @@
     <p:sldId id="277" r:id="rId9"/>
     <p:sldId id="280" r:id="rId10"/>
     <p:sldId id="285" r:id="rId11"/>
-    <p:sldId id="287" r:id="rId12"/>
-    <p:sldId id="286" r:id="rId13"/>
-    <p:sldId id="283" r:id="rId14"/>
-    <p:sldId id="284" r:id="rId15"/>
-    <p:sldId id="281" r:id="rId16"/>
-    <p:sldId id="282" r:id="rId17"/>
-    <p:sldId id="272" r:id="rId18"/>
-    <p:sldId id="273" r:id="rId19"/>
+    <p:sldId id="286" r:id="rId12"/>
+    <p:sldId id="289" r:id="rId13"/>
+    <p:sldId id="292" r:id="rId14"/>
+    <p:sldId id="288" r:id="rId15"/>
+    <p:sldId id="290" r:id="rId16"/>
+    <p:sldId id="291" r:id="rId17"/>
+    <p:sldId id="283" r:id="rId18"/>
+    <p:sldId id="287" r:id="rId19"/>
+    <p:sldId id="284" r:id="rId20"/>
+    <p:sldId id="281" r:id="rId21"/>
+    <p:sldId id="282" r:id="rId22"/>
+    <p:sldId id="272" r:id="rId23"/>
+    <p:sldId id="273" r:id="rId24"/>
+    <p:sldId id="294" r:id="rId25"/>
+    <p:sldId id="295" r:id="rId26"/>
+    <p:sldId id="293" r:id="rId27"/>
   </p:sldIdLst>
   <p:sldSz cx="9144000" cy="6858000" type="screen4x3"/>
-  <p:notesSz cx="6858000" cy="9144000"/>
+  <p:notesSz cx="6797675" cy="9926638"/>
   <p:defaultTextStyle>
     <a:defPPr>
       <a:defRPr lang="ja-JP"/>
@@ -222,8 +230,8 @@
         </p:nvSpPr>
         <p:spPr>
           <a:xfrm>
-            <a:off x="0" y="0"/>
-            <a:ext cx="2971800" cy="458788"/>
+            <a:off x="0" y="1"/>
+            <a:ext cx="2945659" cy="498056"/>
           </a:xfrm>
           <a:prstGeom prst="rect">
             <a:avLst/>
@@ -264,8 +272,8 @@
         </p:nvSpPr>
         <p:spPr>
           <a:xfrm>
-            <a:off x="3884613" y="0"/>
-            <a:ext cx="2971800" cy="458788"/>
+            <a:off x="3850443" y="1"/>
+            <a:ext cx="2945659" cy="498056"/>
           </a:xfrm>
           <a:prstGeom prst="rect">
             <a:avLst/>
@@ -313,8 +321,8 @@
         </p:nvSpPr>
         <p:spPr>
           <a:xfrm>
-            <a:off x="0" y="8685213"/>
-            <a:ext cx="2971800" cy="458787"/>
+            <a:off x="0" y="9428584"/>
+            <a:ext cx="2945659" cy="498055"/>
           </a:xfrm>
           <a:prstGeom prst="rect">
             <a:avLst/>
@@ -355,8 +363,8 @@
         </p:nvSpPr>
         <p:spPr>
           <a:xfrm>
-            <a:off x="3884613" y="8685213"/>
-            <a:ext cx="2971800" cy="458787"/>
+            <a:off x="3850443" y="9428584"/>
+            <a:ext cx="2945659" cy="498055"/>
           </a:xfrm>
           <a:prstGeom prst="rect">
             <a:avLst/>
@@ -436,7 +444,7 @@
         <p:spPr bwMode="auto">
           <a:xfrm>
             <a:off x="0" y="0"/>
-            <a:ext cx="2971800" cy="457200"/>
+            <a:ext cx="2945659" cy="496332"/>
           </a:xfrm>
           <a:prstGeom prst="rect">
             <a:avLst/>
@@ -490,8 +498,8 @@
         </p:nvSpPr>
         <p:spPr bwMode="auto">
           <a:xfrm>
-            <a:off x="3884613" y="0"/>
-            <a:ext cx="2971800" cy="457200"/>
+            <a:off x="3850443" y="0"/>
+            <a:ext cx="2945659" cy="496332"/>
           </a:xfrm>
           <a:prstGeom prst="rect">
             <a:avLst/>
@@ -545,8 +553,8 @@
         </p:nvSpPr>
         <p:spPr bwMode="auto">
           <a:xfrm>
-            <a:off x="1143000" y="685800"/>
-            <a:ext cx="4572000" cy="3429000"/>
+            <a:off x="917575" y="744538"/>
+            <a:ext cx="4962525" cy="3722687"/>
           </a:xfrm>
           <a:prstGeom prst="rect">
             <a:avLst/>
@@ -589,8 +597,8 @@
         </p:nvSpPr>
         <p:spPr bwMode="auto">
           <a:xfrm>
-            <a:off x="685800" y="4343400"/>
-            <a:ext cx="5486400" cy="4114800"/>
+            <a:off x="679768" y="4715153"/>
+            <a:ext cx="5438140" cy="4466987"/>
           </a:xfrm>
           <a:prstGeom prst="rect">
             <a:avLst/>
@@ -698,8 +706,8 @@
         </p:nvSpPr>
         <p:spPr bwMode="auto">
           <a:xfrm>
-            <a:off x="0" y="8685213"/>
-            <a:ext cx="2971800" cy="457200"/>
+            <a:off x="0" y="9428583"/>
+            <a:ext cx="2945659" cy="496332"/>
           </a:xfrm>
           <a:prstGeom prst="rect">
             <a:avLst/>
@@ -753,8 +761,8 @@
         </p:nvSpPr>
         <p:spPr bwMode="auto">
           <a:xfrm>
-            <a:off x="3884613" y="8685213"/>
-            <a:ext cx="2971800" cy="457200"/>
+            <a:off x="3850443" y="9428583"/>
+            <a:ext cx="2945659" cy="496332"/>
           </a:xfrm>
           <a:prstGeom prst="rect">
             <a:avLst/>
@@ -7031,6 +7039,12 @@
               </a:rPr>
               <a:t>並列分散型</a:t>
             </a:r>
+            <a:r>
+              <a:rPr lang="en-US" altLang="ja-JP">
+                <a:latin typeface="Arial" panose="020B0604020202020204" pitchFamily="34" charset="0"/>
+              </a:rPr>
+              <a:t/>
+            </a:r>
             <a:br>
               <a:rPr lang="en-US" altLang="ja-JP">
                 <a:latin typeface="Arial" panose="020B0604020202020204" pitchFamily="34" charset="0"/>
@@ -7041,6 +7055,12 @@
                 <a:latin typeface="Arial" panose="020B0604020202020204" pitchFamily="34" charset="0"/>
               </a:rPr>
               <a:t>多目的ファジィ遺伝的機械学習</a:t>
+            </a:r>
+            <a:r>
+              <a:rPr lang="en-US" altLang="ja-JP">
+                <a:latin typeface="Arial" panose="020B0604020202020204" pitchFamily="34" charset="0"/>
+              </a:rPr>
+              <a:t/>
             </a:r>
             <a:br>
               <a:rPr lang="en-US" altLang="ja-JP">
@@ -7123,10 +7143,4061 @@
   <p:clrMapOvr>
     <a:masterClrMapping/>
   </p:clrMapOvr>
+  <p:timing>
+    <p:tnLst>
+      <p:par>
+        <p:cTn id="1" dur="indefinite" restart="never" nodeType="tmRoot"/>
+      </p:par>
+    </p:tnLst>
+  </p:timing>
 </p:sld>
 </file>
 
 <file path=ppt/slides/slide10.xml><?xml version="1.0" encoding="utf-8"?>
+<p:sld xmlns:a="http://schemas.openxmlformats.org/drawingml/2006/main" xmlns:r="http://schemas.openxmlformats.org/officeDocument/2006/relationships" xmlns:p="http://schemas.openxmlformats.org/presentationml/2006/main">
+  <p:cSld>
+    <p:spTree>
+      <p:nvGrpSpPr>
+        <p:cNvPr id="1" name=""/>
+        <p:cNvGrpSpPr/>
+        <p:nvPr/>
+      </p:nvGrpSpPr>
+      <p:grpSpPr>
+        <a:xfrm>
+          <a:off x="0" y="0"/>
+          <a:ext cx="0" cy="0"/>
+          <a:chOff x="0" y="0"/>
+          <a:chExt cx="0" cy="0"/>
+        </a:xfrm>
+      </p:grpSpPr>
+      <p:sp>
+        <p:nvSpPr>
+          <p:cNvPr id="2" name="タイトル 1">
+            <a:extLst>
+              <a:ext uri="{FF2B5EF4-FFF2-40B4-BE49-F238E27FC236}">
+                <a16:creationId xmlns:a16="http://schemas.microsoft.com/office/drawing/2014/main" id="{187AB015-A40A-0340-9311-10DAD592CCC3}"/>
+              </a:ext>
+            </a:extLst>
+          </p:cNvPr>
+          <p:cNvSpPr>
+            <a:spLocks noGrp="1"/>
+          </p:cNvSpPr>
+          <p:nvPr>
+            <p:ph type="title"/>
+          </p:nvPr>
+        </p:nvSpPr>
+        <p:spPr/>
+        <p:txBody>
+          <a:bodyPr/>
+          <a:lstStyle/>
+          <a:p>
+            <a:r>
+              <a:rPr kumimoji="1" lang="ja-JP" altLang="en-US"/>
+              <a:t>重み付け多数決</a:t>
+            </a:r>
+          </a:p>
+        </p:txBody>
+      </p:sp>
+      <p:grpSp>
+        <p:nvGrpSpPr>
+          <p:cNvPr id="12" name="グループ化 11">
+            <a:extLst>
+              <a:ext uri="{FF2B5EF4-FFF2-40B4-BE49-F238E27FC236}">
+                <a16:creationId xmlns:a16="http://schemas.microsoft.com/office/drawing/2014/main" id="{82530C26-2AC1-1741-8737-4215ACE8C8D8}"/>
+              </a:ext>
+            </a:extLst>
+          </p:cNvPr>
+          <p:cNvGrpSpPr/>
+          <p:nvPr/>
+        </p:nvGrpSpPr>
+        <p:grpSpPr>
+          <a:xfrm>
+            <a:off x="533400" y="3083229"/>
+            <a:ext cx="4025919" cy="1219200"/>
+            <a:chOff x="1295400" y="2057400"/>
+            <a:chExt cx="4025919" cy="1219200"/>
+          </a:xfrm>
+        </p:grpSpPr>
+        <p:grpSp>
+          <p:nvGrpSpPr>
+            <p:cNvPr id="3" name="グループ化 2">
+              <a:extLst>
+                <a:ext uri="{FF2B5EF4-FFF2-40B4-BE49-F238E27FC236}">
+                  <a16:creationId xmlns:a16="http://schemas.microsoft.com/office/drawing/2014/main" id="{306A7920-6F73-2F4B-997C-754C6D93068C}"/>
+                </a:ext>
+              </a:extLst>
+            </p:cNvPr>
+            <p:cNvGrpSpPr/>
+            <p:nvPr/>
+          </p:nvGrpSpPr>
+          <p:grpSpPr>
+            <a:xfrm>
+              <a:off x="1295400" y="2057400"/>
+              <a:ext cx="4025919" cy="1219200"/>
+              <a:chOff x="1892030" y="2440742"/>
+              <a:chExt cx="4025919" cy="1219200"/>
+            </a:xfrm>
+          </p:grpSpPr>
+          <p:sp>
+            <p:nvSpPr>
+              <p:cNvPr id="4" name="角丸四角形 3">
+                <a:extLst>
+                  <a:ext uri="{FF2B5EF4-FFF2-40B4-BE49-F238E27FC236}">
+                    <a16:creationId xmlns:a16="http://schemas.microsoft.com/office/drawing/2014/main" id="{E266556D-4F55-B447-992A-4F114B9CC5C2}"/>
+                  </a:ext>
+                </a:extLst>
+              </p:cNvPr>
+              <p:cNvSpPr/>
+              <p:nvPr/>
+            </p:nvSpPr>
+            <p:spPr>
+              <a:xfrm>
+                <a:off x="2347811" y="2716069"/>
+                <a:ext cx="3570138" cy="943873"/>
+              </a:xfrm>
+              <a:prstGeom prst="roundRect">
+                <a:avLst/>
+              </a:prstGeom>
+              <a:solidFill>
+                <a:srgbClr val="FFF2CC"/>
+              </a:solidFill>
+            </p:spPr>
+            <p:style>
+              <a:lnRef idx="2">
+                <a:schemeClr val="accent1">
+                  <a:shade val="50000"/>
+                </a:schemeClr>
+              </a:lnRef>
+              <a:fillRef idx="1">
+                <a:schemeClr val="accent1"/>
+              </a:fillRef>
+              <a:effectRef idx="0">
+                <a:schemeClr val="accent1"/>
+              </a:effectRef>
+              <a:fontRef idx="minor">
+                <a:schemeClr val="lt1"/>
+              </a:fontRef>
+            </p:style>
+            <p:txBody>
+              <a:bodyPr rtlCol="0" anchor="ctr"/>
+              <a:lstStyle/>
+              <a:p>
+                <a:pPr algn="ctr"/>
+                <a:endParaRPr kumimoji="1" lang="ja-JP" altLang="en-US"/>
+              </a:p>
+            </p:txBody>
+          </p:sp>
+          <p:sp>
+            <p:nvSpPr>
+              <p:cNvPr id="5" name="円/楕円 38">
+                <a:extLst>
+                  <a:ext uri="{FF2B5EF4-FFF2-40B4-BE49-F238E27FC236}">
+                    <a16:creationId xmlns:a16="http://schemas.microsoft.com/office/drawing/2014/main" id="{A8C61D29-6AF6-D54F-A21C-D2C98441999F}"/>
+                  </a:ext>
+                </a:extLst>
+              </p:cNvPr>
+              <p:cNvSpPr/>
+              <p:nvPr/>
+            </p:nvSpPr>
+            <p:spPr>
+              <a:xfrm>
+                <a:off x="5163330" y="3220271"/>
+                <a:ext cx="304800" cy="304800"/>
+              </a:xfrm>
+              <a:prstGeom prst="ellipse">
+                <a:avLst/>
+              </a:prstGeom>
+              <a:solidFill>
+                <a:srgbClr val="EF4111"/>
+              </a:solidFill>
+              <a:ln>
+                <a:solidFill>
+                  <a:schemeClr val="tx1"/>
+                </a:solidFill>
+              </a:ln>
+            </p:spPr>
+            <p:style>
+              <a:lnRef idx="2">
+                <a:schemeClr val="accent1">
+                  <a:shade val="50000"/>
+                </a:schemeClr>
+              </a:lnRef>
+              <a:fillRef idx="1">
+                <a:schemeClr val="accent1"/>
+              </a:fillRef>
+              <a:effectRef idx="0">
+                <a:schemeClr val="accent1"/>
+              </a:effectRef>
+              <a:fontRef idx="minor">
+                <a:schemeClr val="lt1"/>
+              </a:fontRef>
+            </p:style>
+            <p:txBody>
+              <a:bodyPr rtlCol="0" anchor="ctr"/>
+              <a:lstStyle/>
+              <a:p>
+                <a:pPr algn="ctr"/>
+                <a:endParaRPr kumimoji="1" lang="ja-JP" altLang="en-US"/>
+              </a:p>
+            </p:txBody>
+          </p:sp>
+          <p:sp>
+            <p:nvSpPr>
+              <p:cNvPr id="6" name="円/楕円 38">
+                <a:extLst>
+                  <a:ext uri="{FF2B5EF4-FFF2-40B4-BE49-F238E27FC236}">
+                    <a16:creationId xmlns:a16="http://schemas.microsoft.com/office/drawing/2014/main" id="{4D7020E5-DDBD-E843-B476-48D2F6C61E52}"/>
+                  </a:ext>
+                </a:extLst>
+              </p:cNvPr>
+              <p:cNvSpPr/>
+              <p:nvPr/>
+            </p:nvSpPr>
+            <p:spPr>
+              <a:xfrm>
+                <a:off x="3980480" y="3220271"/>
+                <a:ext cx="304800" cy="304800"/>
+              </a:xfrm>
+              <a:prstGeom prst="ellipse">
+                <a:avLst/>
+              </a:prstGeom>
+              <a:solidFill>
+                <a:srgbClr val="EF4111"/>
+              </a:solidFill>
+              <a:ln>
+                <a:solidFill>
+                  <a:schemeClr val="tx1"/>
+                </a:solidFill>
+              </a:ln>
+            </p:spPr>
+            <p:style>
+              <a:lnRef idx="2">
+                <a:schemeClr val="accent1">
+                  <a:shade val="50000"/>
+                </a:schemeClr>
+              </a:lnRef>
+              <a:fillRef idx="1">
+                <a:schemeClr val="accent1"/>
+              </a:fillRef>
+              <a:effectRef idx="0">
+                <a:schemeClr val="accent1"/>
+              </a:effectRef>
+              <a:fontRef idx="minor">
+                <a:schemeClr val="lt1"/>
+              </a:fontRef>
+            </p:style>
+            <p:txBody>
+              <a:bodyPr rtlCol="0" anchor="ctr"/>
+              <a:lstStyle/>
+              <a:p>
+                <a:pPr algn="ctr"/>
+                <a:endParaRPr kumimoji="1" lang="ja-JP" altLang="en-US"/>
+              </a:p>
+            </p:txBody>
+          </p:sp>
+          <p:sp>
+            <p:nvSpPr>
+              <p:cNvPr id="7" name="円/楕円 38">
+                <a:extLst>
+                  <a:ext uri="{FF2B5EF4-FFF2-40B4-BE49-F238E27FC236}">
+                    <a16:creationId xmlns:a16="http://schemas.microsoft.com/office/drawing/2014/main" id="{B7D9DAFC-1467-C845-9E9B-ABC104832190}"/>
+                  </a:ext>
+                </a:extLst>
+              </p:cNvPr>
+              <p:cNvSpPr/>
+              <p:nvPr/>
+            </p:nvSpPr>
+            <p:spPr>
+              <a:xfrm>
+                <a:off x="2797631" y="3220271"/>
+                <a:ext cx="304800" cy="304800"/>
+              </a:xfrm>
+              <a:prstGeom prst="ellipse">
+                <a:avLst/>
+              </a:prstGeom>
+              <a:solidFill>
+                <a:srgbClr val="EF4111"/>
+              </a:solidFill>
+              <a:ln>
+                <a:solidFill>
+                  <a:schemeClr val="tx1"/>
+                </a:solidFill>
+              </a:ln>
+            </p:spPr>
+            <p:style>
+              <a:lnRef idx="2">
+                <a:schemeClr val="accent1">
+                  <a:shade val="50000"/>
+                </a:schemeClr>
+              </a:lnRef>
+              <a:fillRef idx="1">
+                <a:schemeClr val="accent1"/>
+              </a:fillRef>
+              <a:effectRef idx="0">
+                <a:schemeClr val="accent1"/>
+              </a:effectRef>
+              <a:fontRef idx="minor">
+                <a:schemeClr val="lt1"/>
+              </a:fontRef>
+            </p:style>
+            <p:txBody>
+              <a:bodyPr rtlCol="0" anchor="ctr"/>
+              <a:lstStyle/>
+              <a:p>
+                <a:pPr algn="ctr"/>
+                <a:endParaRPr kumimoji="1" lang="ja-JP" altLang="en-US"/>
+              </a:p>
+            </p:txBody>
+          </p:sp>
+          <p:sp>
+            <p:nvSpPr>
+              <p:cNvPr id="8" name="テキスト ボックス 7">
+                <a:extLst>
+                  <a:ext uri="{FF2B5EF4-FFF2-40B4-BE49-F238E27FC236}">
+                    <a16:creationId xmlns:a16="http://schemas.microsoft.com/office/drawing/2014/main" id="{EA8B8708-F6C1-2A40-95D1-A6CE87434D23}"/>
+                  </a:ext>
+                </a:extLst>
+              </p:cNvPr>
+              <p:cNvSpPr txBox="1"/>
+              <p:nvPr/>
+            </p:nvSpPr>
+            <p:spPr>
+              <a:xfrm>
+                <a:off x="1892030" y="2440742"/>
+                <a:ext cx="2389239" cy="442674"/>
+              </a:xfrm>
+              <a:prstGeom prst="roundRect">
+                <a:avLst/>
+              </a:prstGeom>
+              <a:ln w="12700"/>
+            </p:spPr>
+            <p:style>
+              <a:lnRef idx="2">
+                <a:schemeClr val="dk1"/>
+              </a:lnRef>
+              <a:fillRef idx="1">
+                <a:schemeClr val="lt1"/>
+              </a:fillRef>
+              <a:effectRef idx="0">
+                <a:schemeClr val="dk1"/>
+              </a:effectRef>
+              <a:fontRef idx="minor">
+                <a:schemeClr val="dk1"/>
+              </a:fontRef>
+            </p:style>
+            <p:txBody>
+              <a:bodyPr wrap="none" rtlCol="0">
+                <a:spAutoFit/>
+              </a:bodyPr>
+              <a:lstStyle/>
+              <a:p>
+                <a:r>
+                  <a:rPr kumimoji="1" lang="ja-JP" altLang="en-US" sz="2000" dirty="0"/>
+                  <a:t>アンサンブル識別器</a:t>
+                </a:r>
+              </a:p>
+            </p:txBody>
+          </p:sp>
+        </p:grpSp>
+        <p:sp>
+          <p:nvSpPr>
+            <p:cNvPr id="9" name="テキスト ボックス 8">
+              <a:extLst>
+                <a:ext uri="{FF2B5EF4-FFF2-40B4-BE49-F238E27FC236}">
+                  <a16:creationId xmlns:a16="http://schemas.microsoft.com/office/drawing/2014/main" id="{0FE40FD5-9837-934E-8E50-AFB8693A97C0}"/>
+                </a:ext>
+              </a:extLst>
+            </p:cNvPr>
+            <p:cNvSpPr txBox="1"/>
+            <p:nvPr/>
+          </p:nvSpPr>
+          <p:spPr>
+            <a:xfrm>
+              <a:off x="2036647" y="2514600"/>
+              <a:ext cx="633507" cy="369332"/>
+            </a:xfrm>
+            <a:prstGeom prst="rect">
+              <a:avLst/>
+            </a:prstGeom>
+            <a:noFill/>
+          </p:spPr>
+          <p:txBody>
+            <a:bodyPr wrap="none" rtlCol="0">
+              <a:spAutoFit/>
+            </a:bodyPr>
+            <a:lstStyle/>
+            <a:p>
+              <a:r>
+                <a:rPr kumimoji="1" lang="en-US" altLang="ja-JP"/>
+                <a:t>0.40</a:t>
+              </a:r>
+              <a:endParaRPr kumimoji="1" lang="ja-JP" altLang="en-US"/>
+            </a:p>
+          </p:txBody>
+        </p:sp>
+        <p:sp>
+          <p:nvSpPr>
+            <p:cNvPr id="10" name="テキスト ボックス 9">
+              <a:extLst>
+                <a:ext uri="{FF2B5EF4-FFF2-40B4-BE49-F238E27FC236}">
+                  <a16:creationId xmlns:a16="http://schemas.microsoft.com/office/drawing/2014/main" id="{ABD38B3E-5448-8D4D-BE6B-7544C4D02368}"/>
+                </a:ext>
+              </a:extLst>
+            </p:cNvPr>
+            <p:cNvSpPr txBox="1"/>
+            <p:nvPr/>
+          </p:nvSpPr>
+          <p:spPr>
+            <a:xfrm>
+              <a:off x="3219496" y="2514600"/>
+              <a:ext cx="633507" cy="369332"/>
+            </a:xfrm>
+            <a:prstGeom prst="rect">
+              <a:avLst/>
+            </a:prstGeom>
+            <a:noFill/>
+          </p:spPr>
+          <p:txBody>
+            <a:bodyPr wrap="none" rtlCol="0">
+              <a:spAutoFit/>
+            </a:bodyPr>
+            <a:lstStyle/>
+            <a:p>
+              <a:r>
+                <a:rPr kumimoji="1" lang="en-US" altLang="ja-JP"/>
+                <a:t>0.80</a:t>
+              </a:r>
+              <a:endParaRPr kumimoji="1" lang="ja-JP" altLang="en-US"/>
+            </a:p>
+          </p:txBody>
+        </p:sp>
+        <p:sp>
+          <p:nvSpPr>
+            <p:cNvPr id="11" name="テキスト ボックス 10">
+              <a:extLst>
+                <a:ext uri="{FF2B5EF4-FFF2-40B4-BE49-F238E27FC236}">
+                  <a16:creationId xmlns:a16="http://schemas.microsoft.com/office/drawing/2014/main" id="{186F5D1F-D469-7142-988E-758008F188DF}"/>
+                </a:ext>
+              </a:extLst>
+            </p:cNvPr>
+            <p:cNvSpPr txBox="1"/>
+            <p:nvPr/>
+          </p:nvSpPr>
+          <p:spPr>
+            <a:xfrm>
+              <a:off x="4414298" y="2514600"/>
+              <a:ext cx="633507" cy="369332"/>
+            </a:xfrm>
+            <a:prstGeom prst="rect">
+              <a:avLst/>
+            </a:prstGeom>
+            <a:noFill/>
+          </p:spPr>
+          <p:txBody>
+            <a:bodyPr wrap="none" rtlCol="0">
+              <a:spAutoFit/>
+            </a:bodyPr>
+            <a:lstStyle/>
+            <a:p>
+              <a:r>
+                <a:rPr kumimoji="1" lang="en-US" altLang="ja-JP"/>
+                <a:t>0.30</a:t>
+              </a:r>
+              <a:endParaRPr kumimoji="1" lang="ja-JP" altLang="en-US"/>
+            </a:p>
+          </p:txBody>
+        </p:sp>
+      </p:grpSp>
+      <p:sp>
+        <p:nvSpPr>
+          <p:cNvPr id="13" name="コンテンツ プレースホルダー 2">
+            <a:extLst>
+              <a:ext uri="{FF2B5EF4-FFF2-40B4-BE49-F238E27FC236}">
+                <a16:creationId xmlns:a16="http://schemas.microsoft.com/office/drawing/2014/main" id="{13E6EA0F-EBC8-A94F-97D4-A9AF35CDC8A4}"/>
+              </a:ext>
+            </a:extLst>
+          </p:cNvPr>
+          <p:cNvSpPr txBox="1">
+            <a:spLocks/>
+          </p:cNvSpPr>
+          <p:nvPr/>
+        </p:nvSpPr>
+        <p:spPr bwMode="auto">
+          <a:xfrm>
+            <a:off x="657726" y="1413469"/>
+            <a:ext cx="7267074" cy="1429491"/>
+          </a:xfrm>
+          <a:prstGeom prst="rect">
+            <a:avLst/>
+          </a:prstGeom>
+          <a:noFill/>
+          <a:ln>
+            <a:noFill/>
+          </a:ln>
+          <a:extLst>
+            <a:ext uri="{909E8E84-426E-40DD-AFC4-6F175D3DCCD1}">
+              <a14:hiddenFill xmlns:a14="http://schemas.microsoft.com/office/drawing/2010/main">
+                <a:solidFill>
+                  <a:srgbClr val="FFFFFF"/>
+                </a:solidFill>
+              </a14:hiddenFill>
+            </a:ext>
+            <a:ext uri="{91240B29-F687-4F45-9708-019B960494DF}">
+              <a14:hiddenLine xmlns:a14="http://schemas.microsoft.com/office/drawing/2010/main" w="9525">
+                <a:solidFill>
+                  <a:srgbClr val="000000"/>
+                </a:solidFill>
+                <a:miter lim="800000"/>
+                <a:headEnd/>
+                <a:tailEnd/>
+              </a14:hiddenLine>
+            </a:ext>
+          </a:extLst>
+        </p:spPr>
+        <p:txBody>
+          <a:bodyPr vert="horz" wrap="square" lIns="91440" tIns="45720" rIns="91440" bIns="45720" numCol="1" anchor="t" anchorCtr="0" compatLnSpc="1">
+            <a:prstTxWarp prst="textNoShape">
+              <a:avLst/>
+            </a:prstTxWarp>
+          </a:bodyPr>
+          <a:lstStyle>
+            <a:lvl1pPr marL="342900" indent="-342900" algn="l" rtl="0" eaLnBrk="0" fontAlgn="base" hangingPunct="0">
+              <a:spcBef>
+                <a:spcPct val="20000"/>
+              </a:spcBef>
+              <a:spcAft>
+                <a:spcPct val="0"/>
+              </a:spcAft>
+              <a:buChar char="•"/>
+              <a:defRPr kumimoji="1" sz="3200">
+                <a:solidFill>
+                  <a:schemeClr val="tx1"/>
+                </a:solidFill>
+                <a:latin typeface="+mn-lt"/>
+                <a:ea typeface="+mn-ea"/>
+                <a:cs typeface="+mn-cs"/>
+              </a:defRPr>
+            </a:lvl1pPr>
+            <a:lvl2pPr marL="742950" indent="-285750" algn="l" rtl="0" eaLnBrk="0" fontAlgn="base" hangingPunct="0">
+              <a:spcBef>
+                <a:spcPct val="20000"/>
+              </a:spcBef>
+              <a:spcAft>
+                <a:spcPct val="0"/>
+              </a:spcAft>
+              <a:buChar char="–"/>
+              <a:defRPr kumimoji="1" sz="2800">
+                <a:solidFill>
+                  <a:schemeClr val="tx1"/>
+                </a:solidFill>
+                <a:latin typeface="+mn-lt"/>
+                <a:ea typeface="+mn-ea"/>
+              </a:defRPr>
+            </a:lvl2pPr>
+            <a:lvl3pPr marL="1143000" indent="-228600" algn="l" rtl="0" eaLnBrk="0" fontAlgn="base" hangingPunct="0">
+              <a:spcBef>
+                <a:spcPct val="20000"/>
+              </a:spcBef>
+              <a:spcAft>
+                <a:spcPct val="0"/>
+              </a:spcAft>
+              <a:buChar char="•"/>
+              <a:defRPr kumimoji="1" sz="2400">
+                <a:solidFill>
+                  <a:schemeClr val="tx1"/>
+                </a:solidFill>
+                <a:latin typeface="+mn-lt"/>
+                <a:ea typeface="+mn-ea"/>
+              </a:defRPr>
+            </a:lvl3pPr>
+            <a:lvl4pPr marL="1600200" indent="-228600" algn="l" rtl="0" eaLnBrk="0" fontAlgn="base" hangingPunct="0">
+              <a:spcBef>
+                <a:spcPct val="20000"/>
+              </a:spcBef>
+              <a:spcAft>
+                <a:spcPct val="0"/>
+              </a:spcAft>
+              <a:buChar char="–"/>
+              <a:defRPr kumimoji="1" sz="2000">
+                <a:solidFill>
+                  <a:schemeClr val="tx1"/>
+                </a:solidFill>
+                <a:latin typeface="+mn-lt"/>
+                <a:ea typeface="+mn-ea"/>
+              </a:defRPr>
+            </a:lvl4pPr>
+            <a:lvl5pPr marL="2057400" indent="-228600" algn="l" rtl="0" eaLnBrk="0" fontAlgn="base" hangingPunct="0">
+              <a:spcBef>
+                <a:spcPct val="20000"/>
+              </a:spcBef>
+              <a:spcAft>
+                <a:spcPct val="0"/>
+              </a:spcAft>
+              <a:buChar char="»"/>
+              <a:defRPr kumimoji="1" sz="2000">
+                <a:solidFill>
+                  <a:schemeClr val="tx1"/>
+                </a:solidFill>
+                <a:latin typeface="+mn-lt"/>
+                <a:ea typeface="+mn-ea"/>
+              </a:defRPr>
+            </a:lvl5pPr>
+            <a:lvl6pPr marL="2514600" indent="-228600" algn="l" rtl="0" fontAlgn="base">
+              <a:spcBef>
+                <a:spcPct val="20000"/>
+              </a:spcBef>
+              <a:spcAft>
+                <a:spcPct val="0"/>
+              </a:spcAft>
+              <a:buChar char="»"/>
+              <a:defRPr kumimoji="1" sz="2000">
+                <a:solidFill>
+                  <a:schemeClr val="tx1"/>
+                </a:solidFill>
+                <a:latin typeface="+mn-lt"/>
+                <a:ea typeface="+mn-ea"/>
+              </a:defRPr>
+            </a:lvl6pPr>
+            <a:lvl7pPr marL="2971800" indent="-228600" algn="l" rtl="0" fontAlgn="base">
+              <a:spcBef>
+                <a:spcPct val="20000"/>
+              </a:spcBef>
+              <a:spcAft>
+                <a:spcPct val="0"/>
+              </a:spcAft>
+              <a:buChar char="»"/>
+              <a:defRPr kumimoji="1" sz="2000">
+                <a:solidFill>
+                  <a:schemeClr val="tx1"/>
+                </a:solidFill>
+                <a:latin typeface="+mn-lt"/>
+                <a:ea typeface="+mn-ea"/>
+              </a:defRPr>
+            </a:lvl7pPr>
+            <a:lvl8pPr marL="3429000" indent="-228600" algn="l" rtl="0" fontAlgn="base">
+              <a:spcBef>
+                <a:spcPct val="20000"/>
+              </a:spcBef>
+              <a:spcAft>
+                <a:spcPct val="0"/>
+              </a:spcAft>
+              <a:buChar char="»"/>
+              <a:defRPr kumimoji="1" sz="2000">
+                <a:solidFill>
+                  <a:schemeClr val="tx1"/>
+                </a:solidFill>
+                <a:latin typeface="+mn-lt"/>
+                <a:ea typeface="+mn-ea"/>
+              </a:defRPr>
+            </a:lvl8pPr>
+            <a:lvl9pPr marL="3886200" indent="-228600" algn="l" rtl="0" fontAlgn="base">
+              <a:spcBef>
+                <a:spcPct val="20000"/>
+              </a:spcBef>
+              <a:spcAft>
+                <a:spcPct val="0"/>
+              </a:spcAft>
+              <a:buChar char="»"/>
+              <a:defRPr kumimoji="1" sz="2000">
+                <a:solidFill>
+                  <a:schemeClr val="tx1"/>
+                </a:solidFill>
+                <a:latin typeface="+mn-lt"/>
+                <a:ea typeface="+mn-ea"/>
+              </a:defRPr>
+            </a:lvl9pPr>
+          </a:lstStyle>
+          <a:p>
+            <a:pPr marL="0" indent="0">
+              <a:buNone/>
+            </a:pPr>
+            <a:r>
+              <a:rPr lang="ja-JP" altLang="en-US" sz="2800" kern="0" dirty="0"/>
+              <a:t>各弱識別器の全学習用データに対する識別率を重みとして与えた重み付け多数決</a:t>
+            </a:r>
+            <a:r>
+              <a:rPr lang="en-US" altLang="ja-JP" sz="2800" kern="0" dirty="0"/>
+              <a:t/>
+            </a:r>
+            <a:br>
+              <a:rPr lang="en-US" altLang="ja-JP" sz="2800" kern="0" dirty="0"/>
+            </a:br>
+            <a:r>
+              <a:rPr lang="ja-JP" altLang="en-US" sz="2800" kern="0" dirty="0"/>
+              <a:t>による識別．</a:t>
+            </a:r>
+            <a:endParaRPr lang="en-US" altLang="ja-JP" sz="2800" kern="0" dirty="0"/>
+          </a:p>
+        </p:txBody>
+      </p:sp>
+      <p:cxnSp>
+        <p:nvCxnSpPr>
+          <p:cNvPr id="14" name="直線矢印コネクタ 13">
+            <a:extLst>
+              <a:ext uri="{FF2B5EF4-FFF2-40B4-BE49-F238E27FC236}">
+                <a16:creationId xmlns:a16="http://schemas.microsoft.com/office/drawing/2014/main" id="{02DFFC14-F2DE-6447-B194-638F7127860B}"/>
+              </a:ext>
+            </a:extLst>
+          </p:cNvPr>
+          <p:cNvCxnSpPr/>
+          <p:nvPr/>
+        </p:nvCxnSpPr>
+        <p:spPr>
+          <a:xfrm flipH="1">
+            <a:off x="1578567" y="4150029"/>
+            <a:ext cx="153" cy="1042763"/>
+          </a:xfrm>
+          <a:prstGeom prst="straightConnector1">
+            <a:avLst/>
+          </a:prstGeom>
+          <a:ln w="57150">
+            <a:solidFill>
+              <a:schemeClr val="accent2"/>
+            </a:solidFill>
+            <a:tailEnd type="triangle"/>
+          </a:ln>
+        </p:spPr>
+        <p:style>
+          <a:lnRef idx="1">
+            <a:schemeClr val="accent1"/>
+          </a:lnRef>
+          <a:fillRef idx="0">
+            <a:schemeClr val="accent1"/>
+          </a:fillRef>
+          <a:effectRef idx="0">
+            <a:schemeClr val="accent1"/>
+          </a:effectRef>
+          <a:fontRef idx="minor">
+            <a:schemeClr val="tx1"/>
+          </a:fontRef>
+        </p:style>
+      </p:cxnSp>
+      <p:cxnSp>
+        <p:nvCxnSpPr>
+          <p:cNvPr id="15" name="直線矢印コネクタ 14">
+            <a:extLst>
+              <a:ext uri="{FF2B5EF4-FFF2-40B4-BE49-F238E27FC236}">
+                <a16:creationId xmlns:a16="http://schemas.microsoft.com/office/drawing/2014/main" id="{4405E4FF-D4FC-B34F-9062-00E951DC6C0C}"/>
+              </a:ext>
+            </a:extLst>
+          </p:cNvPr>
+          <p:cNvCxnSpPr/>
+          <p:nvPr/>
+        </p:nvCxnSpPr>
+        <p:spPr>
+          <a:xfrm flipH="1">
+            <a:off x="2761415" y="4150029"/>
+            <a:ext cx="154" cy="1042763"/>
+          </a:xfrm>
+          <a:prstGeom prst="straightConnector1">
+            <a:avLst/>
+          </a:prstGeom>
+          <a:ln w="57150">
+            <a:solidFill>
+              <a:schemeClr val="accent2"/>
+            </a:solidFill>
+            <a:tailEnd type="triangle"/>
+          </a:ln>
+        </p:spPr>
+        <p:style>
+          <a:lnRef idx="1">
+            <a:schemeClr val="accent1"/>
+          </a:lnRef>
+          <a:fillRef idx="0">
+            <a:schemeClr val="accent1"/>
+          </a:fillRef>
+          <a:effectRef idx="0">
+            <a:schemeClr val="accent1"/>
+          </a:effectRef>
+          <a:fontRef idx="minor">
+            <a:schemeClr val="tx1"/>
+          </a:fontRef>
+        </p:style>
+      </p:cxnSp>
+      <p:cxnSp>
+        <p:nvCxnSpPr>
+          <p:cNvPr id="16" name="直線矢印コネクタ 15">
+            <a:extLst>
+              <a:ext uri="{FF2B5EF4-FFF2-40B4-BE49-F238E27FC236}">
+                <a16:creationId xmlns:a16="http://schemas.microsoft.com/office/drawing/2014/main" id="{ABC69ADD-8190-A848-ACE4-629250387335}"/>
+              </a:ext>
+            </a:extLst>
+          </p:cNvPr>
+          <p:cNvCxnSpPr/>
+          <p:nvPr/>
+        </p:nvCxnSpPr>
+        <p:spPr>
+          <a:xfrm flipH="1">
+            <a:off x="3944266" y="4150029"/>
+            <a:ext cx="153" cy="1042763"/>
+          </a:xfrm>
+          <a:prstGeom prst="straightConnector1">
+            <a:avLst/>
+          </a:prstGeom>
+          <a:ln w="57150">
+            <a:solidFill>
+              <a:schemeClr val="accent2"/>
+            </a:solidFill>
+            <a:tailEnd type="triangle"/>
+          </a:ln>
+        </p:spPr>
+        <p:style>
+          <a:lnRef idx="1">
+            <a:schemeClr val="accent1"/>
+          </a:lnRef>
+          <a:fillRef idx="0">
+            <a:schemeClr val="accent1"/>
+          </a:fillRef>
+          <a:effectRef idx="0">
+            <a:schemeClr val="accent1"/>
+          </a:effectRef>
+          <a:fontRef idx="minor">
+            <a:schemeClr val="tx1"/>
+          </a:fontRef>
+        </p:style>
+      </p:cxnSp>
+      <p:sp>
+        <p:nvSpPr>
+          <p:cNvPr id="17" name="テキスト ボックス 16">
+            <a:extLst>
+              <a:ext uri="{FF2B5EF4-FFF2-40B4-BE49-F238E27FC236}">
+                <a16:creationId xmlns:a16="http://schemas.microsoft.com/office/drawing/2014/main" id="{1F3D5143-F6DD-8349-B8E1-E676EBD19474}"/>
+              </a:ext>
+            </a:extLst>
+          </p:cNvPr>
+          <p:cNvSpPr txBox="1"/>
+          <p:nvPr/>
+        </p:nvSpPr>
+        <p:spPr>
+          <a:xfrm>
+            <a:off x="1206519" y="4430792"/>
+            <a:ext cx="3114470" cy="369332"/>
+          </a:xfrm>
+          <a:prstGeom prst="rect">
+            <a:avLst/>
+          </a:prstGeom>
+          <a:solidFill>
+            <a:schemeClr val="bg1"/>
+          </a:solidFill>
+          <a:ln w="19050">
+            <a:solidFill>
+              <a:schemeClr val="accent2">
+                <a:lumMod val="75000"/>
+              </a:schemeClr>
+            </a:solidFill>
+          </a:ln>
+        </p:spPr>
+        <p:txBody>
+          <a:bodyPr wrap="square" rtlCol="0">
+            <a:spAutoFit/>
+          </a:bodyPr>
+          <a:lstStyle/>
+          <a:p>
+            <a:pPr algn="ctr"/>
+            <a:r>
+              <a:rPr kumimoji="1" lang="ja-JP" altLang="en-US" b="1" dirty="0"/>
+              <a:t>パターンの識別</a:t>
+            </a:r>
+          </a:p>
+        </p:txBody>
+      </p:sp>
+      <p:sp>
+        <p:nvSpPr>
+          <p:cNvPr id="18" name="テキスト ボックス 17">
+            <a:extLst>
+              <a:ext uri="{FF2B5EF4-FFF2-40B4-BE49-F238E27FC236}">
+                <a16:creationId xmlns:a16="http://schemas.microsoft.com/office/drawing/2014/main" id="{90CE1CCB-37DD-4449-A19D-0853723C5D5E}"/>
+              </a:ext>
+            </a:extLst>
+          </p:cNvPr>
+          <p:cNvSpPr txBox="1"/>
+          <p:nvPr/>
+        </p:nvSpPr>
+        <p:spPr>
+          <a:xfrm>
+            <a:off x="1063041" y="5192792"/>
+            <a:ext cx="1022459" cy="646331"/>
+          </a:xfrm>
+          <a:prstGeom prst="rect">
+            <a:avLst/>
+          </a:prstGeom>
+          <a:noFill/>
+        </p:spPr>
+        <p:txBody>
+          <a:bodyPr wrap="none" rtlCol="0">
+            <a:spAutoFit/>
+          </a:bodyPr>
+          <a:lstStyle/>
+          <a:p>
+            <a:r>
+              <a:rPr lang="en-US" altLang="ja-JP" b="1" dirty="0"/>
+              <a:t>Class A</a:t>
+            </a:r>
+          </a:p>
+          <a:p>
+            <a:pPr algn="ctr"/>
+            <a:r>
+              <a:rPr lang="en-US" altLang="ja-JP" dirty="0"/>
+              <a:t>0.40</a:t>
+            </a:r>
+            <a:endParaRPr kumimoji="1" lang="ja-JP" altLang="en-US" dirty="0"/>
+          </a:p>
+        </p:txBody>
+      </p:sp>
+      <p:sp>
+        <p:nvSpPr>
+          <p:cNvPr id="19" name="テキスト ボックス 18">
+            <a:extLst>
+              <a:ext uri="{FF2B5EF4-FFF2-40B4-BE49-F238E27FC236}">
+                <a16:creationId xmlns:a16="http://schemas.microsoft.com/office/drawing/2014/main" id="{8C6FB0EA-78EB-AC47-978B-26AB67D1280D}"/>
+              </a:ext>
+            </a:extLst>
+          </p:cNvPr>
+          <p:cNvSpPr txBox="1"/>
+          <p:nvPr/>
+        </p:nvSpPr>
+        <p:spPr>
+          <a:xfrm>
+            <a:off x="2245889" y="5192792"/>
+            <a:ext cx="1031051" cy="646331"/>
+          </a:xfrm>
+          <a:prstGeom prst="rect">
+            <a:avLst/>
+          </a:prstGeom>
+          <a:noFill/>
+        </p:spPr>
+        <p:txBody>
+          <a:bodyPr wrap="none" rtlCol="0">
+            <a:spAutoFit/>
+          </a:bodyPr>
+          <a:lstStyle/>
+          <a:p>
+            <a:r>
+              <a:rPr lang="en-US" altLang="ja-JP" b="1" dirty="0"/>
+              <a:t>Class B</a:t>
+            </a:r>
+          </a:p>
+          <a:p>
+            <a:pPr algn="ctr"/>
+            <a:r>
+              <a:rPr lang="en-US" altLang="ja-JP" dirty="0"/>
+              <a:t>0.80</a:t>
+            </a:r>
+            <a:endParaRPr kumimoji="1" lang="ja-JP" altLang="en-US" dirty="0"/>
+          </a:p>
+        </p:txBody>
+      </p:sp>
+      <p:sp>
+        <p:nvSpPr>
+          <p:cNvPr id="20" name="テキスト ボックス 19">
+            <a:extLst>
+              <a:ext uri="{FF2B5EF4-FFF2-40B4-BE49-F238E27FC236}">
+                <a16:creationId xmlns:a16="http://schemas.microsoft.com/office/drawing/2014/main" id="{C6314D73-DC41-474F-BA2A-34E4F47B77B5}"/>
+              </a:ext>
+            </a:extLst>
+          </p:cNvPr>
+          <p:cNvSpPr txBox="1"/>
+          <p:nvPr/>
+        </p:nvSpPr>
+        <p:spPr>
+          <a:xfrm>
+            <a:off x="3428737" y="5192792"/>
+            <a:ext cx="1022459" cy="646331"/>
+          </a:xfrm>
+          <a:prstGeom prst="rect">
+            <a:avLst/>
+          </a:prstGeom>
+          <a:noFill/>
+        </p:spPr>
+        <p:txBody>
+          <a:bodyPr wrap="none" rtlCol="0">
+            <a:spAutoFit/>
+          </a:bodyPr>
+          <a:lstStyle/>
+          <a:p>
+            <a:r>
+              <a:rPr lang="en-US" altLang="ja-JP" b="1" dirty="0"/>
+              <a:t>Class A</a:t>
+            </a:r>
+          </a:p>
+          <a:p>
+            <a:pPr algn="ctr"/>
+            <a:r>
+              <a:rPr lang="en-US" altLang="ja-JP" dirty="0"/>
+              <a:t>0.30</a:t>
+            </a:r>
+            <a:endParaRPr kumimoji="1" lang="ja-JP" altLang="en-US" dirty="0"/>
+          </a:p>
+        </p:txBody>
+      </p:sp>
+      <p:sp>
+        <p:nvSpPr>
+          <p:cNvPr id="21" name="テキスト ボックス 20">
+            <a:extLst>
+              <a:ext uri="{FF2B5EF4-FFF2-40B4-BE49-F238E27FC236}">
+                <a16:creationId xmlns:a16="http://schemas.microsoft.com/office/drawing/2014/main" id="{76F171B0-23AD-7F44-A71B-893219A67ADF}"/>
+              </a:ext>
+            </a:extLst>
+          </p:cNvPr>
+          <p:cNvSpPr txBox="1"/>
+          <p:nvPr/>
+        </p:nvSpPr>
+        <p:spPr>
+          <a:xfrm>
+            <a:off x="5471651" y="4487347"/>
+            <a:ext cx="1910452" cy="408623"/>
+          </a:xfrm>
+          <a:prstGeom prst="roundRect">
+            <a:avLst/>
+          </a:prstGeom>
+          <a:solidFill>
+            <a:schemeClr val="bg1"/>
+          </a:solidFill>
+          <a:ln w="19050">
+            <a:solidFill>
+              <a:schemeClr val="accent2">
+                <a:lumMod val="75000"/>
+              </a:schemeClr>
+            </a:solidFill>
+          </a:ln>
+        </p:spPr>
+        <p:txBody>
+          <a:bodyPr wrap="square" rtlCol="0" anchor="ctr">
+            <a:spAutoFit/>
+          </a:bodyPr>
+          <a:lstStyle/>
+          <a:p>
+            <a:pPr algn="ctr"/>
+            <a:r>
+              <a:rPr lang="ja-JP" altLang="en-US" b="1" dirty="0"/>
+              <a:t>多数決投票結果</a:t>
+            </a:r>
+            <a:endParaRPr kumimoji="1" lang="ja-JP" altLang="en-US" b="1" dirty="0"/>
+          </a:p>
+        </p:txBody>
+      </p:sp>
+      <p:sp>
+        <p:nvSpPr>
+          <p:cNvPr id="22" name="テキスト ボックス 21">
+            <a:extLst>
+              <a:ext uri="{FF2B5EF4-FFF2-40B4-BE49-F238E27FC236}">
+                <a16:creationId xmlns:a16="http://schemas.microsoft.com/office/drawing/2014/main" id="{317045CF-5F01-474C-B578-D8731F6C8C08}"/>
+              </a:ext>
+            </a:extLst>
+          </p:cNvPr>
+          <p:cNvSpPr txBox="1"/>
+          <p:nvPr/>
+        </p:nvSpPr>
+        <p:spPr>
+          <a:xfrm>
+            <a:off x="5665778" y="4927937"/>
+            <a:ext cx="3020405" cy="1015663"/>
+          </a:xfrm>
+          <a:prstGeom prst="rect">
+            <a:avLst/>
+          </a:prstGeom>
+          <a:noFill/>
+          <a:ln w="19050">
+            <a:noFill/>
+          </a:ln>
+        </p:spPr>
+        <p:txBody>
+          <a:bodyPr wrap="square" rtlCol="0" anchor="ctr">
+            <a:spAutoFit/>
+          </a:bodyPr>
+          <a:lstStyle/>
+          <a:p>
+            <a:r>
+              <a:rPr kumimoji="1" lang="en-US" altLang="ja-JP" sz="2000" dirty="0"/>
+              <a:t>Class A : 0.4 + 0.3 = 0.7</a:t>
+            </a:r>
+          </a:p>
+          <a:p>
+            <a:r>
+              <a:rPr lang="en-US" altLang="ja-JP" sz="2000" dirty="0"/>
+              <a:t>Class B : 0.8</a:t>
+            </a:r>
+          </a:p>
+          <a:p>
+            <a:r>
+              <a:rPr lang="ja-JP" altLang="en-US" sz="2000" dirty="0"/>
+              <a:t>⇒ 識別結果 </a:t>
+            </a:r>
+            <a:r>
+              <a:rPr lang="en-US" altLang="ja-JP" sz="2000" dirty="0"/>
+              <a:t>Class B</a:t>
+            </a:r>
+            <a:endParaRPr kumimoji="1" lang="ja-JP" altLang="en-US" sz="2000" dirty="0"/>
+          </a:p>
+        </p:txBody>
+      </p:sp>
+      <p:sp>
+        <p:nvSpPr>
+          <p:cNvPr id="23" name="右矢印 22">
+            <a:extLst>
+              <a:ext uri="{FF2B5EF4-FFF2-40B4-BE49-F238E27FC236}">
+                <a16:creationId xmlns:a16="http://schemas.microsoft.com/office/drawing/2014/main" id="{200E4169-03F5-AE45-8D99-5D923E5F8DC4}"/>
+              </a:ext>
+            </a:extLst>
+          </p:cNvPr>
+          <p:cNvSpPr/>
+          <p:nvPr/>
+        </p:nvSpPr>
+        <p:spPr>
+          <a:xfrm>
+            <a:off x="4810508" y="5088791"/>
+            <a:ext cx="495958" cy="577334"/>
+          </a:xfrm>
+          <a:prstGeom prst="rightArrow">
+            <a:avLst/>
+          </a:prstGeom>
+          <a:ln>
+            <a:solidFill>
+              <a:srgbClr val="002060"/>
+            </a:solidFill>
+          </a:ln>
+        </p:spPr>
+        <p:style>
+          <a:lnRef idx="2">
+            <a:schemeClr val="accent1">
+              <a:shade val="50000"/>
+            </a:schemeClr>
+          </a:lnRef>
+          <a:fillRef idx="1">
+            <a:schemeClr val="accent1"/>
+          </a:fillRef>
+          <a:effectRef idx="0">
+            <a:schemeClr val="accent1"/>
+          </a:effectRef>
+          <a:fontRef idx="minor">
+            <a:schemeClr val="lt1"/>
+          </a:fontRef>
+        </p:style>
+        <p:txBody>
+          <a:bodyPr rtlCol="0" anchor="ctr"/>
+          <a:lstStyle/>
+          <a:p>
+            <a:pPr algn="ctr"/>
+            <a:endParaRPr kumimoji="1" lang="ja-JP" altLang="en-US"/>
+          </a:p>
+        </p:txBody>
+      </p:sp>
+    </p:spTree>
+    <p:extLst>
+      <p:ext uri="{BB962C8B-B14F-4D97-AF65-F5344CB8AC3E}">
+        <p14:creationId xmlns:p14="http://schemas.microsoft.com/office/powerpoint/2010/main" val="542055210"/>
+      </p:ext>
+    </p:extLst>
+  </p:cSld>
+  <p:clrMapOvr>
+    <a:masterClrMapping/>
+  </p:clrMapOvr>
+  <p:timing>
+    <p:tnLst>
+      <p:par>
+        <p:cTn id="1" dur="indefinite" restart="never" nodeType="tmRoot"/>
+      </p:par>
+    </p:tnLst>
+  </p:timing>
+</p:sld>
+</file>
+
+<file path=ppt/slides/slide11.xml><?xml version="1.0" encoding="utf-8"?>
+<p:sld xmlns:a="http://schemas.openxmlformats.org/drawingml/2006/main" xmlns:r="http://schemas.openxmlformats.org/officeDocument/2006/relationships" xmlns:p="http://schemas.openxmlformats.org/presentationml/2006/main">
+  <p:cSld>
+    <p:spTree>
+      <p:nvGrpSpPr>
+        <p:cNvPr id="1" name=""/>
+        <p:cNvGrpSpPr/>
+        <p:nvPr/>
+      </p:nvGrpSpPr>
+      <p:grpSpPr>
+        <a:xfrm>
+          <a:off x="0" y="0"/>
+          <a:ext cx="0" cy="0"/>
+          <a:chOff x="0" y="0"/>
+          <a:chExt cx="0" cy="0"/>
+        </a:xfrm>
+      </p:grpSpPr>
+      <p:sp>
+        <p:nvSpPr>
+          <p:cNvPr id="3" name="コンテンツ プレースホルダー 2">
+            <a:extLst>
+              <a:ext uri="{FF2B5EF4-FFF2-40B4-BE49-F238E27FC236}">
+                <a16:creationId xmlns:a16="http://schemas.microsoft.com/office/drawing/2014/main" id="{D865383B-EC3F-5444-B0B7-2BC1AB06F20F}"/>
+              </a:ext>
+            </a:extLst>
+          </p:cNvPr>
+          <p:cNvSpPr txBox="1">
+            <a:spLocks/>
+          </p:cNvSpPr>
+          <p:nvPr/>
+        </p:nvSpPr>
+        <p:spPr>
+          <a:xfrm>
+            <a:off x="384958" y="1859477"/>
+            <a:ext cx="8378042" cy="4769923"/>
+          </a:xfrm>
+          <a:prstGeom prst="rect">
+            <a:avLst/>
+          </a:prstGeom>
+        </p:spPr>
+        <p:txBody>
+          <a:bodyPr/>
+          <a:lstStyle>
+            <a:lvl1pPr marL="342900" indent="-342900" algn="l" rtl="0" eaLnBrk="0" fontAlgn="base" hangingPunct="0">
+              <a:spcBef>
+                <a:spcPct val="20000"/>
+              </a:spcBef>
+              <a:spcAft>
+                <a:spcPct val="0"/>
+              </a:spcAft>
+              <a:buChar char="•"/>
+              <a:defRPr kumimoji="1" sz="3200">
+                <a:solidFill>
+                  <a:schemeClr val="tx1"/>
+                </a:solidFill>
+                <a:latin typeface="+mn-lt"/>
+                <a:ea typeface="+mn-ea"/>
+                <a:cs typeface="+mn-cs"/>
+              </a:defRPr>
+            </a:lvl1pPr>
+            <a:lvl2pPr marL="742950" indent="-285750" algn="l" rtl="0" eaLnBrk="0" fontAlgn="base" hangingPunct="0">
+              <a:spcBef>
+                <a:spcPct val="20000"/>
+              </a:spcBef>
+              <a:spcAft>
+                <a:spcPct val="0"/>
+              </a:spcAft>
+              <a:buChar char="–"/>
+              <a:defRPr kumimoji="1" sz="2800">
+                <a:solidFill>
+                  <a:schemeClr val="tx1"/>
+                </a:solidFill>
+                <a:latin typeface="+mn-lt"/>
+                <a:ea typeface="+mn-ea"/>
+              </a:defRPr>
+            </a:lvl2pPr>
+            <a:lvl3pPr marL="1143000" indent="-228600" algn="l" rtl="0" eaLnBrk="0" fontAlgn="base" hangingPunct="0">
+              <a:spcBef>
+                <a:spcPct val="20000"/>
+              </a:spcBef>
+              <a:spcAft>
+                <a:spcPct val="0"/>
+              </a:spcAft>
+              <a:buChar char="•"/>
+              <a:defRPr kumimoji="1" sz="2400">
+                <a:solidFill>
+                  <a:schemeClr val="tx1"/>
+                </a:solidFill>
+                <a:latin typeface="+mn-lt"/>
+                <a:ea typeface="+mn-ea"/>
+              </a:defRPr>
+            </a:lvl3pPr>
+            <a:lvl4pPr marL="1600200" indent="-228600" algn="l" rtl="0" eaLnBrk="0" fontAlgn="base" hangingPunct="0">
+              <a:spcBef>
+                <a:spcPct val="20000"/>
+              </a:spcBef>
+              <a:spcAft>
+                <a:spcPct val="0"/>
+              </a:spcAft>
+              <a:buChar char="–"/>
+              <a:defRPr kumimoji="1" sz="2000">
+                <a:solidFill>
+                  <a:schemeClr val="tx1"/>
+                </a:solidFill>
+                <a:latin typeface="+mn-lt"/>
+                <a:ea typeface="+mn-ea"/>
+              </a:defRPr>
+            </a:lvl4pPr>
+            <a:lvl5pPr marL="2057400" indent="-228600" algn="l" rtl="0" eaLnBrk="0" fontAlgn="base" hangingPunct="0">
+              <a:spcBef>
+                <a:spcPct val="20000"/>
+              </a:spcBef>
+              <a:spcAft>
+                <a:spcPct val="0"/>
+              </a:spcAft>
+              <a:buChar char="»"/>
+              <a:defRPr kumimoji="1" sz="2000">
+                <a:solidFill>
+                  <a:schemeClr val="tx1"/>
+                </a:solidFill>
+                <a:latin typeface="+mn-lt"/>
+                <a:ea typeface="+mn-ea"/>
+              </a:defRPr>
+            </a:lvl5pPr>
+            <a:lvl6pPr marL="2514600" indent="-228600" algn="l" rtl="0" fontAlgn="base">
+              <a:spcBef>
+                <a:spcPct val="20000"/>
+              </a:spcBef>
+              <a:spcAft>
+                <a:spcPct val="0"/>
+              </a:spcAft>
+              <a:buChar char="»"/>
+              <a:defRPr kumimoji="1" sz="2000">
+                <a:solidFill>
+                  <a:schemeClr val="tx1"/>
+                </a:solidFill>
+                <a:latin typeface="+mn-lt"/>
+                <a:ea typeface="+mn-ea"/>
+              </a:defRPr>
+            </a:lvl6pPr>
+            <a:lvl7pPr marL="2971800" indent="-228600" algn="l" rtl="0" fontAlgn="base">
+              <a:spcBef>
+                <a:spcPct val="20000"/>
+              </a:spcBef>
+              <a:spcAft>
+                <a:spcPct val="0"/>
+              </a:spcAft>
+              <a:buChar char="»"/>
+              <a:defRPr kumimoji="1" sz="2000">
+                <a:solidFill>
+                  <a:schemeClr val="tx1"/>
+                </a:solidFill>
+                <a:latin typeface="+mn-lt"/>
+                <a:ea typeface="+mn-ea"/>
+              </a:defRPr>
+            </a:lvl7pPr>
+            <a:lvl8pPr marL="3429000" indent="-228600" algn="l" rtl="0" fontAlgn="base">
+              <a:spcBef>
+                <a:spcPct val="20000"/>
+              </a:spcBef>
+              <a:spcAft>
+                <a:spcPct val="0"/>
+              </a:spcAft>
+              <a:buChar char="»"/>
+              <a:defRPr kumimoji="1" sz="2000">
+                <a:solidFill>
+                  <a:schemeClr val="tx1"/>
+                </a:solidFill>
+                <a:latin typeface="+mn-lt"/>
+                <a:ea typeface="+mn-ea"/>
+              </a:defRPr>
+            </a:lvl8pPr>
+            <a:lvl9pPr marL="3886200" indent="-228600" algn="l" rtl="0" fontAlgn="base">
+              <a:spcBef>
+                <a:spcPct val="20000"/>
+              </a:spcBef>
+              <a:spcAft>
+                <a:spcPct val="0"/>
+              </a:spcAft>
+              <a:buChar char="»"/>
+              <a:defRPr kumimoji="1" sz="2000">
+                <a:solidFill>
+                  <a:schemeClr val="tx1"/>
+                </a:solidFill>
+                <a:latin typeface="+mn-lt"/>
+                <a:ea typeface="+mn-ea"/>
+              </a:defRPr>
+            </a:lvl9pPr>
+          </a:lstStyle>
+          <a:p>
+            <a:r>
+              <a:rPr lang="ja-JP" altLang="en-US" sz="2800" dirty="0"/>
+              <a:t>使用するデータセット：</a:t>
+            </a:r>
+            <a:r>
+              <a:rPr lang="en-US" altLang="ja-JP" sz="2800" dirty="0" err="1"/>
+              <a:t>satimage</a:t>
+            </a:r>
+            <a:r>
+              <a:rPr lang="en-US" altLang="ja-JP" sz="2800" dirty="0"/>
+              <a:t>, phoneme</a:t>
+            </a:r>
+          </a:p>
+          <a:p>
+            <a:r>
+              <a:rPr lang="ja-JP" altLang="en-US" sz="2800" dirty="0"/>
+              <a:t>個体群サイズ：</a:t>
+            </a:r>
+            <a:r>
+              <a:rPr lang="en-US" altLang="ja-JP" sz="2800" dirty="0"/>
+              <a:t>300</a:t>
+            </a:r>
+          </a:p>
+          <a:p>
+            <a:r>
+              <a:rPr lang="ja-JP" altLang="en-US" sz="2800" dirty="0"/>
+              <a:t>世代数：</a:t>
+            </a:r>
+            <a:r>
+              <a:rPr lang="en-US" altLang="ja-JP" sz="2800" dirty="0"/>
+              <a:t>50,000</a:t>
+            </a:r>
+          </a:p>
+          <a:p>
+            <a:r>
+              <a:rPr lang="en-US" altLang="ja-JP" sz="2800" dirty="0"/>
+              <a:t>EMO</a:t>
+            </a:r>
+            <a:r>
+              <a:rPr lang="ja-JP" altLang="en-US" sz="2800" dirty="0"/>
+              <a:t>アルゴリズム：</a:t>
+            </a:r>
+            <a:r>
+              <a:rPr lang="en-US" altLang="ja-JP" sz="2800" dirty="0"/>
+              <a:t>NSGA-II</a:t>
+            </a:r>
+          </a:p>
+          <a:p>
+            <a:endParaRPr lang="en-US" altLang="ja-JP" sz="2800" dirty="0" smtClean="0"/>
+          </a:p>
+          <a:p>
+            <a:r>
+              <a:rPr lang="ja-JP" altLang="en-US" sz="2800" dirty="0" smtClean="0"/>
+              <a:t>過剰</a:t>
+            </a:r>
+            <a:r>
+              <a:rPr lang="ja-JP" altLang="en-US" sz="2800" dirty="0"/>
+              <a:t>適合</a:t>
+            </a:r>
+            <a:r>
+              <a:rPr lang="en-US" altLang="ja-JP" sz="2800" dirty="0"/>
+              <a:t> </a:t>
+            </a:r>
+            <a:r>
+              <a:rPr lang="ja-JP" altLang="en-US" sz="2800" dirty="0"/>
+              <a:t>あり</a:t>
+            </a:r>
+            <a:r>
+              <a:rPr lang="en-US" altLang="ja-JP" sz="2800" dirty="0"/>
+              <a:t>, </a:t>
+            </a:r>
+            <a:r>
+              <a:rPr lang="ja-JP" altLang="en-US" sz="2800" dirty="0" smtClean="0"/>
+              <a:t>なし</a:t>
+            </a:r>
+            <a:endParaRPr lang="en-US" altLang="ja-JP" sz="2800" dirty="0" smtClean="0"/>
+          </a:p>
+          <a:p>
+            <a:r>
+              <a:rPr lang="ja-JP" altLang="en-US" sz="2800" dirty="0" err="1" smtClean="0"/>
+              <a:t>っかかか</a:t>
+            </a:r>
+            <a:r>
+              <a:rPr lang="ja-JP" altLang="en-US" sz="2800" dirty="0" err="1"/>
+              <a:t>か</a:t>
+            </a:r>
+            <a:endParaRPr lang="en-US" altLang="ja-JP" sz="2800" dirty="0"/>
+          </a:p>
+          <a:p>
+            <a:endParaRPr lang="en-US" altLang="ja-JP" sz="2800" dirty="0"/>
+          </a:p>
+          <a:p>
+            <a:endParaRPr lang="en-US" altLang="ja-JP" sz="2800" dirty="0"/>
+          </a:p>
+        </p:txBody>
+      </p:sp>
+      <p:graphicFrame>
+        <p:nvGraphicFramePr>
+          <p:cNvPr id="5" name="表 4">
+            <a:extLst>
+              <a:ext uri="{FF2B5EF4-FFF2-40B4-BE49-F238E27FC236}">
+                <a16:creationId xmlns:a16="http://schemas.microsoft.com/office/drawing/2014/main" id="{C7B6EA56-2D13-AA49-91B4-9A28700BC5C0}"/>
+              </a:ext>
+            </a:extLst>
+          </p:cNvPr>
+          <p:cNvGraphicFramePr>
+            <a:graphicFrameLocks noGrp="1"/>
+          </p:cNvGraphicFramePr>
+          <p:nvPr>
+            <p:extLst>
+              <p:ext uri="{D42A27DB-BD31-4B8C-83A1-F6EECF244321}">
+                <p14:modId xmlns:p14="http://schemas.microsoft.com/office/powerpoint/2010/main" val="1727818457"/>
+              </p:ext>
+            </p:extLst>
+          </p:nvPr>
+        </p:nvGraphicFramePr>
+        <p:xfrm>
+          <a:off x="689757" y="1859477"/>
+          <a:ext cx="8225643" cy="3627120"/>
+        </p:xfrm>
+        <a:graphic>
+          <a:graphicData uri="http://schemas.openxmlformats.org/drawingml/2006/table">
+            <a:tbl>
+              <a:tblPr bandRow="1">
+                <a:tableStyleId>{F5AB1C69-6EDB-4FF4-983F-18BD219EF322}</a:tableStyleId>
+              </a:tblPr>
+              <a:tblGrid>
+                <a:gridCol w="3276600">
+                  <a:extLst>
+                    <a:ext uri="{9D8B030D-6E8A-4147-A177-3AD203B41FA5}">
+                      <a16:colId xmlns:a16="http://schemas.microsoft.com/office/drawing/2014/main" val="1754261082"/>
+                    </a:ext>
+                  </a:extLst>
+                </a:gridCol>
+                <a:gridCol w="381000">
+                  <a:extLst>
+                    <a:ext uri="{9D8B030D-6E8A-4147-A177-3AD203B41FA5}">
+                      <a16:colId xmlns:a16="http://schemas.microsoft.com/office/drawing/2014/main" val="1093669718"/>
+                    </a:ext>
+                  </a:extLst>
+                </a:gridCol>
+                <a:gridCol w="4568043">
+                  <a:extLst>
+                    <a:ext uri="{9D8B030D-6E8A-4147-A177-3AD203B41FA5}">
+                      <a16:colId xmlns:a16="http://schemas.microsoft.com/office/drawing/2014/main" val="969770553"/>
+                    </a:ext>
+                  </a:extLst>
+                </a:gridCol>
+              </a:tblGrid>
+              <a:tr h="370840">
+                <a:tc>
+                  <a:txBody>
+                    <a:bodyPr/>
+                    <a:lstStyle/>
+                    <a:p>
+                      <a:r>
+                        <a:rPr kumimoji="1" lang="ja-JP" altLang="en-US" sz="2800" dirty="0" smtClean="0"/>
+                        <a:t>試行回数</a:t>
+                      </a:r>
+                      <a:endParaRPr kumimoji="1" lang="ja-JP" altLang="en-US" sz="2800" dirty="0"/>
+                    </a:p>
+                  </a:txBody>
+                  <a:tcPr>
+                    <a:lnL w="12700" cap="flat" cmpd="sng" algn="ctr">
+                      <a:noFill/>
+                      <a:prstDash val="solid"/>
+                      <a:round/>
+                      <a:headEnd type="none" w="med" len="med"/>
+                      <a:tailEnd type="none" w="med" len="med"/>
+                    </a:lnL>
+                    <a:lnR w="12700" cap="flat" cmpd="sng" algn="ctr">
+                      <a:noFill/>
+                      <a:prstDash val="solid"/>
+                      <a:round/>
+                      <a:headEnd type="none" w="med" len="med"/>
+                      <a:tailEnd type="none" w="med" len="med"/>
+                    </a:lnR>
+                    <a:lnT w="12700" cap="flat" cmpd="sng" algn="ctr">
+                      <a:noFill/>
+                      <a:prstDash val="solid"/>
+                      <a:round/>
+                      <a:headEnd type="none" w="med" len="med"/>
+                      <a:tailEnd type="none" w="med" len="med"/>
+                    </a:lnT>
+                    <a:lnB w="12700" cap="flat" cmpd="sng" algn="ctr">
+                      <a:noFill/>
+                      <a:prstDash val="solid"/>
+                      <a:round/>
+                      <a:headEnd type="none" w="med" len="med"/>
+                      <a:tailEnd type="none" w="med" len="med"/>
+                    </a:lnB>
+                    <a:lnTlToBr w="12700" cmpd="sng">
+                      <a:noFill/>
+                      <a:prstDash val="solid"/>
+                    </a:lnTlToBr>
+                    <a:lnBlToTr w="12700" cmpd="sng">
+                      <a:noFill/>
+                      <a:prstDash val="solid"/>
+                    </a:lnBlToTr>
+                  </a:tcPr>
+                </a:tc>
+                <a:tc>
+                  <a:txBody>
+                    <a:bodyPr/>
+                    <a:lstStyle/>
+                    <a:p>
+                      <a:pPr algn="ctr"/>
+                      <a:r>
+                        <a:rPr kumimoji="1" lang="ja-JP" altLang="en-US" sz="2800" dirty="0" smtClean="0"/>
+                        <a:t>：</a:t>
+                      </a:r>
+                      <a:endParaRPr kumimoji="1" lang="ja-JP" altLang="en-US" sz="2800" dirty="0"/>
+                    </a:p>
+                  </a:txBody>
+                  <a:tcPr>
+                    <a:lnL w="12700" cap="flat" cmpd="sng" algn="ctr">
+                      <a:noFill/>
+                      <a:prstDash val="solid"/>
+                      <a:round/>
+                      <a:headEnd type="none" w="med" len="med"/>
+                      <a:tailEnd type="none" w="med" len="med"/>
+                    </a:lnL>
+                    <a:lnR w="12700" cap="flat" cmpd="sng" algn="ctr">
+                      <a:noFill/>
+                      <a:prstDash val="solid"/>
+                      <a:round/>
+                      <a:headEnd type="none" w="med" len="med"/>
+                      <a:tailEnd type="none" w="med" len="med"/>
+                    </a:lnR>
+                    <a:lnT w="12700" cap="flat" cmpd="sng" algn="ctr">
+                      <a:noFill/>
+                      <a:prstDash val="solid"/>
+                      <a:round/>
+                      <a:headEnd type="none" w="med" len="med"/>
+                      <a:tailEnd type="none" w="med" len="med"/>
+                    </a:lnT>
+                    <a:lnB w="12700" cap="flat" cmpd="sng" algn="ctr">
+                      <a:noFill/>
+                      <a:prstDash val="solid"/>
+                      <a:round/>
+                      <a:headEnd type="none" w="med" len="med"/>
+                      <a:tailEnd type="none" w="med" len="med"/>
+                    </a:lnB>
+                    <a:lnTlToBr w="12700" cmpd="sng">
+                      <a:noFill/>
+                      <a:prstDash val="solid"/>
+                    </a:lnTlToBr>
+                    <a:lnBlToTr w="12700" cmpd="sng">
+                      <a:noFill/>
+                      <a:prstDash val="solid"/>
+                    </a:lnBlToTr>
+                  </a:tcPr>
+                </a:tc>
+                <a:tc>
+                  <a:txBody>
+                    <a:bodyPr/>
+                    <a:lstStyle/>
+                    <a:p>
+                      <a:r>
+                        <a:rPr kumimoji="1" lang="en-US" altLang="ja-JP" sz="2800" dirty="0" smtClean="0"/>
+                        <a:t>10-fold cross-validation x 3</a:t>
+                      </a:r>
+                      <a:endParaRPr kumimoji="1" lang="ja-JP" altLang="en-US" sz="2800" dirty="0"/>
+                    </a:p>
+                  </a:txBody>
+                  <a:tcPr>
+                    <a:lnL w="12700" cap="flat" cmpd="sng" algn="ctr">
+                      <a:noFill/>
+                      <a:prstDash val="solid"/>
+                      <a:round/>
+                      <a:headEnd type="none" w="med" len="med"/>
+                      <a:tailEnd type="none" w="med" len="med"/>
+                    </a:lnL>
+                    <a:lnR w="12700" cap="flat" cmpd="sng" algn="ctr">
+                      <a:noFill/>
+                      <a:prstDash val="solid"/>
+                      <a:round/>
+                      <a:headEnd type="none" w="med" len="med"/>
+                      <a:tailEnd type="none" w="med" len="med"/>
+                    </a:lnR>
+                    <a:lnT w="12700" cap="flat" cmpd="sng" algn="ctr">
+                      <a:noFill/>
+                      <a:prstDash val="solid"/>
+                      <a:round/>
+                      <a:headEnd type="none" w="med" len="med"/>
+                      <a:tailEnd type="none" w="med" len="med"/>
+                    </a:lnT>
+                    <a:lnB w="12700" cap="flat" cmpd="sng" algn="ctr">
+                      <a:noFill/>
+                      <a:prstDash val="solid"/>
+                      <a:round/>
+                      <a:headEnd type="none" w="med" len="med"/>
+                      <a:tailEnd type="none" w="med" len="med"/>
+                    </a:lnB>
+                    <a:lnTlToBr w="12700" cmpd="sng">
+                      <a:noFill/>
+                      <a:prstDash val="solid"/>
+                    </a:lnTlToBr>
+                    <a:lnBlToTr w="12700" cmpd="sng">
+                      <a:noFill/>
+                      <a:prstDash val="solid"/>
+                    </a:lnBlToTr>
+                  </a:tcPr>
+                </a:tc>
+                <a:extLst>
+                  <a:ext uri="{0D108BD9-81ED-4DB2-BD59-A6C34878D82A}">
+                    <a16:rowId xmlns:a16="http://schemas.microsoft.com/office/drawing/2014/main" val="3323599683"/>
+                  </a:ext>
+                </a:extLst>
+              </a:tr>
+              <a:tr h="370840">
+                <a:tc>
+                  <a:txBody>
+                    <a:bodyPr/>
+                    <a:lstStyle/>
+                    <a:p>
+                      <a:r>
+                        <a:rPr kumimoji="1" lang="ja-JP" altLang="en-US" sz="2800" dirty="0"/>
+                        <a:t>世代数</a:t>
+                      </a:r>
+                    </a:p>
+                  </a:txBody>
+                  <a:tcPr>
+                    <a:lnL w="12700" cap="flat" cmpd="sng" algn="ctr">
+                      <a:noFill/>
+                      <a:prstDash val="solid"/>
+                      <a:round/>
+                      <a:headEnd type="none" w="med" len="med"/>
+                      <a:tailEnd type="none" w="med" len="med"/>
+                    </a:lnL>
+                    <a:lnR w="12700" cap="flat" cmpd="sng" algn="ctr">
+                      <a:noFill/>
+                      <a:prstDash val="solid"/>
+                      <a:round/>
+                      <a:headEnd type="none" w="med" len="med"/>
+                      <a:tailEnd type="none" w="med" len="med"/>
+                    </a:lnR>
+                    <a:lnT w="12700" cap="flat" cmpd="sng" algn="ctr">
+                      <a:noFill/>
+                      <a:prstDash val="solid"/>
+                      <a:round/>
+                      <a:headEnd type="none" w="med" len="med"/>
+                      <a:tailEnd type="none" w="med" len="med"/>
+                    </a:lnT>
+                    <a:lnB w="12700" cap="flat" cmpd="sng" algn="ctr">
+                      <a:noFill/>
+                      <a:prstDash val="solid"/>
+                      <a:round/>
+                      <a:headEnd type="none" w="med" len="med"/>
+                      <a:tailEnd type="none" w="med" len="med"/>
+                    </a:lnB>
+                    <a:lnTlToBr w="12700" cmpd="sng">
+                      <a:noFill/>
+                      <a:prstDash val="solid"/>
+                    </a:lnTlToBr>
+                    <a:lnBlToTr w="12700" cmpd="sng">
+                      <a:noFill/>
+                      <a:prstDash val="solid"/>
+                    </a:lnBlToTr>
+                  </a:tcPr>
+                </a:tc>
+                <a:tc>
+                  <a:txBody>
+                    <a:bodyPr/>
+                    <a:lstStyle/>
+                    <a:p>
+                      <a:pPr algn="ctr"/>
+                      <a:r>
+                        <a:rPr kumimoji="1" lang="ja-JP" altLang="en-US" sz="2800"/>
+                        <a:t>：</a:t>
+                      </a:r>
+                    </a:p>
+                  </a:txBody>
+                  <a:tcPr>
+                    <a:lnL w="12700" cap="flat" cmpd="sng" algn="ctr">
+                      <a:noFill/>
+                      <a:prstDash val="solid"/>
+                      <a:round/>
+                      <a:headEnd type="none" w="med" len="med"/>
+                      <a:tailEnd type="none" w="med" len="med"/>
+                    </a:lnL>
+                    <a:lnR w="12700" cap="flat" cmpd="sng" algn="ctr">
+                      <a:noFill/>
+                      <a:prstDash val="solid"/>
+                      <a:round/>
+                      <a:headEnd type="none" w="med" len="med"/>
+                      <a:tailEnd type="none" w="med" len="med"/>
+                    </a:lnR>
+                    <a:lnT w="12700" cap="flat" cmpd="sng" algn="ctr">
+                      <a:noFill/>
+                      <a:prstDash val="solid"/>
+                      <a:round/>
+                      <a:headEnd type="none" w="med" len="med"/>
+                      <a:tailEnd type="none" w="med" len="med"/>
+                    </a:lnT>
+                    <a:lnB w="12700" cap="flat" cmpd="sng" algn="ctr">
+                      <a:noFill/>
+                      <a:prstDash val="solid"/>
+                      <a:round/>
+                      <a:headEnd type="none" w="med" len="med"/>
+                      <a:tailEnd type="none" w="med" len="med"/>
+                    </a:lnB>
+                    <a:lnTlToBr w="12700" cmpd="sng">
+                      <a:noFill/>
+                      <a:prstDash val="solid"/>
+                    </a:lnTlToBr>
+                    <a:lnBlToTr w="12700" cmpd="sng">
+                      <a:noFill/>
+                      <a:prstDash val="solid"/>
+                    </a:lnBlToTr>
+                  </a:tcPr>
+                </a:tc>
+                <a:tc>
+                  <a:txBody>
+                    <a:bodyPr/>
+                    <a:lstStyle/>
+                    <a:p>
+                      <a:r>
+                        <a:rPr kumimoji="1" lang="en-US" altLang="ja-JP" sz="2800"/>
+                        <a:t>50,000</a:t>
+                      </a:r>
+                      <a:endParaRPr kumimoji="1" lang="ja-JP" altLang="en-US" sz="2800"/>
+                    </a:p>
+                  </a:txBody>
+                  <a:tcPr>
+                    <a:lnL w="12700" cap="flat" cmpd="sng" algn="ctr">
+                      <a:noFill/>
+                      <a:prstDash val="solid"/>
+                      <a:round/>
+                      <a:headEnd type="none" w="med" len="med"/>
+                      <a:tailEnd type="none" w="med" len="med"/>
+                    </a:lnL>
+                    <a:lnR w="12700" cap="flat" cmpd="sng" algn="ctr">
+                      <a:noFill/>
+                      <a:prstDash val="solid"/>
+                      <a:round/>
+                      <a:headEnd type="none" w="med" len="med"/>
+                      <a:tailEnd type="none" w="med" len="med"/>
+                    </a:lnR>
+                    <a:lnT w="12700" cap="flat" cmpd="sng" algn="ctr">
+                      <a:noFill/>
+                      <a:prstDash val="solid"/>
+                      <a:round/>
+                      <a:headEnd type="none" w="med" len="med"/>
+                      <a:tailEnd type="none" w="med" len="med"/>
+                    </a:lnT>
+                    <a:lnB w="12700" cap="flat" cmpd="sng" algn="ctr">
+                      <a:noFill/>
+                      <a:prstDash val="solid"/>
+                      <a:round/>
+                      <a:headEnd type="none" w="med" len="med"/>
+                      <a:tailEnd type="none" w="med" len="med"/>
+                    </a:lnB>
+                    <a:lnTlToBr w="12700" cmpd="sng">
+                      <a:noFill/>
+                      <a:prstDash val="solid"/>
+                    </a:lnTlToBr>
+                    <a:lnBlToTr w="12700" cmpd="sng">
+                      <a:noFill/>
+                      <a:prstDash val="solid"/>
+                    </a:lnBlToTr>
+                  </a:tcPr>
+                </a:tc>
+                <a:extLst>
+                  <a:ext uri="{0D108BD9-81ED-4DB2-BD59-A6C34878D82A}">
+                    <a16:rowId xmlns:a16="http://schemas.microsoft.com/office/drawing/2014/main" val="1649416475"/>
+                  </a:ext>
+                </a:extLst>
+              </a:tr>
+              <a:tr h="370840">
+                <a:tc>
+                  <a:txBody>
+                    <a:bodyPr/>
+                    <a:lstStyle/>
+                    <a:p>
+                      <a:r>
+                        <a:rPr kumimoji="1" lang="ja-JP" altLang="en-US" sz="2800"/>
+                        <a:t>個体群サイズ</a:t>
+                      </a:r>
+                    </a:p>
+                  </a:txBody>
+                  <a:tcPr>
+                    <a:lnL w="12700" cap="flat" cmpd="sng" algn="ctr">
+                      <a:noFill/>
+                      <a:prstDash val="solid"/>
+                      <a:round/>
+                      <a:headEnd type="none" w="med" len="med"/>
+                      <a:tailEnd type="none" w="med" len="med"/>
+                    </a:lnL>
+                    <a:lnR w="12700" cap="flat" cmpd="sng" algn="ctr">
+                      <a:noFill/>
+                      <a:prstDash val="solid"/>
+                      <a:round/>
+                      <a:headEnd type="none" w="med" len="med"/>
+                      <a:tailEnd type="none" w="med" len="med"/>
+                    </a:lnR>
+                    <a:lnT w="12700" cap="flat" cmpd="sng" algn="ctr">
+                      <a:noFill/>
+                      <a:prstDash val="solid"/>
+                      <a:round/>
+                      <a:headEnd type="none" w="med" len="med"/>
+                      <a:tailEnd type="none" w="med" len="med"/>
+                    </a:lnT>
+                    <a:lnB w="12700" cap="flat" cmpd="sng" algn="ctr">
+                      <a:noFill/>
+                      <a:prstDash val="solid"/>
+                      <a:round/>
+                      <a:headEnd type="none" w="med" len="med"/>
+                      <a:tailEnd type="none" w="med" len="med"/>
+                    </a:lnB>
+                    <a:lnTlToBr w="12700" cmpd="sng">
+                      <a:noFill/>
+                      <a:prstDash val="solid"/>
+                    </a:lnTlToBr>
+                    <a:lnBlToTr w="12700" cmpd="sng">
+                      <a:noFill/>
+                      <a:prstDash val="solid"/>
+                    </a:lnBlToTr>
+                  </a:tcPr>
+                </a:tc>
+                <a:tc>
+                  <a:txBody>
+                    <a:bodyPr/>
+                    <a:lstStyle/>
+                    <a:p>
+                      <a:pPr algn="ctr"/>
+                      <a:r>
+                        <a:rPr kumimoji="1" lang="ja-JP" altLang="en-US" sz="2800"/>
+                        <a:t>：</a:t>
+                      </a:r>
+                    </a:p>
+                  </a:txBody>
+                  <a:tcPr>
+                    <a:lnL w="12700" cap="flat" cmpd="sng" algn="ctr">
+                      <a:noFill/>
+                      <a:prstDash val="solid"/>
+                      <a:round/>
+                      <a:headEnd type="none" w="med" len="med"/>
+                      <a:tailEnd type="none" w="med" len="med"/>
+                    </a:lnL>
+                    <a:lnR w="12700" cap="flat" cmpd="sng" algn="ctr">
+                      <a:noFill/>
+                      <a:prstDash val="solid"/>
+                      <a:round/>
+                      <a:headEnd type="none" w="med" len="med"/>
+                      <a:tailEnd type="none" w="med" len="med"/>
+                    </a:lnR>
+                    <a:lnT w="12700" cap="flat" cmpd="sng" algn="ctr">
+                      <a:noFill/>
+                      <a:prstDash val="solid"/>
+                      <a:round/>
+                      <a:headEnd type="none" w="med" len="med"/>
+                      <a:tailEnd type="none" w="med" len="med"/>
+                    </a:lnT>
+                    <a:lnB w="12700" cap="flat" cmpd="sng" algn="ctr">
+                      <a:noFill/>
+                      <a:prstDash val="solid"/>
+                      <a:round/>
+                      <a:headEnd type="none" w="med" len="med"/>
+                      <a:tailEnd type="none" w="med" len="med"/>
+                    </a:lnB>
+                    <a:lnTlToBr w="12700" cmpd="sng">
+                      <a:noFill/>
+                      <a:prstDash val="solid"/>
+                    </a:lnTlToBr>
+                    <a:lnBlToTr w="12700" cmpd="sng">
+                      <a:noFill/>
+                      <a:prstDash val="solid"/>
+                    </a:lnBlToTr>
+                  </a:tcPr>
+                </a:tc>
+                <a:tc>
+                  <a:txBody>
+                    <a:bodyPr/>
+                    <a:lstStyle/>
+                    <a:p>
+                      <a:r>
+                        <a:rPr kumimoji="1" lang="en-US" altLang="ja-JP" sz="2800"/>
+                        <a:t>300</a:t>
+                      </a:r>
+                      <a:endParaRPr kumimoji="1" lang="ja-JP" altLang="en-US" sz="2800"/>
+                    </a:p>
+                  </a:txBody>
+                  <a:tcPr>
+                    <a:lnL w="12700" cap="flat" cmpd="sng" algn="ctr">
+                      <a:noFill/>
+                      <a:prstDash val="solid"/>
+                      <a:round/>
+                      <a:headEnd type="none" w="med" len="med"/>
+                      <a:tailEnd type="none" w="med" len="med"/>
+                    </a:lnL>
+                    <a:lnR w="12700" cap="flat" cmpd="sng" algn="ctr">
+                      <a:noFill/>
+                      <a:prstDash val="solid"/>
+                      <a:round/>
+                      <a:headEnd type="none" w="med" len="med"/>
+                      <a:tailEnd type="none" w="med" len="med"/>
+                    </a:lnR>
+                    <a:lnT w="12700" cap="flat" cmpd="sng" algn="ctr">
+                      <a:noFill/>
+                      <a:prstDash val="solid"/>
+                      <a:round/>
+                      <a:headEnd type="none" w="med" len="med"/>
+                      <a:tailEnd type="none" w="med" len="med"/>
+                    </a:lnT>
+                    <a:lnB w="12700" cap="flat" cmpd="sng" algn="ctr">
+                      <a:noFill/>
+                      <a:prstDash val="solid"/>
+                      <a:round/>
+                      <a:headEnd type="none" w="med" len="med"/>
+                      <a:tailEnd type="none" w="med" len="med"/>
+                    </a:lnB>
+                    <a:lnTlToBr w="12700" cmpd="sng">
+                      <a:noFill/>
+                      <a:prstDash val="solid"/>
+                    </a:lnTlToBr>
+                    <a:lnBlToTr w="12700" cmpd="sng">
+                      <a:noFill/>
+                      <a:prstDash val="solid"/>
+                    </a:lnBlToTr>
+                  </a:tcPr>
+                </a:tc>
+                <a:extLst>
+                  <a:ext uri="{0D108BD9-81ED-4DB2-BD59-A6C34878D82A}">
+                    <a16:rowId xmlns:a16="http://schemas.microsoft.com/office/drawing/2014/main" val="2290163968"/>
+                  </a:ext>
+                </a:extLst>
+              </a:tr>
+              <a:tr h="370840">
+                <a:tc>
+                  <a:txBody>
+                    <a:bodyPr/>
+                    <a:lstStyle/>
+                    <a:p>
+                      <a:r>
+                        <a:rPr kumimoji="1" lang="en-US" altLang="ja-JP" sz="2800" dirty="0"/>
+                        <a:t>EMO</a:t>
+                      </a:r>
+                      <a:r>
+                        <a:rPr kumimoji="1" lang="ja-JP" altLang="en-US" sz="2800" dirty="0"/>
+                        <a:t>アルゴリズム</a:t>
+                      </a:r>
+                    </a:p>
+                  </a:txBody>
+                  <a:tcPr>
+                    <a:lnL w="12700" cap="flat" cmpd="sng" algn="ctr">
+                      <a:noFill/>
+                      <a:prstDash val="solid"/>
+                      <a:round/>
+                      <a:headEnd type="none" w="med" len="med"/>
+                      <a:tailEnd type="none" w="med" len="med"/>
+                    </a:lnL>
+                    <a:lnR w="12700" cap="flat" cmpd="sng" algn="ctr">
+                      <a:noFill/>
+                      <a:prstDash val="solid"/>
+                      <a:round/>
+                      <a:headEnd type="none" w="med" len="med"/>
+                      <a:tailEnd type="none" w="med" len="med"/>
+                    </a:lnR>
+                    <a:lnT w="12700" cap="flat" cmpd="sng" algn="ctr">
+                      <a:noFill/>
+                      <a:prstDash val="solid"/>
+                      <a:round/>
+                      <a:headEnd type="none" w="med" len="med"/>
+                      <a:tailEnd type="none" w="med" len="med"/>
+                    </a:lnT>
+                    <a:lnB w="12700" cap="flat" cmpd="sng" algn="ctr">
+                      <a:noFill/>
+                      <a:prstDash val="solid"/>
+                      <a:round/>
+                      <a:headEnd type="none" w="med" len="med"/>
+                      <a:tailEnd type="none" w="med" len="med"/>
+                    </a:lnB>
+                    <a:lnTlToBr w="12700" cmpd="sng">
+                      <a:noFill/>
+                      <a:prstDash val="solid"/>
+                    </a:lnTlToBr>
+                    <a:lnBlToTr w="12700" cmpd="sng">
+                      <a:noFill/>
+                      <a:prstDash val="solid"/>
+                    </a:lnBlToTr>
+                  </a:tcPr>
+                </a:tc>
+                <a:tc>
+                  <a:txBody>
+                    <a:bodyPr/>
+                    <a:lstStyle/>
+                    <a:p>
+                      <a:pPr algn="ctr"/>
+                      <a:r>
+                        <a:rPr kumimoji="1" lang="ja-JP" altLang="en-US" sz="2800"/>
+                        <a:t>：</a:t>
+                      </a:r>
+                    </a:p>
+                  </a:txBody>
+                  <a:tcPr>
+                    <a:lnL w="12700" cap="flat" cmpd="sng" algn="ctr">
+                      <a:noFill/>
+                      <a:prstDash val="solid"/>
+                      <a:round/>
+                      <a:headEnd type="none" w="med" len="med"/>
+                      <a:tailEnd type="none" w="med" len="med"/>
+                    </a:lnL>
+                    <a:lnR w="12700" cap="flat" cmpd="sng" algn="ctr">
+                      <a:noFill/>
+                      <a:prstDash val="solid"/>
+                      <a:round/>
+                      <a:headEnd type="none" w="med" len="med"/>
+                      <a:tailEnd type="none" w="med" len="med"/>
+                    </a:lnR>
+                    <a:lnT w="12700" cap="flat" cmpd="sng" algn="ctr">
+                      <a:noFill/>
+                      <a:prstDash val="solid"/>
+                      <a:round/>
+                      <a:headEnd type="none" w="med" len="med"/>
+                      <a:tailEnd type="none" w="med" len="med"/>
+                    </a:lnT>
+                    <a:lnB w="12700" cap="flat" cmpd="sng" algn="ctr">
+                      <a:noFill/>
+                      <a:prstDash val="solid"/>
+                      <a:round/>
+                      <a:headEnd type="none" w="med" len="med"/>
+                      <a:tailEnd type="none" w="med" len="med"/>
+                    </a:lnB>
+                    <a:lnTlToBr w="12700" cmpd="sng">
+                      <a:noFill/>
+                      <a:prstDash val="solid"/>
+                    </a:lnTlToBr>
+                    <a:lnBlToTr w="12700" cmpd="sng">
+                      <a:noFill/>
+                      <a:prstDash val="solid"/>
+                    </a:lnBlToTr>
+                  </a:tcPr>
+                </a:tc>
+                <a:tc>
+                  <a:txBody>
+                    <a:bodyPr/>
+                    <a:lstStyle/>
+                    <a:p>
+                      <a:r>
+                        <a:rPr kumimoji="1" lang="en-US" altLang="ja-JP" sz="2800"/>
+                        <a:t>NSGA-II</a:t>
+                      </a:r>
+                      <a:endParaRPr kumimoji="1" lang="ja-JP" altLang="en-US" sz="2800"/>
+                    </a:p>
+                  </a:txBody>
+                  <a:tcPr>
+                    <a:lnL w="12700" cap="flat" cmpd="sng" algn="ctr">
+                      <a:noFill/>
+                      <a:prstDash val="solid"/>
+                      <a:round/>
+                      <a:headEnd type="none" w="med" len="med"/>
+                      <a:tailEnd type="none" w="med" len="med"/>
+                    </a:lnL>
+                    <a:lnR w="12700" cap="flat" cmpd="sng" algn="ctr">
+                      <a:noFill/>
+                      <a:prstDash val="solid"/>
+                      <a:round/>
+                      <a:headEnd type="none" w="med" len="med"/>
+                      <a:tailEnd type="none" w="med" len="med"/>
+                    </a:lnR>
+                    <a:lnT w="12700" cap="flat" cmpd="sng" algn="ctr">
+                      <a:noFill/>
+                      <a:prstDash val="solid"/>
+                      <a:round/>
+                      <a:headEnd type="none" w="med" len="med"/>
+                      <a:tailEnd type="none" w="med" len="med"/>
+                    </a:lnT>
+                    <a:lnB w="12700" cap="flat" cmpd="sng" algn="ctr">
+                      <a:noFill/>
+                      <a:prstDash val="solid"/>
+                      <a:round/>
+                      <a:headEnd type="none" w="med" len="med"/>
+                      <a:tailEnd type="none" w="med" len="med"/>
+                    </a:lnB>
+                    <a:lnTlToBr w="12700" cmpd="sng">
+                      <a:noFill/>
+                      <a:prstDash val="solid"/>
+                    </a:lnTlToBr>
+                    <a:lnBlToTr w="12700" cmpd="sng">
+                      <a:noFill/>
+                      <a:prstDash val="solid"/>
+                    </a:lnBlToTr>
+                  </a:tcPr>
+                </a:tc>
+                <a:extLst>
+                  <a:ext uri="{0D108BD9-81ED-4DB2-BD59-A6C34878D82A}">
+                    <a16:rowId xmlns:a16="http://schemas.microsoft.com/office/drawing/2014/main" val="2802779322"/>
+                  </a:ext>
+                </a:extLst>
+              </a:tr>
+              <a:tr h="370840">
+                <a:tc>
+                  <a:txBody>
+                    <a:bodyPr/>
+                    <a:lstStyle/>
+                    <a:p>
+                      <a:endParaRPr kumimoji="1" lang="ja-JP" altLang="en-US" sz="2800" dirty="0"/>
+                    </a:p>
+                  </a:txBody>
+                  <a:tcPr>
+                    <a:lnL w="12700" cap="flat" cmpd="sng" algn="ctr">
+                      <a:noFill/>
+                      <a:prstDash val="solid"/>
+                      <a:round/>
+                      <a:headEnd type="none" w="med" len="med"/>
+                      <a:tailEnd type="none" w="med" len="med"/>
+                    </a:lnL>
+                    <a:lnR w="12700" cap="flat" cmpd="sng" algn="ctr">
+                      <a:noFill/>
+                      <a:prstDash val="solid"/>
+                      <a:round/>
+                      <a:headEnd type="none" w="med" len="med"/>
+                      <a:tailEnd type="none" w="med" len="med"/>
+                    </a:lnR>
+                    <a:lnT w="12700" cap="flat" cmpd="sng" algn="ctr">
+                      <a:noFill/>
+                      <a:prstDash val="solid"/>
+                      <a:round/>
+                      <a:headEnd type="none" w="med" len="med"/>
+                      <a:tailEnd type="none" w="med" len="med"/>
+                    </a:lnT>
+                    <a:lnB w="12700" cap="flat" cmpd="sng" algn="ctr">
+                      <a:noFill/>
+                      <a:prstDash val="solid"/>
+                      <a:round/>
+                      <a:headEnd type="none" w="med" len="med"/>
+                      <a:tailEnd type="none" w="med" len="med"/>
+                    </a:lnB>
+                    <a:lnTlToBr w="12700" cmpd="sng">
+                      <a:noFill/>
+                      <a:prstDash val="solid"/>
+                    </a:lnTlToBr>
+                    <a:lnBlToTr w="12700" cmpd="sng">
+                      <a:noFill/>
+                      <a:prstDash val="solid"/>
+                    </a:lnBlToTr>
+                  </a:tcPr>
+                </a:tc>
+                <a:tc>
+                  <a:txBody>
+                    <a:bodyPr/>
+                    <a:lstStyle/>
+                    <a:p>
+                      <a:pPr algn="ctr"/>
+                      <a:endParaRPr kumimoji="1" lang="ja-JP" altLang="en-US" sz="2800"/>
+                    </a:p>
+                  </a:txBody>
+                  <a:tcPr>
+                    <a:lnL w="12700" cap="flat" cmpd="sng" algn="ctr">
+                      <a:noFill/>
+                      <a:prstDash val="solid"/>
+                      <a:round/>
+                      <a:headEnd type="none" w="med" len="med"/>
+                      <a:tailEnd type="none" w="med" len="med"/>
+                    </a:lnL>
+                    <a:lnR w="12700" cap="flat" cmpd="sng" algn="ctr">
+                      <a:noFill/>
+                      <a:prstDash val="solid"/>
+                      <a:round/>
+                      <a:headEnd type="none" w="med" len="med"/>
+                      <a:tailEnd type="none" w="med" len="med"/>
+                    </a:lnR>
+                    <a:lnT w="12700" cap="flat" cmpd="sng" algn="ctr">
+                      <a:noFill/>
+                      <a:prstDash val="solid"/>
+                      <a:round/>
+                      <a:headEnd type="none" w="med" len="med"/>
+                      <a:tailEnd type="none" w="med" len="med"/>
+                    </a:lnT>
+                    <a:lnB w="12700" cap="flat" cmpd="sng" algn="ctr">
+                      <a:noFill/>
+                      <a:prstDash val="solid"/>
+                      <a:round/>
+                      <a:headEnd type="none" w="med" len="med"/>
+                      <a:tailEnd type="none" w="med" len="med"/>
+                    </a:lnB>
+                    <a:lnTlToBr w="12700" cmpd="sng">
+                      <a:noFill/>
+                      <a:prstDash val="solid"/>
+                    </a:lnTlToBr>
+                    <a:lnBlToTr w="12700" cmpd="sng">
+                      <a:noFill/>
+                      <a:prstDash val="solid"/>
+                    </a:lnBlToTr>
+                  </a:tcPr>
+                </a:tc>
+                <a:tc>
+                  <a:txBody>
+                    <a:bodyPr/>
+                    <a:lstStyle/>
+                    <a:p>
+                      <a:endParaRPr kumimoji="1" lang="ja-JP" altLang="en-US" sz="2800" dirty="0"/>
+                    </a:p>
+                  </a:txBody>
+                  <a:tcPr>
+                    <a:lnL w="12700" cap="flat" cmpd="sng" algn="ctr">
+                      <a:noFill/>
+                      <a:prstDash val="solid"/>
+                      <a:round/>
+                      <a:headEnd type="none" w="med" len="med"/>
+                      <a:tailEnd type="none" w="med" len="med"/>
+                    </a:lnL>
+                    <a:lnR w="12700" cap="flat" cmpd="sng" algn="ctr">
+                      <a:noFill/>
+                      <a:prstDash val="solid"/>
+                      <a:round/>
+                      <a:headEnd type="none" w="med" len="med"/>
+                      <a:tailEnd type="none" w="med" len="med"/>
+                    </a:lnR>
+                    <a:lnT w="12700" cap="flat" cmpd="sng" algn="ctr">
+                      <a:noFill/>
+                      <a:prstDash val="solid"/>
+                      <a:round/>
+                      <a:headEnd type="none" w="med" len="med"/>
+                      <a:tailEnd type="none" w="med" len="med"/>
+                    </a:lnT>
+                    <a:lnB w="12700" cap="flat" cmpd="sng" algn="ctr">
+                      <a:noFill/>
+                      <a:prstDash val="solid"/>
+                      <a:round/>
+                      <a:headEnd type="none" w="med" len="med"/>
+                      <a:tailEnd type="none" w="med" len="med"/>
+                    </a:lnB>
+                    <a:lnTlToBr w="12700" cmpd="sng">
+                      <a:noFill/>
+                      <a:prstDash val="solid"/>
+                    </a:lnTlToBr>
+                    <a:lnBlToTr w="12700" cmpd="sng">
+                      <a:noFill/>
+                      <a:prstDash val="solid"/>
+                    </a:lnBlToTr>
+                  </a:tcPr>
+                </a:tc>
+                <a:extLst>
+                  <a:ext uri="{0D108BD9-81ED-4DB2-BD59-A6C34878D82A}">
+                    <a16:rowId xmlns:a16="http://schemas.microsoft.com/office/drawing/2014/main" val="4002199971"/>
+                  </a:ext>
+                </a:extLst>
+              </a:tr>
+              <a:tr h="370840">
+                <a:tc>
+                  <a:txBody>
+                    <a:bodyPr/>
+                    <a:lstStyle/>
+                    <a:p>
+                      <a:r>
+                        <a:rPr kumimoji="1" lang="ja-JP" altLang="en-US" sz="2800"/>
+                        <a:t>並列（島）分割数</a:t>
+                      </a:r>
+                    </a:p>
+                  </a:txBody>
+                  <a:tcPr>
+                    <a:lnL w="12700" cap="flat" cmpd="sng" algn="ctr">
+                      <a:noFill/>
+                      <a:prstDash val="solid"/>
+                      <a:round/>
+                      <a:headEnd type="none" w="med" len="med"/>
+                      <a:tailEnd type="none" w="med" len="med"/>
+                    </a:lnL>
+                    <a:lnR w="12700" cap="flat" cmpd="sng" algn="ctr">
+                      <a:noFill/>
+                      <a:prstDash val="solid"/>
+                      <a:round/>
+                      <a:headEnd type="none" w="med" len="med"/>
+                      <a:tailEnd type="none" w="med" len="med"/>
+                    </a:lnR>
+                    <a:lnT w="12700" cap="flat" cmpd="sng" algn="ctr">
+                      <a:noFill/>
+                      <a:prstDash val="solid"/>
+                      <a:round/>
+                      <a:headEnd type="none" w="med" len="med"/>
+                      <a:tailEnd type="none" w="med" len="med"/>
+                    </a:lnT>
+                    <a:lnB w="12700" cap="flat" cmpd="sng" algn="ctr">
+                      <a:noFill/>
+                      <a:prstDash val="solid"/>
+                      <a:round/>
+                      <a:headEnd type="none" w="med" len="med"/>
+                      <a:tailEnd type="none" w="med" len="med"/>
+                    </a:lnB>
+                    <a:lnTlToBr w="12700" cmpd="sng">
+                      <a:noFill/>
+                      <a:prstDash val="solid"/>
+                    </a:lnTlToBr>
+                    <a:lnBlToTr w="12700" cmpd="sng">
+                      <a:noFill/>
+                      <a:prstDash val="solid"/>
+                    </a:lnBlToTr>
+                  </a:tcPr>
+                </a:tc>
+                <a:tc>
+                  <a:txBody>
+                    <a:bodyPr/>
+                    <a:lstStyle/>
+                    <a:p>
+                      <a:pPr algn="ctr"/>
+                      <a:r>
+                        <a:rPr kumimoji="1" lang="ja-JP" altLang="en-US" sz="2800"/>
+                        <a:t>：</a:t>
+                      </a:r>
+                    </a:p>
+                  </a:txBody>
+                  <a:tcPr>
+                    <a:lnL w="12700" cap="flat" cmpd="sng" algn="ctr">
+                      <a:noFill/>
+                      <a:prstDash val="solid"/>
+                      <a:round/>
+                      <a:headEnd type="none" w="med" len="med"/>
+                      <a:tailEnd type="none" w="med" len="med"/>
+                    </a:lnL>
+                    <a:lnR w="12700" cap="flat" cmpd="sng" algn="ctr">
+                      <a:noFill/>
+                      <a:prstDash val="solid"/>
+                      <a:round/>
+                      <a:headEnd type="none" w="med" len="med"/>
+                      <a:tailEnd type="none" w="med" len="med"/>
+                    </a:lnR>
+                    <a:lnT w="12700" cap="flat" cmpd="sng" algn="ctr">
+                      <a:noFill/>
+                      <a:prstDash val="solid"/>
+                      <a:round/>
+                      <a:headEnd type="none" w="med" len="med"/>
+                      <a:tailEnd type="none" w="med" len="med"/>
+                    </a:lnT>
+                    <a:lnB w="12700" cap="flat" cmpd="sng" algn="ctr">
+                      <a:noFill/>
+                      <a:prstDash val="solid"/>
+                      <a:round/>
+                      <a:headEnd type="none" w="med" len="med"/>
+                      <a:tailEnd type="none" w="med" len="med"/>
+                    </a:lnB>
+                    <a:lnTlToBr w="12700" cmpd="sng">
+                      <a:noFill/>
+                      <a:prstDash val="solid"/>
+                    </a:lnTlToBr>
+                    <a:lnBlToTr w="12700" cmpd="sng">
+                      <a:noFill/>
+                      <a:prstDash val="solid"/>
+                    </a:lnBlToTr>
+                  </a:tcPr>
+                </a:tc>
+                <a:tc>
+                  <a:txBody>
+                    <a:bodyPr/>
+                    <a:lstStyle/>
+                    <a:p>
+                      <a:r>
+                        <a:rPr kumimoji="1" lang="en-US" altLang="ja-JP" sz="2800" dirty="0"/>
+                        <a:t>3</a:t>
+                      </a:r>
+                      <a:r>
+                        <a:rPr kumimoji="1" lang="en-US" altLang="ja-JP" sz="2800" dirty="0" smtClean="0"/>
+                        <a:t>, 5, 7, 9</a:t>
+                      </a:r>
+                      <a:endParaRPr kumimoji="1" lang="ja-JP" altLang="en-US" sz="2800" dirty="0"/>
+                    </a:p>
+                  </a:txBody>
+                  <a:tcPr>
+                    <a:lnL w="12700" cap="flat" cmpd="sng" algn="ctr">
+                      <a:noFill/>
+                      <a:prstDash val="solid"/>
+                      <a:round/>
+                      <a:headEnd type="none" w="med" len="med"/>
+                      <a:tailEnd type="none" w="med" len="med"/>
+                    </a:lnL>
+                    <a:lnR w="12700" cap="flat" cmpd="sng" algn="ctr">
+                      <a:noFill/>
+                      <a:prstDash val="solid"/>
+                      <a:round/>
+                      <a:headEnd type="none" w="med" len="med"/>
+                      <a:tailEnd type="none" w="med" len="med"/>
+                    </a:lnR>
+                    <a:lnT w="12700" cap="flat" cmpd="sng" algn="ctr">
+                      <a:noFill/>
+                      <a:prstDash val="solid"/>
+                      <a:round/>
+                      <a:headEnd type="none" w="med" len="med"/>
+                      <a:tailEnd type="none" w="med" len="med"/>
+                    </a:lnT>
+                    <a:lnB w="12700" cap="flat" cmpd="sng" algn="ctr">
+                      <a:noFill/>
+                      <a:prstDash val="solid"/>
+                      <a:round/>
+                      <a:headEnd type="none" w="med" len="med"/>
+                      <a:tailEnd type="none" w="med" len="med"/>
+                    </a:lnB>
+                    <a:lnTlToBr w="12700" cmpd="sng">
+                      <a:noFill/>
+                      <a:prstDash val="solid"/>
+                    </a:lnTlToBr>
+                    <a:lnBlToTr w="12700" cmpd="sng">
+                      <a:noFill/>
+                      <a:prstDash val="solid"/>
+                    </a:lnBlToTr>
+                  </a:tcPr>
+                </a:tc>
+                <a:extLst>
+                  <a:ext uri="{0D108BD9-81ED-4DB2-BD59-A6C34878D82A}">
+                    <a16:rowId xmlns:a16="http://schemas.microsoft.com/office/drawing/2014/main" val="2774425007"/>
+                  </a:ext>
+                </a:extLst>
+              </a:tr>
+              <a:tr h="370840">
+                <a:tc>
+                  <a:txBody>
+                    <a:bodyPr/>
+                    <a:lstStyle/>
+                    <a:p>
+                      <a:r>
+                        <a:rPr kumimoji="1" lang="ja-JP" altLang="en-US" sz="2800" dirty="0"/>
+                        <a:t>移住操作・交換操作</a:t>
+                      </a:r>
+                    </a:p>
+                  </a:txBody>
+                  <a:tcPr>
+                    <a:lnL w="12700" cap="flat" cmpd="sng" algn="ctr">
+                      <a:noFill/>
+                      <a:prstDash val="solid"/>
+                      <a:round/>
+                      <a:headEnd type="none" w="med" len="med"/>
+                      <a:tailEnd type="none" w="med" len="med"/>
+                    </a:lnL>
+                    <a:lnR w="12700" cap="flat" cmpd="sng" algn="ctr">
+                      <a:noFill/>
+                      <a:prstDash val="solid"/>
+                      <a:round/>
+                      <a:headEnd type="none" w="med" len="med"/>
+                      <a:tailEnd type="none" w="med" len="med"/>
+                    </a:lnR>
+                    <a:lnT w="12700" cap="flat" cmpd="sng" algn="ctr">
+                      <a:noFill/>
+                      <a:prstDash val="solid"/>
+                      <a:round/>
+                      <a:headEnd type="none" w="med" len="med"/>
+                      <a:tailEnd type="none" w="med" len="med"/>
+                    </a:lnT>
+                    <a:lnB w="12700" cap="flat" cmpd="sng" algn="ctr">
+                      <a:noFill/>
+                      <a:prstDash val="solid"/>
+                      <a:round/>
+                      <a:headEnd type="none" w="med" len="med"/>
+                      <a:tailEnd type="none" w="med" len="med"/>
+                    </a:lnB>
+                    <a:lnTlToBr w="12700" cmpd="sng">
+                      <a:noFill/>
+                      <a:prstDash val="solid"/>
+                    </a:lnTlToBr>
+                    <a:lnBlToTr w="12700" cmpd="sng">
+                      <a:noFill/>
+                      <a:prstDash val="solid"/>
+                    </a:lnBlToTr>
+                  </a:tcPr>
+                </a:tc>
+                <a:tc>
+                  <a:txBody>
+                    <a:bodyPr/>
+                    <a:lstStyle/>
+                    <a:p>
+                      <a:pPr algn="ctr"/>
+                      <a:r>
+                        <a:rPr kumimoji="1" lang="ja-JP" altLang="en-US" sz="2800"/>
+                        <a:t>：</a:t>
+                      </a:r>
+                    </a:p>
+                  </a:txBody>
+                  <a:tcPr>
+                    <a:lnL w="12700" cap="flat" cmpd="sng" algn="ctr">
+                      <a:noFill/>
+                      <a:prstDash val="solid"/>
+                      <a:round/>
+                      <a:headEnd type="none" w="med" len="med"/>
+                      <a:tailEnd type="none" w="med" len="med"/>
+                    </a:lnL>
+                    <a:lnR w="12700" cap="flat" cmpd="sng" algn="ctr">
+                      <a:noFill/>
+                      <a:prstDash val="solid"/>
+                      <a:round/>
+                      <a:headEnd type="none" w="med" len="med"/>
+                      <a:tailEnd type="none" w="med" len="med"/>
+                    </a:lnR>
+                    <a:lnT w="12700" cap="flat" cmpd="sng" algn="ctr">
+                      <a:noFill/>
+                      <a:prstDash val="solid"/>
+                      <a:round/>
+                      <a:headEnd type="none" w="med" len="med"/>
+                      <a:tailEnd type="none" w="med" len="med"/>
+                    </a:lnT>
+                    <a:lnB w="12700" cap="flat" cmpd="sng" algn="ctr">
+                      <a:noFill/>
+                      <a:prstDash val="solid"/>
+                      <a:round/>
+                      <a:headEnd type="none" w="med" len="med"/>
+                      <a:tailEnd type="none" w="med" len="med"/>
+                    </a:lnB>
+                    <a:lnTlToBr w="12700" cmpd="sng">
+                      <a:noFill/>
+                      <a:prstDash val="solid"/>
+                    </a:lnTlToBr>
+                    <a:lnBlToTr w="12700" cmpd="sng">
+                      <a:noFill/>
+                      <a:prstDash val="solid"/>
+                    </a:lnBlToTr>
+                  </a:tcPr>
+                </a:tc>
+                <a:tc>
+                  <a:txBody>
+                    <a:bodyPr/>
+                    <a:lstStyle/>
+                    <a:p>
+                      <a:r>
+                        <a:rPr kumimoji="1" lang="en-US" altLang="ja-JP" sz="2800" dirty="0"/>
+                        <a:t>50 </a:t>
+                      </a:r>
+                      <a:r>
+                        <a:rPr kumimoji="1" lang="ja-JP" altLang="en-US" sz="2800" dirty="0"/>
+                        <a:t>世代</a:t>
+                      </a:r>
+                      <a:r>
+                        <a:rPr kumimoji="1" lang="ja-JP" altLang="en-US" sz="2800" dirty="0" smtClean="0"/>
+                        <a:t>間隔</a:t>
+                      </a:r>
+                      <a:r>
+                        <a:rPr kumimoji="1" lang="en-US" altLang="ja-JP" sz="2800" dirty="0" smtClean="0"/>
+                        <a:t>, </a:t>
+                      </a:r>
+                      <a:r>
+                        <a:rPr kumimoji="1" lang="ja-JP" altLang="en-US" sz="2800" dirty="0" smtClean="0"/>
+                        <a:t>なし</a:t>
+                      </a:r>
+                      <a:endParaRPr kumimoji="1" lang="ja-JP" altLang="en-US" sz="2800" dirty="0"/>
+                    </a:p>
+                  </a:txBody>
+                  <a:tcPr>
+                    <a:lnL w="12700" cap="flat" cmpd="sng" algn="ctr">
+                      <a:noFill/>
+                      <a:prstDash val="solid"/>
+                      <a:round/>
+                      <a:headEnd type="none" w="med" len="med"/>
+                      <a:tailEnd type="none" w="med" len="med"/>
+                    </a:lnL>
+                    <a:lnR w="12700" cap="flat" cmpd="sng" algn="ctr">
+                      <a:noFill/>
+                      <a:prstDash val="solid"/>
+                      <a:round/>
+                      <a:headEnd type="none" w="med" len="med"/>
+                      <a:tailEnd type="none" w="med" len="med"/>
+                    </a:lnR>
+                    <a:lnT w="12700" cap="flat" cmpd="sng" algn="ctr">
+                      <a:noFill/>
+                      <a:prstDash val="solid"/>
+                      <a:round/>
+                      <a:headEnd type="none" w="med" len="med"/>
+                      <a:tailEnd type="none" w="med" len="med"/>
+                    </a:lnT>
+                    <a:lnB w="12700" cap="flat" cmpd="sng" algn="ctr">
+                      <a:noFill/>
+                      <a:prstDash val="solid"/>
+                      <a:round/>
+                      <a:headEnd type="none" w="med" len="med"/>
+                      <a:tailEnd type="none" w="med" len="med"/>
+                    </a:lnB>
+                    <a:lnTlToBr w="12700" cmpd="sng">
+                      <a:noFill/>
+                      <a:prstDash val="solid"/>
+                    </a:lnTlToBr>
+                    <a:lnBlToTr w="12700" cmpd="sng">
+                      <a:noFill/>
+                      <a:prstDash val="solid"/>
+                    </a:lnBlToTr>
+                  </a:tcPr>
+                </a:tc>
+                <a:extLst>
+                  <a:ext uri="{0D108BD9-81ED-4DB2-BD59-A6C34878D82A}">
+                    <a16:rowId xmlns:a16="http://schemas.microsoft.com/office/drawing/2014/main" val="2425764204"/>
+                  </a:ext>
+                </a:extLst>
+              </a:tr>
+            </a:tbl>
+          </a:graphicData>
+        </a:graphic>
+      </p:graphicFrame>
+      <p:sp>
+        <p:nvSpPr>
+          <p:cNvPr id="2" name="タイトル 1">
+            <a:extLst>
+              <a:ext uri="{FF2B5EF4-FFF2-40B4-BE49-F238E27FC236}">
+                <a16:creationId xmlns:a16="http://schemas.microsoft.com/office/drawing/2014/main" id="{AA1C6E67-8F0E-B04F-BBE7-336663ED62EE}"/>
+              </a:ext>
+            </a:extLst>
+          </p:cNvPr>
+          <p:cNvSpPr>
+            <a:spLocks noGrp="1"/>
+          </p:cNvSpPr>
+          <p:nvPr>
+            <p:ph type="title"/>
+          </p:nvPr>
+        </p:nvSpPr>
+        <p:spPr/>
+        <p:txBody>
+          <a:bodyPr/>
+          <a:lstStyle/>
+          <a:p>
+            <a:r>
+              <a:rPr kumimoji="1" lang="ja-JP" altLang="en-US"/>
+              <a:t>実験の実施</a:t>
+            </a:r>
+          </a:p>
+        </p:txBody>
+      </p:sp>
+      <p:sp>
+        <p:nvSpPr>
+          <p:cNvPr id="4" name="テキスト ボックス 3">
+            <a:extLst>
+              <a:ext uri="{FF2B5EF4-FFF2-40B4-BE49-F238E27FC236}">
+                <a16:creationId xmlns:a16="http://schemas.microsoft.com/office/drawing/2014/main" id="{21EAF4A7-4983-6D43-A8A6-87AAE5E359E9}"/>
+              </a:ext>
+            </a:extLst>
+          </p:cNvPr>
+          <p:cNvSpPr txBox="1"/>
+          <p:nvPr/>
+        </p:nvSpPr>
+        <p:spPr>
+          <a:xfrm>
+            <a:off x="381000" y="1314839"/>
+            <a:ext cx="1676400" cy="523220"/>
+          </a:xfrm>
+          <a:prstGeom prst="rect">
+            <a:avLst/>
+          </a:prstGeom>
+          <a:noFill/>
+          <a:ln w="19050">
+            <a:solidFill>
+              <a:schemeClr val="accent6"/>
+            </a:solidFill>
+          </a:ln>
+        </p:spPr>
+        <p:txBody>
+          <a:bodyPr wrap="square" rtlCol="0">
+            <a:spAutoFit/>
+          </a:bodyPr>
+          <a:lstStyle/>
+          <a:p>
+            <a:r>
+              <a:rPr lang="ja-JP" altLang="en-US" sz="2800"/>
+              <a:t>実験設定</a:t>
+            </a:r>
+            <a:endParaRPr kumimoji="1" lang="ja-JP" altLang="en-US" sz="2800"/>
+          </a:p>
+        </p:txBody>
+      </p:sp>
+      <p:graphicFrame>
+        <p:nvGraphicFramePr>
+          <p:cNvPr id="9" name="表 8">
+            <a:extLst>
+              <a:ext uri="{FF2B5EF4-FFF2-40B4-BE49-F238E27FC236}">
+                <a16:creationId xmlns:a16="http://schemas.microsoft.com/office/drawing/2014/main" id="{60BD3F0B-082F-5140-B6D5-F30909173746}"/>
+              </a:ext>
+            </a:extLst>
+          </p:cNvPr>
+          <p:cNvGraphicFramePr>
+            <a:graphicFrameLocks noGrp="1"/>
+          </p:cNvGraphicFramePr>
+          <p:nvPr>
+            <p:extLst>
+              <p:ext uri="{D42A27DB-BD31-4B8C-83A1-F6EECF244321}">
+                <p14:modId xmlns:p14="http://schemas.microsoft.com/office/powerpoint/2010/main" val="3498194024"/>
+              </p:ext>
+            </p:extLst>
+          </p:nvPr>
+        </p:nvGraphicFramePr>
+        <p:xfrm>
+          <a:off x="1104900" y="5543161"/>
+          <a:ext cx="7010400" cy="1188720"/>
+        </p:xfrm>
+        <a:graphic>
+          <a:graphicData uri="http://schemas.openxmlformats.org/drawingml/2006/table">
+            <a:tbl>
+              <a:tblPr firstRow="1">
+                <a:tableStyleId>{EB344D84-9AFB-497E-A393-DC336BA19D2E}</a:tableStyleId>
+              </a:tblPr>
+              <a:tblGrid>
+                <a:gridCol w="1752600">
+                  <a:extLst>
+                    <a:ext uri="{9D8B030D-6E8A-4147-A177-3AD203B41FA5}">
+                      <a16:colId xmlns:a16="http://schemas.microsoft.com/office/drawing/2014/main" val="454283448"/>
+                    </a:ext>
+                  </a:extLst>
+                </a:gridCol>
+                <a:gridCol w="1752600">
+                  <a:extLst>
+                    <a:ext uri="{9D8B030D-6E8A-4147-A177-3AD203B41FA5}">
+                      <a16:colId xmlns:a16="http://schemas.microsoft.com/office/drawing/2014/main" val="2722444460"/>
+                    </a:ext>
+                  </a:extLst>
+                </a:gridCol>
+                <a:gridCol w="1752600">
+                  <a:extLst>
+                    <a:ext uri="{9D8B030D-6E8A-4147-A177-3AD203B41FA5}">
+                      <a16:colId xmlns:a16="http://schemas.microsoft.com/office/drawing/2014/main" val="3143555364"/>
+                    </a:ext>
+                  </a:extLst>
+                </a:gridCol>
+                <a:gridCol w="1752600">
+                  <a:extLst>
+                    <a:ext uri="{9D8B030D-6E8A-4147-A177-3AD203B41FA5}">
+                      <a16:colId xmlns:a16="http://schemas.microsoft.com/office/drawing/2014/main" val="2558512104"/>
+                    </a:ext>
+                  </a:extLst>
+                </a:gridCol>
+              </a:tblGrid>
+              <a:tr h="370840">
+                <a:tc>
+                  <a:txBody>
+                    <a:bodyPr/>
+                    <a:lstStyle/>
+                    <a:p>
+                      <a:pPr algn="ctr"/>
+                      <a:r>
+                        <a:rPr kumimoji="1" lang="ja-JP" altLang="en-US" sz="2000">
+                          <a:solidFill>
+                            <a:schemeClr val="tx1"/>
+                          </a:solidFill>
+                        </a:rPr>
+                        <a:t>データセット名</a:t>
+                      </a:r>
+                    </a:p>
+                  </a:txBody>
+                  <a:tcPr>
+                    <a:lnL w="19050" cap="flat" cmpd="sng" algn="ctr">
+                      <a:solidFill>
+                        <a:schemeClr val="tx1"/>
+                      </a:solidFill>
+                      <a:prstDash val="solid"/>
+                      <a:round/>
+                      <a:headEnd type="none" w="med" len="med"/>
+                      <a:tailEnd type="none" w="med" len="med"/>
+                    </a:lnL>
+                    <a:lnT w="19050" cap="flat" cmpd="sng" algn="ctr">
+                      <a:solidFill>
+                        <a:schemeClr val="tx1"/>
+                      </a:solidFill>
+                      <a:prstDash val="solid"/>
+                      <a:round/>
+                      <a:headEnd type="none" w="med" len="med"/>
+                      <a:tailEnd type="none" w="med" len="med"/>
+                    </a:lnT>
+                  </a:tcPr>
+                </a:tc>
+                <a:tc>
+                  <a:txBody>
+                    <a:bodyPr/>
+                    <a:lstStyle/>
+                    <a:p>
+                      <a:pPr algn="ctr"/>
+                      <a:r>
+                        <a:rPr kumimoji="1" lang="ja-JP" altLang="en-US" sz="2000">
+                          <a:solidFill>
+                            <a:schemeClr val="tx1"/>
+                          </a:solidFill>
+                        </a:rPr>
+                        <a:t>属性数</a:t>
+                      </a:r>
+                    </a:p>
+                  </a:txBody>
+                  <a:tcPr>
+                    <a:lnT w="19050" cap="flat" cmpd="sng" algn="ctr">
+                      <a:solidFill>
+                        <a:schemeClr val="tx1"/>
+                      </a:solidFill>
+                      <a:prstDash val="solid"/>
+                      <a:round/>
+                      <a:headEnd type="none" w="med" len="med"/>
+                      <a:tailEnd type="none" w="med" len="med"/>
+                    </a:lnT>
+                  </a:tcPr>
+                </a:tc>
+                <a:tc>
+                  <a:txBody>
+                    <a:bodyPr/>
+                    <a:lstStyle/>
+                    <a:p>
+                      <a:pPr algn="ctr"/>
+                      <a:r>
+                        <a:rPr kumimoji="1" lang="ja-JP" altLang="en-US" sz="2000">
+                          <a:solidFill>
+                            <a:schemeClr val="tx1"/>
+                          </a:solidFill>
+                        </a:rPr>
+                        <a:t>パターン数</a:t>
+                      </a:r>
+                    </a:p>
+                  </a:txBody>
+                  <a:tcPr>
+                    <a:lnT w="19050" cap="flat" cmpd="sng" algn="ctr">
+                      <a:solidFill>
+                        <a:schemeClr val="tx1"/>
+                      </a:solidFill>
+                      <a:prstDash val="solid"/>
+                      <a:round/>
+                      <a:headEnd type="none" w="med" len="med"/>
+                      <a:tailEnd type="none" w="med" len="med"/>
+                    </a:lnT>
+                  </a:tcPr>
+                </a:tc>
+                <a:tc>
+                  <a:txBody>
+                    <a:bodyPr/>
+                    <a:lstStyle/>
+                    <a:p>
+                      <a:pPr algn="ctr"/>
+                      <a:r>
+                        <a:rPr kumimoji="1" lang="ja-JP" altLang="en-US" sz="2000">
+                          <a:solidFill>
+                            <a:schemeClr val="tx1"/>
+                          </a:solidFill>
+                        </a:rPr>
+                        <a:t>クラス数</a:t>
+                      </a:r>
+                    </a:p>
+                  </a:txBody>
+                  <a:tcPr>
+                    <a:lnR w="19050" cap="flat" cmpd="sng" algn="ctr">
+                      <a:solidFill>
+                        <a:schemeClr val="tx1"/>
+                      </a:solidFill>
+                      <a:prstDash val="solid"/>
+                      <a:round/>
+                      <a:headEnd type="none" w="med" len="med"/>
+                      <a:tailEnd type="none" w="med" len="med"/>
+                    </a:lnR>
+                    <a:lnT w="19050" cap="flat" cmpd="sng" algn="ctr">
+                      <a:solidFill>
+                        <a:schemeClr val="tx1"/>
+                      </a:solidFill>
+                      <a:prstDash val="solid"/>
+                      <a:round/>
+                      <a:headEnd type="none" w="med" len="med"/>
+                      <a:tailEnd type="none" w="med" len="med"/>
+                    </a:lnT>
+                  </a:tcPr>
+                </a:tc>
+                <a:extLst>
+                  <a:ext uri="{0D108BD9-81ED-4DB2-BD59-A6C34878D82A}">
+                    <a16:rowId xmlns:a16="http://schemas.microsoft.com/office/drawing/2014/main" val="1073234841"/>
+                  </a:ext>
+                </a:extLst>
+              </a:tr>
+              <a:tr h="370840">
+                <a:tc>
+                  <a:txBody>
+                    <a:bodyPr/>
+                    <a:lstStyle/>
+                    <a:p>
+                      <a:pPr algn="ctr"/>
+                      <a:r>
+                        <a:rPr kumimoji="1" lang="en-US" altLang="ja-JP" sz="2000">
+                          <a:solidFill>
+                            <a:schemeClr val="tx1"/>
+                          </a:solidFill>
+                        </a:rPr>
+                        <a:t>Phoneme</a:t>
+                      </a:r>
+                      <a:endParaRPr kumimoji="1" lang="ja-JP" altLang="en-US" sz="2000">
+                        <a:solidFill>
+                          <a:schemeClr val="tx1"/>
+                        </a:solidFill>
+                      </a:endParaRPr>
+                    </a:p>
+                  </a:txBody>
+                  <a:tcPr>
+                    <a:lnL w="19050" cap="flat" cmpd="sng" algn="ctr">
+                      <a:solidFill>
+                        <a:schemeClr val="tx1"/>
+                      </a:solidFill>
+                      <a:prstDash val="solid"/>
+                      <a:round/>
+                      <a:headEnd type="none" w="med" len="med"/>
+                      <a:tailEnd type="none" w="med" len="med"/>
+                    </a:lnL>
+                  </a:tcPr>
+                </a:tc>
+                <a:tc>
+                  <a:txBody>
+                    <a:bodyPr/>
+                    <a:lstStyle/>
+                    <a:p>
+                      <a:pPr algn="ctr"/>
+                      <a:r>
+                        <a:rPr kumimoji="1" lang="en-US" altLang="ja-JP" sz="2000">
+                          <a:solidFill>
+                            <a:schemeClr val="tx1"/>
+                          </a:solidFill>
+                        </a:rPr>
+                        <a:t>5</a:t>
+                      </a:r>
+                      <a:endParaRPr kumimoji="1" lang="ja-JP" altLang="en-US" sz="2000">
+                        <a:solidFill>
+                          <a:schemeClr val="tx1"/>
+                        </a:solidFill>
+                      </a:endParaRPr>
+                    </a:p>
+                  </a:txBody>
+                  <a:tcPr/>
+                </a:tc>
+                <a:tc>
+                  <a:txBody>
+                    <a:bodyPr/>
+                    <a:lstStyle/>
+                    <a:p>
+                      <a:pPr algn="ctr"/>
+                      <a:r>
+                        <a:rPr kumimoji="1" lang="en-US" altLang="ja-JP" sz="2000">
+                          <a:solidFill>
+                            <a:schemeClr val="tx1"/>
+                          </a:solidFill>
+                        </a:rPr>
+                        <a:t>5404</a:t>
+                      </a:r>
+                      <a:endParaRPr kumimoji="1" lang="ja-JP" altLang="en-US" sz="2000">
+                        <a:solidFill>
+                          <a:schemeClr val="tx1"/>
+                        </a:solidFill>
+                      </a:endParaRPr>
+                    </a:p>
+                  </a:txBody>
+                  <a:tcPr/>
+                </a:tc>
+                <a:tc>
+                  <a:txBody>
+                    <a:bodyPr/>
+                    <a:lstStyle/>
+                    <a:p>
+                      <a:pPr algn="ctr"/>
+                      <a:r>
+                        <a:rPr kumimoji="1" lang="en-US" altLang="ja-JP" sz="2000">
+                          <a:solidFill>
+                            <a:schemeClr val="tx1"/>
+                          </a:solidFill>
+                        </a:rPr>
+                        <a:t>2</a:t>
+                      </a:r>
+                      <a:endParaRPr kumimoji="1" lang="ja-JP" altLang="en-US" sz="2000">
+                        <a:solidFill>
+                          <a:schemeClr val="tx1"/>
+                        </a:solidFill>
+                      </a:endParaRPr>
+                    </a:p>
+                  </a:txBody>
+                  <a:tcPr>
+                    <a:lnR w="19050" cap="flat" cmpd="sng" algn="ctr">
+                      <a:solidFill>
+                        <a:schemeClr val="tx1"/>
+                      </a:solidFill>
+                      <a:prstDash val="solid"/>
+                      <a:round/>
+                      <a:headEnd type="none" w="med" len="med"/>
+                      <a:tailEnd type="none" w="med" len="med"/>
+                    </a:lnR>
+                  </a:tcPr>
+                </a:tc>
+                <a:extLst>
+                  <a:ext uri="{0D108BD9-81ED-4DB2-BD59-A6C34878D82A}">
+                    <a16:rowId xmlns:a16="http://schemas.microsoft.com/office/drawing/2014/main" val="1993824590"/>
+                  </a:ext>
+                </a:extLst>
+              </a:tr>
+              <a:tr h="370840">
+                <a:tc>
+                  <a:txBody>
+                    <a:bodyPr/>
+                    <a:lstStyle/>
+                    <a:p>
+                      <a:pPr algn="ctr"/>
+                      <a:r>
+                        <a:rPr kumimoji="1" lang="en-US" altLang="ja-JP" sz="2000">
+                          <a:solidFill>
+                            <a:schemeClr val="tx1"/>
+                          </a:solidFill>
+                        </a:rPr>
+                        <a:t>Satimage</a:t>
+                      </a:r>
+                      <a:endParaRPr kumimoji="1" lang="ja-JP" altLang="en-US" sz="2000">
+                        <a:solidFill>
+                          <a:schemeClr val="tx1"/>
+                        </a:solidFill>
+                      </a:endParaRPr>
+                    </a:p>
+                  </a:txBody>
+                  <a:tcPr>
+                    <a:lnL w="19050" cap="flat" cmpd="sng" algn="ctr">
+                      <a:solidFill>
+                        <a:schemeClr val="tx1"/>
+                      </a:solidFill>
+                      <a:prstDash val="solid"/>
+                      <a:round/>
+                      <a:headEnd type="none" w="med" len="med"/>
+                      <a:tailEnd type="none" w="med" len="med"/>
+                    </a:lnL>
+                    <a:lnB w="19050" cap="flat" cmpd="sng" algn="ctr">
+                      <a:solidFill>
+                        <a:schemeClr val="tx1"/>
+                      </a:solidFill>
+                      <a:prstDash val="solid"/>
+                      <a:round/>
+                      <a:headEnd type="none" w="med" len="med"/>
+                      <a:tailEnd type="none" w="med" len="med"/>
+                    </a:lnB>
+                  </a:tcPr>
+                </a:tc>
+                <a:tc>
+                  <a:txBody>
+                    <a:bodyPr/>
+                    <a:lstStyle/>
+                    <a:p>
+                      <a:pPr algn="ctr"/>
+                      <a:r>
+                        <a:rPr kumimoji="1" lang="en-US" altLang="ja-JP" sz="2000">
+                          <a:solidFill>
+                            <a:schemeClr val="tx1"/>
+                          </a:solidFill>
+                        </a:rPr>
+                        <a:t>36</a:t>
+                      </a:r>
+                      <a:endParaRPr kumimoji="1" lang="ja-JP" altLang="en-US" sz="2000">
+                        <a:solidFill>
+                          <a:schemeClr val="tx1"/>
+                        </a:solidFill>
+                      </a:endParaRPr>
+                    </a:p>
+                  </a:txBody>
+                  <a:tcPr>
+                    <a:lnB w="19050" cap="flat" cmpd="sng" algn="ctr">
+                      <a:solidFill>
+                        <a:schemeClr val="tx1"/>
+                      </a:solidFill>
+                      <a:prstDash val="solid"/>
+                      <a:round/>
+                      <a:headEnd type="none" w="med" len="med"/>
+                      <a:tailEnd type="none" w="med" len="med"/>
+                    </a:lnB>
+                  </a:tcPr>
+                </a:tc>
+                <a:tc>
+                  <a:txBody>
+                    <a:bodyPr/>
+                    <a:lstStyle/>
+                    <a:p>
+                      <a:pPr algn="ctr"/>
+                      <a:r>
+                        <a:rPr kumimoji="1" lang="en-US" altLang="ja-JP" sz="2000">
+                          <a:solidFill>
+                            <a:schemeClr val="tx1"/>
+                          </a:solidFill>
+                        </a:rPr>
+                        <a:t>6435</a:t>
+                      </a:r>
+                      <a:endParaRPr kumimoji="1" lang="ja-JP" altLang="en-US" sz="2000">
+                        <a:solidFill>
+                          <a:schemeClr val="tx1"/>
+                        </a:solidFill>
+                      </a:endParaRPr>
+                    </a:p>
+                  </a:txBody>
+                  <a:tcPr>
+                    <a:lnB w="19050" cap="flat" cmpd="sng" algn="ctr">
+                      <a:solidFill>
+                        <a:schemeClr val="tx1"/>
+                      </a:solidFill>
+                      <a:prstDash val="solid"/>
+                      <a:round/>
+                      <a:headEnd type="none" w="med" len="med"/>
+                      <a:tailEnd type="none" w="med" len="med"/>
+                    </a:lnB>
+                  </a:tcPr>
+                </a:tc>
+                <a:tc>
+                  <a:txBody>
+                    <a:bodyPr/>
+                    <a:lstStyle/>
+                    <a:p>
+                      <a:pPr algn="ctr"/>
+                      <a:r>
+                        <a:rPr kumimoji="1" lang="en-US" altLang="ja-JP" sz="2000">
+                          <a:solidFill>
+                            <a:schemeClr val="tx1"/>
+                          </a:solidFill>
+                        </a:rPr>
+                        <a:t>6</a:t>
+                      </a:r>
+                      <a:endParaRPr kumimoji="1" lang="ja-JP" altLang="en-US" sz="2000">
+                        <a:solidFill>
+                          <a:schemeClr val="tx1"/>
+                        </a:solidFill>
+                      </a:endParaRPr>
+                    </a:p>
+                  </a:txBody>
+                  <a:tcPr>
+                    <a:lnR w="19050" cap="flat" cmpd="sng" algn="ctr">
+                      <a:solidFill>
+                        <a:schemeClr val="tx1"/>
+                      </a:solidFill>
+                      <a:prstDash val="solid"/>
+                      <a:round/>
+                      <a:headEnd type="none" w="med" len="med"/>
+                      <a:tailEnd type="none" w="med" len="med"/>
+                    </a:lnR>
+                    <a:lnB w="19050" cap="flat" cmpd="sng" algn="ctr">
+                      <a:solidFill>
+                        <a:schemeClr val="tx1"/>
+                      </a:solidFill>
+                      <a:prstDash val="solid"/>
+                      <a:round/>
+                      <a:headEnd type="none" w="med" len="med"/>
+                      <a:tailEnd type="none" w="med" len="med"/>
+                    </a:lnB>
+                  </a:tcPr>
+                </a:tc>
+                <a:extLst>
+                  <a:ext uri="{0D108BD9-81ED-4DB2-BD59-A6C34878D82A}">
+                    <a16:rowId xmlns:a16="http://schemas.microsoft.com/office/drawing/2014/main" val="99784879"/>
+                  </a:ext>
+                </a:extLst>
+              </a:tr>
+            </a:tbl>
+          </a:graphicData>
+        </a:graphic>
+      </p:graphicFrame>
+    </p:spTree>
+    <p:extLst>
+      <p:ext uri="{BB962C8B-B14F-4D97-AF65-F5344CB8AC3E}">
+        <p14:creationId xmlns:p14="http://schemas.microsoft.com/office/powerpoint/2010/main" val="292242206"/>
+      </p:ext>
+    </p:extLst>
+  </p:cSld>
+  <p:clrMapOvr>
+    <a:masterClrMapping/>
+  </p:clrMapOvr>
+  <p:timing>
+    <p:tnLst>
+      <p:par>
+        <p:cTn id="1" dur="indefinite" restart="never" nodeType="tmRoot"/>
+      </p:par>
+    </p:tnLst>
+  </p:timing>
+</p:sld>
+</file>
+
+<file path=ppt/slides/slide12.xml><?xml version="1.0" encoding="utf-8"?>
+<p:sld xmlns:a="http://schemas.openxmlformats.org/drawingml/2006/main" xmlns:r="http://schemas.openxmlformats.org/officeDocument/2006/relationships" xmlns:p="http://schemas.openxmlformats.org/presentationml/2006/main">
+  <p:cSld>
+    <p:spTree>
+      <p:nvGrpSpPr>
+        <p:cNvPr id="1" name=""/>
+        <p:cNvGrpSpPr/>
+        <p:nvPr/>
+      </p:nvGrpSpPr>
+      <p:grpSpPr>
+        <a:xfrm>
+          <a:off x="0" y="0"/>
+          <a:ext cx="0" cy="0"/>
+          <a:chOff x="0" y="0"/>
+          <a:chExt cx="0" cy="0"/>
+        </a:xfrm>
+      </p:grpSpPr>
+      <p:sp>
+        <p:nvSpPr>
+          <p:cNvPr id="2" name="タイトル 1"/>
+          <p:cNvSpPr>
+            <a:spLocks noGrp="1"/>
+          </p:cNvSpPr>
+          <p:nvPr>
+            <p:ph type="title"/>
+          </p:nvPr>
+        </p:nvSpPr>
+        <p:spPr/>
+        <p:txBody>
+          <a:bodyPr/>
+          <a:lstStyle/>
+          <a:p>
+            <a:r>
+              <a:rPr kumimoji="1" lang="ja-JP" altLang="en-US" dirty="0" smtClean="0"/>
+              <a:t>実験の目的</a:t>
+            </a:r>
+            <a:endParaRPr kumimoji="1" lang="ja-JP" altLang="en-US" dirty="0"/>
+          </a:p>
+        </p:txBody>
+      </p:sp>
+    </p:spTree>
+    <p:extLst>
+      <p:ext uri="{BB962C8B-B14F-4D97-AF65-F5344CB8AC3E}">
+        <p14:creationId xmlns:p14="http://schemas.microsoft.com/office/powerpoint/2010/main" val="427794556"/>
+      </p:ext>
+    </p:extLst>
+  </p:cSld>
+  <p:clrMapOvr>
+    <a:masterClrMapping/>
+  </p:clrMapOvr>
+  <p:timing>
+    <p:tnLst>
+      <p:par>
+        <p:cTn id="1" dur="indefinite" restart="never" nodeType="tmRoot"/>
+      </p:par>
+    </p:tnLst>
+  </p:timing>
+</p:sld>
+</file>
+
+<file path=ppt/slides/slide13.xml><?xml version="1.0" encoding="utf-8"?>
+<p:sld xmlns:a="http://schemas.openxmlformats.org/drawingml/2006/main" xmlns:r="http://schemas.openxmlformats.org/officeDocument/2006/relationships" xmlns:p="http://schemas.openxmlformats.org/presentationml/2006/main">
+  <p:cSld>
+    <p:spTree>
+      <p:nvGrpSpPr>
+        <p:cNvPr id="1" name=""/>
+        <p:cNvGrpSpPr/>
+        <p:nvPr/>
+      </p:nvGrpSpPr>
+      <p:grpSpPr>
+        <a:xfrm>
+          <a:off x="0" y="0"/>
+          <a:ext cx="0" cy="0"/>
+          <a:chOff x="0" y="0"/>
+          <a:chExt cx="0" cy="0"/>
+        </a:xfrm>
+      </p:grpSpPr>
+      <p:pic>
+        <p:nvPicPr>
+          <p:cNvPr id="12" name="図 11"/>
+          <p:cNvPicPr>
+            <a:picLocks noChangeAspect="1"/>
+          </p:cNvPicPr>
+          <p:nvPr/>
+        </p:nvPicPr>
+        <p:blipFill rotWithShape="1">
+          <a:blip r:embed="rId2"/>
+          <a:srcRect b="9951"/>
+          <a:stretch/>
+        </p:blipFill>
+        <p:spPr>
+          <a:xfrm>
+            <a:off x="4766506" y="4258130"/>
+            <a:ext cx="3106378" cy="2073600"/>
+          </a:xfrm>
+          <a:prstGeom prst="rect">
+            <a:avLst/>
+          </a:prstGeom>
+          <a:ln>
+            <a:solidFill>
+              <a:schemeClr val="tx1"/>
+            </a:solidFill>
+          </a:ln>
+        </p:spPr>
+      </p:pic>
+      <p:sp>
+        <p:nvSpPr>
+          <p:cNvPr id="2" name="タイトル 1"/>
+          <p:cNvSpPr>
+            <a:spLocks noGrp="1"/>
+          </p:cNvSpPr>
+          <p:nvPr>
+            <p:ph type="title"/>
+          </p:nvPr>
+        </p:nvSpPr>
+        <p:spPr/>
+        <p:txBody>
+          <a:bodyPr/>
+          <a:lstStyle/>
+          <a:p>
+            <a:r>
+              <a:rPr lang="ja-JP" altLang="en-US" dirty="0" smtClean="0"/>
+              <a:t>評価用データに対する識別率</a:t>
+            </a:r>
+            <a:endParaRPr kumimoji="1" lang="ja-JP" altLang="en-US" dirty="0"/>
+          </a:p>
+        </p:txBody>
+      </p:sp>
+      <p:pic>
+        <p:nvPicPr>
+          <p:cNvPr id="10" name="図 9"/>
+          <p:cNvPicPr>
+            <a:picLocks noChangeAspect="1"/>
+          </p:cNvPicPr>
+          <p:nvPr/>
+        </p:nvPicPr>
+        <p:blipFill rotWithShape="1">
+          <a:blip r:embed="rId3"/>
+          <a:srcRect t="89112"/>
+          <a:stretch/>
+        </p:blipFill>
+        <p:spPr>
+          <a:xfrm>
+            <a:off x="2897915" y="6475800"/>
+            <a:ext cx="3424370" cy="269986"/>
+          </a:xfrm>
+          <a:prstGeom prst="rect">
+            <a:avLst/>
+          </a:prstGeom>
+          <a:ln>
+            <a:solidFill>
+              <a:schemeClr val="tx1"/>
+            </a:solidFill>
+          </a:ln>
+        </p:spPr>
+      </p:pic>
+      <p:pic>
+        <p:nvPicPr>
+          <p:cNvPr id="7" name="図 6"/>
+          <p:cNvPicPr>
+            <a:picLocks noChangeAspect="1"/>
+          </p:cNvPicPr>
+          <p:nvPr/>
+        </p:nvPicPr>
+        <p:blipFill rotWithShape="1">
+          <a:blip r:embed="rId4"/>
+          <a:srcRect b="9951"/>
+          <a:stretch/>
+        </p:blipFill>
+        <p:spPr>
+          <a:xfrm>
+            <a:off x="1524000" y="2063560"/>
+            <a:ext cx="3106378" cy="2073600"/>
+          </a:xfrm>
+          <a:prstGeom prst="rect">
+            <a:avLst/>
+          </a:prstGeom>
+          <a:ln>
+            <a:solidFill>
+              <a:schemeClr val="tx1"/>
+            </a:solidFill>
+          </a:ln>
+        </p:spPr>
+      </p:pic>
+      <p:pic>
+        <p:nvPicPr>
+          <p:cNvPr id="8" name="図 7"/>
+          <p:cNvPicPr>
+            <a:picLocks noChangeAspect="1"/>
+          </p:cNvPicPr>
+          <p:nvPr/>
+        </p:nvPicPr>
+        <p:blipFill rotWithShape="1">
+          <a:blip r:embed="rId5"/>
+          <a:srcRect b="9951"/>
+          <a:stretch/>
+        </p:blipFill>
+        <p:spPr>
+          <a:xfrm>
+            <a:off x="1524987" y="4258130"/>
+            <a:ext cx="3106378" cy="2073600"/>
+          </a:xfrm>
+          <a:prstGeom prst="rect">
+            <a:avLst/>
+          </a:prstGeom>
+          <a:ln>
+            <a:solidFill>
+              <a:schemeClr val="tx1"/>
+            </a:solidFill>
+          </a:ln>
+        </p:spPr>
+      </p:pic>
+      <p:pic>
+        <p:nvPicPr>
+          <p:cNvPr id="9" name="図 8"/>
+          <p:cNvPicPr>
+            <a:picLocks noChangeAspect="1"/>
+          </p:cNvPicPr>
+          <p:nvPr/>
+        </p:nvPicPr>
+        <p:blipFill rotWithShape="1">
+          <a:blip r:embed="rId6"/>
+          <a:srcRect b="9951"/>
+          <a:stretch/>
+        </p:blipFill>
+        <p:spPr>
+          <a:xfrm>
+            <a:off x="4766506" y="2054762"/>
+            <a:ext cx="3106378" cy="2073600"/>
+          </a:xfrm>
+          <a:prstGeom prst="rect">
+            <a:avLst/>
+          </a:prstGeom>
+          <a:ln>
+            <a:solidFill>
+              <a:schemeClr val="tx1"/>
+            </a:solidFill>
+          </a:ln>
+        </p:spPr>
+      </p:pic>
+      <p:sp>
+        <p:nvSpPr>
+          <p:cNvPr id="11" name="コンテンツ プレースホルダー 2">
+            <a:extLst>
+              <a:ext uri="{FF2B5EF4-FFF2-40B4-BE49-F238E27FC236}">
+                <a16:creationId xmlns:a16="http://schemas.microsoft.com/office/drawing/2014/main" id="{13E6EA0F-EBC8-A94F-97D4-A9AF35CDC8A4}"/>
+              </a:ext>
+            </a:extLst>
+          </p:cNvPr>
+          <p:cNvSpPr txBox="1">
+            <a:spLocks/>
+          </p:cNvSpPr>
+          <p:nvPr/>
+        </p:nvSpPr>
+        <p:spPr bwMode="auto">
+          <a:xfrm>
+            <a:off x="685800" y="1194603"/>
+            <a:ext cx="7267074" cy="862797"/>
+          </a:xfrm>
+          <a:prstGeom prst="rect">
+            <a:avLst/>
+          </a:prstGeom>
+          <a:noFill/>
+          <a:ln>
+            <a:noFill/>
+          </a:ln>
+          <a:extLst>
+            <a:ext uri="{909E8E84-426E-40DD-AFC4-6F175D3DCCD1}">
+              <a14:hiddenFill xmlns:a14="http://schemas.microsoft.com/office/drawing/2010/main">
+                <a:solidFill>
+                  <a:srgbClr val="FFFFFF"/>
+                </a:solidFill>
+              </a14:hiddenFill>
+            </a:ext>
+            <a:ext uri="{91240B29-F687-4F45-9708-019B960494DF}">
+              <a14:hiddenLine xmlns:a14="http://schemas.microsoft.com/office/drawing/2010/main" w="9525">
+                <a:solidFill>
+                  <a:srgbClr val="000000"/>
+                </a:solidFill>
+                <a:miter lim="800000"/>
+                <a:headEnd/>
+                <a:tailEnd/>
+              </a14:hiddenLine>
+            </a:ext>
+          </a:extLst>
+        </p:spPr>
+        <p:txBody>
+          <a:bodyPr vert="horz" wrap="square" lIns="91440" tIns="45720" rIns="91440" bIns="45720" numCol="1" anchor="t" anchorCtr="0" compatLnSpc="1">
+            <a:prstTxWarp prst="textNoShape">
+              <a:avLst/>
+            </a:prstTxWarp>
+          </a:bodyPr>
+          <a:lstStyle>
+            <a:lvl1pPr marL="342900" indent="-342900" algn="l" rtl="0" eaLnBrk="0" fontAlgn="base" hangingPunct="0">
+              <a:spcBef>
+                <a:spcPct val="20000"/>
+              </a:spcBef>
+              <a:spcAft>
+                <a:spcPct val="0"/>
+              </a:spcAft>
+              <a:buChar char="•"/>
+              <a:defRPr kumimoji="1" sz="3200">
+                <a:solidFill>
+                  <a:schemeClr val="tx1"/>
+                </a:solidFill>
+                <a:latin typeface="+mn-lt"/>
+                <a:ea typeface="+mn-ea"/>
+                <a:cs typeface="+mn-cs"/>
+              </a:defRPr>
+            </a:lvl1pPr>
+            <a:lvl2pPr marL="742950" indent="-285750" algn="l" rtl="0" eaLnBrk="0" fontAlgn="base" hangingPunct="0">
+              <a:spcBef>
+                <a:spcPct val="20000"/>
+              </a:spcBef>
+              <a:spcAft>
+                <a:spcPct val="0"/>
+              </a:spcAft>
+              <a:buChar char="–"/>
+              <a:defRPr kumimoji="1" sz="2800">
+                <a:solidFill>
+                  <a:schemeClr val="tx1"/>
+                </a:solidFill>
+                <a:latin typeface="+mn-lt"/>
+                <a:ea typeface="+mn-ea"/>
+              </a:defRPr>
+            </a:lvl2pPr>
+            <a:lvl3pPr marL="1143000" indent="-228600" algn="l" rtl="0" eaLnBrk="0" fontAlgn="base" hangingPunct="0">
+              <a:spcBef>
+                <a:spcPct val="20000"/>
+              </a:spcBef>
+              <a:spcAft>
+                <a:spcPct val="0"/>
+              </a:spcAft>
+              <a:buChar char="•"/>
+              <a:defRPr kumimoji="1" sz="2400">
+                <a:solidFill>
+                  <a:schemeClr val="tx1"/>
+                </a:solidFill>
+                <a:latin typeface="+mn-lt"/>
+                <a:ea typeface="+mn-ea"/>
+              </a:defRPr>
+            </a:lvl3pPr>
+            <a:lvl4pPr marL="1600200" indent="-228600" algn="l" rtl="0" eaLnBrk="0" fontAlgn="base" hangingPunct="0">
+              <a:spcBef>
+                <a:spcPct val="20000"/>
+              </a:spcBef>
+              <a:spcAft>
+                <a:spcPct val="0"/>
+              </a:spcAft>
+              <a:buChar char="–"/>
+              <a:defRPr kumimoji="1" sz="2000">
+                <a:solidFill>
+                  <a:schemeClr val="tx1"/>
+                </a:solidFill>
+                <a:latin typeface="+mn-lt"/>
+                <a:ea typeface="+mn-ea"/>
+              </a:defRPr>
+            </a:lvl4pPr>
+            <a:lvl5pPr marL="2057400" indent="-228600" algn="l" rtl="0" eaLnBrk="0" fontAlgn="base" hangingPunct="0">
+              <a:spcBef>
+                <a:spcPct val="20000"/>
+              </a:spcBef>
+              <a:spcAft>
+                <a:spcPct val="0"/>
+              </a:spcAft>
+              <a:buChar char="»"/>
+              <a:defRPr kumimoji="1" sz="2000">
+                <a:solidFill>
+                  <a:schemeClr val="tx1"/>
+                </a:solidFill>
+                <a:latin typeface="+mn-lt"/>
+                <a:ea typeface="+mn-ea"/>
+              </a:defRPr>
+            </a:lvl5pPr>
+            <a:lvl6pPr marL="2514600" indent="-228600" algn="l" rtl="0" fontAlgn="base">
+              <a:spcBef>
+                <a:spcPct val="20000"/>
+              </a:spcBef>
+              <a:spcAft>
+                <a:spcPct val="0"/>
+              </a:spcAft>
+              <a:buChar char="»"/>
+              <a:defRPr kumimoji="1" sz="2000">
+                <a:solidFill>
+                  <a:schemeClr val="tx1"/>
+                </a:solidFill>
+                <a:latin typeface="+mn-lt"/>
+                <a:ea typeface="+mn-ea"/>
+              </a:defRPr>
+            </a:lvl6pPr>
+            <a:lvl7pPr marL="2971800" indent="-228600" algn="l" rtl="0" fontAlgn="base">
+              <a:spcBef>
+                <a:spcPct val="20000"/>
+              </a:spcBef>
+              <a:spcAft>
+                <a:spcPct val="0"/>
+              </a:spcAft>
+              <a:buChar char="»"/>
+              <a:defRPr kumimoji="1" sz="2000">
+                <a:solidFill>
+                  <a:schemeClr val="tx1"/>
+                </a:solidFill>
+                <a:latin typeface="+mn-lt"/>
+                <a:ea typeface="+mn-ea"/>
+              </a:defRPr>
+            </a:lvl7pPr>
+            <a:lvl8pPr marL="3429000" indent="-228600" algn="l" rtl="0" fontAlgn="base">
+              <a:spcBef>
+                <a:spcPct val="20000"/>
+              </a:spcBef>
+              <a:spcAft>
+                <a:spcPct val="0"/>
+              </a:spcAft>
+              <a:buChar char="»"/>
+              <a:defRPr kumimoji="1" sz="2000">
+                <a:solidFill>
+                  <a:schemeClr val="tx1"/>
+                </a:solidFill>
+                <a:latin typeface="+mn-lt"/>
+                <a:ea typeface="+mn-ea"/>
+              </a:defRPr>
+            </a:lvl8pPr>
+            <a:lvl9pPr marL="3886200" indent="-228600" algn="l" rtl="0" fontAlgn="base">
+              <a:spcBef>
+                <a:spcPct val="20000"/>
+              </a:spcBef>
+              <a:spcAft>
+                <a:spcPct val="0"/>
+              </a:spcAft>
+              <a:buChar char="»"/>
+              <a:defRPr kumimoji="1" sz="2000">
+                <a:solidFill>
+                  <a:schemeClr val="tx1"/>
+                </a:solidFill>
+                <a:latin typeface="+mn-lt"/>
+                <a:ea typeface="+mn-ea"/>
+              </a:defRPr>
+            </a:lvl9pPr>
+          </a:lstStyle>
+          <a:p>
+            <a:pPr marL="0" indent="0">
+              <a:buNone/>
+            </a:pPr>
+            <a:r>
+              <a:rPr lang="ja-JP" altLang="en-US" sz="2000" kern="0" dirty="0" smtClean="0"/>
+              <a:t>従来の並列分散実装で得られる単一識別器と比較した</a:t>
+            </a:r>
+            <a:r>
+              <a:rPr lang="en-US" altLang="ja-JP" sz="2000" kern="0" dirty="0" smtClean="0"/>
+              <a:t/>
+            </a:r>
+            <a:br>
+              <a:rPr lang="en-US" altLang="ja-JP" sz="2000" kern="0" dirty="0" smtClean="0"/>
+            </a:br>
+            <a:r>
+              <a:rPr lang="ja-JP" altLang="en-US" sz="2000" kern="0" dirty="0" smtClean="0"/>
+              <a:t>アンサンブル識別器の汎化</a:t>
+            </a:r>
+            <a:r>
+              <a:rPr lang="ja-JP" altLang="en-US" sz="2000" kern="0" dirty="0" smtClean="0"/>
+              <a:t>性能．（</a:t>
+            </a:r>
+            <a:r>
+              <a:rPr lang="en-US" altLang="ja-JP" sz="2000" kern="0" dirty="0" smtClean="0"/>
+              <a:t>30</a:t>
+            </a:r>
+            <a:r>
+              <a:rPr lang="ja-JP" altLang="en-US" sz="2000" kern="0" dirty="0" smtClean="0"/>
+              <a:t>回試行平均）</a:t>
+            </a:r>
+            <a:endParaRPr lang="en-US" altLang="ja-JP" sz="2000" kern="0" dirty="0"/>
+          </a:p>
+        </p:txBody>
+      </p:sp>
+    </p:spTree>
+    <p:extLst>
+      <p:ext uri="{BB962C8B-B14F-4D97-AF65-F5344CB8AC3E}">
+        <p14:creationId xmlns:p14="http://schemas.microsoft.com/office/powerpoint/2010/main" val="1934212173"/>
+      </p:ext>
+    </p:extLst>
+  </p:cSld>
+  <p:clrMapOvr>
+    <a:masterClrMapping/>
+  </p:clrMapOvr>
+  <p:timing>
+    <p:tnLst>
+      <p:par>
+        <p:cTn id="1" dur="indefinite" restart="never" nodeType="tmRoot"/>
+      </p:par>
+    </p:tnLst>
+  </p:timing>
+</p:sld>
+</file>
+
+<file path=ppt/slides/slide14.xml><?xml version="1.0" encoding="utf-8"?>
+<p:sld xmlns:a="http://schemas.openxmlformats.org/drawingml/2006/main" xmlns:r="http://schemas.openxmlformats.org/officeDocument/2006/relationships" xmlns:p="http://schemas.openxmlformats.org/presentationml/2006/main">
+  <p:cSld>
+    <p:spTree>
+      <p:nvGrpSpPr>
+        <p:cNvPr id="1" name=""/>
+        <p:cNvGrpSpPr/>
+        <p:nvPr/>
+      </p:nvGrpSpPr>
+      <p:grpSpPr>
+        <a:xfrm>
+          <a:off x="0" y="0"/>
+          <a:ext cx="0" cy="0"/>
+          <a:chOff x="0" y="0"/>
+          <a:chExt cx="0" cy="0"/>
+        </a:xfrm>
+      </p:grpSpPr>
+      <p:sp>
+        <p:nvSpPr>
+          <p:cNvPr id="2" name="タイトル 1"/>
+          <p:cNvSpPr>
+            <a:spLocks noGrp="1"/>
+          </p:cNvSpPr>
+          <p:nvPr>
+            <p:ph type="title"/>
+          </p:nvPr>
+        </p:nvSpPr>
+        <p:spPr/>
+        <p:txBody>
+          <a:bodyPr/>
+          <a:lstStyle/>
+          <a:p>
+            <a:r>
+              <a:rPr lang="ja-JP" altLang="en-US" dirty="0" smtClean="0"/>
+              <a:t>多様性の向上</a:t>
+            </a:r>
+            <a:endParaRPr kumimoji="1" lang="ja-JP" altLang="en-US" dirty="0"/>
+          </a:p>
+        </p:txBody>
+      </p:sp>
+      <p:pic>
+        <p:nvPicPr>
+          <p:cNvPr id="3" name="図 2"/>
+          <p:cNvPicPr>
+            <a:picLocks noChangeAspect="1"/>
+          </p:cNvPicPr>
+          <p:nvPr/>
+        </p:nvPicPr>
+        <p:blipFill>
+          <a:blip r:embed="rId2">
+            <a:clrChange>
+              <a:clrFrom>
+                <a:srgbClr val="FFFFFF"/>
+              </a:clrFrom>
+              <a:clrTo>
+                <a:srgbClr val="FFFFFF">
+                  <a:alpha val="0"/>
+                </a:srgbClr>
+              </a:clrTo>
+            </a:clrChange>
+            <a:extLst>
+              <a:ext uri="{28A0092B-C50C-407E-A947-70E740481C1C}">
+                <a14:useLocalDpi xmlns:a14="http://schemas.microsoft.com/office/drawing/2010/main" val="0"/>
+              </a:ext>
+            </a:extLst>
+          </a:blip>
+          <a:stretch>
+            <a:fillRect/>
+          </a:stretch>
+        </p:blipFill>
+        <p:spPr>
+          <a:xfrm>
+            <a:off x="762000" y="1600200"/>
+            <a:ext cx="3429000" cy="3429000"/>
+          </a:xfrm>
+          <a:prstGeom prst="rect">
+            <a:avLst/>
+          </a:prstGeom>
+        </p:spPr>
+      </p:pic>
+      <p:pic>
+        <p:nvPicPr>
+          <p:cNvPr id="4" name="図 3"/>
+          <p:cNvPicPr>
+            <a:picLocks noChangeAspect="1"/>
+          </p:cNvPicPr>
+          <p:nvPr/>
+        </p:nvPicPr>
+        <p:blipFill>
+          <a:blip r:embed="rId3">
+            <a:clrChange>
+              <a:clrFrom>
+                <a:srgbClr val="FFFFFF"/>
+              </a:clrFrom>
+              <a:clrTo>
+                <a:srgbClr val="FFFFFF">
+                  <a:alpha val="0"/>
+                </a:srgbClr>
+              </a:clrTo>
+            </a:clrChange>
+            <a:extLst>
+              <a:ext uri="{28A0092B-C50C-407E-A947-70E740481C1C}">
+                <a14:useLocalDpi xmlns:a14="http://schemas.microsoft.com/office/drawing/2010/main" val="0"/>
+              </a:ext>
+            </a:extLst>
+          </a:blip>
+          <a:stretch>
+            <a:fillRect/>
+          </a:stretch>
+        </p:blipFill>
+        <p:spPr>
+          <a:xfrm>
+            <a:off x="4343400" y="1600200"/>
+            <a:ext cx="3430800" cy="3430800"/>
+          </a:xfrm>
+          <a:prstGeom prst="rect">
+            <a:avLst/>
+          </a:prstGeom>
+        </p:spPr>
+      </p:pic>
+      <p:sp>
+        <p:nvSpPr>
+          <p:cNvPr id="5" name="テキスト ボックス 4">
+            <a:extLst>
+              <a:ext uri="{FF2B5EF4-FFF2-40B4-BE49-F238E27FC236}">
+                <a16:creationId xmlns:a16="http://schemas.microsoft.com/office/drawing/2014/main" id="{FE740822-C01B-A944-AFFB-3E2AA037C098}"/>
+              </a:ext>
+            </a:extLst>
+          </p:cNvPr>
+          <p:cNvSpPr txBox="1"/>
+          <p:nvPr/>
+        </p:nvSpPr>
+        <p:spPr>
+          <a:xfrm>
+            <a:off x="4717629" y="5029200"/>
+            <a:ext cx="2690160" cy="369332"/>
+          </a:xfrm>
+          <a:prstGeom prst="rect">
+            <a:avLst/>
+          </a:prstGeom>
+          <a:noFill/>
+        </p:spPr>
+        <p:txBody>
+          <a:bodyPr wrap="none" rtlCol="0">
+            <a:spAutoFit/>
+          </a:bodyPr>
+          <a:lstStyle/>
+          <a:p>
+            <a:r>
+              <a:rPr kumimoji="1" lang="ja-JP" altLang="en-US" dirty="0" smtClean="0"/>
+              <a:t>交換操作・移住操作　あり</a:t>
+            </a:r>
+            <a:endParaRPr kumimoji="1" lang="ja-JP" altLang="en-US" dirty="0"/>
+          </a:p>
+        </p:txBody>
+      </p:sp>
+      <p:sp>
+        <p:nvSpPr>
+          <p:cNvPr id="6" name="テキスト ボックス 5">
+            <a:extLst>
+              <a:ext uri="{FF2B5EF4-FFF2-40B4-BE49-F238E27FC236}">
+                <a16:creationId xmlns:a16="http://schemas.microsoft.com/office/drawing/2014/main" id="{FE740822-C01B-A944-AFFB-3E2AA037C098}"/>
+              </a:ext>
+            </a:extLst>
+          </p:cNvPr>
+          <p:cNvSpPr txBox="1"/>
+          <p:nvPr/>
+        </p:nvSpPr>
+        <p:spPr>
+          <a:xfrm>
+            <a:off x="1131420" y="5029200"/>
+            <a:ext cx="2685351" cy="369332"/>
+          </a:xfrm>
+          <a:prstGeom prst="rect">
+            <a:avLst/>
+          </a:prstGeom>
+          <a:noFill/>
+        </p:spPr>
+        <p:txBody>
+          <a:bodyPr wrap="none" rtlCol="0">
+            <a:spAutoFit/>
+          </a:bodyPr>
+          <a:lstStyle/>
+          <a:p>
+            <a:r>
+              <a:rPr kumimoji="1" lang="ja-JP" altLang="en-US" dirty="0" smtClean="0"/>
+              <a:t>交換操作・移住操作　なし</a:t>
+            </a:r>
+            <a:endParaRPr kumimoji="1" lang="ja-JP" altLang="en-US" dirty="0"/>
+          </a:p>
+        </p:txBody>
+      </p:sp>
+      <p:cxnSp>
+        <p:nvCxnSpPr>
+          <p:cNvPr id="8" name="直線コネクタ 7"/>
+          <p:cNvCxnSpPr/>
+          <p:nvPr/>
+        </p:nvCxnSpPr>
+        <p:spPr>
+          <a:xfrm>
+            <a:off x="1219200" y="4191000"/>
+            <a:ext cx="2597571" cy="0"/>
+          </a:xfrm>
+          <a:prstGeom prst="line">
+            <a:avLst/>
+          </a:prstGeom>
+          <a:ln w="28575">
+            <a:solidFill>
+              <a:srgbClr val="FF0000"/>
+            </a:solidFill>
+            <a:prstDash val="dash"/>
+          </a:ln>
+        </p:spPr>
+        <p:style>
+          <a:lnRef idx="1">
+            <a:schemeClr val="accent1"/>
+          </a:lnRef>
+          <a:fillRef idx="0">
+            <a:schemeClr val="accent1"/>
+          </a:fillRef>
+          <a:effectRef idx="0">
+            <a:schemeClr val="accent1"/>
+          </a:effectRef>
+          <a:fontRef idx="minor">
+            <a:schemeClr val="tx1"/>
+          </a:fontRef>
+        </p:style>
+      </p:cxnSp>
+      <p:cxnSp>
+        <p:nvCxnSpPr>
+          <p:cNvPr id="11" name="直線コネクタ 10"/>
+          <p:cNvCxnSpPr/>
+          <p:nvPr/>
+        </p:nvCxnSpPr>
+        <p:spPr>
+          <a:xfrm>
+            <a:off x="4800600" y="4267200"/>
+            <a:ext cx="2607189" cy="0"/>
+          </a:xfrm>
+          <a:prstGeom prst="line">
+            <a:avLst/>
+          </a:prstGeom>
+          <a:ln w="28575">
+            <a:solidFill>
+              <a:srgbClr val="FF0000"/>
+            </a:solidFill>
+            <a:prstDash val="dash"/>
+          </a:ln>
+        </p:spPr>
+        <p:style>
+          <a:lnRef idx="1">
+            <a:schemeClr val="accent1"/>
+          </a:lnRef>
+          <a:fillRef idx="0">
+            <a:schemeClr val="accent1"/>
+          </a:fillRef>
+          <a:effectRef idx="0">
+            <a:schemeClr val="accent1"/>
+          </a:effectRef>
+          <a:fontRef idx="minor">
+            <a:schemeClr val="tx1"/>
+          </a:fontRef>
+        </p:style>
+      </p:cxnSp>
+    </p:spTree>
+    <p:extLst>
+      <p:ext uri="{BB962C8B-B14F-4D97-AF65-F5344CB8AC3E}">
+        <p14:creationId xmlns:p14="http://schemas.microsoft.com/office/powerpoint/2010/main" val="2928862462"/>
+      </p:ext>
+    </p:extLst>
+  </p:cSld>
+  <p:clrMapOvr>
+    <a:masterClrMapping/>
+  </p:clrMapOvr>
+  <p:timing>
+    <p:tnLst>
+      <p:par>
+        <p:cTn id="1" dur="indefinite" restart="never" nodeType="tmRoot"/>
+      </p:par>
+    </p:tnLst>
+  </p:timing>
+</p:sld>
+</file>
+
+<file path=ppt/slides/slide15.xml><?xml version="1.0" encoding="utf-8"?>
+<p:sld xmlns:a="http://schemas.openxmlformats.org/drawingml/2006/main" xmlns:r="http://schemas.openxmlformats.org/officeDocument/2006/relationships" xmlns:p="http://schemas.openxmlformats.org/presentationml/2006/main">
+  <p:cSld>
+    <p:spTree>
+      <p:nvGrpSpPr>
+        <p:cNvPr id="1" name=""/>
+        <p:cNvGrpSpPr/>
+        <p:nvPr/>
+      </p:nvGrpSpPr>
+      <p:grpSpPr>
+        <a:xfrm>
+          <a:off x="0" y="0"/>
+          <a:ext cx="0" cy="0"/>
+          <a:chOff x="0" y="0"/>
+          <a:chExt cx="0" cy="0"/>
+        </a:xfrm>
+      </p:grpSpPr>
+      <p:sp>
+        <p:nvSpPr>
+          <p:cNvPr id="2" name="タイトル 1"/>
+          <p:cNvSpPr>
+            <a:spLocks noGrp="1"/>
+          </p:cNvSpPr>
+          <p:nvPr>
+            <p:ph type="title"/>
+          </p:nvPr>
+        </p:nvSpPr>
+        <p:spPr/>
+        <p:txBody>
+          <a:bodyPr/>
+          <a:lstStyle/>
+          <a:p>
+            <a:endParaRPr kumimoji="1" lang="ja-JP" altLang="en-US"/>
+          </a:p>
+        </p:txBody>
+      </p:sp>
+    </p:spTree>
+    <p:extLst>
+      <p:ext uri="{BB962C8B-B14F-4D97-AF65-F5344CB8AC3E}">
+        <p14:creationId xmlns:p14="http://schemas.microsoft.com/office/powerpoint/2010/main" val="3777474116"/>
+      </p:ext>
+    </p:extLst>
+  </p:cSld>
+  <p:clrMapOvr>
+    <a:masterClrMapping/>
+  </p:clrMapOvr>
+</p:sld>
+</file>
+
+<file path=ppt/slides/slide16.xml><?xml version="1.0" encoding="utf-8"?>
+<p:sld xmlns:a="http://schemas.openxmlformats.org/drawingml/2006/main" xmlns:r="http://schemas.openxmlformats.org/officeDocument/2006/relationships" xmlns:p="http://schemas.openxmlformats.org/presentationml/2006/main">
+  <p:cSld>
+    <p:spTree>
+      <p:nvGrpSpPr>
+        <p:cNvPr id="1" name=""/>
+        <p:cNvGrpSpPr/>
+        <p:nvPr/>
+      </p:nvGrpSpPr>
+      <p:grpSpPr>
+        <a:xfrm>
+          <a:off x="0" y="0"/>
+          <a:ext cx="0" cy="0"/>
+          <a:chOff x="0" y="0"/>
+          <a:chExt cx="0" cy="0"/>
+        </a:xfrm>
+      </p:grpSpPr>
+    </p:spTree>
+    <p:extLst>
+      <p:ext uri="{BB962C8B-B14F-4D97-AF65-F5344CB8AC3E}">
+        <p14:creationId xmlns:p14="http://schemas.microsoft.com/office/powerpoint/2010/main" val="2682224311"/>
+      </p:ext>
+    </p:extLst>
+  </p:cSld>
+  <p:clrMapOvr>
+    <a:masterClrMapping/>
+  </p:clrMapOvr>
+</p:sld>
+</file>
+
+<file path=ppt/slides/slide17.xml><?xml version="1.0" encoding="utf-8"?>
 <p:sld xmlns:a="http://schemas.openxmlformats.org/drawingml/2006/main" xmlns:r="http://schemas.openxmlformats.org/officeDocument/2006/relationships" xmlns:p="http://schemas.openxmlformats.org/presentationml/2006/main">
   <p:cSld>
     <p:spTree>
@@ -8113,7 +12184,7 @@
         </p:nvSpPr>
         <p:spPr>
           <a:xfrm flipH="1">
-            <a:off x="5181600" y="1840464"/>
+            <a:off x="6349270" y="1840464"/>
             <a:ext cx="2011673" cy="369332"/>
           </a:xfrm>
           <a:prstGeom prst="rect">
@@ -8128,20 +12199,24 @@
           <a:lstStyle/>
           <a:p>
             <a:r>
-              <a:rPr kumimoji="1" lang="en-US" altLang="ja-JP"/>
+              <a:rPr kumimoji="1" lang="en-US" altLang="ja-JP" dirty="0"/>
               <a:t>D</a:t>
             </a:r>
             <a:r>
-              <a:rPr kumimoji="1" lang="ja-JP" altLang="en-US"/>
+              <a:rPr kumimoji="1" lang="ja-JP" altLang="en-US" dirty="0"/>
               <a:t>は</a:t>
             </a:r>
             <a:r>
-              <a:rPr kumimoji="1" lang="en-US" altLang="ja-JP"/>
+              <a:rPr kumimoji="1" lang="en-US" altLang="ja-JP" dirty="0"/>
               <a:t>B</a:t>
             </a:r>
             <a:r>
-              <a:rPr kumimoji="1" lang="ja-JP" altLang="en-US"/>
-              <a:t>に優越される</a:t>
+              <a:rPr kumimoji="1" lang="ja-JP" altLang="en-US" dirty="0" err="1"/>
+              <a:t>に優</a:t>
+            </a:r>
+            <a:r>
+              <a:rPr kumimoji="1" lang="ja-JP" altLang="en-US" dirty="0"/>
+              <a:t>越される</a:t>
             </a:r>
           </a:p>
         </p:txBody>
@@ -8160,7 +12235,7 @@
         </p:nvSpPr>
         <p:spPr>
           <a:xfrm flipH="1">
-            <a:off x="5210908" y="2290370"/>
+            <a:off x="6378578" y="2290370"/>
             <a:ext cx="2667000" cy="646331"/>
           </a:xfrm>
           <a:prstGeom prst="rect">
@@ -8199,7 +12274,7 @@
         </p:nvSpPr>
         <p:spPr>
           <a:xfrm flipH="1">
-            <a:off x="5233130" y="2841687"/>
+            <a:off x="6400800" y="2841687"/>
             <a:ext cx="2667000" cy="369332"/>
           </a:xfrm>
           <a:prstGeom prst="rect">
@@ -8242,1175 +12317,7 @@
 </p:sld>
 </file>
 
-<file path=ppt/slides/slide11.xml><?xml version="1.0" encoding="utf-8"?>
-<p:sld xmlns:a="http://schemas.openxmlformats.org/drawingml/2006/main" xmlns:r="http://schemas.openxmlformats.org/officeDocument/2006/relationships" xmlns:p="http://schemas.openxmlformats.org/presentationml/2006/main">
-  <p:cSld>
-    <p:spTree>
-      <p:nvGrpSpPr>
-        <p:cNvPr id="1" name=""/>
-        <p:cNvGrpSpPr/>
-        <p:nvPr/>
-      </p:nvGrpSpPr>
-      <p:grpSpPr>
-        <a:xfrm>
-          <a:off x="0" y="0"/>
-          <a:ext cx="0" cy="0"/>
-          <a:chOff x="0" y="0"/>
-          <a:chExt cx="0" cy="0"/>
-        </a:xfrm>
-      </p:grpSpPr>
-      <p:sp>
-        <p:nvSpPr>
-          <p:cNvPr id="2" name="タイトル 1">
-            <a:extLst>
-              <a:ext uri="{FF2B5EF4-FFF2-40B4-BE49-F238E27FC236}">
-                <a16:creationId xmlns:a16="http://schemas.microsoft.com/office/drawing/2014/main" id="{187AB015-A40A-0340-9311-10DAD592CCC3}"/>
-              </a:ext>
-            </a:extLst>
-          </p:cNvPr>
-          <p:cNvSpPr>
-            <a:spLocks noGrp="1"/>
-          </p:cNvSpPr>
-          <p:nvPr>
-            <p:ph type="title"/>
-          </p:nvPr>
-        </p:nvSpPr>
-        <p:spPr/>
-        <p:txBody>
-          <a:bodyPr/>
-          <a:lstStyle/>
-          <a:p>
-            <a:r>
-              <a:rPr kumimoji="1" lang="ja-JP" altLang="en-US"/>
-              <a:t>重み付け多数決</a:t>
-            </a:r>
-          </a:p>
-        </p:txBody>
-      </p:sp>
-      <p:grpSp>
-        <p:nvGrpSpPr>
-          <p:cNvPr id="12" name="グループ化 11">
-            <a:extLst>
-              <a:ext uri="{FF2B5EF4-FFF2-40B4-BE49-F238E27FC236}">
-                <a16:creationId xmlns:a16="http://schemas.microsoft.com/office/drawing/2014/main" id="{82530C26-2AC1-1741-8737-4215ACE8C8D8}"/>
-              </a:ext>
-            </a:extLst>
-          </p:cNvPr>
-          <p:cNvGrpSpPr/>
-          <p:nvPr/>
-        </p:nvGrpSpPr>
-        <p:grpSpPr>
-          <a:xfrm>
-            <a:off x="533400" y="3083229"/>
-            <a:ext cx="4025919" cy="1219200"/>
-            <a:chOff x="1295400" y="2057400"/>
-            <a:chExt cx="4025919" cy="1219200"/>
-          </a:xfrm>
-        </p:grpSpPr>
-        <p:grpSp>
-          <p:nvGrpSpPr>
-            <p:cNvPr id="3" name="グループ化 2">
-              <a:extLst>
-                <a:ext uri="{FF2B5EF4-FFF2-40B4-BE49-F238E27FC236}">
-                  <a16:creationId xmlns:a16="http://schemas.microsoft.com/office/drawing/2014/main" id="{306A7920-6F73-2F4B-997C-754C6D93068C}"/>
-                </a:ext>
-              </a:extLst>
-            </p:cNvPr>
-            <p:cNvGrpSpPr/>
-            <p:nvPr/>
-          </p:nvGrpSpPr>
-          <p:grpSpPr>
-            <a:xfrm>
-              <a:off x="1295400" y="2057400"/>
-              <a:ext cx="4025919" cy="1219200"/>
-              <a:chOff x="1892030" y="2440742"/>
-              <a:chExt cx="4025919" cy="1219200"/>
-            </a:xfrm>
-          </p:grpSpPr>
-          <p:sp>
-            <p:nvSpPr>
-              <p:cNvPr id="4" name="角丸四角形 3">
-                <a:extLst>
-                  <a:ext uri="{FF2B5EF4-FFF2-40B4-BE49-F238E27FC236}">
-                    <a16:creationId xmlns:a16="http://schemas.microsoft.com/office/drawing/2014/main" id="{E266556D-4F55-B447-992A-4F114B9CC5C2}"/>
-                  </a:ext>
-                </a:extLst>
-              </p:cNvPr>
-              <p:cNvSpPr/>
-              <p:nvPr/>
-            </p:nvSpPr>
-            <p:spPr>
-              <a:xfrm>
-                <a:off x="2347811" y="2716069"/>
-                <a:ext cx="3570138" cy="943873"/>
-              </a:xfrm>
-              <a:prstGeom prst="roundRect">
-                <a:avLst/>
-              </a:prstGeom>
-              <a:solidFill>
-                <a:srgbClr val="FFF2CC"/>
-              </a:solidFill>
-            </p:spPr>
-            <p:style>
-              <a:lnRef idx="2">
-                <a:schemeClr val="accent1">
-                  <a:shade val="50000"/>
-                </a:schemeClr>
-              </a:lnRef>
-              <a:fillRef idx="1">
-                <a:schemeClr val="accent1"/>
-              </a:fillRef>
-              <a:effectRef idx="0">
-                <a:schemeClr val="accent1"/>
-              </a:effectRef>
-              <a:fontRef idx="minor">
-                <a:schemeClr val="lt1"/>
-              </a:fontRef>
-            </p:style>
-            <p:txBody>
-              <a:bodyPr rtlCol="0" anchor="ctr"/>
-              <a:lstStyle/>
-              <a:p>
-                <a:pPr algn="ctr"/>
-                <a:endParaRPr kumimoji="1" lang="ja-JP" altLang="en-US"/>
-              </a:p>
-            </p:txBody>
-          </p:sp>
-          <p:sp>
-            <p:nvSpPr>
-              <p:cNvPr id="5" name="円/楕円 38">
-                <a:extLst>
-                  <a:ext uri="{FF2B5EF4-FFF2-40B4-BE49-F238E27FC236}">
-                    <a16:creationId xmlns:a16="http://schemas.microsoft.com/office/drawing/2014/main" id="{A8C61D29-6AF6-D54F-A21C-D2C98441999F}"/>
-                  </a:ext>
-                </a:extLst>
-              </p:cNvPr>
-              <p:cNvSpPr/>
-              <p:nvPr/>
-            </p:nvSpPr>
-            <p:spPr>
-              <a:xfrm>
-                <a:off x="5163330" y="3220271"/>
-                <a:ext cx="304800" cy="304800"/>
-              </a:xfrm>
-              <a:prstGeom prst="ellipse">
-                <a:avLst/>
-              </a:prstGeom>
-              <a:solidFill>
-                <a:srgbClr val="EF4111"/>
-              </a:solidFill>
-              <a:ln>
-                <a:solidFill>
-                  <a:schemeClr val="tx1"/>
-                </a:solidFill>
-              </a:ln>
-            </p:spPr>
-            <p:style>
-              <a:lnRef idx="2">
-                <a:schemeClr val="accent1">
-                  <a:shade val="50000"/>
-                </a:schemeClr>
-              </a:lnRef>
-              <a:fillRef idx="1">
-                <a:schemeClr val="accent1"/>
-              </a:fillRef>
-              <a:effectRef idx="0">
-                <a:schemeClr val="accent1"/>
-              </a:effectRef>
-              <a:fontRef idx="minor">
-                <a:schemeClr val="lt1"/>
-              </a:fontRef>
-            </p:style>
-            <p:txBody>
-              <a:bodyPr rtlCol="0" anchor="ctr"/>
-              <a:lstStyle/>
-              <a:p>
-                <a:pPr algn="ctr"/>
-                <a:endParaRPr kumimoji="1" lang="ja-JP" altLang="en-US"/>
-              </a:p>
-            </p:txBody>
-          </p:sp>
-          <p:sp>
-            <p:nvSpPr>
-              <p:cNvPr id="6" name="円/楕円 38">
-                <a:extLst>
-                  <a:ext uri="{FF2B5EF4-FFF2-40B4-BE49-F238E27FC236}">
-                    <a16:creationId xmlns:a16="http://schemas.microsoft.com/office/drawing/2014/main" id="{4D7020E5-DDBD-E843-B476-48D2F6C61E52}"/>
-                  </a:ext>
-                </a:extLst>
-              </p:cNvPr>
-              <p:cNvSpPr/>
-              <p:nvPr/>
-            </p:nvSpPr>
-            <p:spPr>
-              <a:xfrm>
-                <a:off x="3980480" y="3220271"/>
-                <a:ext cx="304800" cy="304800"/>
-              </a:xfrm>
-              <a:prstGeom prst="ellipse">
-                <a:avLst/>
-              </a:prstGeom>
-              <a:solidFill>
-                <a:srgbClr val="EF4111"/>
-              </a:solidFill>
-              <a:ln>
-                <a:solidFill>
-                  <a:schemeClr val="tx1"/>
-                </a:solidFill>
-              </a:ln>
-            </p:spPr>
-            <p:style>
-              <a:lnRef idx="2">
-                <a:schemeClr val="accent1">
-                  <a:shade val="50000"/>
-                </a:schemeClr>
-              </a:lnRef>
-              <a:fillRef idx="1">
-                <a:schemeClr val="accent1"/>
-              </a:fillRef>
-              <a:effectRef idx="0">
-                <a:schemeClr val="accent1"/>
-              </a:effectRef>
-              <a:fontRef idx="minor">
-                <a:schemeClr val="lt1"/>
-              </a:fontRef>
-            </p:style>
-            <p:txBody>
-              <a:bodyPr rtlCol="0" anchor="ctr"/>
-              <a:lstStyle/>
-              <a:p>
-                <a:pPr algn="ctr"/>
-                <a:endParaRPr kumimoji="1" lang="ja-JP" altLang="en-US"/>
-              </a:p>
-            </p:txBody>
-          </p:sp>
-          <p:sp>
-            <p:nvSpPr>
-              <p:cNvPr id="7" name="円/楕円 38">
-                <a:extLst>
-                  <a:ext uri="{FF2B5EF4-FFF2-40B4-BE49-F238E27FC236}">
-                    <a16:creationId xmlns:a16="http://schemas.microsoft.com/office/drawing/2014/main" id="{B7D9DAFC-1467-C845-9E9B-ABC104832190}"/>
-                  </a:ext>
-                </a:extLst>
-              </p:cNvPr>
-              <p:cNvSpPr/>
-              <p:nvPr/>
-            </p:nvSpPr>
-            <p:spPr>
-              <a:xfrm>
-                <a:off x="2797631" y="3220271"/>
-                <a:ext cx="304800" cy="304800"/>
-              </a:xfrm>
-              <a:prstGeom prst="ellipse">
-                <a:avLst/>
-              </a:prstGeom>
-              <a:solidFill>
-                <a:srgbClr val="EF4111"/>
-              </a:solidFill>
-              <a:ln>
-                <a:solidFill>
-                  <a:schemeClr val="tx1"/>
-                </a:solidFill>
-              </a:ln>
-            </p:spPr>
-            <p:style>
-              <a:lnRef idx="2">
-                <a:schemeClr val="accent1">
-                  <a:shade val="50000"/>
-                </a:schemeClr>
-              </a:lnRef>
-              <a:fillRef idx="1">
-                <a:schemeClr val="accent1"/>
-              </a:fillRef>
-              <a:effectRef idx="0">
-                <a:schemeClr val="accent1"/>
-              </a:effectRef>
-              <a:fontRef idx="minor">
-                <a:schemeClr val="lt1"/>
-              </a:fontRef>
-            </p:style>
-            <p:txBody>
-              <a:bodyPr rtlCol="0" anchor="ctr"/>
-              <a:lstStyle/>
-              <a:p>
-                <a:pPr algn="ctr"/>
-                <a:endParaRPr kumimoji="1" lang="ja-JP" altLang="en-US"/>
-              </a:p>
-            </p:txBody>
-          </p:sp>
-          <p:sp>
-            <p:nvSpPr>
-              <p:cNvPr id="8" name="テキスト ボックス 7">
-                <a:extLst>
-                  <a:ext uri="{FF2B5EF4-FFF2-40B4-BE49-F238E27FC236}">
-                    <a16:creationId xmlns:a16="http://schemas.microsoft.com/office/drawing/2014/main" id="{EA8B8708-F6C1-2A40-95D1-A6CE87434D23}"/>
-                  </a:ext>
-                </a:extLst>
-              </p:cNvPr>
-              <p:cNvSpPr txBox="1"/>
-              <p:nvPr/>
-            </p:nvSpPr>
-            <p:spPr>
-              <a:xfrm>
-                <a:off x="1892030" y="2440742"/>
-                <a:ext cx="2389239" cy="442674"/>
-              </a:xfrm>
-              <a:prstGeom prst="roundRect">
-                <a:avLst/>
-              </a:prstGeom>
-              <a:ln w="12700"/>
-            </p:spPr>
-            <p:style>
-              <a:lnRef idx="2">
-                <a:schemeClr val="dk1"/>
-              </a:lnRef>
-              <a:fillRef idx="1">
-                <a:schemeClr val="lt1"/>
-              </a:fillRef>
-              <a:effectRef idx="0">
-                <a:schemeClr val="dk1"/>
-              </a:effectRef>
-              <a:fontRef idx="minor">
-                <a:schemeClr val="dk1"/>
-              </a:fontRef>
-            </p:style>
-            <p:txBody>
-              <a:bodyPr wrap="none" rtlCol="0">
-                <a:spAutoFit/>
-              </a:bodyPr>
-              <a:lstStyle/>
-              <a:p>
-                <a:r>
-                  <a:rPr kumimoji="1" lang="ja-JP" altLang="en-US" sz="2000" dirty="0"/>
-                  <a:t>アンサンブル識別器</a:t>
-                </a:r>
-              </a:p>
-            </p:txBody>
-          </p:sp>
-        </p:grpSp>
-        <p:sp>
-          <p:nvSpPr>
-            <p:cNvPr id="9" name="テキスト ボックス 8">
-              <a:extLst>
-                <a:ext uri="{FF2B5EF4-FFF2-40B4-BE49-F238E27FC236}">
-                  <a16:creationId xmlns:a16="http://schemas.microsoft.com/office/drawing/2014/main" id="{0FE40FD5-9837-934E-8E50-AFB8693A97C0}"/>
-                </a:ext>
-              </a:extLst>
-            </p:cNvPr>
-            <p:cNvSpPr txBox="1"/>
-            <p:nvPr/>
-          </p:nvSpPr>
-          <p:spPr>
-            <a:xfrm>
-              <a:off x="2036647" y="2514600"/>
-              <a:ext cx="633507" cy="369332"/>
-            </a:xfrm>
-            <a:prstGeom prst="rect">
-              <a:avLst/>
-            </a:prstGeom>
-            <a:noFill/>
-          </p:spPr>
-          <p:txBody>
-            <a:bodyPr wrap="none" rtlCol="0">
-              <a:spAutoFit/>
-            </a:bodyPr>
-            <a:lstStyle/>
-            <a:p>
-              <a:r>
-                <a:rPr kumimoji="1" lang="en-US" altLang="ja-JP"/>
-                <a:t>0.40</a:t>
-              </a:r>
-              <a:endParaRPr kumimoji="1" lang="ja-JP" altLang="en-US"/>
-            </a:p>
-          </p:txBody>
-        </p:sp>
-        <p:sp>
-          <p:nvSpPr>
-            <p:cNvPr id="10" name="テキスト ボックス 9">
-              <a:extLst>
-                <a:ext uri="{FF2B5EF4-FFF2-40B4-BE49-F238E27FC236}">
-                  <a16:creationId xmlns:a16="http://schemas.microsoft.com/office/drawing/2014/main" id="{ABD38B3E-5448-8D4D-BE6B-7544C4D02368}"/>
-                </a:ext>
-              </a:extLst>
-            </p:cNvPr>
-            <p:cNvSpPr txBox="1"/>
-            <p:nvPr/>
-          </p:nvSpPr>
-          <p:spPr>
-            <a:xfrm>
-              <a:off x="3219496" y="2514600"/>
-              <a:ext cx="633507" cy="369332"/>
-            </a:xfrm>
-            <a:prstGeom prst="rect">
-              <a:avLst/>
-            </a:prstGeom>
-            <a:noFill/>
-          </p:spPr>
-          <p:txBody>
-            <a:bodyPr wrap="none" rtlCol="0">
-              <a:spAutoFit/>
-            </a:bodyPr>
-            <a:lstStyle/>
-            <a:p>
-              <a:r>
-                <a:rPr kumimoji="1" lang="en-US" altLang="ja-JP"/>
-                <a:t>0.80</a:t>
-              </a:r>
-              <a:endParaRPr kumimoji="1" lang="ja-JP" altLang="en-US"/>
-            </a:p>
-          </p:txBody>
-        </p:sp>
-        <p:sp>
-          <p:nvSpPr>
-            <p:cNvPr id="11" name="テキスト ボックス 10">
-              <a:extLst>
-                <a:ext uri="{FF2B5EF4-FFF2-40B4-BE49-F238E27FC236}">
-                  <a16:creationId xmlns:a16="http://schemas.microsoft.com/office/drawing/2014/main" id="{186F5D1F-D469-7142-988E-758008F188DF}"/>
-                </a:ext>
-              </a:extLst>
-            </p:cNvPr>
-            <p:cNvSpPr txBox="1"/>
-            <p:nvPr/>
-          </p:nvSpPr>
-          <p:spPr>
-            <a:xfrm>
-              <a:off x="4414298" y="2514600"/>
-              <a:ext cx="633507" cy="369332"/>
-            </a:xfrm>
-            <a:prstGeom prst="rect">
-              <a:avLst/>
-            </a:prstGeom>
-            <a:noFill/>
-          </p:spPr>
-          <p:txBody>
-            <a:bodyPr wrap="none" rtlCol="0">
-              <a:spAutoFit/>
-            </a:bodyPr>
-            <a:lstStyle/>
-            <a:p>
-              <a:r>
-                <a:rPr kumimoji="1" lang="en-US" altLang="ja-JP"/>
-                <a:t>0.30</a:t>
-              </a:r>
-              <a:endParaRPr kumimoji="1" lang="ja-JP" altLang="en-US"/>
-            </a:p>
-          </p:txBody>
-        </p:sp>
-      </p:grpSp>
-      <p:sp>
-        <p:nvSpPr>
-          <p:cNvPr id="13" name="コンテンツ プレースホルダー 2">
-            <a:extLst>
-              <a:ext uri="{FF2B5EF4-FFF2-40B4-BE49-F238E27FC236}">
-                <a16:creationId xmlns:a16="http://schemas.microsoft.com/office/drawing/2014/main" id="{13E6EA0F-EBC8-A94F-97D4-A9AF35CDC8A4}"/>
-              </a:ext>
-            </a:extLst>
-          </p:cNvPr>
-          <p:cNvSpPr txBox="1">
-            <a:spLocks/>
-          </p:cNvSpPr>
-          <p:nvPr/>
-        </p:nvSpPr>
-        <p:spPr bwMode="auto">
-          <a:xfrm>
-            <a:off x="657726" y="1413469"/>
-            <a:ext cx="7267074" cy="1429491"/>
-          </a:xfrm>
-          <a:prstGeom prst="rect">
-            <a:avLst/>
-          </a:prstGeom>
-          <a:noFill/>
-          <a:ln>
-            <a:noFill/>
-          </a:ln>
-          <a:extLst>
-            <a:ext uri="{909E8E84-426E-40DD-AFC4-6F175D3DCCD1}">
-              <a14:hiddenFill xmlns:a14="http://schemas.microsoft.com/office/drawing/2010/main">
-                <a:solidFill>
-                  <a:srgbClr val="FFFFFF"/>
-                </a:solidFill>
-              </a14:hiddenFill>
-            </a:ext>
-            <a:ext uri="{91240B29-F687-4F45-9708-019B960494DF}">
-              <a14:hiddenLine xmlns:a14="http://schemas.microsoft.com/office/drawing/2010/main" w="9525">
-                <a:solidFill>
-                  <a:srgbClr val="000000"/>
-                </a:solidFill>
-                <a:miter lim="800000"/>
-                <a:headEnd/>
-                <a:tailEnd/>
-              </a14:hiddenLine>
-            </a:ext>
-          </a:extLst>
-        </p:spPr>
-        <p:txBody>
-          <a:bodyPr vert="horz" wrap="square" lIns="91440" tIns="45720" rIns="91440" bIns="45720" numCol="1" anchor="t" anchorCtr="0" compatLnSpc="1">
-            <a:prstTxWarp prst="textNoShape">
-              <a:avLst/>
-            </a:prstTxWarp>
-          </a:bodyPr>
-          <a:lstStyle>
-            <a:lvl1pPr marL="342900" indent="-342900" algn="l" rtl="0" eaLnBrk="0" fontAlgn="base" hangingPunct="0">
-              <a:spcBef>
-                <a:spcPct val="20000"/>
-              </a:spcBef>
-              <a:spcAft>
-                <a:spcPct val="0"/>
-              </a:spcAft>
-              <a:buChar char="•"/>
-              <a:defRPr kumimoji="1" sz="3200">
-                <a:solidFill>
-                  <a:schemeClr val="tx1"/>
-                </a:solidFill>
-                <a:latin typeface="+mn-lt"/>
-                <a:ea typeface="+mn-ea"/>
-                <a:cs typeface="+mn-cs"/>
-              </a:defRPr>
-            </a:lvl1pPr>
-            <a:lvl2pPr marL="742950" indent="-285750" algn="l" rtl="0" eaLnBrk="0" fontAlgn="base" hangingPunct="0">
-              <a:spcBef>
-                <a:spcPct val="20000"/>
-              </a:spcBef>
-              <a:spcAft>
-                <a:spcPct val="0"/>
-              </a:spcAft>
-              <a:buChar char="–"/>
-              <a:defRPr kumimoji="1" sz="2800">
-                <a:solidFill>
-                  <a:schemeClr val="tx1"/>
-                </a:solidFill>
-                <a:latin typeface="+mn-lt"/>
-                <a:ea typeface="+mn-ea"/>
-              </a:defRPr>
-            </a:lvl2pPr>
-            <a:lvl3pPr marL="1143000" indent="-228600" algn="l" rtl="0" eaLnBrk="0" fontAlgn="base" hangingPunct="0">
-              <a:spcBef>
-                <a:spcPct val="20000"/>
-              </a:spcBef>
-              <a:spcAft>
-                <a:spcPct val="0"/>
-              </a:spcAft>
-              <a:buChar char="•"/>
-              <a:defRPr kumimoji="1" sz="2400">
-                <a:solidFill>
-                  <a:schemeClr val="tx1"/>
-                </a:solidFill>
-                <a:latin typeface="+mn-lt"/>
-                <a:ea typeface="+mn-ea"/>
-              </a:defRPr>
-            </a:lvl3pPr>
-            <a:lvl4pPr marL="1600200" indent="-228600" algn="l" rtl="0" eaLnBrk="0" fontAlgn="base" hangingPunct="0">
-              <a:spcBef>
-                <a:spcPct val="20000"/>
-              </a:spcBef>
-              <a:spcAft>
-                <a:spcPct val="0"/>
-              </a:spcAft>
-              <a:buChar char="–"/>
-              <a:defRPr kumimoji="1" sz="2000">
-                <a:solidFill>
-                  <a:schemeClr val="tx1"/>
-                </a:solidFill>
-                <a:latin typeface="+mn-lt"/>
-                <a:ea typeface="+mn-ea"/>
-              </a:defRPr>
-            </a:lvl4pPr>
-            <a:lvl5pPr marL="2057400" indent="-228600" algn="l" rtl="0" eaLnBrk="0" fontAlgn="base" hangingPunct="0">
-              <a:spcBef>
-                <a:spcPct val="20000"/>
-              </a:spcBef>
-              <a:spcAft>
-                <a:spcPct val="0"/>
-              </a:spcAft>
-              <a:buChar char="»"/>
-              <a:defRPr kumimoji="1" sz="2000">
-                <a:solidFill>
-                  <a:schemeClr val="tx1"/>
-                </a:solidFill>
-                <a:latin typeface="+mn-lt"/>
-                <a:ea typeface="+mn-ea"/>
-              </a:defRPr>
-            </a:lvl5pPr>
-            <a:lvl6pPr marL="2514600" indent="-228600" algn="l" rtl="0" fontAlgn="base">
-              <a:spcBef>
-                <a:spcPct val="20000"/>
-              </a:spcBef>
-              <a:spcAft>
-                <a:spcPct val="0"/>
-              </a:spcAft>
-              <a:buChar char="»"/>
-              <a:defRPr kumimoji="1" sz="2000">
-                <a:solidFill>
-                  <a:schemeClr val="tx1"/>
-                </a:solidFill>
-                <a:latin typeface="+mn-lt"/>
-                <a:ea typeface="+mn-ea"/>
-              </a:defRPr>
-            </a:lvl6pPr>
-            <a:lvl7pPr marL="2971800" indent="-228600" algn="l" rtl="0" fontAlgn="base">
-              <a:spcBef>
-                <a:spcPct val="20000"/>
-              </a:spcBef>
-              <a:spcAft>
-                <a:spcPct val="0"/>
-              </a:spcAft>
-              <a:buChar char="»"/>
-              <a:defRPr kumimoji="1" sz="2000">
-                <a:solidFill>
-                  <a:schemeClr val="tx1"/>
-                </a:solidFill>
-                <a:latin typeface="+mn-lt"/>
-                <a:ea typeface="+mn-ea"/>
-              </a:defRPr>
-            </a:lvl7pPr>
-            <a:lvl8pPr marL="3429000" indent="-228600" algn="l" rtl="0" fontAlgn="base">
-              <a:spcBef>
-                <a:spcPct val="20000"/>
-              </a:spcBef>
-              <a:spcAft>
-                <a:spcPct val="0"/>
-              </a:spcAft>
-              <a:buChar char="»"/>
-              <a:defRPr kumimoji="1" sz="2000">
-                <a:solidFill>
-                  <a:schemeClr val="tx1"/>
-                </a:solidFill>
-                <a:latin typeface="+mn-lt"/>
-                <a:ea typeface="+mn-ea"/>
-              </a:defRPr>
-            </a:lvl8pPr>
-            <a:lvl9pPr marL="3886200" indent="-228600" algn="l" rtl="0" fontAlgn="base">
-              <a:spcBef>
-                <a:spcPct val="20000"/>
-              </a:spcBef>
-              <a:spcAft>
-                <a:spcPct val="0"/>
-              </a:spcAft>
-              <a:buChar char="»"/>
-              <a:defRPr kumimoji="1" sz="2000">
-                <a:solidFill>
-                  <a:schemeClr val="tx1"/>
-                </a:solidFill>
-                <a:latin typeface="+mn-lt"/>
-                <a:ea typeface="+mn-ea"/>
-              </a:defRPr>
-            </a:lvl9pPr>
-          </a:lstStyle>
-          <a:p>
-            <a:pPr marL="0" indent="0">
-              <a:buNone/>
-            </a:pPr>
-            <a:r>
-              <a:rPr lang="ja-JP" altLang="en-US" sz="2800" kern="0" dirty="0"/>
-              <a:t>各弱識別器の全学習用データに対する識別率を重みとして与えた重み付け多数決</a:t>
-            </a:r>
-            <a:br>
-              <a:rPr lang="en-US" altLang="ja-JP" sz="2800" kern="0" dirty="0"/>
-            </a:br>
-            <a:r>
-              <a:rPr lang="ja-JP" altLang="en-US" sz="2800" kern="0" dirty="0"/>
-              <a:t>による識別．</a:t>
-            </a:r>
-            <a:endParaRPr lang="en-US" altLang="ja-JP" sz="2800" kern="0" dirty="0"/>
-          </a:p>
-        </p:txBody>
-      </p:sp>
-      <p:cxnSp>
-        <p:nvCxnSpPr>
-          <p:cNvPr id="14" name="直線矢印コネクタ 13">
-            <a:extLst>
-              <a:ext uri="{FF2B5EF4-FFF2-40B4-BE49-F238E27FC236}">
-                <a16:creationId xmlns:a16="http://schemas.microsoft.com/office/drawing/2014/main" id="{02DFFC14-F2DE-6447-B194-638F7127860B}"/>
-              </a:ext>
-            </a:extLst>
-          </p:cNvPr>
-          <p:cNvCxnSpPr/>
-          <p:nvPr/>
-        </p:nvCxnSpPr>
-        <p:spPr>
-          <a:xfrm flipH="1">
-            <a:off x="1578567" y="4150029"/>
-            <a:ext cx="153" cy="1042763"/>
-          </a:xfrm>
-          <a:prstGeom prst="straightConnector1">
-            <a:avLst/>
-          </a:prstGeom>
-          <a:ln w="57150">
-            <a:solidFill>
-              <a:schemeClr val="accent2"/>
-            </a:solidFill>
-            <a:tailEnd type="triangle"/>
-          </a:ln>
-        </p:spPr>
-        <p:style>
-          <a:lnRef idx="1">
-            <a:schemeClr val="accent1"/>
-          </a:lnRef>
-          <a:fillRef idx="0">
-            <a:schemeClr val="accent1"/>
-          </a:fillRef>
-          <a:effectRef idx="0">
-            <a:schemeClr val="accent1"/>
-          </a:effectRef>
-          <a:fontRef idx="minor">
-            <a:schemeClr val="tx1"/>
-          </a:fontRef>
-        </p:style>
-      </p:cxnSp>
-      <p:cxnSp>
-        <p:nvCxnSpPr>
-          <p:cNvPr id="15" name="直線矢印コネクタ 14">
-            <a:extLst>
-              <a:ext uri="{FF2B5EF4-FFF2-40B4-BE49-F238E27FC236}">
-                <a16:creationId xmlns:a16="http://schemas.microsoft.com/office/drawing/2014/main" id="{4405E4FF-D4FC-B34F-9062-00E951DC6C0C}"/>
-              </a:ext>
-            </a:extLst>
-          </p:cNvPr>
-          <p:cNvCxnSpPr/>
-          <p:nvPr/>
-        </p:nvCxnSpPr>
-        <p:spPr>
-          <a:xfrm flipH="1">
-            <a:off x="2761415" y="4150029"/>
-            <a:ext cx="154" cy="1042763"/>
-          </a:xfrm>
-          <a:prstGeom prst="straightConnector1">
-            <a:avLst/>
-          </a:prstGeom>
-          <a:ln w="57150">
-            <a:solidFill>
-              <a:schemeClr val="accent2"/>
-            </a:solidFill>
-            <a:tailEnd type="triangle"/>
-          </a:ln>
-        </p:spPr>
-        <p:style>
-          <a:lnRef idx="1">
-            <a:schemeClr val="accent1"/>
-          </a:lnRef>
-          <a:fillRef idx="0">
-            <a:schemeClr val="accent1"/>
-          </a:fillRef>
-          <a:effectRef idx="0">
-            <a:schemeClr val="accent1"/>
-          </a:effectRef>
-          <a:fontRef idx="minor">
-            <a:schemeClr val="tx1"/>
-          </a:fontRef>
-        </p:style>
-      </p:cxnSp>
-      <p:cxnSp>
-        <p:nvCxnSpPr>
-          <p:cNvPr id="16" name="直線矢印コネクタ 15">
-            <a:extLst>
-              <a:ext uri="{FF2B5EF4-FFF2-40B4-BE49-F238E27FC236}">
-                <a16:creationId xmlns:a16="http://schemas.microsoft.com/office/drawing/2014/main" id="{ABC69ADD-8190-A848-ACE4-629250387335}"/>
-              </a:ext>
-            </a:extLst>
-          </p:cNvPr>
-          <p:cNvCxnSpPr/>
-          <p:nvPr/>
-        </p:nvCxnSpPr>
-        <p:spPr>
-          <a:xfrm flipH="1">
-            <a:off x="3944266" y="4150029"/>
-            <a:ext cx="153" cy="1042763"/>
-          </a:xfrm>
-          <a:prstGeom prst="straightConnector1">
-            <a:avLst/>
-          </a:prstGeom>
-          <a:ln w="57150">
-            <a:solidFill>
-              <a:schemeClr val="accent2"/>
-            </a:solidFill>
-            <a:tailEnd type="triangle"/>
-          </a:ln>
-        </p:spPr>
-        <p:style>
-          <a:lnRef idx="1">
-            <a:schemeClr val="accent1"/>
-          </a:lnRef>
-          <a:fillRef idx="0">
-            <a:schemeClr val="accent1"/>
-          </a:fillRef>
-          <a:effectRef idx="0">
-            <a:schemeClr val="accent1"/>
-          </a:effectRef>
-          <a:fontRef idx="minor">
-            <a:schemeClr val="tx1"/>
-          </a:fontRef>
-        </p:style>
-      </p:cxnSp>
-      <p:sp>
-        <p:nvSpPr>
-          <p:cNvPr id="17" name="テキスト ボックス 16">
-            <a:extLst>
-              <a:ext uri="{FF2B5EF4-FFF2-40B4-BE49-F238E27FC236}">
-                <a16:creationId xmlns:a16="http://schemas.microsoft.com/office/drawing/2014/main" id="{1F3D5143-F6DD-8349-B8E1-E676EBD19474}"/>
-              </a:ext>
-            </a:extLst>
-          </p:cNvPr>
-          <p:cNvSpPr txBox="1"/>
-          <p:nvPr/>
-        </p:nvSpPr>
-        <p:spPr>
-          <a:xfrm>
-            <a:off x="1206519" y="4430792"/>
-            <a:ext cx="3114470" cy="369332"/>
-          </a:xfrm>
-          <a:prstGeom prst="rect">
-            <a:avLst/>
-          </a:prstGeom>
-          <a:solidFill>
-            <a:schemeClr val="bg1"/>
-          </a:solidFill>
-          <a:ln w="19050">
-            <a:solidFill>
-              <a:schemeClr val="accent2">
-                <a:lumMod val="75000"/>
-              </a:schemeClr>
-            </a:solidFill>
-          </a:ln>
-        </p:spPr>
-        <p:txBody>
-          <a:bodyPr wrap="square" rtlCol="0">
-            <a:spAutoFit/>
-          </a:bodyPr>
-          <a:lstStyle/>
-          <a:p>
-            <a:pPr algn="ctr"/>
-            <a:r>
-              <a:rPr kumimoji="1" lang="ja-JP" altLang="en-US" b="1" dirty="0"/>
-              <a:t>パターンの識別</a:t>
-            </a:r>
-          </a:p>
-        </p:txBody>
-      </p:sp>
-      <p:sp>
-        <p:nvSpPr>
-          <p:cNvPr id="18" name="テキスト ボックス 17">
-            <a:extLst>
-              <a:ext uri="{FF2B5EF4-FFF2-40B4-BE49-F238E27FC236}">
-                <a16:creationId xmlns:a16="http://schemas.microsoft.com/office/drawing/2014/main" id="{90CE1CCB-37DD-4449-A19D-0853723C5D5E}"/>
-              </a:ext>
-            </a:extLst>
-          </p:cNvPr>
-          <p:cNvSpPr txBox="1"/>
-          <p:nvPr/>
-        </p:nvSpPr>
-        <p:spPr>
-          <a:xfrm>
-            <a:off x="1063041" y="5192792"/>
-            <a:ext cx="1022459" cy="646331"/>
-          </a:xfrm>
-          <a:prstGeom prst="rect">
-            <a:avLst/>
-          </a:prstGeom>
-          <a:noFill/>
-        </p:spPr>
-        <p:txBody>
-          <a:bodyPr wrap="none" rtlCol="0">
-            <a:spAutoFit/>
-          </a:bodyPr>
-          <a:lstStyle/>
-          <a:p>
-            <a:r>
-              <a:rPr lang="en-US" altLang="ja-JP" b="1" dirty="0"/>
-              <a:t>Class A</a:t>
-            </a:r>
-          </a:p>
-          <a:p>
-            <a:pPr algn="ctr"/>
-            <a:r>
-              <a:rPr lang="en-US" altLang="ja-JP" dirty="0"/>
-              <a:t>0.40</a:t>
-            </a:r>
-            <a:endParaRPr kumimoji="1" lang="ja-JP" altLang="en-US" dirty="0"/>
-          </a:p>
-        </p:txBody>
-      </p:sp>
-      <p:sp>
-        <p:nvSpPr>
-          <p:cNvPr id="19" name="テキスト ボックス 18">
-            <a:extLst>
-              <a:ext uri="{FF2B5EF4-FFF2-40B4-BE49-F238E27FC236}">
-                <a16:creationId xmlns:a16="http://schemas.microsoft.com/office/drawing/2014/main" id="{8C6FB0EA-78EB-AC47-978B-26AB67D1280D}"/>
-              </a:ext>
-            </a:extLst>
-          </p:cNvPr>
-          <p:cNvSpPr txBox="1"/>
-          <p:nvPr/>
-        </p:nvSpPr>
-        <p:spPr>
-          <a:xfrm>
-            <a:off x="2245889" y="5192792"/>
-            <a:ext cx="1031051" cy="646331"/>
-          </a:xfrm>
-          <a:prstGeom prst="rect">
-            <a:avLst/>
-          </a:prstGeom>
-          <a:noFill/>
-        </p:spPr>
-        <p:txBody>
-          <a:bodyPr wrap="none" rtlCol="0">
-            <a:spAutoFit/>
-          </a:bodyPr>
-          <a:lstStyle/>
-          <a:p>
-            <a:r>
-              <a:rPr lang="en-US" altLang="ja-JP" b="1" dirty="0"/>
-              <a:t>Class B</a:t>
-            </a:r>
-          </a:p>
-          <a:p>
-            <a:pPr algn="ctr"/>
-            <a:r>
-              <a:rPr lang="en-US" altLang="ja-JP" dirty="0"/>
-              <a:t>0.80</a:t>
-            </a:r>
-            <a:endParaRPr kumimoji="1" lang="ja-JP" altLang="en-US" dirty="0"/>
-          </a:p>
-        </p:txBody>
-      </p:sp>
-      <p:sp>
-        <p:nvSpPr>
-          <p:cNvPr id="20" name="テキスト ボックス 19">
-            <a:extLst>
-              <a:ext uri="{FF2B5EF4-FFF2-40B4-BE49-F238E27FC236}">
-                <a16:creationId xmlns:a16="http://schemas.microsoft.com/office/drawing/2014/main" id="{C6314D73-DC41-474F-BA2A-34E4F47B77B5}"/>
-              </a:ext>
-            </a:extLst>
-          </p:cNvPr>
-          <p:cNvSpPr txBox="1"/>
-          <p:nvPr/>
-        </p:nvSpPr>
-        <p:spPr>
-          <a:xfrm>
-            <a:off x="3428737" y="5192792"/>
-            <a:ext cx="1022459" cy="646331"/>
-          </a:xfrm>
-          <a:prstGeom prst="rect">
-            <a:avLst/>
-          </a:prstGeom>
-          <a:noFill/>
-        </p:spPr>
-        <p:txBody>
-          <a:bodyPr wrap="none" rtlCol="0">
-            <a:spAutoFit/>
-          </a:bodyPr>
-          <a:lstStyle/>
-          <a:p>
-            <a:r>
-              <a:rPr lang="en-US" altLang="ja-JP" b="1" dirty="0"/>
-              <a:t>Class A</a:t>
-            </a:r>
-          </a:p>
-          <a:p>
-            <a:pPr algn="ctr"/>
-            <a:r>
-              <a:rPr lang="en-US" altLang="ja-JP" dirty="0"/>
-              <a:t>0.30</a:t>
-            </a:r>
-            <a:endParaRPr kumimoji="1" lang="ja-JP" altLang="en-US" dirty="0"/>
-          </a:p>
-        </p:txBody>
-      </p:sp>
-      <p:sp>
-        <p:nvSpPr>
-          <p:cNvPr id="21" name="テキスト ボックス 20">
-            <a:extLst>
-              <a:ext uri="{FF2B5EF4-FFF2-40B4-BE49-F238E27FC236}">
-                <a16:creationId xmlns:a16="http://schemas.microsoft.com/office/drawing/2014/main" id="{76F171B0-23AD-7F44-A71B-893219A67ADF}"/>
-              </a:ext>
-            </a:extLst>
-          </p:cNvPr>
-          <p:cNvSpPr txBox="1"/>
-          <p:nvPr/>
-        </p:nvSpPr>
-        <p:spPr>
-          <a:xfrm>
-            <a:off x="5471651" y="4487347"/>
-            <a:ext cx="1910452" cy="408623"/>
-          </a:xfrm>
-          <a:prstGeom prst="roundRect">
-            <a:avLst/>
-          </a:prstGeom>
-          <a:solidFill>
-            <a:schemeClr val="bg1"/>
-          </a:solidFill>
-          <a:ln w="19050">
-            <a:solidFill>
-              <a:schemeClr val="accent2">
-                <a:lumMod val="75000"/>
-              </a:schemeClr>
-            </a:solidFill>
-          </a:ln>
-        </p:spPr>
-        <p:txBody>
-          <a:bodyPr wrap="square" rtlCol="0" anchor="ctr">
-            <a:spAutoFit/>
-          </a:bodyPr>
-          <a:lstStyle/>
-          <a:p>
-            <a:pPr algn="ctr"/>
-            <a:r>
-              <a:rPr lang="ja-JP" altLang="en-US" b="1" dirty="0"/>
-              <a:t>多数決投票結果</a:t>
-            </a:r>
-            <a:endParaRPr kumimoji="1" lang="ja-JP" altLang="en-US" b="1" dirty="0"/>
-          </a:p>
-        </p:txBody>
-      </p:sp>
-      <p:sp>
-        <p:nvSpPr>
-          <p:cNvPr id="22" name="テキスト ボックス 21">
-            <a:extLst>
-              <a:ext uri="{FF2B5EF4-FFF2-40B4-BE49-F238E27FC236}">
-                <a16:creationId xmlns:a16="http://schemas.microsoft.com/office/drawing/2014/main" id="{317045CF-5F01-474C-B578-D8731F6C8C08}"/>
-              </a:ext>
-            </a:extLst>
-          </p:cNvPr>
-          <p:cNvSpPr txBox="1"/>
-          <p:nvPr/>
-        </p:nvSpPr>
-        <p:spPr>
-          <a:xfrm>
-            <a:off x="5665778" y="4927937"/>
-            <a:ext cx="3020405" cy="1015663"/>
-          </a:xfrm>
-          <a:prstGeom prst="rect">
-            <a:avLst/>
-          </a:prstGeom>
-          <a:noFill/>
-          <a:ln w="19050">
-            <a:noFill/>
-          </a:ln>
-        </p:spPr>
-        <p:txBody>
-          <a:bodyPr wrap="square" rtlCol="0" anchor="ctr">
-            <a:spAutoFit/>
-          </a:bodyPr>
-          <a:lstStyle/>
-          <a:p>
-            <a:r>
-              <a:rPr kumimoji="1" lang="en-US" altLang="ja-JP" sz="2000" dirty="0"/>
-              <a:t>Class A : 0.4 + 0.3 = 0.7</a:t>
-            </a:r>
-          </a:p>
-          <a:p>
-            <a:r>
-              <a:rPr lang="en-US" altLang="ja-JP" sz="2000" dirty="0"/>
-              <a:t>Class B : 0.8</a:t>
-            </a:r>
-          </a:p>
-          <a:p>
-            <a:r>
-              <a:rPr lang="ja-JP" altLang="en-US" sz="2000" dirty="0"/>
-              <a:t>⇒ 識別結果 </a:t>
-            </a:r>
-            <a:r>
-              <a:rPr lang="en-US" altLang="ja-JP" sz="2000" dirty="0"/>
-              <a:t>Class B</a:t>
-            </a:r>
-            <a:endParaRPr kumimoji="1" lang="ja-JP" altLang="en-US" sz="2000" dirty="0"/>
-          </a:p>
-        </p:txBody>
-      </p:sp>
-      <p:sp>
-        <p:nvSpPr>
-          <p:cNvPr id="23" name="右矢印 22">
-            <a:extLst>
-              <a:ext uri="{FF2B5EF4-FFF2-40B4-BE49-F238E27FC236}">
-                <a16:creationId xmlns:a16="http://schemas.microsoft.com/office/drawing/2014/main" id="{200E4169-03F5-AE45-8D99-5D923E5F8DC4}"/>
-              </a:ext>
-            </a:extLst>
-          </p:cNvPr>
-          <p:cNvSpPr/>
-          <p:nvPr/>
-        </p:nvSpPr>
-        <p:spPr>
-          <a:xfrm>
-            <a:off x="4810508" y="5088791"/>
-            <a:ext cx="495958" cy="577334"/>
-          </a:xfrm>
-          <a:prstGeom prst="rightArrow">
-            <a:avLst/>
-          </a:prstGeom>
-          <a:ln>
-            <a:solidFill>
-              <a:srgbClr val="002060"/>
-            </a:solidFill>
-          </a:ln>
-        </p:spPr>
-        <p:style>
-          <a:lnRef idx="2">
-            <a:schemeClr val="accent1">
-              <a:shade val="50000"/>
-            </a:schemeClr>
-          </a:lnRef>
-          <a:fillRef idx="1">
-            <a:schemeClr val="accent1"/>
-          </a:fillRef>
-          <a:effectRef idx="0">
-            <a:schemeClr val="accent1"/>
-          </a:effectRef>
-          <a:fontRef idx="minor">
-            <a:schemeClr val="lt1"/>
-          </a:fontRef>
-        </p:style>
-        <p:txBody>
-          <a:bodyPr rtlCol="0" anchor="ctr"/>
-          <a:lstStyle/>
-          <a:p>
-            <a:pPr algn="ctr"/>
-            <a:endParaRPr kumimoji="1" lang="ja-JP" altLang="en-US"/>
-          </a:p>
-        </p:txBody>
-      </p:sp>
-    </p:spTree>
-    <p:extLst>
-      <p:ext uri="{BB962C8B-B14F-4D97-AF65-F5344CB8AC3E}">
-        <p14:creationId xmlns:p14="http://schemas.microsoft.com/office/powerpoint/2010/main" val="542055210"/>
-      </p:ext>
-    </p:extLst>
-  </p:cSld>
-  <p:clrMapOvr>
-    <a:masterClrMapping/>
-  </p:clrMapOvr>
-</p:sld>
-</file>
-
-<file path=ppt/slides/slide12.xml><?xml version="1.0" encoding="utf-8"?>
-<p:sld xmlns:a="http://schemas.openxmlformats.org/drawingml/2006/main" xmlns:r="http://schemas.openxmlformats.org/officeDocument/2006/relationships" xmlns:p="http://schemas.openxmlformats.org/presentationml/2006/main">
-  <p:cSld>
-    <p:spTree>
-      <p:nvGrpSpPr>
-        <p:cNvPr id="1" name=""/>
-        <p:cNvGrpSpPr/>
-        <p:nvPr/>
-      </p:nvGrpSpPr>
-      <p:grpSpPr>
-        <a:xfrm>
-          <a:off x="0" y="0"/>
-          <a:ext cx="0" cy="0"/>
-          <a:chOff x="0" y="0"/>
-          <a:chExt cx="0" cy="0"/>
-        </a:xfrm>
-      </p:grpSpPr>
-    </p:spTree>
-    <p:extLst>
-      <p:ext uri="{BB962C8B-B14F-4D97-AF65-F5344CB8AC3E}">
-        <p14:creationId xmlns:p14="http://schemas.microsoft.com/office/powerpoint/2010/main" val="2682224311"/>
-      </p:ext>
-    </p:extLst>
-  </p:cSld>
-  <p:clrMapOvr>
-    <a:masterClrMapping/>
-  </p:clrMapOvr>
-</p:sld>
-</file>
-
-<file path=ppt/slides/slide13.xml><?xml version="1.0" encoding="utf-8"?>
+<file path=ppt/slides/slide18.xml><?xml version="1.0" encoding="utf-8"?>
 <p:sld xmlns:a="http://schemas.openxmlformats.org/drawingml/2006/main" xmlns:r="http://schemas.openxmlformats.org/officeDocument/2006/relationships" xmlns:p="http://schemas.openxmlformats.org/presentationml/2006/main">
   <p:cSld>
     <p:spTree>
@@ -11993,6 +14900,10 @@
               <a:rPr lang="ja-JP" altLang="en-US" sz="2800" kern="0" dirty="0"/>
               <a:t>を</a:t>
             </a:r>
+            <a:r>
+              <a:rPr lang="en-US" altLang="ja-JP" sz="2800" kern="0" dirty="0"/>
+              <a:t/>
+            </a:r>
             <a:br>
               <a:rPr lang="en-US" altLang="ja-JP" sz="2800" kern="0" dirty="0"/>
             </a:br>
@@ -12381,12 +15292,20 @@
               <a:rPr lang="ja-JP" altLang="en-US" sz="2800" kern="0" dirty="0"/>
               <a:t>を</a:t>
             </a:r>
+            <a:r>
+              <a:rPr lang="en-US" altLang="ja-JP" sz="2800" kern="0" dirty="0"/>
+              <a:t/>
+            </a:r>
             <a:br>
               <a:rPr lang="en-US" altLang="ja-JP" sz="2800" kern="0" dirty="0"/>
             </a:br>
             <a:r>
               <a:rPr lang="ja-JP" altLang="en-US" sz="2800" kern="0" dirty="0"/>
               <a:t>適用することで，弱識別器に</a:t>
+            </a:r>
+            <a:r>
+              <a:rPr lang="en-US" altLang="ja-JP" sz="2800" kern="0" dirty="0"/>
+              <a:t/>
             </a:r>
             <a:br>
               <a:rPr lang="en-US" altLang="ja-JP" sz="2800" kern="0" dirty="0"/>
@@ -12453,7 +15372,7 @@
 </p:sld>
 </file>
 
-<file path=ppt/slides/slide14.xml><?xml version="1.0" encoding="utf-8"?>
+<file path=ppt/slides/slide19.xml><?xml version="1.0" encoding="utf-8"?>
 <p:sld xmlns:a="http://schemas.openxmlformats.org/drawingml/2006/main" xmlns:r="http://schemas.openxmlformats.org/officeDocument/2006/relationships" xmlns:p="http://schemas.openxmlformats.org/presentationml/2006/main">
   <p:cSld>
     <p:spTree>
@@ -14924,6 +17843,10 @@
               <a:rPr lang="en-US" altLang="ja-JP" sz="2800" kern="0" dirty="0" err="1"/>
               <a:t>MoFGBML</a:t>
             </a:r>
+            <a:r>
+              <a:rPr lang="en-US" altLang="ja-JP" sz="2800" kern="0" dirty="0"/>
+              <a:t/>
+            </a:r>
             <a:br>
               <a:rPr lang="en-US" altLang="ja-JP" sz="2800" kern="0" dirty="0"/>
             </a:br>
@@ -15538,7 +18461,374 @@
 </p:sld>
 </file>
 
-<file path=ppt/slides/slide15.xml><?xml version="1.0" encoding="utf-8"?>
+<file path=ppt/slides/slide2.xml><?xml version="1.0" encoding="utf-8"?>
+<p:sld xmlns:a="http://schemas.openxmlformats.org/drawingml/2006/main" xmlns:r="http://schemas.openxmlformats.org/officeDocument/2006/relationships" xmlns:p="http://schemas.openxmlformats.org/presentationml/2006/main">
+  <p:cSld>
+    <p:spTree>
+      <p:nvGrpSpPr>
+        <p:cNvPr id="1" name=""/>
+        <p:cNvGrpSpPr/>
+        <p:nvPr/>
+      </p:nvGrpSpPr>
+      <p:grpSpPr>
+        <a:xfrm>
+          <a:off x="0" y="0"/>
+          <a:ext cx="0" cy="0"/>
+          <a:chOff x="0" y="0"/>
+          <a:chExt cx="0" cy="0"/>
+        </a:xfrm>
+      </p:grpSpPr>
+      <p:sp>
+        <p:nvSpPr>
+          <p:cNvPr id="2" name="タイトル 1"/>
+          <p:cNvSpPr>
+            <a:spLocks noGrp="1"/>
+          </p:cNvSpPr>
+          <p:nvPr>
+            <p:ph type="title"/>
+          </p:nvPr>
+        </p:nvSpPr>
+        <p:spPr/>
+        <p:txBody>
+          <a:bodyPr/>
+          <a:lstStyle/>
+          <a:p>
+            <a:r>
+              <a:rPr kumimoji="1" lang="ja-JP" altLang="en-US" dirty="0"/>
+              <a:t>研究背景</a:t>
+            </a:r>
+          </a:p>
+        </p:txBody>
+      </p:sp>
+      <p:sp>
+        <p:nvSpPr>
+          <p:cNvPr id="3" name="コンテンツ プレースホルダー 2">
+            <a:extLst>
+              <a:ext uri="{FF2B5EF4-FFF2-40B4-BE49-F238E27FC236}">
+                <a16:creationId xmlns:a16="http://schemas.microsoft.com/office/drawing/2014/main" id="{650AC380-765B-0448-9A5B-64B42AA5E0E3}"/>
+              </a:ext>
+            </a:extLst>
+          </p:cNvPr>
+          <p:cNvSpPr txBox="1">
+            <a:spLocks/>
+          </p:cNvSpPr>
+          <p:nvPr/>
+        </p:nvSpPr>
+        <p:spPr bwMode="auto">
+          <a:xfrm>
+            <a:off x="434770" y="1428984"/>
+            <a:ext cx="8328230" cy="5124216"/>
+          </a:xfrm>
+          <a:prstGeom prst="rect">
+            <a:avLst/>
+          </a:prstGeom>
+          <a:noFill/>
+          <a:ln>
+            <a:noFill/>
+          </a:ln>
+          <a:extLst>
+            <a:ext uri="{909E8E84-426E-40DD-AFC4-6F175D3DCCD1}">
+              <a14:hiddenFill xmlns:a14="http://schemas.microsoft.com/office/drawing/2010/main">
+                <a:solidFill>
+                  <a:srgbClr val="FFFFFF"/>
+                </a:solidFill>
+              </a14:hiddenFill>
+            </a:ext>
+            <a:ext uri="{91240B29-F687-4F45-9708-019B960494DF}">
+              <a14:hiddenLine xmlns:a14="http://schemas.microsoft.com/office/drawing/2010/main" w="9525">
+                <a:solidFill>
+                  <a:srgbClr val="000000"/>
+                </a:solidFill>
+                <a:miter lim="800000"/>
+                <a:headEnd/>
+                <a:tailEnd/>
+              </a14:hiddenLine>
+            </a:ext>
+          </a:extLst>
+        </p:spPr>
+        <p:txBody>
+          <a:bodyPr vert="horz" wrap="square" lIns="91440" tIns="45720" rIns="91440" bIns="45720" numCol="1" anchor="t" anchorCtr="0" compatLnSpc="1">
+            <a:prstTxWarp prst="textNoShape">
+              <a:avLst/>
+            </a:prstTxWarp>
+          </a:bodyPr>
+          <a:lstStyle>
+            <a:lvl1pPr marL="342900" indent="-342900" algn="l" rtl="0" eaLnBrk="0" fontAlgn="base" hangingPunct="0">
+              <a:spcBef>
+                <a:spcPct val="20000"/>
+              </a:spcBef>
+              <a:spcAft>
+                <a:spcPct val="0"/>
+              </a:spcAft>
+              <a:buChar char="•"/>
+              <a:defRPr kumimoji="1" sz="3200">
+                <a:solidFill>
+                  <a:schemeClr val="tx1"/>
+                </a:solidFill>
+                <a:latin typeface="+mn-lt"/>
+                <a:ea typeface="+mn-ea"/>
+                <a:cs typeface="+mn-cs"/>
+              </a:defRPr>
+            </a:lvl1pPr>
+            <a:lvl2pPr marL="742950" indent="-285750" algn="l" rtl="0" eaLnBrk="0" fontAlgn="base" hangingPunct="0">
+              <a:spcBef>
+                <a:spcPct val="20000"/>
+              </a:spcBef>
+              <a:spcAft>
+                <a:spcPct val="0"/>
+              </a:spcAft>
+              <a:buChar char="–"/>
+              <a:defRPr kumimoji="1" sz="2800">
+                <a:solidFill>
+                  <a:schemeClr val="tx1"/>
+                </a:solidFill>
+                <a:latin typeface="+mn-lt"/>
+                <a:ea typeface="+mn-ea"/>
+              </a:defRPr>
+            </a:lvl2pPr>
+            <a:lvl3pPr marL="1143000" indent="-228600" algn="l" rtl="0" eaLnBrk="0" fontAlgn="base" hangingPunct="0">
+              <a:spcBef>
+                <a:spcPct val="20000"/>
+              </a:spcBef>
+              <a:spcAft>
+                <a:spcPct val="0"/>
+              </a:spcAft>
+              <a:buChar char="•"/>
+              <a:defRPr kumimoji="1" sz="2400">
+                <a:solidFill>
+                  <a:schemeClr val="tx1"/>
+                </a:solidFill>
+                <a:latin typeface="+mn-lt"/>
+                <a:ea typeface="+mn-ea"/>
+              </a:defRPr>
+            </a:lvl3pPr>
+            <a:lvl4pPr marL="1600200" indent="-228600" algn="l" rtl="0" eaLnBrk="0" fontAlgn="base" hangingPunct="0">
+              <a:spcBef>
+                <a:spcPct val="20000"/>
+              </a:spcBef>
+              <a:spcAft>
+                <a:spcPct val="0"/>
+              </a:spcAft>
+              <a:buChar char="–"/>
+              <a:defRPr kumimoji="1" sz="2000">
+                <a:solidFill>
+                  <a:schemeClr val="tx1"/>
+                </a:solidFill>
+                <a:latin typeface="+mn-lt"/>
+                <a:ea typeface="+mn-ea"/>
+              </a:defRPr>
+            </a:lvl4pPr>
+            <a:lvl5pPr marL="2057400" indent="-228600" algn="l" rtl="0" eaLnBrk="0" fontAlgn="base" hangingPunct="0">
+              <a:spcBef>
+                <a:spcPct val="20000"/>
+              </a:spcBef>
+              <a:spcAft>
+                <a:spcPct val="0"/>
+              </a:spcAft>
+              <a:buChar char="»"/>
+              <a:defRPr kumimoji="1" sz="2000">
+                <a:solidFill>
+                  <a:schemeClr val="tx1"/>
+                </a:solidFill>
+                <a:latin typeface="+mn-lt"/>
+                <a:ea typeface="+mn-ea"/>
+              </a:defRPr>
+            </a:lvl5pPr>
+            <a:lvl6pPr marL="2514600" indent="-228600" algn="l" rtl="0" fontAlgn="base">
+              <a:spcBef>
+                <a:spcPct val="20000"/>
+              </a:spcBef>
+              <a:spcAft>
+                <a:spcPct val="0"/>
+              </a:spcAft>
+              <a:buChar char="»"/>
+              <a:defRPr kumimoji="1" sz="2000">
+                <a:solidFill>
+                  <a:schemeClr val="tx1"/>
+                </a:solidFill>
+                <a:latin typeface="+mn-lt"/>
+                <a:ea typeface="+mn-ea"/>
+              </a:defRPr>
+            </a:lvl6pPr>
+            <a:lvl7pPr marL="2971800" indent="-228600" algn="l" rtl="0" fontAlgn="base">
+              <a:spcBef>
+                <a:spcPct val="20000"/>
+              </a:spcBef>
+              <a:spcAft>
+                <a:spcPct val="0"/>
+              </a:spcAft>
+              <a:buChar char="»"/>
+              <a:defRPr kumimoji="1" sz="2000">
+                <a:solidFill>
+                  <a:schemeClr val="tx1"/>
+                </a:solidFill>
+                <a:latin typeface="+mn-lt"/>
+                <a:ea typeface="+mn-ea"/>
+              </a:defRPr>
+            </a:lvl7pPr>
+            <a:lvl8pPr marL="3429000" indent="-228600" algn="l" rtl="0" fontAlgn="base">
+              <a:spcBef>
+                <a:spcPct val="20000"/>
+              </a:spcBef>
+              <a:spcAft>
+                <a:spcPct val="0"/>
+              </a:spcAft>
+              <a:buChar char="»"/>
+              <a:defRPr kumimoji="1" sz="2000">
+                <a:solidFill>
+                  <a:schemeClr val="tx1"/>
+                </a:solidFill>
+                <a:latin typeface="+mn-lt"/>
+                <a:ea typeface="+mn-ea"/>
+              </a:defRPr>
+            </a:lvl8pPr>
+            <a:lvl9pPr marL="3886200" indent="-228600" algn="l" rtl="0" fontAlgn="base">
+              <a:spcBef>
+                <a:spcPct val="20000"/>
+              </a:spcBef>
+              <a:spcAft>
+                <a:spcPct val="0"/>
+              </a:spcAft>
+              <a:buChar char="»"/>
+              <a:defRPr kumimoji="1" sz="2000">
+                <a:solidFill>
+                  <a:schemeClr val="tx1"/>
+                </a:solidFill>
+                <a:latin typeface="+mn-lt"/>
+                <a:ea typeface="+mn-ea"/>
+              </a:defRPr>
+            </a:lvl9pPr>
+          </a:lstStyle>
+          <a:p>
+            <a:pPr marL="0" indent="0">
+              <a:buNone/>
+            </a:pPr>
+            <a:r>
+              <a:rPr lang="ja-JP" altLang="en-US" sz="2800" kern="0" dirty="0"/>
+              <a:t>パターン識別問題において，</a:t>
+            </a:r>
+            <a:r>
+              <a:rPr lang="ja-JP" altLang="en-US" sz="2800" u="sng" kern="0" dirty="0"/>
+              <a:t>識別性能の高さ</a:t>
+            </a:r>
+            <a:r>
+              <a:rPr lang="ja-JP" altLang="en-US" sz="2800" kern="0" dirty="0"/>
+              <a:t>と</a:t>
+            </a:r>
+            <a:r>
+              <a:rPr lang="en-US" altLang="ja-JP" sz="2800" kern="0" dirty="0"/>
+              <a:t/>
+            </a:r>
+            <a:br>
+              <a:rPr lang="en-US" altLang="ja-JP" sz="2800" kern="0" dirty="0"/>
+            </a:br>
+            <a:r>
+              <a:rPr lang="ja-JP" altLang="en-US" sz="2800" u="sng" kern="0" dirty="0"/>
+              <a:t>解釈性能の高さ</a:t>
+            </a:r>
+            <a:r>
+              <a:rPr lang="ja-JP" altLang="en-US" sz="2800" kern="0" dirty="0"/>
+              <a:t>を同時に最大化する識別器の設計が期待されている．</a:t>
+            </a:r>
+            <a:endParaRPr lang="en-US" altLang="ja-JP" sz="2800" kern="0" dirty="0"/>
+          </a:p>
+          <a:p>
+            <a:pPr marL="0" indent="0">
+              <a:buNone/>
+            </a:pPr>
+            <a:endParaRPr lang="en-US" altLang="ja-JP" sz="2800" kern="0" dirty="0"/>
+          </a:p>
+          <a:p>
+            <a:pPr marL="0" indent="0">
+              <a:buNone/>
+            </a:pPr>
+            <a:r>
+              <a:rPr lang="ja-JP" altLang="en-US" sz="2800" kern="0" dirty="0"/>
+              <a:t>大規模なデータセットに対する機械学習に</a:t>
+            </a:r>
+            <a:r>
+              <a:rPr lang="en-US" altLang="ja-JP" sz="2800" kern="0" dirty="0"/>
+              <a:t/>
+            </a:r>
+            <a:br>
+              <a:rPr lang="en-US" altLang="ja-JP" sz="2800" kern="0" dirty="0"/>
+            </a:br>
+            <a:r>
+              <a:rPr lang="ja-JP" altLang="en-US" sz="2800" kern="0" dirty="0"/>
+              <a:t>かかる膨大な</a:t>
+            </a:r>
+            <a:r>
+              <a:rPr lang="ja-JP" altLang="en-US" sz="2800" u="sng" kern="0" dirty="0"/>
+              <a:t>計算時間の短縮</a:t>
+            </a:r>
+            <a:r>
+              <a:rPr lang="ja-JP" altLang="en-US" sz="2800" kern="0" dirty="0"/>
+              <a:t>が期待されている．</a:t>
+            </a:r>
+            <a:endParaRPr lang="en-US" altLang="ja-JP" sz="2800" kern="0" dirty="0"/>
+          </a:p>
+          <a:p>
+            <a:pPr marL="0" indent="0">
+              <a:buNone/>
+            </a:pPr>
+            <a:endParaRPr lang="en-US" altLang="ja-JP" sz="2800" kern="0" dirty="0"/>
+          </a:p>
+          <a:p>
+            <a:pPr marL="0" indent="0">
+              <a:buNone/>
+            </a:pPr>
+            <a:r>
+              <a:rPr lang="ja-JP" altLang="en-US" sz="2800" kern="0" dirty="0"/>
+              <a:t>未知パターンの識別における</a:t>
+            </a:r>
+            <a:r>
+              <a:rPr lang="ja-JP" altLang="en-US" sz="2800" u="sng" kern="0" dirty="0"/>
+              <a:t>汎化性能</a:t>
+            </a:r>
+            <a:r>
+              <a:rPr lang="ja-JP" altLang="en-US" sz="2800" kern="0" dirty="0"/>
+              <a:t>が求められ，</a:t>
+            </a:r>
+            <a:r>
+              <a:rPr lang="en-US" altLang="ja-JP" sz="2800" kern="0" dirty="0"/>
+              <a:t/>
+            </a:r>
+            <a:br>
+              <a:rPr lang="en-US" altLang="ja-JP" sz="2800" kern="0" dirty="0"/>
+            </a:br>
+            <a:r>
+              <a:rPr lang="ja-JP" altLang="en-US" sz="2800" u="sng" kern="0" dirty="0"/>
+              <a:t>多様性の高い</a:t>
+            </a:r>
+            <a:r>
+              <a:rPr lang="ja-JP" altLang="en-US" sz="2800" kern="0" dirty="0"/>
+              <a:t>識別器の設計が期待されている．</a:t>
+            </a:r>
+            <a:endParaRPr lang="en-US" altLang="ja-JP" sz="2800" kern="0" dirty="0"/>
+          </a:p>
+        </p:txBody>
+      </p:sp>
+    </p:spTree>
+    <p:extLst>
+      <p:ext uri="{BB962C8B-B14F-4D97-AF65-F5344CB8AC3E}">
+        <p14:creationId xmlns:p14="http://schemas.microsoft.com/office/powerpoint/2010/main" val="2776182737"/>
+      </p:ext>
+    </p:extLst>
+  </p:cSld>
+  <p:clrMapOvr>
+    <a:masterClrMapping/>
+  </p:clrMapOvr>
+  <p:timing>
+    <p:tnLst>
+      <p:par>
+        <p:cTn id="1" dur="indefinite" restart="never" nodeType="tmRoot"/>
+      </p:par>
+    </p:tnLst>
+  </p:timing>
+</p:sld>
+</file>
+
+<file path=ppt/slides/slide20.xml><?xml version="1.0" encoding="utf-8"?>
 <p:sld xmlns:a="http://schemas.openxmlformats.org/drawingml/2006/main" xmlns:r="http://schemas.openxmlformats.org/officeDocument/2006/relationships" xmlns:p="http://schemas.openxmlformats.org/presentationml/2006/main">
   <p:cSld>
     <p:spTree>
@@ -18729,12 +22019,20 @@
               <a:rPr lang="ja-JP" altLang="en-US" sz="2800" kern="0" dirty="0"/>
               <a:t>を</a:t>
             </a:r>
+            <a:r>
+              <a:rPr lang="en-US" altLang="ja-JP" sz="2800" kern="0" dirty="0"/>
+              <a:t/>
+            </a:r>
             <a:br>
               <a:rPr lang="en-US" altLang="ja-JP" sz="2800" kern="0" dirty="0"/>
             </a:br>
             <a:r>
               <a:rPr lang="ja-JP" altLang="en-US" sz="2800" kern="0" dirty="0"/>
               <a:t>適用することで，弱識別器に</a:t>
+            </a:r>
+            <a:r>
+              <a:rPr lang="en-US" altLang="ja-JP" sz="2800" kern="0" dirty="0"/>
+              <a:t/>
             </a:r>
             <a:br>
               <a:rPr lang="en-US" altLang="ja-JP" sz="2800" kern="0" dirty="0"/>
@@ -19165,12 +22463,20 @@
               <a:rPr lang="ja-JP" altLang="en-US" sz="2800" kern="0" dirty="0"/>
               <a:t>を</a:t>
             </a:r>
+            <a:r>
+              <a:rPr lang="en-US" altLang="ja-JP" sz="2800" kern="0" dirty="0"/>
+              <a:t/>
+            </a:r>
             <a:br>
               <a:rPr lang="en-US" altLang="ja-JP" sz="2800" kern="0" dirty="0"/>
             </a:br>
             <a:r>
               <a:rPr lang="ja-JP" altLang="en-US" sz="2800" kern="0" dirty="0"/>
               <a:t>適用することで，弱識別器に</a:t>
+            </a:r>
+            <a:r>
+              <a:rPr lang="en-US" altLang="ja-JP" sz="2800" kern="0" dirty="0"/>
+              <a:t/>
             </a:r>
             <a:br>
               <a:rPr lang="en-US" altLang="ja-JP" sz="2800" kern="0" dirty="0"/>
@@ -19567,7 +22873,7 @@
 </p:sld>
 </file>
 
-<file path=ppt/slides/slide16.xml><?xml version="1.0" encoding="utf-8"?>
+<file path=ppt/slides/slide21.xml><?xml version="1.0" encoding="utf-8"?>
 <p:sld xmlns:a="http://schemas.openxmlformats.org/drawingml/2006/main" xmlns:r="http://schemas.openxmlformats.org/officeDocument/2006/relationships" xmlns:p="http://schemas.openxmlformats.org/presentationml/2006/main">
   <p:cSld>
     <p:spTree>
@@ -22817,7 +26123,7 @@
 </p:sld>
 </file>
 
-<file path=ppt/slides/slide17.xml><?xml version="1.0" encoding="utf-8"?>
+<file path=ppt/slides/slide22.xml><?xml version="1.0" encoding="utf-8"?>
 <p:sld xmlns:a="http://schemas.openxmlformats.org/drawingml/2006/main" xmlns:r="http://schemas.openxmlformats.org/officeDocument/2006/relationships" xmlns:p="http://schemas.openxmlformats.org/presentationml/2006/main">
   <p:cSld>
     <p:spTree>
@@ -26083,7 +29389,7 @@
 </p:sld>
 </file>
 
-<file path=ppt/slides/slide2.xml><?xml version="1.0" encoding="utf-8"?>
+<file path=ppt/slides/slide23.xml><?xml version="1.0" encoding="utf-8"?>
 <p:sld xmlns:a="http://schemas.openxmlformats.org/drawingml/2006/main" xmlns:r="http://schemas.openxmlformats.org/officeDocument/2006/relationships" xmlns:p="http://schemas.openxmlformats.org/presentationml/2006/main">
   <p:cSld>
     <p:spTree>
@@ -26116,312 +29422,828 @@
           <a:lstStyle/>
           <a:p>
             <a:r>
-              <a:rPr kumimoji="1" lang="ja-JP" altLang="en-US" dirty="0"/>
-              <a:t>研究背景</a:t>
-            </a:r>
+              <a:rPr kumimoji="1" lang="ja-JP" altLang="en-US" dirty="0" smtClean="0"/>
+              <a:t>島数</a:t>
+            </a:r>
+            <a:r>
+              <a:rPr kumimoji="1" lang="en-US" altLang="ja-JP" dirty="0" smtClean="0"/>
+              <a:t>9</a:t>
+            </a:r>
+            <a:r>
+              <a:rPr kumimoji="1" lang="ja-JP" altLang="en-US" dirty="0" smtClean="0"/>
+              <a:t>　</a:t>
+            </a:r>
+            <a:r>
+              <a:rPr kumimoji="1" lang="en-US" altLang="ja-JP" dirty="0" smtClean="0"/>
+              <a:t>phoneme</a:t>
+            </a:r>
+            <a:endParaRPr kumimoji="1" lang="ja-JP" altLang="en-US" dirty="0"/>
           </a:p>
         </p:txBody>
       </p:sp>
       <p:sp>
         <p:nvSpPr>
-          <p:cNvPr id="3" name="コンテンツ プレースホルダー 2">
+          <p:cNvPr id="3" name="テキスト ボックス 2">
             <a:extLst>
               <a:ext uri="{FF2B5EF4-FFF2-40B4-BE49-F238E27FC236}">
-                <a16:creationId xmlns:a16="http://schemas.microsoft.com/office/drawing/2014/main" id="{650AC380-765B-0448-9A5B-64B42AA5E0E3}"/>
+                <a16:creationId xmlns:a16="http://schemas.microsoft.com/office/drawing/2014/main" id="{FE740822-C01B-A944-AFFB-3E2AA037C098}"/>
               </a:ext>
             </a:extLst>
           </p:cNvPr>
-          <p:cNvSpPr txBox="1">
-            <a:spLocks/>
-          </p:cNvSpPr>
+          <p:cNvSpPr txBox="1"/>
           <p:nvPr/>
         </p:nvSpPr>
-        <p:spPr bwMode="auto">
+        <p:spPr>
           <a:xfrm>
-            <a:off x="434770" y="1428984"/>
-            <a:ext cx="8328230" cy="5124216"/>
+            <a:off x="4717629" y="5029200"/>
+            <a:ext cx="2690160" cy="369332"/>
           </a:xfrm>
           <a:prstGeom prst="rect">
             <a:avLst/>
           </a:prstGeom>
           <a:noFill/>
-          <a:ln>
-            <a:noFill/>
-          </a:ln>
-          <a:extLst>
-            <a:ext uri="{909E8E84-426E-40DD-AFC4-6F175D3DCCD1}">
-              <a14:hiddenFill xmlns:a14="http://schemas.microsoft.com/office/drawing/2010/main">
-                <a:solidFill>
-                  <a:srgbClr val="FFFFFF"/>
-                </a:solidFill>
-              </a14:hiddenFill>
-            </a:ext>
-            <a:ext uri="{91240B29-F687-4F45-9708-019B960494DF}">
-              <a14:hiddenLine xmlns:a14="http://schemas.microsoft.com/office/drawing/2010/main" w="9525">
-                <a:solidFill>
-                  <a:srgbClr val="000000"/>
-                </a:solidFill>
-                <a:miter lim="800000"/>
-                <a:headEnd/>
-                <a:tailEnd/>
-              </a14:hiddenLine>
-            </a:ext>
-          </a:extLst>
         </p:spPr>
         <p:txBody>
-          <a:bodyPr vert="horz" wrap="square" lIns="91440" tIns="45720" rIns="91440" bIns="45720" numCol="1" anchor="t" anchorCtr="0" compatLnSpc="1">
-            <a:prstTxWarp prst="textNoShape">
-              <a:avLst/>
-            </a:prstTxWarp>
+          <a:bodyPr wrap="none" rtlCol="0">
+            <a:spAutoFit/>
           </a:bodyPr>
-          <a:lstStyle>
-            <a:lvl1pPr marL="342900" indent="-342900" algn="l" rtl="0" eaLnBrk="0" fontAlgn="base" hangingPunct="0">
-              <a:spcBef>
-                <a:spcPct val="20000"/>
-              </a:spcBef>
-              <a:spcAft>
-                <a:spcPct val="0"/>
-              </a:spcAft>
-              <a:buChar char="•"/>
-              <a:defRPr kumimoji="1" sz="3200">
-                <a:solidFill>
-                  <a:schemeClr val="tx1"/>
-                </a:solidFill>
-                <a:latin typeface="+mn-lt"/>
-                <a:ea typeface="+mn-ea"/>
-                <a:cs typeface="+mn-cs"/>
-              </a:defRPr>
-            </a:lvl1pPr>
-            <a:lvl2pPr marL="742950" indent="-285750" algn="l" rtl="0" eaLnBrk="0" fontAlgn="base" hangingPunct="0">
-              <a:spcBef>
-                <a:spcPct val="20000"/>
-              </a:spcBef>
-              <a:spcAft>
-                <a:spcPct val="0"/>
-              </a:spcAft>
-              <a:buChar char="–"/>
-              <a:defRPr kumimoji="1" sz="2800">
-                <a:solidFill>
-                  <a:schemeClr val="tx1"/>
-                </a:solidFill>
-                <a:latin typeface="+mn-lt"/>
-                <a:ea typeface="+mn-ea"/>
-              </a:defRPr>
-            </a:lvl2pPr>
-            <a:lvl3pPr marL="1143000" indent="-228600" algn="l" rtl="0" eaLnBrk="0" fontAlgn="base" hangingPunct="0">
-              <a:spcBef>
-                <a:spcPct val="20000"/>
-              </a:spcBef>
-              <a:spcAft>
-                <a:spcPct val="0"/>
-              </a:spcAft>
-              <a:buChar char="•"/>
-              <a:defRPr kumimoji="1" sz="2400">
-                <a:solidFill>
-                  <a:schemeClr val="tx1"/>
-                </a:solidFill>
-                <a:latin typeface="+mn-lt"/>
-                <a:ea typeface="+mn-ea"/>
-              </a:defRPr>
-            </a:lvl3pPr>
-            <a:lvl4pPr marL="1600200" indent="-228600" algn="l" rtl="0" eaLnBrk="0" fontAlgn="base" hangingPunct="0">
-              <a:spcBef>
-                <a:spcPct val="20000"/>
-              </a:spcBef>
-              <a:spcAft>
-                <a:spcPct val="0"/>
-              </a:spcAft>
-              <a:buChar char="–"/>
-              <a:defRPr kumimoji="1" sz="2000">
-                <a:solidFill>
-                  <a:schemeClr val="tx1"/>
-                </a:solidFill>
-                <a:latin typeface="+mn-lt"/>
-                <a:ea typeface="+mn-ea"/>
-              </a:defRPr>
-            </a:lvl4pPr>
-            <a:lvl5pPr marL="2057400" indent="-228600" algn="l" rtl="0" eaLnBrk="0" fontAlgn="base" hangingPunct="0">
-              <a:spcBef>
-                <a:spcPct val="20000"/>
-              </a:spcBef>
-              <a:spcAft>
-                <a:spcPct val="0"/>
-              </a:spcAft>
-              <a:buChar char="»"/>
-              <a:defRPr kumimoji="1" sz="2000">
-                <a:solidFill>
-                  <a:schemeClr val="tx1"/>
-                </a:solidFill>
-                <a:latin typeface="+mn-lt"/>
-                <a:ea typeface="+mn-ea"/>
-              </a:defRPr>
-            </a:lvl5pPr>
-            <a:lvl6pPr marL="2514600" indent="-228600" algn="l" rtl="0" fontAlgn="base">
-              <a:spcBef>
-                <a:spcPct val="20000"/>
-              </a:spcBef>
-              <a:spcAft>
-                <a:spcPct val="0"/>
-              </a:spcAft>
-              <a:buChar char="»"/>
-              <a:defRPr kumimoji="1" sz="2000">
-                <a:solidFill>
-                  <a:schemeClr val="tx1"/>
-                </a:solidFill>
-                <a:latin typeface="+mn-lt"/>
-                <a:ea typeface="+mn-ea"/>
-              </a:defRPr>
-            </a:lvl6pPr>
-            <a:lvl7pPr marL="2971800" indent="-228600" algn="l" rtl="0" fontAlgn="base">
-              <a:spcBef>
-                <a:spcPct val="20000"/>
-              </a:spcBef>
-              <a:spcAft>
-                <a:spcPct val="0"/>
-              </a:spcAft>
-              <a:buChar char="»"/>
-              <a:defRPr kumimoji="1" sz="2000">
-                <a:solidFill>
-                  <a:schemeClr val="tx1"/>
-                </a:solidFill>
-                <a:latin typeface="+mn-lt"/>
-                <a:ea typeface="+mn-ea"/>
-              </a:defRPr>
-            </a:lvl7pPr>
-            <a:lvl8pPr marL="3429000" indent="-228600" algn="l" rtl="0" fontAlgn="base">
-              <a:spcBef>
-                <a:spcPct val="20000"/>
-              </a:spcBef>
-              <a:spcAft>
-                <a:spcPct val="0"/>
-              </a:spcAft>
-              <a:buChar char="»"/>
-              <a:defRPr kumimoji="1" sz="2000">
-                <a:solidFill>
-                  <a:schemeClr val="tx1"/>
-                </a:solidFill>
-                <a:latin typeface="+mn-lt"/>
-                <a:ea typeface="+mn-ea"/>
-              </a:defRPr>
-            </a:lvl8pPr>
-            <a:lvl9pPr marL="3886200" indent="-228600" algn="l" rtl="0" fontAlgn="base">
-              <a:spcBef>
-                <a:spcPct val="20000"/>
-              </a:spcBef>
-              <a:spcAft>
-                <a:spcPct val="0"/>
-              </a:spcAft>
-              <a:buChar char="»"/>
-              <a:defRPr kumimoji="1" sz="2000">
-                <a:solidFill>
-                  <a:schemeClr val="tx1"/>
-                </a:solidFill>
-                <a:latin typeface="+mn-lt"/>
-                <a:ea typeface="+mn-ea"/>
-              </a:defRPr>
-            </a:lvl9pPr>
-          </a:lstStyle>
+          <a:lstStyle/>
           <a:p>
-            <a:pPr marL="0" indent="0">
-              <a:buNone/>
-            </a:pPr>
-            <a:r>
-              <a:rPr lang="ja-JP" altLang="en-US" sz="2800" kern="0" dirty="0"/>
-              <a:t>パターン識別問題において，</a:t>
-            </a:r>
-            <a:r>
-              <a:rPr lang="ja-JP" altLang="en-US" sz="2800" u="sng" kern="0" dirty="0"/>
-              <a:t>識別性能の高さ</a:t>
-            </a:r>
-            <a:r>
-              <a:rPr lang="ja-JP" altLang="en-US" sz="2800" kern="0" dirty="0"/>
-              <a:t>と</a:t>
-            </a:r>
-            <a:br>
-              <a:rPr lang="en-US" altLang="ja-JP" sz="2800" kern="0" dirty="0"/>
-            </a:br>
-            <a:r>
-              <a:rPr lang="ja-JP" altLang="en-US" sz="2800" u="sng" kern="0" dirty="0"/>
-              <a:t>解釈性能の高さ</a:t>
-            </a:r>
-            <a:r>
-              <a:rPr lang="ja-JP" altLang="en-US" sz="2800" kern="0" dirty="0"/>
-              <a:t>を同時に最大化する識別器の設計が期待されている．</a:t>
-            </a:r>
-            <a:endParaRPr lang="en-US" altLang="ja-JP" sz="2800" kern="0" dirty="0"/>
+            <a:r>
+              <a:rPr kumimoji="1" lang="ja-JP" altLang="en-US" dirty="0" smtClean="0"/>
+              <a:t>交換操作・移住操作　あり</a:t>
+            </a:r>
+            <a:endParaRPr kumimoji="1" lang="ja-JP" altLang="en-US" dirty="0"/>
           </a:p>
+        </p:txBody>
+      </p:sp>
+      <p:sp>
+        <p:nvSpPr>
+          <p:cNvPr id="4" name="テキスト ボックス 3">
+            <a:extLst>
+              <a:ext uri="{FF2B5EF4-FFF2-40B4-BE49-F238E27FC236}">
+                <a16:creationId xmlns:a16="http://schemas.microsoft.com/office/drawing/2014/main" id="{FE740822-C01B-A944-AFFB-3E2AA037C098}"/>
+              </a:ext>
+            </a:extLst>
+          </p:cNvPr>
+          <p:cNvSpPr txBox="1"/>
+          <p:nvPr/>
+        </p:nvSpPr>
+        <p:spPr>
+          <a:xfrm>
+            <a:off x="1131420" y="5029200"/>
+            <a:ext cx="2685351" cy="369332"/>
+          </a:xfrm>
+          <a:prstGeom prst="rect">
+            <a:avLst/>
+          </a:prstGeom>
+          <a:noFill/>
+        </p:spPr>
+        <p:txBody>
+          <a:bodyPr wrap="none" rtlCol="0">
+            <a:spAutoFit/>
+          </a:bodyPr>
+          <a:lstStyle/>
           <a:p>
-            <a:pPr marL="0" indent="0">
-              <a:buNone/>
-            </a:pPr>
-            <a:endParaRPr lang="en-US" altLang="ja-JP" sz="2800" kern="0" dirty="0"/>
+            <a:r>
+              <a:rPr kumimoji="1" lang="ja-JP" altLang="en-US" dirty="0" smtClean="0"/>
+              <a:t>交換操作・移住操作　なし</a:t>
+            </a:r>
+            <a:endParaRPr kumimoji="1" lang="ja-JP" altLang="en-US" dirty="0"/>
           </a:p>
+        </p:txBody>
+      </p:sp>
+      <p:pic>
+        <p:nvPicPr>
+          <p:cNvPr id="5" name="図 4"/>
+          <p:cNvPicPr>
+            <a:picLocks noChangeAspect="1"/>
+          </p:cNvPicPr>
+          <p:nvPr/>
+        </p:nvPicPr>
+        <p:blipFill>
+          <a:blip r:embed="rId2">
+            <a:extLst>
+              <a:ext uri="{28A0092B-C50C-407E-A947-70E740481C1C}">
+                <a14:useLocalDpi xmlns:a14="http://schemas.microsoft.com/office/drawing/2010/main" val="0"/>
+              </a:ext>
+            </a:extLst>
+          </a:blip>
+          <a:stretch>
+            <a:fillRect/>
+          </a:stretch>
+        </p:blipFill>
+        <p:spPr>
+          <a:xfrm>
+            <a:off x="762000" y="1663337"/>
+            <a:ext cx="3240000" cy="3240000"/>
+          </a:xfrm>
+          <a:prstGeom prst="rect">
+            <a:avLst/>
+          </a:prstGeom>
+        </p:spPr>
+      </p:pic>
+      <p:pic>
+        <p:nvPicPr>
+          <p:cNvPr id="6" name="図 5"/>
+          <p:cNvPicPr>
+            <a:picLocks noChangeAspect="1"/>
+          </p:cNvPicPr>
+          <p:nvPr/>
+        </p:nvPicPr>
+        <p:blipFill>
+          <a:blip r:embed="rId3">
+            <a:extLst>
+              <a:ext uri="{28A0092B-C50C-407E-A947-70E740481C1C}">
+                <a14:useLocalDpi xmlns:a14="http://schemas.microsoft.com/office/drawing/2010/main" val="0"/>
+              </a:ext>
+            </a:extLst>
+          </a:blip>
+          <a:stretch>
+            <a:fillRect/>
+          </a:stretch>
+        </p:blipFill>
+        <p:spPr>
+          <a:xfrm>
+            <a:off x="4572000" y="1676400"/>
+            <a:ext cx="3240000" cy="3240000"/>
+          </a:xfrm>
+          <a:prstGeom prst="rect">
+            <a:avLst/>
+          </a:prstGeom>
+        </p:spPr>
+      </p:pic>
+      <p:sp>
+        <p:nvSpPr>
+          <p:cNvPr id="9" name="テキスト ボックス 8"/>
+          <p:cNvSpPr txBox="1"/>
+          <p:nvPr/>
+        </p:nvSpPr>
+        <p:spPr>
+          <a:xfrm>
+            <a:off x="1371600" y="1219200"/>
+            <a:ext cx="1903085" cy="369332"/>
+          </a:xfrm>
+          <a:prstGeom prst="rect">
+            <a:avLst/>
+          </a:prstGeom>
+          <a:noFill/>
+        </p:spPr>
+        <p:txBody>
+          <a:bodyPr wrap="none" rtlCol="0">
+            <a:spAutoFit/>
+          </a:bodyPr>
+          <a:lstStyle/>
           <a:p>
-            <a:pPr marL="0" indent="0">
-              <a:buNone/>
-            </a:pPr>
-            <a:r>
-              <a:rPr lang="ja-JP" altLang="en-US" sz="2800" kern="0" dirty="0"/>
-              <a:t>大規模なデータセットに対する機械学習に</a:t>
-            </a:r>
-            <a:br>
-              <a:rPr lang="en-US" altLang="ja-JP" sz="2800" kern="0" dirty="0"/>
-            </a:br>
-            <a:r>
-              <a:rPr lang="ja-JP" altLang="en-US" sz="2800" kern="0" dirty="0"/>
-              <a:t>かかる膨大な</a:t>
-            </a:r>
-            <a:r>
-              <a:rPr lang="ja-JP" altLang="en-US" sz="2800" u="sng" kern="0" dirty="0"/>
-              <a:t>計算時間の短縮</a:t>
-            </a:r>
-            <a:r>
-              <a:rPr lang="ja-JP" altLang="en-US" sz="2800" kern="0" dirty="0"/>
-              <a:t>が期待されている．</a:t>
-            </a:r>
-            <a:endParaRPr lang="en-US" altLang="ja-JP" sz="2800" kern="0" dirty="0"/>
+            <a:r>
+              <a:rPr lang="ja-JP" altLang="en-US" dirty="0"/>
+              <a:t>最良</a:t>
+            </a:r>
+            <a:r>
+              <a:rPr lang="ja-JP" altLang="en-US" dirty="0" smtClean="0"/>
+              <a:t>個体 </a:t>
+            </a:r>
+            <a:r>
+              <a:rPr lang="en-US" altLang="ja-JP" dirty="0" smtClean="0"/>
+              <a:t>81.86</a:t>
+            </a:r>
+            <a:r>
+              <a:rPr lang="ja-JP" altLang="en-US" dirty="0" smtClean="0"/>
+              <a:t>　</a:t>
+            </a:r>
+            <a:endParaRPr kumimoji="1" lang="ja-JP" altLang="en-US" dirty="0"/>
           </a:p>
+        </p:txBody>
+      </p:sp>
+      <p:sp>
+        <p:nvSpPr>
+          <p:cNvPr id="10" name="テキスト ボックス 9"/>
+          <p:cNvSpPr txBox="1"/>
+          <p:nvPr/>
+        </p:nvSpPr>
+        <p:spPr>
+          <a:xfrm>
+            <a:off x="5143226" y="1294005"/>
+            <a:ext cx="1903085" cy="369332"/>
+          </a:xfrm>
+          <a:prstGeom prst="rect">
+            <a:avLst/>
+          </a:prstGeom>
+          <a:noFill/>
+        </p:spPr>
+        <p:txBody>
+          <a:bodyPr wrap="none" rtlCol="0">
+            <a:spAutoFit/>
+          </a:bodyPr>
+          <a:lstStyle/>
           <a:p>
-            <a:pPr marL="0" indent="0">
-              <a:buNone/>
-            </a:pPr>
-            <a:endParaRPr lang="en-US" altLang="ja-JP" sz="2800" kern="0" dirty="0"/>
+            <a:r>
+              <a:rPr lang="ja-JP" altLang="en-US" dirty="0"/>
+              <a:t>最良</a:t>
+            </a:r>
+            <a:r>
+              <a:rPr lang="ja-JP" altLang="en-US" dirty="0" smtClean="0"/>
+              <a:t>個体 </a:t>
+            </a:r>
+            <a:r>
+              <a:rPr lang="en-US" altLang="ja-JP" dirty="0" smtClean="0"/>
+              <a:t>82.72</a:t>
+            </a:r>
+            <a:r>
+              <a:rPr lang="ja-JP" altLang="en-US" dirty="0" smtClean="0"/>
+              <a:t>　</a:t>
+            </a:r>
+            <a:endParaRPr kumimoji="1" lang="ja-JP" altLang="en-US" dirty="0"/>
           </a:p>
+        </p:txBody>
+      </p:sp>
+      <p:sp>
+        <p:nvSpPr>
+          <p:cNvPr id="11" name="テキスト ボックス 10"/>
+          <p:cNvSpPr txBox="1"/>
+          <p:nvPr/>
+        </p:nvSpPr>
+        <p:spPr>
+          <a:xfrm>
+            <a:off x="1371600" y="1488383"/>
+            <a:ext cx="2646878" cy="369332"/>
+          </a:xfrm>
+          <a:prstGeom prst="rect">
+            <a:avLst/>
+          </a:prstGeom>
+          <a:noFill/>
+        </p:spPr>
+        <p:txBody>
+          <a:bodyPr wrap="none" rtlCol="0">
+            <a:spAutoFit/>
+          </a:bodyPr>
+          <a:lstStyle/>
           <a:p>
-            <a:pPr marL="0" indent="0">
-              <a:buNone/>
-            </a:pPr>
-            <a:r>
-              <a:rPr lang="ja-JP" altLang="en-US" sz="2800" kern="0" dirty="0"/>
-              <a:t>未知パターンの識別における</a:t>
-            </a:r>
-            <a:r>
-              <a:rPr lang="ja-JP" altLang="en-US" sz="2800" u="sng" kern="0" dirty="0"/>
-              <a:t>汎化性能</a:t>
-            </a:r>
-            <a:r>
-              <a:rPr lang="ja-JP" altLang="en-US" sz="2800" kern="0" dirty="0"/>
-              <a:t>が求められ，</a:t>
-            </a:r>
-            <a:br>
-              <a:rPr lang="en-US" altLang="ja-JP" sz="2800" kern="0" dirty="0"/>
-            </a:br>
-            <a:r>
-              <a:rPr lang="ja-JP" altLang="en-US" sz="2800" u="sng" kern="0" dirty="0"/>
-              <a:t>多様性の高い</a:t>
-            </a:r>
-            <a:r>
-              <a:rPr lang="ja-JP" altLang="en-US" sz="2800" kern="0" dirty="0"/>
-              <a:t>識別器の設計が期待されている．</a:t>
-            </a:r>
-            <a:endParaRPr lang="en-US" altLang="ja-JP" sz="2800" kern="0" dirty="0"/>
+            <a:r>
+              <a:rPr lang="ja-JP" altLang="en-US" dirty="0" smtClean="0"/>
+              <a:t>アンサンブル結果　</a:t>
+            </a:r>
+            <a:r>
+              <a:rPr lang="en-US" altLang="ja-JP" dirty="0" smtClean="0"/>
+              <a:t>82.87</a:t>
+            </a:r>
+            <a:endParaRPr kumimoji="1" lang="ja-JP" altLang="en-US" dirty="0"/>
+          </a:p>
+        </p:txBody>
+      </p:sp>
+      <p:sp>
+        <p:nvSpPr>
+          <p:cNvPr id="16" name="テキスト ボックス 15"/>
+          <p:cNvSpPr txBox="1"/>
+          <p:nvPr/>
+        </p:nvSpPr>
+        <p:spPr>
+          <a:xfrm>
+            <a:off x="5165122" y="1629676"/>
+            <a:ext cx="2646878" cy="369332"/>
+          </a:xfrm>
+          <a:prstGeom prst="rect">
+            <a:avLst/>
+          </a:prstGeom>
+          <a:noFill/>
+        </p:spPr>
+        <p:txBody>
+          <a:bodyPr wrap="none" rtlCol="0">
+            <a:spAutoFit/>
+          </a:bodyPr>
+          <a:lstStyle/>
+          <a:p>
+            <a:r>
+              <a:rPr lang="ja-JP" altLang="en-US" dirty="0" smtClean="0"/>
+              <a:t>アンサンブル結果　</a:t>
+            </a:r>
+            <a:r>
+              <a:rPr lang="en-US" altLang="ja-JP" dirty="0" smtClean="0"/>
+              <a:t>82.65</a:t>
+            </a:r>
+            <a:endParaRPr kumimoji="1" lang="ja-JP" altLang="en-US" dirty="0"/>
           </a:p>
         </p:txBody>
       </p:sp>
     </p:spTree>
     <p:extLst>
       <p:ext uri="{BB962C8B-B14F-4D97-AF65-F5344CB8AC3E}">
-        <p14:creationId xmlns:p14="http://schemas.microsoft.com/office/powerpoint/2010/main" val="2776182737"/>
+        <p14:creationId xmlns:p14="http://schemas.microsoft.com/office/powerpoint/2010/main" val="3289339957"/>
+      </p:ext>
+    </p:extLst>
+  </p:cSld>
+  <p:clrMapOvr>
+    <a:masterClrMapping/>
+  </p:clrMapOvr>
+</p:sld>
+</file>
+
+<file path=ppt/slides/slide24.xml><?xml version="1.0" encoding="utf-8"?>
+<p:sld xmlns:a="http://schemas.openxmlformats.org/drawingml/2006/main" xmlns:r="http://schemas.openxmlformats.org/officeDocument/2006/relationships" xmlns:p="http://schemas.openxmlformats.org/presentationml/2006/main">
+  <p:cSld>
+    <p:spTree>
+      <p:nvGrpSpPr>
+        <p:cNvPr id="1" name=""/>
+        <p:cNvGrpSpPr/>
+        <p:nvPr/>
+      </p:nvGrpSpPr>
+      <p:grpSpPr>
+        <a:xfrm>
+          <a:off x="0" y="0"/>
+          <a:ext cx="0" cy="0"/>
+          <a:chOff x="0" y="0"/>
+          <a:chExt cx="0" cy="0"/>
+        </a:xfrm>
+      </p:grpSpPr>
+      <p:sp>
+        <p:nvSpPr>
+          <p:cNvPr id="2" name="タイトル 1"/>
+          <p:cNvSpPr>
+            <a:spLocks noGrp="1"/>
+          </p:cNvSpPr>
+          <p:nvPr>
+            <p:ph type="title"/>
+          </p:nvPr>
+        </p:nvSpPr>
+        <p:spPr/>
+        <p:txBody>
+          <a:bodyPr/>
+          <a:lstStyle/>
+          <a:p>
+            <a:r>
+              <a:rPr kumimoji="1" lang="ja-JP" altLang="en-US" dirty="0" smtClean="0"/>
+              <a:t>島数</a:t>
+            </a:r>
+            <a:r>
+              <a:rPr kumimoji="1" lang="en-US" altLang="ja-JP" dirty="0" smtClean="0"/>
+              <a:t>9</a:t>
+            </a:r>
+            <a:r>
+              <a:rPr kumimoji="1" lang="ja-JP" altLang="en-US" dirty="0" smtClean="0"/>
+              <a:t>　</a:t>
+            </a:r>
+            <a:r>
+              <a:rPr lang="en-US" altLang="ja-JP" dirty="0" err="1" smtClean="0"/>
+              <a:t>satimage</a:t>
+            </a:r>
+            <a:endParaRPr kumimoji="1" lang="ja-JP" altLang="en-US" dirty="0"/>
+          </a:p>
+        </p:txBody>
+      </p:sp>
+      <p:sp>
+        <p:nvSpPr>
+          <p:cNvPr id="3" name="テキスト ボックス 2">
+            <a:extLst>
+              <a:ext uri="{FF2B5EF4-FFF2-40B4-BE49-F238E27FC236}">
+                <a16:creationId xmlns:a16="http://schemas.microsoft.com/office/drawing/2014/main" id="{FE740822-C01B-A944-AFFB-3E2AA037C098}"/>
+              </a:ext>
+            </a:extLst>
+          </p:cNvPr>
+          <p:cNvSpPr txBox="1"/>
+          <p:nvPr/>
+        </p:nvSpPr>
+        <p:spPr>
+          <a:xfrm>
+            <a:off x="4717629" y="5029200"/>
+            <a:ext cx="2690160" cy="369332"/>
+          </a:xfrm>
+          <a:prstGeom prst="rect">
+            <a:avLst/>
+          </a:prstGeom>
+          <a:noFill/>
+        </p:spPr>
+        <p:txBody>
+          <a:bodyPr wrap="none" rtlCol="0">
+            <a:spAutoFit/>
+          </a:bodyPr>
+          <a:lstStyle/>
+          <a:p>
+            <a:r>
+              <a:rPr kumimoji="1" lang="ja-JP" altLang="en-US" dirty="0" smtClean="0"/>
+              <a:t>交換操作・移住操作　あり</a:t>
+            </a:r>
+            <a:endParaRPr kumimoji="1" lang="ja-JP" altLang="en-US" dirty="0"/>
+          </a:p>
+        </p:txBody>
+      </p:sp>
+      <p:sp>
+        <p:nvSpPr>
+          <p:cNvPr id="4" name="テキスト ボックス 3">
+            <a:extLst>
+              <a:ext uri="{FF2B5EF4-FFF2-40B4-BE49-F238E27FC236}">
+                <a16:creationId xmlns:a16="http://schemas.microsoft.com/office/drawing/2014/main" id="{FE740822-C01B-A944-AFFB-3E2AA037C098}"/>
+              </a:ext>
+            </a:extLst>
+          </p:cNvPr>
+          <p:cNvSpPr txBox="1"/>
+          <p:nvPr/>
+        </p:nvSpPr>
+        <p:spPr>
+          <a:xfrm>
+            <a:off x="1131420" y="5029200"/>
+            <a:ext cx="2685351" cy="369332"/>
+          </a:xfrm>
+          <a:prstGeom prst="rect">
+            <a:avLst/>
+          </a:prstGeom>
+          <a:noFill/>
+        </p:spPr>
+        <p:txBody>
+          <a:bodyPr wrap="none" rtlCol="0">
+            <a:spAutoFit/>
+          </a:bodyPr>
+          <a:lstStyle/>
+          <a:p>
+            <a:r>
+              <a:rPr kumimoji="1" lang="ja-JP" altLang="en-US" dirty="0" smtClean="0"/>
+              <a:t>交換操作・移住操作　なし</a:t>
+            </a:r>
+            <a:endParaRPr kumimoji="1" lang="ja-JP" altLang="en-US" dirty="0"/>
+          </a:p>
+        </p:txBody>
+      </p:sp>
+      <p:sp>
+        <p:nvSpPr>
+          <p:cNvPr id="9" name="テキスト ボックス 8"/>
+          <p:cNvSpPr txBox="1"/>
+          <p:nvPr/>
+        </p:nvSpPr>
+        <p:spPr>
+          <a:xfrm>
+            <a:off x="1481387" y="1415740"/>
+            <a:ext cx="1903085" cy="369332"/>
+          </a:xfrm>
+          <a:prstGeom prst="rect">
+            <a:avLst/>
+          </a:prstGeom>
+          <a:noFill/>
+        </p:spPr>
+        <p:txBody>
+          <a:bodyPr wrap="none" rtlCol="0">
+            <a:spAutoFit/>
+          </a:bodyPr>
+          <a:lstStyle/>
+          <a:p>
+            <a:r>
+              <a:rPr lang="ja-JP" altLang="en-US" dirty="0"/>
+              <a:t>最良</a:t>
+            </a:r>
+            <a:r>
+              <a:rPr lang="ja-JP" altLang="en-US" dirty="0" smtClean="0"/>
+              <a:t>個体 </a:t>
+            </a:r>
+            <a:r>
+              <a:rPr lang="en-US" altLang="ja-JP" dirty="0" smtClean="0"/>
+              <a:t>83.52</a:t>
+            </a:r>
+            <a:r>
+              <a:rPr lang="ja-JP" altLang="en-US" dirty="0" smtClean="0"/>
+              <a:t>　</a:t>
+            </a:r>
+            <a:endParaRPr kumimoji="1" lang="ja-JP" altLang="en-US" dirty="0"/>
+          </a:p>
+        </p:txBody>
+      </p:sp>
+      <p:sp>
+        <p:nvSpPr>
+          <p:cNvPr id="10" name="テキスト ボックス 9"/>
+          <p:cNvSpPr txBox="1"/>
+          <p:nvPr/>
+        </p:nvSpPr>
+        <p:spPr>
+          <a:xfrm>
+            <a:off x="5143226" y="1294005"/>
+            <a:ext cx="1903085" cy="369332"/>
+          </a:xfrm>
+          <a:prstGeom prst="rect">
+            <a:avLst/>
+          </a:prstGeom>
+          <a:noFill/>
+        </p:spPr>
+        <p:txBody>
+          <a:bodyPr wrap="none" rtlCol="0">
+            <a:spAutoFit/>
+          </a:bodyPr>
+          <a:lstStyle/>
+          <a:p>
+            <a:r>
+              <a:rPr lang="ja-JP" altLang="en-US" dirty="0"/>
+              <a:t>最良</a:t>
+            </a:r>
+            <a:r>
+              <a:rPr lang="ja-JP" altLang="en-US" dirty="0" smtClean="0"/>
+              <a:t>個体 </a:t>
+            </a:r>
+            <a:r>
+              <a:rPr lang="en-US" altLang="ja-JP" dirty="0" smtClean="0"/>
+              <a:t>85.42</a:t>
+            </a:r>
+            <a:r>
+              <a:rPr lang="ja-JP" altLang="en-US" dirty="0" smtClean="0"/>
+              <a:t>　</a:t>
+            </a:r>
+            <a:endParaRPr kumimoji="1" lang="ja-JP" altLang="en-US" dirty="0"/>
+          </a:p>
+        </p:txBody>
+      </p:sp>
+      <p:sp>
+        <p:nvSpPr>
+          <p:cNvPr id="11" name="テキスト ボックス 10"/>
+          <p:cNvSpPr txBox="1"/>
+          <p:nvPr/>
+        </p:nvSpPr>
+        <p:spPr>
+          <a:xfrm>
+            <a:off x="1481387" y="1684923"/>
+            <a:ext cx="2646878" cy="369332"/>
+          </a:xfrm>
+          <a:prstGeom prst="rect">
+            <a:avLst/>
+          </a:prstGeom>
+          <a:noFill/>
+        </p:spPr>
+        <p:txBody>
+          <a:bodyPr wrap="none" rtlCol="0">
+            <a:spAutoFit/>
+          </a:bodyPr>
+          <a:lstStyle/>
+          <a:p>
+            <a:r>
+              <a:rPr lang="ja-JP" altLang="en-US" dirty="0" smtClean="0"/>
+              <a:t>アンサンブル結果　</a:t>
+            </a:r>
+            <a:r>
+              <a:rPr lang="en-US" altLang="ja-JP" dirty="0" smtClean="0"/>
+              <a:t>85.79</a:t>
+            </a:r>
+            <a:endParaRPr kumimoji="1" lang="ja-JP" altLang="en-US" dirty="0"/>
+          </a:p>
+        </p:txBody>
+      </p:sp>
+      <p:pic>
+        <p:nvPicPr>
+          <p:cNvPr id="7" name="図 6"/>
+          <p:cNvPicPr>
+            <a:picLocks noChangeAspect="1"/>
+          </p:cNvPicPr>
+          <p:nvPr/>
+        </p:nvPicPr>
+        <p:blipFill>
+          <a:blip r:embed="rId2">
+            <a:clrChange>
+              <a:clrFrom>
+                <a:srgbClr val="FFFFFF"/>
+              </a:clrFrom>
+              <a:clrTo>
+                <a:srgbClr val="FFFFFF">
+                  <a:alpha val="0"/>
+                </a:srgbClr>
+              </a:clrTo>
+            </a:clrChange>
+            <a:extLst>
+              <a:ext uri="{28A0092B-C50C-407E-A947-70E740481C1C}">
+                <a14:useLocalDpi xmlns:a14="http://schemas.microsoft.com/office/drawing/2010/main" val="0"/>
+              </a:ext>
+            </a:extLst>
+          </a:blip>
+          <a:stretch>
+            <a:fillRect/>
+          </a:stretch>
+        </p:blipFill>
+        <p:spPr>
+          <a:xfrm>
+            <a:off x="898693" y="1827897"/>
+            <a:ext cx="3240000" cy="3240000"/>
+          </a:xfrm>
+          <a:prstGeom prst="rect">
+            <a:avLst/>
+          </a:prstGeom>
+        </p:spPr>
+      </p:pic>
+      <p:pic>
+        <p:nvPicPr>
+          <p:cNvPr id="8" name="図 7"/>
+          <p:cNvPicPr>
+            <a:picLocks noChangeAspect="1"/>
+          </p:cNvPicPr>
+          <p:nvPr/>
+        </p:nvPicPr>
+        <p:blipFill>
+          <a:blip r:embed="rId3">
+            <a:clrChange>
+              <a:clrFrom>
+                <a:srgbClr val="FFFFFF"/>
+              </a:clrFrom>
+              <a:clrTo>
+                <a:srgbClr val="FFFFFF">
+                  <a:alpha val="0"/>
+                </a:srgbClr>
+              </a:clrTo>
+            </a:clrChange>
+            <a:extLst>
+              <a:ext uri="{28A0092B-C50C-407E-A947-70E740481C1C}">
+                <a14:useLocalDpi xmlns:a14="http://schemas.microsoft.com/office/drawing/2010/main" val="0"/>
+              </a:ext>
+            </a:extLst>
+          </a:blip>
+          <a:stretch>
+            <a:fillRect/>
+          </a:stretch>
+        </p:blipFill>
+        <p:spPr>
+          <a:xfrm>
+            <a:off x="5143226" y="1698663"/>
+            <a:ext cx="3240000" cy="3240000"/>
+          </a:xfrm>
+          <a:prstGeom prst="rect">
+            <a:avLst/>
+          </a:prstGeom>
+        </p:spPr>
+      </p:pic>
+    </p:spTree>
+    <p:extLst>
+      <p:ext uri="{BB962C8B-B14F-4D97-AF65-F5344CB8AC3E}">
+        <p14:creationId xmlns:p14="http://schemas.microsoft.com/office/powerpoint/2010/main" val="474672705"/>
+      </p:ext>
+    </p:extLst>
+  </p:cSld>
+  <p:clrMapOvr>
+    <a:masterClrMapping/>
+  </p:clrMapOvr>
+</p:sld>
+</file>
+
+<file path=ppt/slides/slide25.xml><?xml version="1.0" encoding="utf-8"?>
+<p:sld xmlns:a="http://schemas.openxmlformats.org/drawingml/2006/main" xmlns:r="http://schemas.openxmlformats.org/officeDocument/2006/relationships" xmlns:p="http://schemas.openxmlformats.org/presentationml/2006/main">
+  <p:cSld>
+    <p:spTree>
+      <p:nvGrpSpPr>
+        <p:cNvPr id="1" name=""/>
+        <p:cNvGrpSpPr/>
+        <p:nvPr/>
+      </p:nvGrpSpPr>
+      <p:grpSpPr>
+        <a:xfrm>
+          <a:off x="0" y="0"/>
+          <a:ext cx="0" cy="0"/>
+          <a:chOff x="0" y="0"/>
+          <a:chExt cx="0" cy="0"/>
+        </a:xfrm>
+      </p:grpSpPr>
+      <p:pic>
+        <p:nvPicPr>
+          <p:cNvPr id="9" name="図 8"/>
+          <p:cNvPicPr>
+            <a:picLocks noChangeAspect="1"/>
+          </p:cNvPicPr>
+          <p:nvPr/>
+        </p:nvPicPr>
+        <p:blipFill>
+          <a:blip r:embed="rId2">
+            <a:extLst>
+              <a:ext uri="{28A0092B-C50C-407E-A947-70E740481C1C}">
+                <a14:useLocalDpi xmlns:a14="http://schemas.microsoft.com/office/drawing/2010/main" val="0"/>
+              </a:ext>
+            </a:extLst>
+          </a:blip>
+          <a:stretch>
+            <a:fillRect/>
+          </a:stretch>
+        </p:blipFill>
+        <p:spPr>
+          <a:xfrm>
+            <a:off x="381000" y="100279"/>
+            <a:ext cx="3049200" cy="3049200"/>
+          </a:xfrm>
+          <a:prstGeom prst="rect">
+            <a:avLst/>
+          </a:prstGeom>
+        </p:spPr>
+      </p:pic>
+      <p:pic>
+        <p:nvPicPr>
+          <p:cNvPr id="10" name="図 9"/>
+          <p:cNvPicPr>
+            <a:picLocks noChangeAspect="1"/>
+          </p:cNvPicPr>
+          <p:nvPr/>
+        </p:nvPicPr>
+        <p:blipFill>
+          <a:blip r:embed="rId3">
+            <a:extLst>
+              <a:ext uri="{28A0092B-C50C-407E-A947-70E740481C1C}">
+                <a14:useLocalDpi xmlns:a14="http://schemas.microsoft.com/office/drawing/2010/main" val="0"/>
+              </a:ext>
+            </a:extLst>
+          </a:blip>
+          <a:stretch>
+            <a:fillRect/>
+          </a:stretch>
+        </p:blipFill>
+        <p:spPr>
+          <a:xfrm>
+            <a:off x="381000" y="3505200"/>
+            <a:ext cx="3049200" cy="3049200"/>
+          </a:xfrm>
+          <a:prstGeom prst="rect">
+            <a:avLst/>
+          </a:prstGeom>
+        </p:spPr>
+      </p:pic>
+      <p:pic>
+        <p:nvPicPr>
+          <p:cNvPr id="11" name="図 10"/>
+          <p:cNvPicPr>
+            <a:picLocks noChangeAspect="1"/>
+          </p:cNvPicPr>
+          <p:nvPr/>
+        </p:nvPicPr>
+        <p:blipFill>
+          <a:blip r:embed="rId4">
+            <a:extLst>
+              <a:ext uri="{28A0092B-C50C-407E-A947-70E740481C1C}">
+                <a14:useLocalDpi xmlns:a14="http://schemas.microsoft.com/office/drawing/2010/main" val="0"/>
+              </a:ext>
+            </a:extLst>
+          </a:blip>
+          <a:stretch>
+            <a:fillRect/>
+          </a:stretch>
+        </p:blipFill>
+        <p:spPr>
+          <a:xfrm>
+            <a:off x="5562600" y="228600"/>
+            <a:ext cx="3049200" cy="3049200"/>
+          </a:xfrm>
+          <a:prstGeom prst="rect">
+            <a:avLst/>
+          </a:prstGeom>
+        </p:spPr>
+      </p:pic>
+      <p:pic>
+        <p:nvPicPr>
+          <p:cNvPr id="12" name="図 11"/>
+          <p:cNvPicPr>
+            <a:picLocks noChangeAspect="1"/>
+          </p:cNvPicPr>
+          <p:nvPr/>
+        </p:nvPicPr>
+        <p:blipFill>
+          <a:blip r:embed="rId5">
+            <a:extLst>
+              <a:ext uri="{28A0092B-C50C-407E-A947-70E740481C1C}">
+                <a14:useLocalDpi xmlns:a14="http://schemas.microsoft.com/office/drawing/2010/main" val="0"/>
+              </a:ext>
+            </a:extLst>
+          </a:blip>
+          <a:stretch>
+            <a:fillRect/>
+          </a:stretch>
+        </p:blipFill>
+        <p:spPr>
+          <a:xfrm>
+            <a:off x="5562600" y="3277800"/>
+            <a:ext cx="3049200" cy="3049200"/>
+          </a:xfrm>
+          <a:prstGeom prst="rect">
+            <a:avLst/>
+          </a:prstGeom>
+        </p:spPr>
+      </p:pic>
+      <p:pic>
+        <p:nvPicPr>
+          <p:cNvPr id="13" name="図 12"/>
+          <p:cNvPicPr>
+            <a:picLocks noChangeAspect="1"/>
+          </p:cNvPicPr>
+          <p:nvPr/>
+        </p:nvPicPr>
+        <p:blipFill>
+          <a:blip r:embed="rId6">
+            <a:extLst>
+              <a:ext uri="{28A0092B-C50C-407E-A947-70E740481C1C}">
+                <a14:useLocalDpi xmlns:a14="http://schemas.microsoft.com/office/drawing/2010/main" val="0"/>
+              </a:ext>
+            </a:extLst>
+          </a:blip>
+          <a:stretch>
+            <a:fillRect/>
+          </a:stretch>
+        </p:blipFill>
+        <p:spPr>
+          <a:xfrm>
+            <a:off x="3657600" y="111165"/>
+            <a:ext cx="3049200" cy="3049200"/>
+          </a:xfrm>
+          <a:prstGeom prst="rect">
+            <a:avLst/>
+          </a:prstGeom>
+        </p:spPr>
+      </p:pic>
+    </p:spTree>
+    <p:extLst>
+      <p:ext uri="{BB962C8B-B14F-4D97-AF65-F5344CB8AC3E}">
+        <p14:creationId xmlns:p14="http://schemas.microsoft.com/office/powerpoint/2010/main" val="866507054"/>
       </p:ext>
     </p:extLst>
   </p:cSld>
@@ -28684,12 +32506,20 @@
               <a:rPr lang="ja-JP" altLang="en-US" sz="2800" kern="0" dirty="0"/>
               <a:t>で識別器が構成される．</a:t>
             </a:r>
+            <a:r>
+              <a:rPr lang="en-US" altLang="ja-JP" sz="2800" kern="0" dirty="0"/>
+              <a:t/>
+            </a:r>
             <a:br>
               <a:rPr lang="en-US" altLang="ja-JP" sz="2800" kern="0" dirty="0"/>
             </a:br>
             <a:r>
               <a:rPr lang="ja-JP" altLang="en-US" sz="2800" kern="0" dirty="0"/>
               <a:t>どのようにしてデータの識別を行っているのかが</a:t>
+            </a:r>
+            <a:r>
+              <a:rPr lang="en-US" altLang="ja-JP" sz="2800" kern="0" dirty="0"/>
+              <a:t/>
             </a:r>
             <a:br>
               <a:rPr lang="en-US" altLang="ja-JP" sz="2800" kern="0" dirty="0"/>
@@ -29139,6 +32969,13 @@
   <p:clrMapOvr>
     <a:masterClrMapping/>
   </p:clrMapOvr>
+  <p:timing>
+    <p:tnLst>
+      <p:par>
+        <p:cTn id="1" dur="indefinite" restart="never" nodeType="tmRoot"/>
+      </p:par>
+    </p:tnLst>
+  </p:timing>
 </p:sld>
 </file>
 
@@ -30143,8 +33980,8 @@
           </mc:Fallback>
         </mc:AlternateContent>
       </p:grpSp>
-      <mc:AlternateContent xmlns:mc="http://schemas.openxmlformats.org/markup-compatibility/2006">
-        <mc:Choice xmlns:a14="http://schemas.microsoft.com/office/drawing/2010/main" Requires="a14">
+      <mc:AlternateContent xmlns:mc="http://schemas.openxmlformats.org/markup-compatibility/2006" xmlns:a14="http://schemas.microsoft.com/office/drawing/2010/main">
+        <mc:Choice Requires="a14">
           <p:graphicFrame>
             <p:nvGraphicFramePr>
               <p:cNvPr id="18" name="表 17">
@@ -30873,7 +34710,7 @@
             </a:graphic>
           </p:graphicFrame>
         </mc:Choice>
-        <mc:Fallback>
+        <mc:Fallback xmlns="">
           <p:graphicFrame>
             <p:nvGraphicFramePr>
               <p:cNvPr id="18" name="表 17">
@@ -31680,6 +35517,10 @@
               <a:rPr lang="ja-JP" altLang="en-US" sz="2800" kern="0" dirty="0"/>
               <a:t>複数の目的を同時に最適化する進化型多目的最適化手法を</a:t>
             </a:r>
+            <a:r>
+              <a:rPr lang="en-US" altLang="ja-JP" sz="2800" kern="0" dirty="0"/>
+              <a:t/>
+            </a:r>
             <a:br>
               <a:rPr lang="en-US" altLang="ja-JP" sz="2800" kern="0" dirty="0"/>
             </a:br>
@@ -31696,8 +35537,8 @@
           </a:p>
         </p:txBody>
       </p:sp>
-      <mc:AlternateContent xmlns:mc="http://schemas.openxmlformats.org/markup-compatibility/2006">
-        <mc:Choice xmlns:a14="http://schemas.microsoft.com/office/drawing/2010/main" Requires="a14">
+      <mc:AlternateContent xmlns:mc="http://schemas.openxmlformats.org/markup-compatibility/2006" xmlns:a14="http://schemas.microsoft.com/office/drawing/2010/main">
+        <mc:Choice Requires="a14">
           <p:sp>
             <p:nvSpPr>
               <p:cNvPr id="23" name="テキスト ボックス 22"/>
@@ -31841,7 +35682,7 @@
             </p:txBody>
           </p:sp>
         </mc:Choice>
-        <mc:Fallback>
+        <mc:Fallback xmlns="">
           <p:sp>
             <p:nvSpPr>
               <p:cNvPr id="23" name="テキスト ボックス 22"/>
@@ -32118,12 +35959,20 @@
               <a:rPr lang="ja-JP" altLang="en-US" sz="2800" kern="0" dirty="0"/>
               <a:t>目的における</a:t>
             </a:r>
+            <a:r>
+              <a:rPr lang="en-US" altLang="ja-JP" sz="2800" kern="0" dirty="0"/>
+              <a:t/>
+            </a:r>
             <a:br>
               <a:rPr lang="en-US" altLang="ja-JP" sz="2800" kern="0" dirty="0"/>
             </a:br>
             <a:r>
               <a:rPr lang="ja-JP" altLang="en-US" sz="2800" kern="0" dirty="0"/>
               <a:t>トレードオフ曲線に沿った</a:t>
+            </a:r>
+            <a:r>
+              <a:rPr lang="en-US" altLang="ja-JP" sz="2800" kern="0" dirty="0"/>
+              <a:t/>
             </a:r>
             <a:br>
               <a:rPr lang="en-US" altLang="ja-JP" sz="2800" kern="0" dirty="0"/>
@@ -32385,6 +36234,13 @@
   <p:clrMapOvr>
     <a:masterClrMapping/>
   </p:clrMapOvr>
+  <p:timing>
+    <p:tnLst>
+      <p:par>
+        <p:cTn id="1" dur="indefinite" restart="never" nodeType="tmRoot"/>
+      </p:par>
+    </p:tnLst>
+  </p:timing>
 </p:sld>
 </file>
 
@@ -35493,6 +39349,10 @@
               <a:rPr lang="ja-JP" altLang="en-US" sz="2800" kern="0" dirty="0"/>
               <a:t>個体群と学習用データを</a:t>
             </a:r>
+            <a:r>
+              <a:rPr lang="en-US" altLang="ja-JP" sz="2800" kern="0" dirty="0"/>
+              <a:t/>
+            </a:r>
             <a:br>
               <a:rPr lang="en-US" altLang="ja-JP" sz="2800" kern="0" dirty="0"/>
             </a:br>
@@ -35506,12 +39366,20 @@
             <a:pPr marL="0" indent="0">
               <a:buNone/>
             </a:pPr>
+            <a:r>
+              <a:rPr lang="en-US" altLang="ja-JP" sz="2800" kern="0" dirty="0"/>
+              <a:t/>
+            </a:r>
             <a:br>
               <a:rPr lang="en-US" altLang="ja-JP" sz="2800" kern="0" dirty="0"/>
             </a:br>
             <a:r>
               <a:rPr lang="ja-JP" altLang="en-US" sz="2800" kern="0" dirty="0"/>
               <a:t>分割したペアをそれぞれ</a:t>
+            </a:r>
+            <a:r>
+              <a:rPr lang="en-US" altLang="ja-JP" sz="2800" kern="0" dirty="0"/>
+              <a:t/>
             </a:r>
             <a:br>
               <a:rPr lang="en-US" altLang="ja-JP" sz="2800" kern="0" dirty="0"/>
@@ -36065,6 +39933,13 @@
   <p:clrMapOvr>
     <a:masterClrMapping/>
   </p:clrMapOvr>
+  <p:timing>
+    <p:tnLst>
+      <p:par>
+        <p:cTn id="1" dur="indefinite" restart="never" nodeType="tmRoot"/>
+      </p:par>
+    </p:tnLst>
+  </p:timing>
 </p:sld>
 </file>
 
@@ -37375,12 +41250,20 @@
               <a:rPr lang="ja-JP" altLang="en-US" sz="2800" kern="0" dirty="0"/>
               <a:t>特定のパターンに対して不得意な弱識別器が</a:t>
             </a:r>
+            <a:r>
+              <a:rPr lang="en-US" altLang="ja-JP" sz="2800" kern="0" dirty="0"/>
+              <a:t/>
+            </a:r>
             <a:br>
               <a:rPr lang="en-US" altLang="ja-JP" sz="2800" kern="0" dirty="0"/>
             </a:br>
             <a:r>
               <a:rPr lang="ja-JP" altLang="en-US" sz="2800" kern="0" dirty="0"/>
               <a:t>存在しても，多数決による識別が行われるため，</a:t>
+            </a:r>
+            <a:r>
+              <a:rPr lang="en-US" altLang="ja-JP" sz="2800" kern="0" dirty="0"/>
+              <a:t/>
             </a:r>
             <a:br>
               <a:rPr lang="en-US" altLang="ja-JP" sz="2800" kern="0" dirty="0"/>
@@ -37444,6 +41327,13 @@
   <p:clrMapOvr>
     <a:masterClrMapping/>
   </p:clrMapOvr>
+  <p:timing>
+    <p:tnLst>
+      <p:par>
+        <p:cTn id="1" dur="indefinite" restart="never" nodeType="tmRoot"/>
+      </p:par>
+    </p:tnLst>
+  </p:timing>
 </p:sld>
 </file>
 
@@ -37763,6 +41653,13 @@
   <p:clrMapOvr>
     <a:masterClrMapping/>
   </p:clrMapOvr>
+  <p:timing>
+    <p:tnLst>
+      <p:par>
+        <p:cTn id="1" dur="indefinite" restart="never" nodeType="tmRoot"/>
+      </p:par>
+    </p:tnLst>
+  </p:timing>
 </p:sld>
 </file>
 
@@ -40350,6 +44247,14 @@
               </a:rPr>
               <a:t>交換操作，移住操作を与えず</a:t>
             </a:r>
+            <a:r>
+              <a:rPr kumimoji="1" lang="en-US" altLang="ja-JP" sz="2800">
+                <a:solidFill>
+                  <a:schemeClr val="tx1"/>
+                </a:solidFill>
+              </a:rPr>
+              <a:t/>
+            </a:r>
             <a:br>
               <a:rPr kumimoji="1" lang="en-US" altLang="ja-JP" sz="2800">
                 <a:solidFill>
@@ -40494,6 +44399,14 @@
               </a:rPr>
               <a:t>島ごとに最良な識別器を</a:t>
             </a:r>
+            <a:r>
+              <a:rPr kumimoji="1" lang="en-US" altLang="ja-JP" sz="2800">
+                <a:solidFill>
+                  <a:schemeClr val="tx1"/>
+                </a:solidFill>
+              </a:rPr>
+              <a:t/>
+            </a:r>
             <a:br>
               <a:rPr kumimoji="1" lang="en-US" altLang="ja-JP" sz="2800">
                 <a:solidFill>
@@ -40622,6 +44535,14 @@
               </a:rPr>
               <a:t>弱識別器の多数決で</a:t>
             </a:r>
+            <a:r>
+              <a:rPr kumimoji="1" lang="en-US" altLang="ja-JP" sz="2800">
+                <a:solidFill>
+                  <a:schemeClr val="tx1"/>
+                </a:solidFill>
+              </a:rPr>
+              <a:t/>
+            </a:r>
             <a:br>
               <a:rPr kumimoji="1" lang="en-US" altLang="ja-JP" sz="2800">
                 <a:solidFill>
@@ -40650,6 +44571,13 @@
   <p:clrMapOvr>
     <a:masterClrMapping/>
   </p:clrMapOvr>
+  <p:timing>
+    <p:tnLst>
+      <p:par>
+        <p:cTn id="1" dur="indefinite" restart="never" nodeType="tmRoot"/>
+      </p:par>
+    </p:tnLst>
+  </p:timing>
 </p:sld>
 </file>
 
@@ -41200,6 +45128,147 @@
           </a:p>
         </p:txBody>
       </p:sp>
+      <p:pic>
+        <p:nvPicPr>
+          <p:cNvPr id="7" name="図 6"/>
+          <p:cNvPicPr>
+            <a:picLocks noChangeAspect="1"/>
+          </p:cNvPicPr>
+          <p:nvPr/>
+        </p:nvPicPr>
+        <p:blipFill>
+          <a:blip r:embed="rId2"/>
+          <a:stretch>
+            <a:fillRect/>
+          </a:stretch>
+        </p:blipFill>
+        <p:spPr>
+          <a:xfrm>
+            <a:off x="1600200" y="4343400"/>
+            <a:ext cx="2542446" cy="2514600"/>
+          </a:xfrm>
+          <a:prstGeom prst="rect">
+            <a:avLst/>
+          </a:prstGeom>
+        </p:spPr>
+      </p:pic>
+      <p:sp>
+        <p:nvSpPr>
+          <p:cNvPr id="8" name="テキスト ボックス 7">
+            <a:extLst>
+              <a:ext uri="{FF2B5EF4-FFF2-40B4-BE49-F238E27FC236}">
+                <a16:creationId xmlns:a16="http://schemas.microsoft.com/office/drawing/2014/main" id="{8A622EB5-A4E2-8447-9A5F-5CDA2D207408}"/>
+              </a:ext>
+            </a:extLst>
+          </p:cNvPr>
+          <p:cNvSpPr txBox="1"/>
+          <p:nvPr/>
+        </p:nvSpPr>
+        <p:spPr>
+          <a:xfrm flipH="1">
+            <a:off x="4267200" y="4773183"/>
+            <a:ext cx="2133601" cy="408623"/>
+          </a:xfrm>
+          <a:prstGeom prst="roundRect">
+            <a:avLst/>
+          </a:prstGeom>
+          <a:noFill/>
+          <a:ln>
+            <a:solidFill>
+              <a:schemeClr val="accent2"/>
+            </a:solidFill>
+          </a:ln>
+        </p:spPr>
+        <p:txBody>
+          <a:bodyPr wrap="square" rtlCol="0">
+            <a:spAutoFit/>
+          </a:bodyPr>
+          <a:lstStyle/>
+          <a:p>
+            <a:r>
+              <a:rPr kumimoji="1" lang="en-US" altLang="ja-JP" dirty="0"/>
+              <a:t>D</a:t>
+            </a:r>
+            <a:r>
+              <a:rPr kumimoji="1" lang="ja-JP" altLang="en-US" dirty="0"/>
+              <a:t>は</a:t>
+            </a:r>
+            <a:r>
+              <a:rPr kumimoji="1" lang="en-US" altLang="ja-JP" dirty="0"/>
+              <a:t>B</a:t>
+            </a:r>
+            <a:r>
+              <a:rPr kumimoji="1" lang="ja-JP" altLang="en-US" dirty="0" err="1"/>
+              <a:t>に優</a:t>
+            </a:r>
+            <a:r>
+              <a:rPr kumimoji="1" lang="ja-JP" altLang="en-US" dirty="0" smtClean="0"/>
+              <a:t>越される</a:t>
+            </a:r>
+            <a:endParaRPr kumimoji="1" lang="en-US" altLang="ja-JP" dirty="0" smtClean="0"/>
+          </a:p>
+        </p:txBody>
+      </p:sp>
+      <p:sp>
+        <p:nvSpPr>
+          <p:cNvPr id="9" name="テキスト ボックス 8">
+            <a:extLst>
+              <a:ext uri="{FF2B5EF4-FFF2-40B4-BE49-F238E27FC236}">
+                <a16:creationId xmlns:a16="http://schemas.microsoft.com/office/drawing/2014/main" id="{94C7644D-546A-CB41-BAB1-FFA69962B749}"/>
+              </a:ext>
+            </a:extLst>
+          </p:cNvPr>
+          <p:cNvSpPr txBox="1"/>
+          <p:nvPr/>
+        </p:nvSpPr>
+        <p:spPr>
+          <a:xfrm flipH="1">
+            <a:off x="4267200" y="5379244"/>
+            <a:ext cx="3048000" cy="1021556"/>
+          </a:xfrm>
+          <a:prstGeom prst="roundRect">
+            <a:avLst/>
+          </a:prstGeom>
+          <a:noFill/>
+          <a:ln>
+            <a:solidFill>
+              <a:schemeClr val="accent2"/>
+            </a:solidFill>
+          </a:ln>
+        </p:spPr>
+        <p:txBody>
+          <a:bodyPr wrap="square" rtlCol="0">
+            <a:spAutoFit/>
+          </a:bodyPr>
+          <a:lstStyle/>
+          <a:p>
+            <a:r>
+              <a:rPr kumimoji="1" lang="en-US" altLang="ja-JP" dirty="0"/>
+              <a:t>A, B, C</a:t>
+            </a:r>
+            <a:r>
+              <a:rPr kumimoji="1" lang="ja-JP" altLang="en-US" dirty="0"/>
+              <a:t>は他に優越される解が存在</a:t>
+            </a:r>
+            <a:r>
+              <a:rPr kumimoji="1" lang="ja-JP" altLang="en-US" dirty="0" smtClean="0"/>
+              <a:t>しない</a:t>
+            </a:r>
+            <a:endParaRPr kumimoji="1" lang="en-US" altLang="ja-JP" dirty="0" smtClean="0"/>
+          </a:p>
+          <a:p>
+            <a:r>
+              <a:rPr lang="en-US" altLang="ja-JP" dirty="0" smtClean="0"/>
+              <a:t>= A, B, C </a:t>
+            </a:r>
+            <a:r>
+              <a:rPr lang="ja-JP" altLang="en-US" dirty="0" smtClean="0"/>
+              <a:t>は互いに非劣</a:t>
+            </a:r>
+            <a:endParaRPr kumimoji="1" lang="ja-JP" altLang="en-US" dirty="0"/>
+          </a:p>
+        </p:txBody>
+      </p:sp>
     </p:spTree>
     <p:extLst>
       <p:ext uri="{BB962C8B-B14F-4D97-AF65-F5344CB8AC3E}">
@@ -41210,6 +45279,13 @@
   <p:clrMapOvr>
     <a:masterClrMapping/>
   </p:clrMapOvr>
+  <p:timing>
+    <p:tnLst>
+      <p:par>
+        <p:cTn id="1" dur="indefinite" restart="never" nodeType="tmRoot"/>
+      </p:par>
+    </p:tnLst>
+  </p:timing>
 </p:sld>
 </file>
 

--- a/Junior_下書き.pptx
+++ b/Junior_下書き.pptx
@@ -6,10 +6,10 @@
     <p:sldMasterId id="2147483650" r:id="rId2"/>
   </p:sldMasterIdLst>
   <p:notesMasterIdLst>
-    <p:notesMasterId r:id="rId29"/>
+    <p:notesMasterId r:id="rId31"/>
   </p:notesMasterIdLst>
   <p:handoutMasterIdLst>
-    <p:handoutMasterId r:id="rId30"/>
+    <p:handoutMasterId r:id="rId32"/>
   </p:handoutMasterIdLst>
   <p:sldIdLst>
     <p:sldId id="256" r:id="rId3"/>
@@ -28,16 +28,18 @@
     <p:sldId id="290" r:id="rId16"/>
     <p:sldId id="291" r:id="rId17"/>
     <p:sldId id="283" r:id="rId18"/>
-    <p:sldId id="272" r:id="rId19"/>
-    <p:sldId id="296" r:id="rId20"/>
-    <p:sldId id="287" r:id="rId21"/>
-    <p:sldId id="284" r:id="rId22"/>
-    <p:sldId id="281" r:id="rId23"/>
-    <p:sldId id="282" r:id="rId24"/>
-    <p:sldId id="273" r:id="rId25"/>
-    <p:sldId id="294" r:id="rId26"/>
-    <p:sldId id="295" r:id="rId27"/>
-    <p:sldId id="293" r:id="rId28"/>
+    <p:sldId id="298" r:id="rId19"/>
+    <p:sldId id="299" r:id="rId20"/>
+    <p:sldId id="272" r:id="rId21"/>
+    <p:sldId id="296" r:id="rId22"/>
+    <p:sldId id="287" r:id="rId23"/>
+    <p:sldId id="284" r:id="rId24"/>
+    <p:sldId id="281" r:id="rId25"/>
+    <p:sldId id="282" r:id="rId26"/>
+    <p:sldId id="273" r:id="rId27"/>
+    <p:sldId id="294" r:id="rId28"/>
+    <p:sldId id="295" r:id="rId29"/>
+    <p:sldId id="293" r:id="rId30"/>
   </p:sldIdLst>
   <p:sldSz cx="9144000" cy="6858000" type="screen4x3"/>
   <p:notesSz cx="6797675" cy="9926638"/>
@@ -1285,7 +1287,7 @@
               <a:pPr>
                 <a:defRPr/>
               </a:pPr>
-              <a:t>17</a:t>
+              <a:t>19</a:t>
             </a:fld>
             <a:endParaRPr lang="en-US" altLang="ja-JP"/>
           </a:p>
@@ -1375,7 +1377,7 @@
               <a:pPr>
                 <a:defRPr/>
               </a:pPr>
-              <a:t>18</a:t>
+              <a:t>20</a:t>
             </a:fld>
             <a:endParaRPr lang="en-US" altLang="ja-JP"/>
           </a:p>
@@ -11291,6 +11293,432 @@
 </file>
 
 <file path=ppt/slides/slide17.xml><?xml version="1.0" encoding="utf-8"?>
+<p:sld xmlns:a="http://schemas.openxmlformats.org/drawingml/2006/main" xmlns:r="http://schemas.openxmlformats.org/officeDocument/2006/relationships" xmlns:p="http://schemas.openxmlformats.org/presentationml/2006/main">
+  <p:cSld>
+    <p:spTree>
+      <p:nvGrpSpPr>
+        <p:cNvPr id="1" name=""/>
+        <p:cNvGrpSpPr/>
+        <p:nvPr/>
+      </p:nvGrpSpPr>
+      <p:grpSpPr>
+        <a:xfrm>
+          <a:off x="0" y="0"/>
+          <a:ext cx="0" cy="0"/>
+          <a:chOff x="0" y="0"/>
+          <a:chExt cx="0" cy="0"/>
+        </a:xfrm>
+      </p:grpSpPr>
+      <mc:AlternateContent xmlns:mc="http://schemas.openxmlformats.org/markup-compatibility/2006">
+        <mc:Choice xmlns:a14="http://schemas.microsoft.com/office/drawing/2010/main" Requires="a14">
+          <p:sp>
+            <p:nvSpPr>
+              <p:cNvPr id="4" name="テキスト ボックス 3">
+                <a:extLst>
+                  <a:ext uri="{FF2B5EF4-FFF2-40B4-BE49-F238E27FC236}">
+                    <a16:creationId xmlns:a16="http://schemas.microsoft.com/office/drawing/2014/main" id="{4C409D09-4126-564E-8142-EF558A61A3B2}"/>
+                  </a:ext>
+                </a:extLst>
+              </p:cNvPr>
+              <p:cNvSpPr txBox="1"/>
+              <p:nvPr/>
+            </p:nvSpPr>
+            <p:spPr>
+              <a:xfrm rot="16200000">
+                <a:off x="55908" y="3312467"/>
+                <a:ext cx="2019299" cy="461665"/>
+              </a:xfrm>
+              <a:prstGeom prst="rect">
+                <a:avLst/>
+              </a:prstGeom>
+              <a:noFill/>
+            </p:spPr>
+            <p:txBody>
+              <a:bodyPr wrap="square" rtlCol="0">
+                <a:spAutoFit/>
+              </a:bodyPr>
+              <a:lstStyle/>
+              <a:p>
+                <a:r>
+                  <a:rPr kumimoji="1" lang="ja-JP" altLang="en-US" sz="2400"/>
+                  <a:t>誤識別率</a:t>
+                </a:r>
+                <a:r>
+                  <a:rPr kumimoji="1" lang="en-US" altLang="ja-JP" sz="2400"/>
+                  <a:t> [</a:t>
+                </a:r>
+                <a14:m>
+                  <m:oMath xmlns:m="http://schemas.openxmlformats.org/officeDocument/2006/math">
+                    <m:r>
+                      <a:rPr kumimoji="1" lang="en-US" altLang="ja-JP" sz="2400" i="1">
+                        <a:latin typeface="Cambria Math" panose="02040503050406030204" pitchFamily="18" charset="0"/>
+                        <a:ea typeface="Cambria Math" panose="02040503050406030204" pitchFamily="18" charset="0"/>
+                      </a:rPr>
+                      <m:t>%</m:t>
+                    </m:r>
+                  </m:oMath>
+                </a14:m>
+                <a:r>
+                  <a:rPr kumimoji="1" lang="en-US" altLang="ja-JP" sz="2400"/>
+                  <a:t>]</a:t>
+                </a:r>
+                <a:endParaRPr kumimoji="1" lang="ja-JP" altLang="en-US" sz="2400"/>
+              </a:p>
+            </p:txBody>
+          </p:sp>
+        </mc:Choice>
+        <mc:Fallback>
+          <p:sp>
+            <p:nvSpPr>
+              <p:cNvPr id="4" name="テキスト ボックス 3">
+                <a:extLst>
+                  <a:ext uri="{FF2B5EF4-FFF2-40B4-BE49-F238E27FC236}">
+                    <a16:creationId xmlns:a16="http://schemas.microsoft.com/office/drawing/2014/main" id="{4C409D09-4126-564E-8142-EF558A61A3B2}"/>
+                  </a:ext>
+                </a:extLst>
+              </p:cNvPr>
+              <p:cNvSpPr txBox="1">
+                <a:spLocks noRot="1" noChangeAspect="1" noMove="1" noResize="1" noEditPoints="1" noAdjustHandles="1" noChangeArrowheads="1" noChangeShapeType="1" noTextEdit="1"/>
+              </p:cNvSpPr>
+              <p:nvPr/>
+            </p:nvSpPr>
+            <p:spPr>
+              <a:xfrm rot="16200000">
+                <a:off x="55908" y="3312467"/>
+                <a:ext cx="2019299" cy="461665"/>
+              </a:xfrm>
+              <a:prstGeom prst="rect">
+                <a:avLst/>
+              </a:prstGeom>
+              <a:blipFill>
+                <a:blip r:embed="rId2"/>
+                <a:stretch>
+                  <a:fillRect l="-13514" r="-29730" b="-5031"/>
+                </a:stretch>
+              </a:blipFill>
+            </p:spPr>
+            <p:txBody>
+              <a:bodyPr/>
+              <a:lstStyle/>
+              <a:p>
+                <a:r>
+                  <a:rPr lang="ja-JP" altLang="en-US">
+                    <a:noFill/>
+                  </a:rPr>
+                  <a:t> </a:t>
+                </a:r>
+              </a:p>
+            </p:txBody>
+          </p:sp>
+        </mc:Fallback>
+      </mc:AlternateContent>
+      <p:pic>
+        <p:nvPicPr>
+          <p:cNvPr id="10" name="図 9" descr="テキスト, 地図 が含まれている画像&#10;&#10;&#10;&#10;自動的に生成された説明">
+            <a:extLst>
+              <a:ext uri="{FF2B5EF4-FFF2-40B4-BE49-F238E27FC236}">
+                <a16:creationId xmlns:a16="http://schemas.microsoft.com/office/drawing/2014/main" id="{9E5956B0-7336-5744-BCCC-CEB70F6003A6}"/>
+              </a:ext>
+            </a:extLst>
+          </p:cNvPr>
+          <p:cNvPicPr>
+            <a:picLocks noChangeAspect="1"/>
+          </p:cNvPicPr>
+          <p:nvPr/>
+        </p:nvPicPr>
+        <p:blipFill rotWithShape="1">
+          <a:blip r:embed="rId3">
+            <a:extLst>
+              <a:ext uri="{28A0092B-C50C-407E-A947-70E740481C1C}">
+                <a14:useLocalDpi xmlns:a14="http://schemas.microsoft.com/office/drawing/2010/main" val="0"/>
+              </a:ext>
+            </a:extLst>
+          </a:blip>
+          <a:srcRect l="8333" t="10834" r="8333" b="8333"/>
+          <a:stretch/>
+        </p:blipFill>
+        <p:spPr>
+          <a:xfrm>
+            <a:off x="1333995" y="1752597"/>
+            <a:ext cx="3810000" cy="3695702"/>
+          </a:xfrm>
+          <a:prstGeom prst="rect">
+            <a:avLst/>
+          </a:prstGeom>
+        </p:spPr>
+      </p:pic>
+      <p:sp>
+        <p:nvSpPr>
+          <p:cNvPr id="5" name="テキスト ボックス 4">
+            <a:extLst>
+              <a:ext uri="{FF2B5EF4-FFF2-40B4-BE49-F238E27FC236}">
+                <a16:creationId xmlns:a16="http://schemas.microsoft.com/office/drawing/2014/main" id="{3042699D-F075-0D46-A85E-505FE164BB32}"/>
+              </a:ext>
+            </a:extLst>
+          </p:cNvPr>
+          <p:cNvSpPr txBox="1"/>
+          <p:nvPr/>
+        </p:nvSpPr>
+        <p:spPr>
+          <a:xfrm>
+            <a:off x="2438400" y="5413663"/>
+            <a:ext cx="2019299" cy="461665"/>
+          </a:xfrm>
+          <a:prstGeom prst="rect">
+            <a:avLst/>
+          </a:prstGeom>
+          <a:noFill/>
+        </p:spPr>
+        <p:txBody>
+          <a:bodyPr wrap="square" rtlCol="0">
+            <a:spAutoFit/>
+          </a:bodyPr>
+          <a:lstStyle/>
+          <a:p>
+            <a:r>
+              <a:rPr lang="ja-JP" altLang="en-US" sz="2400"/>
+              <a:t>ルール数</a:t>
+            </a:r>
+            <a:r>
+              <a:rPr kumimoji="1" lang="en-US" altLang="ja-JP" sz="2400"/>
+              <a:t> [-]</a:t>
+            </a:r>
+            <a:endParaRPr kumimoji="1" lang="ja-JP" altLang="en-US" sz="2400"/>
+          </a:p>
+        </p:txBody>
+      </p:sp>
+    </p:spTree>
+    <p:extLst>
+      <p:ext uri="{BB962C8B-B14F-4D97-AF65-F5344CB8AC3E}">
+        <p14:creationId xmlns:p14="http://schemas.microsoft.com/office/powerpoint/2010/main" val="4045295647"/>
+      </p:ext>
+    </p:extLst>
+  </p:cSld>
+  <p:clrMapOvr>
+    <a:masterClrMapping/>
+  </p:clrMapOvr>
+</p:sld>
+</file>
+
+<file path=ppt/slides/slide18.xml><?xml version="1.0" encoding="utf-8"?>
+<p:sld xmlns:a="http://schemas.openxmlformats.org/drawingml/2006/main" xmlns:r="http://schemas.openxmlformats.org/officeDocument/2006/relationships" xmlns:p="http://schemas.openxmlformats.org/presentationml/2006/main">
+  <p:cSld>
+    <p:spTree>
+      <p:nvGrpSpPr>
+        <p:cNvPr id="1" name=""/>
+        <p:cNvGrpSpPr/>
+        <p:nvPr/>
+      </p:nvGrpSpPr>
+      <p:grpSpPr>
+        <a:xfrm>
+          <a:off x="0" y="0"/>
+          <a:ext cx="0" cy="0"/>
+          <a:chOff x="0" y="0"/>
+          <a:chExt cx="0" cy="0"/>
+        </a:xfrm>
+      </p:grpSpPr>
+      <p:pic>
+        <p:nvPicPr>
+          <p:cNvPr id="3" name="図 2" descr="地図, テキスト が含まれている画像&#10;&#10;&#10;&#10;自動的に生成された説明">
+            <a:extLst>
+              <a:ext uri="{FF2B5EF4-FFF2-40B4-BE49-F238E27FC236}">
+                <a16:creationId xmlns:a16="http://schemas.microsoft.com/office/drawing/2014/main" id="{0E131270-8A5A-694F-890F-58C487AA73F5}"/>
+              </a:ext>
+            </a:extLst>
+          </p:cNvPr>
+          <p:cNvPicPr>
+            <a:picLocks noChangeAspect="1"/>
+          </p:cNvPicPr>
+          <p:nvPr/>
+        </p:nvPicPr>
+        <p:blipFill rotWithShape="1">
+          <a:blip r:embed="rId2">
+            <a:clrChange>
+              <a:clrFrom>
+                <a:srgbClr val="FFFFFF"/>
+              </a:clrFrom>
+              <a:clrTo>
+                <a:srgbClr val="FFFFFF">
+                  <a:alpha val="0"/>
+                </a:srgbClr>
+              </a:clrTo>
+            </a:clrChange>
+            <a:extLst>
+              <a:ext uri="{28A0092B-C50C-407E-A947-70E740481C1C}">
+                <a14:useLocalDpi xmlns:a14="http://schemas.microsoft.com/office/drawing/2010/main" val="0"/>
+              </a:ext>
+            </a:extLst>
+          </a:blip>
+          <a:srcRect l="8333" t="10834" r="6667" b="8333"/>
+          <a:stretch/>
+        </p:blipFill>
+        <p:spPr>
+          <a:xfrm>
+            <a:off x="1333995" y="1760514"/>
+            <a:ext cx="3886200" cy="3695702"/>
+          </a:xfrm>
+          <a:prstGeom prst="rect">
+            <a:avLst/>
+          </a:prstGeom>
+        </p:spPr>
+      </p:pic>
+      <mc:AlternateContent xmlns:mc="http://schemas.openxmlformats.org/markup-compatibility/2006">
+        <mc:Choice xmlns:a14="http://schemas.microsoft.com/office/drawing/2010/main" Requires="a14">
+          <p:sp>
+            <p:nvSpPr>
+              <p:cNvPr id="4" name="テキスト ボックス 3">
+                <a:extLst>
+                  <a:ext uri="{FF2B5EF4-FFF2-40B4-BE49-F238E27FC236}">
+                    <a16:creationId xmlns:a16="http://schemas.microsoft.com/office/drawing/2014/main" id="{4C409D09-4126-564E-8142-EF558A61A3B2}"/>
+                  </a:ext>
+                </a:extLst>
+              </p:cNvPr>
+              <p:cNvSpPr txBox="1"/>
+              <p:nvPr/>
+            </p:nvSpPr>
+            <p:spPr>
+              <a:xfrm rot="16200000">
+                <a:off x="55908" y="3312467"/>
+                <a:ext cx="2019299" cy="461665"/>
+              </a:xfrm>
+              <a:prstGeom prst="rect">
+                <a:avLst/>
+              </a:prstGeom>
+              <a:noFill/>
+            </p:spPr>
+            <p:txBody>
+              <a:bodyPr wrap="square" rtlCol="0">
+                <a:spAutoFit/>
+              </a:bodyPr>
+              <a:lstStyle/>
+              <a:p>
+                <a:r>
+                  <a:rPr kumimoji="1" lang="ja-JP" altLang="en-US" sz="2400"/>
+                  <a:t>誤識別率</a:t>
+                </a:r>
+                <a:r>
+                  <a:rPr kumimoji="1" lang="en-US" altLang="ja-JP" sz="2400"/>
+                  <a:t> [</a:t>
+                </a:r>
+                <a14:m>
+                  <m:oMath xmlns:m="http://schemas.openxmlformats.org/officeDocument/2006/math">
+                    <m:r>
+                      <a:rPr kumimoji="1" lang="en-US" altLang="ja-JP" sz="2400" i="1">
+                        <a:latin typeface="Cambria Math" panose="02040503050406030204" pitchFamily="18" charset="0"/>
+                        <a:ea typeface="Cambria Math" panose="02040503050406030204" pitchFamily="18" charset="0"/>
+                      </a:rPr>
+                      <m:t>%</m:t>
+                    </m:r>
+                  </m:oMath>
+                </a14:m>
+                <a:r>
+                  <a:rPr kumimoji="1" lang="en-US" altLang="ja-JP" sz="2400"/>
+                  <a:t>]</a:t>
+                </a:r>
+                <a:endParaRPr kumimoji="1" lang="ja-JP" altLang="en-US" sz="2400"/>
+              </a:p>
+            </p:txBody>
+          </p:sp>
+        </mc:Choice>
+        <mc:Fallback>
+          <p:sp>
+            <p:nvSpPr>
+              <p:cNvPr id="4" name="テキスト ボックス 3">
+                <a:extLst>
+                  <a:ext uri="{FF2B5EF4-FFF2-40B4-BE49-F238E27FC236}">
+                    <a16:creationId xmlns:a16="http://schemas.microsoft.com/office/drawing/2014/main" id="{4C409D09-4126-564E-8142-EF558A61A3B2}"/>
+                  </a:ext>
+                </a:extLst>
+              </p:cNvPr>
+              <p:cNvSpPr txBox="1">
+                <a:spLocks noRot="1" noChangeAspect="1" noMove="1" noResize="1" noEditPoints="1" noAdjustHandles="1" noChangeArrowheads="1" noChangeShapeType="1" noTextEdit="1"/>
+              </p:cNvSpPr>
+              <p:nvPr/>
+            </p:nvSpPr>
+            <p:spPr>
+              <a:xfrm rot="16200000">
+                <a:off x="55908" y="3312467"/>
+                <a:ext cx="2019299" cy="461665"/>
+              </a:xfrm>
+              <a:prstGeom prst="rect">
+                <a:avLst/>
+              </a:prstGeom>
+              <a:blipFill>
+                <a:blip r:embed="rId3"/>
+                <a:stretch>
+                  <a:fillRect l="-13514" r="-29730" b="-5031"/>
+                </a:stretch>
+              </a:blipFill>
+            </p:spPr>
+            <p:txBody>
+              <a:bodyPr/>
+              <a:lstStyle/>
+              <a:p>
+                <a:r>
+                  <a:rPr lang="ja-JP" altLang="en-US">
+                    <a:noFill/>
+                  </a:rPr>
+                  <a:t> </a:t>
+                </a:r>
+              </a:p>
+            </p:txBody>
+          </p:sp>
+        </mc:Fallback>
+      </mc:AlternateContent>
+      <p:sp>
+        <p:nvSpPr>
+          <p:cNvPr id="5" name="テキスト ボックス 4">
+            <a:extLst>
+              <a:ext uri="{FF2B5EF4-FFF2-40B4-BE49-F238E27FC236}">
+                <a16:creationId xmlns:a16="http://schemas.microsoft.com/office/drawing/2014/main" id="{3042699D-F075-0D46-A85E-505FE164BB32}"/>
+              </a:ext>
+            </a:extLst>
+          </p:cNvPr>
+          <p:cNvSpPr txBox="1"/>
+          <p:nvPr/>
+        </p:nvSpPr>
+        <p:spPr>
+          <a:xfrm>
+            <a:off x="2438400" y="5413663"/>
+            <a:ext cx="2019299" cy="461665"/>
+          </a:xfrm>
+          <a:prstGeom prst="rect">
+            <a:avLst/>
+          </a:prstGeom>
+          <a:noFill/>
+        </p:spPr>
+        <p:txBody>
+          <a:bodyPr wrap="square" rtlCol="0">
+            <a:spAutoFit/>
+          </a:bodyPr>
+          <a:lstStyle/>
+          <a:p>
+            <a:r>
+              <a:rPr lang="ja-JP" altLang="en-US" sz="2400"/>
+              <a:t>ルール数</a:t>
+            </a:r>
+            <a:r>
+              <a:rPr kumimoji="1" lang="en-US" altLang="ja-JP" sz="2400"/>
+              <a:t> [-]</a:t>
+            </a:r>
+            <a:endParaRPr kumimoji="1" lang="ja-JP" altLang="en-US" sz="2400"/>
+          </a:p>
+        </p:txBody>
+      </p:sp>
+    </p:spTree>
+    <p:extLst>
+      <p:ext uri="{BB962C8B-B14F-4D97-AF65-F5344CB8AC3E}">
+        <p14:creationId xmlns:p14="http://schemas.microsoft.com/office/powerpoint/2010/main" val="1090688884"/>
+      </p:ext>
+    </p:extLst>
+  </p:cSld>
+  <p:clrMapOvr>
+    <a:masterClrMapping/>
+  </p:clrMapOvr>
+</p:sld>
+</file>
+
+<file path=ppt/slides/slide19.xml><?xml version="1.0" encoding="utf-8"?>
 <p:sld xmlns:a="http://schemas.openxmlformats.org/drawingml/2006/main" xmlns:r="http://schemas.openxmlformats.org/officeDocument/2006/relationships" xmlns:p="http://schemas.openxmlformats.org/presentationml/2006/main">
   <p:cSld>
     <p:spTree>
@@ -14726,7 +15154,355 @@
 </p:sld>
 </file>
 
-<file path=ppt/slides/slide18.xml><?xml version="1.0" encoding="utf-8"?>
+<file path=ppt/slides/slide2.xml><?xml version="1.0" encoding="utf-8"?>
+<p:sld xmlns:a="http://schemas.openxmlformats.org/drawingml/2006/main" xmlns:r="http://schemas.openxmlformats.org/officeDocument/2006/relationships" xmlns:p="http://schemas.openxmlformats.org/presentationml/2006/main">
+  <p:cSld>
+    <p:spTree>
+      <p:nvGrpSpPr>
+        <p:cNvPr id="1" name=""/>
+        <p:cNvGrpSpPr/>
+        <p:nvPr/>
+      </p:nvGrpSpPr>
+      <p:grpSpPr>
+        <a:xfrm>
+          <a:off x="0" y="0"/>
+          <a:ext cx="0" cy="0"/>
+          <a:chOff x="0" y="0"/>
+          <a:chExt cx="0" cy="0"/>
+        </a:xfrm>
+      </p:grpSpPr>
+      <p:sp>
+        <p:nvSpPr>
+          <p:cNvPr id="2" name="タイトル 1"/>
+          <p:cNvSpPr>
+            <a:spLocks noGrp="1"/>
+          </p:cNvSpPr>
+          <p:nvPr>
+            <p:ph type="title"/>
+          </p:nvPr>
+        </p:nvSpPr>
+        <p:spPr/>
+        <p:txBody>
+          <a:bodyPr/>
+          <a:lstStyle/>
+          <a:p>
+            <a:r>
+              <a:rPr kumimoji="1" lang="ja-JP" altLang="en-US" dirty="0"/>
+              <a:t>研究背景</a:t>
+            </a:r>
+          </a:p>
+        </p:txBody>
+      </p:sp>
+      <p:sp>
+        <p:nvSpPr>
+          <p:cNvPr id="3" name="コンテンツ プレースホルダー 2">
+            <a:extLst>
+              <a:ext uri="{FF2B5EF4-FFF2-40B4-BE49-F238E27FC236}">
+                <a16:creationId xmlns:a16="http://schemas.microsoft.com/office/drawing/2014/main" id="{650AC380-765B-0448-9A5B-64B42AA5E0E3}"/>
+              </a:ext>
+            </a:extLst>
+          </p:cNvPr>
+          <p:cNvSpPr txBox="1">
+            <a:spLocks/>
+          </p:cNvSpPr>
+          <p:nvPr/>
+        </p:nvSpPr>
+        <p:spPr bwMode="auto">
+          <a:xfrm>
+            <a:off x="434770" y="1428984"/>
+            <a:ext cx="8328230" cy="5124216"/>
+          </a:xfrm>
+          <a:prstGeom prst="rect">
+            <a:avLst/>
+          </a:prstGeom>
+          <a:noFill/>
+          <a:ln>
+            <a:noFill/>
+          </a:ln>
+          <a:extLst>
+            <a:ext uri="{909E8E84-426E-40DD-AFC4-6F175D3DCCD1}">
+              <a14:hiddenFill xmlns:a14="http://schemas.microsoft.com/office/drawing/2010/main">
+                <a:solidFill>
+                  <a:srgbClr val="FFFFFF"/>
+                </a:solidFill>
+              </a14:hiddenFill>
+            </a:ext>
+            <a:ext uri="{91240B29-F687-4F45-9708-019B960494DF}">
+              <a14:hiddenLine xmlns:a14="http://schemas.microsoft.com/office/drawing/2010/main" w="9525">
+                <a:solidFill>
+                  <a:srgbClr val="000000"/>
+                </a:solidFill>
+                <a:miter lim="800000"/>
+                <a:headEnd/>
+                <a:tailEnd/>
+              </a14:hiddenLine>
+            </a:ext>
+          </a:extLst>
+        </p:spPr>
+        <p:txBody>
+          <a:bodyPr vert="horz" wrap="square" lIns="91440" tIns="45720" rIns="91440" bIns="45720" numCol="1" anchor="t" anchorCtr="0" compatLnSpc="1">
+            <a:prstTxWarp prst="textNoShape">
+              <a:avLst/>
+            </a:prstTxWarp>
+          </a:bodyPr>
+          <a:lstStyle>
+            <a:lvl1pPr marL="342900" indent="-342900" algn="l" rtl="0" eaLnBrk="0" fontAlgn="base" hangingPunct="0">
+              <a:spcBef>
+                <a:spcPct val="20000"/>
+              </a:spcBef>
+              <a:spcAft>
+                <a:spcPct val="0"/>
+              </a:spcAft>
+              <a:buChar char="•"/>
+              <a:defRPr kumimoji="1" sz="3200">
+                <a:solidFill>
+                  <a:schemeClr val="tx1"/>
+                </a:solidFill>
+                <a:latin typeface="+mn-lt"/>
+                <a:ea typeface="+mn-ea"/>
+                <a:cs typeface="+mn-cs"/>
+              </a:defRPr>
+            </a:lvl1pPr>
+            <a:lvl2pPr marL="742950" indent="-285750" algn="l" rtl="0" eaLnBrk="0" fontAlgn="base" hangingPunct="0">
+              <a:spcBef>
+                <a:spcPct val="20000"/>
+              </a:spcBef>
+              <a:spcAft>
+                <a:spcPct val="0"/>
+              </a:spcAft>
+              <a:buChar char="–"/>
+              <a:defRPr kumimoji="1" sz="2800">
+                <a:solidFill>
+                  <a:schemeClr val="tx1"/>
+                </a:solidFill>
+                <a:latin typeface="+mn-lt"/>
+                <a:ea typeface="+mn-ea"/>
+              </a:defRPr>
+            </a:lvl2pPr>
+            <a:lvl3pPr marL="1143000" indent="-228600" algn="l" rtl="0" eaLnBrk="0" fontAlgn="base" hangingPunct="0">
+              <a:spcBef>
+                <a:spcPct val="20000"/>
+              </a:spcBef>
+              <a:spcAft>
+                <a:spcPct val="0"/>
+              </a:spcAft>
+              <a:buChar char="•"/>
+              <a:defRPr kumimoji="1" sz="2400">
+                <a:solidFill>
+                  <a:schemeClr val="tx1"/>
+                </a:solidFill>
+                <a:latin typeface="+mn-lt"/>
+                <a:ea typeface="+mn-ea"/>
+              </a:defRPr>
+            </a:lvl3pPr>
+            <a:lvl4pPr marL="1600200" indent="-228600" algn="l" rtl="0" eaLnBrk="0" fontAlgn="base" hangingPunct="0">
+              <a:spcBef>
+                <a:spcPct val="20000"/>
+              </a:spcBef>
+              <a:spcAft>
+                <a:spcPct val="0"/>
+              </a:spcAft>
+              <a:buChar char="–"/>
+              <a:defRPr kumimoji="1" sz="2000">
+                <a:solidFill>
+                  <a:schemeClr val="tx1"/>
+                </a:solidFill>
+                <a:latin typeface="+mn-lt"/>
+                <a:ea typeface="+mn-ea"/>
+              </a:defRPr>
+            </a:lvl4pPr>
+            <a:lvl5pPr marL="2057400" indent="-228600" algn="l" rtl="0" eaLnBrk="0" fontAlgn="base" hangingPunct="0">
+              <a:spcBef>
+                <a:spcPct val="20000"/>
+              </a:spcBef>
+              <a:spcAft>
+                <a:spcPct val="0"/>
+              </a:spcAft>
+              <a:buChar char="»"/>
+              <a:defRPr kumimoji="1" sz="2000">
+                <a:solidFill>
+                  <a:schemeClr val="tx1"/>
+                </a:solidFill>
+                <a:latin typeface="+mn-lt"/>
+                <a:ea typeface="+mn-ea"/>
+              </a:defRPr>
+            </a:lvl5pPr>
+            <a:lvl6pPr marL="2514600" indent="-228600" algn="l" rtl="0" fontAlgn="base">
+              <a:spcBef>
+                <a:spcPct val="20000"/>
+              </a:spcBef>
+              <a:spcAft>
+                <a:spcPct val="0"/>
+              </a:spcAft>
+              <a:buChar char="»"/>
+              <a:defRPr kumimoji="1" sz="2000">
+                <a:solidFill>
+                  <a:schemeClr val="tx1"/>
+                </a:solidFill>
+                <a:latin typeface="+mn-lt"/>
+                <a:ea typeface="+mn-ea"/>
+              </a:defRPr>
+            </a:lvl6pPr>
+            <a:lvl7pPr marL="2971800" indent="-228600" algn="l" rtl="0" fontAlgn="base">
+              <a:spcBef>
+                <a:spcPct val="20000"/>
+              </a:spcBef>
+              <a:spcAft>
+                <a:spcPct val="0"/>
+              </a:spcAft>
+              <a:buChar char="»"/>
+              <a:defRPr kumimoji="1" sz="2000">
+                <a:solidFill>
+                  <a:schemeClr val="tx1"/>
+                </a:solidFill>
+                <a:latin typeface="+mn-lt"/>
+                <a:ea typeface="+mn-ea"/>
+              </a:defRPr>
+            </a:lvl7pPr>
+            <a:lvl8pPr marL="3429000" indent="-228600" algn="l" rtl="0" fontAlgn="base">
+              <a:spcBef>
+                <a:spcPct val="20000"/>
+              </a:spcBef>
+              <a:spcAft>
+                <a:spcPct val="0"/>
+              </a:spcAft>
+              <a:buChar char="»"/>
+              <a:defRPr kumimoji="1" sz="2000">
+                <a:solidFill>
+                  <a:schemeClr val="tx1"/>
+                </a:solidFill>
+                <a:latin typeface="+mn-lt"/>
+                <a:ea typeface="+mn-ea"/>
+              </a:defRPr>
+            </a:lvl8pPr>
+            <a:lvl9pPr marL="3886200" indent="-228600" algn="l" rtl="0" fontAlgn="base">
+              <a:spcBef>
+                <a:spcPct val="20000"/>
+              </a:spcBef>
+              <a:spcAft>
+                <a:spcPct val="0"/>
+              </a:spcAft>
+              <a:buChar char="»"/>
+              <a:defRPr kumimoji="1" sz="2000">
+                <a:solidFill>
+                  <a:schemeClr val="tx1"/>
+                </a:solidFill>
+                <a:latin typeface="+mn-lt"/>
+                <a:ea typeface="+mn-ea"/>
+              </a:defRPr>
+            </a:lvl9pPr>
+          </a:lstStyle>
+          <a:p>
+            <a:pPr marL="0" indent="0">
+              <a:buNone/>
+            </a:pPr>
+            <a:r>
+              <a:rPr lang="ja-JP" altLang="en-US" sz="2800" kern="0" dirty="0"/>
+              <a:t>パターン識別問題において，</a:t>
+            </a:r>
+            <a:r>
+              <a:rPr lang="ja-JP" altLang="en-US" sz="2800" u="sng" kern="0" dirty="0"/>
+              <a:t>識別性能の高さ</a:t>
+            </a:r>
+            <a:r>
+              <a:rPr lang="ja-JP" altLang="en-US" sz="2800" kern="0" dirty="0"/>
+              <a:t>と</a:t>
+            </a:r>
+            <a:br>
+              <a:rPr lang="en-US" altLang="ja-JP" sz="2800" kern="0" dirty="0"/>
+            </a:br>
+            <a:r>
+              <a:rPr lang="ja-JP" altLang="en-US" sz="2800" u="sng" kern="0" dirty="0"/>
+              <a:t>解釈性能の高さ</a:t>
+            </a:r>
+            <a:r>
+              <a:rPr lang="ja-JP" altLang="en-US" sz="2800" kern="0" dirty="0"/>
+              <a:t>を同時に最大化する識別器の設計が期待されている．</a:t>
+            </a:r>
+            <a:endParaRPr lang="en-US" altLang="ja-JP" sz="2800" kern="0" dirty="0"/>
+          </a:p>
+          <a:p>
+            <a:pPr marL="0" indent="0">
+              <a:buNone/>
+            </a:pPr>
+            <a:endParaRPr lang="en-US" altLang="ja-JP" sz="2800" kern="0" dirty="0"/>
+          </a:p>
+          <a:p>
+            <a:pPr marL="0" indent="0">
+              <a:buNone/>
+            </a:pPr>
+            <a:r>
+              <a:rPr lang="ja-JP" altLang="en-US" sz="2800" kern="0" dirty="0"/>
+              <a:t>大規模なデータセットに対する機械学習に</a:t>
+            </a:r>
+            <a:br>
+              <a:rPr lang="en-US" altLang="ja-JP" sz="2800" kern="0" dirty="0"/>
+            </a:br>
+            <a:r>
+              <a:rPr lang="ja-JP" altLang="en-US" sz="2800" kern="0" dirty="0"/>
+              <a:t>かかる膨大な</a:t>
+            </a:r>
+            <a:r>
+              <a:rPr lang="ja-JP" altLang="en-US" sz="2800" u="sng" kern="0" dirty="0"/>
+              <a:t>計算時間の短縮</a:t>
+            </a:r>
+            <a:r>
+              <a:rPr lang="ja-JP" altLang="en-US" sz="2800" kern="0" dirty="0"/>
+              <a:t>が期待されている．</a:t>
+            </a:r>
+            <a:endParaRPr lang="en-US" altLang="ja-JP" sz="2800" kern="0" dirty="0"/>
+          </a:p>
+          <a:p>
+            <a:pPr marL="0" indent="0">
+              <a:buNone/>
+            </a:pPr>
+            <a:endParaRPr lang="en-US" altLang="ja-JP" sz="2800" kern="0" dirty="0"/>
+          </a:p>
+          <a:p>
+            <a:pPr marL="0" indent="0">
+              <a:buNone/>
+            </a:pPr>
+            <a:r>
+              <a:rPr lang="ja-JP" altLang="en-US" sz="2800" kern="0" dirty="0"/>
+              <a:t>未知パターンの識別における</a:t>
+            </a:r>
+            <a:r>
+              <a:rPr lang="ja-JP" altLang="en-US" sz="2800" u="sng" kern="0" dirty="0"/>
+              <a:t>汎化性能</a:t>
+            </a:r>
+            <a:r>
+              <a:rPr lang="ja-JP" altLang="en-US" sz="2800" kern="0" dirty="0"/>
+              <a:t>が求められ，</a:t>
+            </a:r>
+            <a:br>
+              <a:rPr lang="en-US" altLang="ja-JP" sz="2800" kern="0" dirty="0"/>
+            </a:br>
+            <a:r>
+              <a:rPr lang="ja-JP" altLang="en-US" sz="2800" u="sng" kern="0" dirty="0"/>
+              <a:t>多様性の高い</a:t>
+            </a:r>
+            <a:r>
+              <a:rPr lang="ja-JP" altLang="en-US" sz="2800" kern="0" dirty="0"/>
+              <a:t>識別器の設計が期待されている．</a:t>
+            </a:r>
+            <a:endParaRPr lang="en-US" altLang="ja-JP" sz="2800" kern="0" dirty="0"/>
+          </a:p>
+        </p:txBody>
+      </p:sp>
+    </p:spTree>
+    <p:extLst>
+      <p:ext uri="{BB962C8B-B14F-4D97-AF65-F5344CB8AC3E}">
+        <p14:creationId xmlns:p14="http://schemas.microsoft.com/office/powerpoint/2010/main" val="2776182737"/>
+      </p:ext>
+    </p:extLst>
+  </p:cSld>
+  <p:clrMapOvr>
+    <a:masterClrMapping/>
+  </p:clrMapOvr>
+</p:sld>
+</file>
+
+<file path=ppt/slides/slide20.xml><?xml version="1.0" encoding="utf-8"?>
 <p:sld xmlns:a="http://schemas.openxmlformats.org/drawingml/2006/main" xmlns:r="http://schemas.openxmlformats.org/officeDocument/2006/relationships" xmlns:p="http://schemas.openxmlformats.org/presentationml/2006/main">
   <p:cSld>
     <p:spTree>
@@ -17912,7 +18688,7 @@
 </p:sld>
 </file>
 
-<file path=ppt/slides/slide19.xml><?xml version="1.0" encoding="utf-8"?>
+<file path=ppt/slides/slide21.xml><?xml version="1.0" encoding="utf-8"?>
 <p:sld xmlns:a="http://schemas.openxmlformats.org/drawingml/2006/main" xmlns:r="http://schemas.openxmlformats.org/officeDocument/2006/relationships" xmlns:p="http://schemas.openxmlformats.org/presentationml/2006/main">
   <p:cSld>
     <p:spTree>
@@ -19032,355 +19808,7 @@
 </p:sld>
 </file>
 
-<file path=ppt/slides/slide2.xml><?xml version="1.0" encoding="utf-8"?>
-<p:sld xmlns:a="http://schemas.openxmlformats.org/drawingml/2006/main" xmlns:r="http://schemas.openxmlformats.org/officeDocument/2006/relationships" xmlns:p="http://schemas.openxmlformats.org/presentationml/2006/main">
-  <p:cSld>
-    <p:spTree>
-      <p:nvGrpSpPr>
-        <p:cNvPr id="1" name=""/>
-        <p:cNvGrpSpPr/>
-        <p:nvPr/>
-      </p:nvGrpSpPr>
-      <p:grpSpPr>
-        <a:xfrm>
-          <a:off x="0" y="0"/>
-          <a:ext cx="0" cy="0"/>
-          <a:chOff x="0" y="0"/>
-          <a:chExt cx="0" cy="0"/>
-        </a:xfrm>
-      </p:grpSpPr>
-      <p:sp>
-        <p:nvSpPr>
-          <p:cNvPr id="2" name="タイトル 1"/>
-          <p:cNvSpPr>
-            <a:spLocks noGrp="1"/>
-          </p:cNvSpPr>
-          <p:nvPr>
-            <p:ph type="title"/>
-          </p:nvPr>
-        </p:nvSpPr>
-        <p:spPr/>
-        <p:txBody>
-          <a:bodyPr/>
-          <a:lstStyle/>
-          <a:p>
-            <a:r>
-              <a:rPr kumimoji="1" lang="ja-JP" altLang="en-US" dirty="0"/>
-              <a:t>研究背景</a:t>
-            </a:r>
-          </a:p>
-        </p:txBody>
-      </p:sp>
-      <p:sp>
-        <p:nvSpPr>
-          <p:cNvPr id="3" name="コンテンツ プレースホルダー 2">
-            <a:extLst>
-              <a:ext uri="{FF2B5EF4-FFF2-40B4-BE49-F238E27FC236}">
-                <a16:creationId xmlns:a16="http://schemas.microsoft.com/office/drawing/2014/main" id="{650AC380-765B-0448-9A5B-64B42AA5E0E3}"/>
-              </a:ext>
-            </a:extLst>
-          </p:cNvPr>
-          <p:cNvSpPr txBox="1">
-            <a:spLocks/>
-          </p:cNvSpPr>
-          <p:nvPr/>
-        </p:nvSpPr>
-        <p:spPr bwMode="auto">
-          <a:xfrm>
-            <a:off x="434770" y="1428984"/>
-            <a:ext cx="8328230" cy="5124216"/>
-          </a:xfrm>
-          <a:prstGeom prst="rect">
-            <a:avLst/>
-          </a:prstGeom>
-          <a:noFill/>
-          <a:ln>
-            <a:noFill/>
-          </a:ln>
-          <a:extLst>
-            <a:ext uri="{909E8E84-426E-40DD-AFC4-6F175D3DCCD1}">
-              <a14:hiddenFill xmlns:a14="http://schemas.microsoft.com/office/drawing/2010/main">
-                <a:solidFill>
-                  <a:srgbClr val="FFFFFF"/>
-                </a:solidFill>
-              </a14:hiddenFill>
-            </a:ext>
-            <a:ext uri="{91240B29-F687-4F45-9708-019B960494DF}">
-              <a14:hiddenLine xmlns:a14="http://schemas.microsoft.com/office/drawing/2010/main" w="9525">
-                <a:solidFill>
-                  <a:srgbClr val="000000"/>
-                </a:solidFill>
-                <a:miter lim="800000"/>
-                <a:headEnd/>
-                <a:tailEnd/>
-              </a14:hiddenLine>
-            </a:ext>
-          </a:extLst>
-        </p:spPr>
-        <p:txBody>
-          <a:bodyPr vert="horz" wrap="square" lIns="91440" tIns="45720" rIns="91440" bIns="45720" numCol="1" anchor="t" anchorCtr="0" compatLnSpc="1">
-            <a:prstTxWarp prst="textNoShape">
-              <a:avLst/>
-            </a:prstTxWarp>
-          </a:bodyPr>
-          <a:lstStyle>
-            <a:lvl1pPr marL="342900" indent="-342900" algn="l" rtl="0" eaLnBrk="0" fontAlgn="base" hangingPunct="0">
-              <a:spcBef>
-                <a:spcPct val="20000"/>
-              </a:spcBef>
-              <a:spcAft>
-                <a:spcPct val="0"/>
-              </a:spcAft>
-              <a:buChar char="•"/>
-              <a:defRPr kumimoji="1" sz="3200">
-                <a:solidFill>
-                  <a:schemeClr val="tx1"/>
-                </a:solidFill>
-                <a:latin typeface="+mn-lt"/>
-                <a:ea typeface="+mn-ea"/>
-                <a:cs typeface="+mn-cs"/>
-              </a:defRPr>
-            </a:lvl1pPr>
-            <a:lvl2pPr marL="742950" indent="-285750" algn="l" rtl="0" eaLnBrk="0" fontAlgn="base" hangingPunct="0">
-              <a:spcBef>
-                <a:spcPct val="20000"/>
-              </a:spcBef>
-              <a:spcAft>
-                <a:spcPct val="0"/>
-              </a:spcAft>
-              <a:buChar char="–"/>
-              <a:defRPr kumimoji="1" sz="2800">
-                <a:solidFill>
-                  <a:schemeClr val="tx1"/>
-                </a:solidFill>
-                <a:latin typeface="+mn-lt"/>
-                <a:ea typeface="+mn-ea"/>
-              </a:defRPr>
-            </a:lvl2pPr>
-            <a:lvl3pPr marL="1143000" indent="-228600" algn="l" rtl="0" eaLnBrk="0" fontAlgn="base" hangingPunct="0">
-              <a:spcBef>
-                <a:spcPct val="20000"/>
-              </a:spcBef>
-              <a:spcAft>
-                <a:spcPct val="0"/>
-              </a:spcAft>
-              <a:buChar char="•"/>
-              <a:defRPr kumimoji="1" sz="2400">
-                <a:solidFill>
-                  <a:schemeClr val="tx1"/>
-                </a:solidFill>
-                <a:latin typeface="+mn-lt"/>
-                <a:ea typeface="+mn-ea"/>
-              </a:defRPr>
-            </a:lvl3pPr>
-            <a:lvl4pPr marL="1600200" indent="-228600" algn="l" rtl="0" eaLnBrk="0" fontAlgn="base" hangingPunct="0">
-              <a:spcBef>
-                <a:spcPct val="20000"/>
-              </a:spcBef>
-              <a:spcAft>
-                <a:spcPct val="0"/>
-              </a:spcAft>
-              <a:buChar char="–"/>
-              <a:defRPr kumimoji="1" sz="2000">
-                <a:solidFill>
-                  <a:schemeClr val="tx1"/>
-                </a:solidFill>
-                <a:latin typeface="+mn-lt"/>
-                <a:ea typeface="+mn-ea"/>
-              </a:defRPr>
-            </a:lvl4pPr>
-            <a:lvl5pPr marL="2057400" indent="-228600" algn="l" rtl="0" eaLnBrk="0" fontAlgn="base" hangingPunct="0">
-              <a:spcBef>
-                <a:spcPct val="20000"/>
-              </a:spcBef>
-              <a:spcAft>
-                <a:spcPct val="0"/>
-              </a:spcAft>
-              <a:buChar char="»"/>
-              <a:defRPr kumimoji="1" sz="2000">
-                <a:solidFill>
-                  <a:schemeClr val="tx1"/>
-                </a:solidFill>
-                <a:latin typeface="+mn-lt"/>
-                <a:ea typeface="+mn-ea"/>
-              </a:defRPr>
-            </a:lvl5pPr>
-            <a:lvl6pPr marL="2514600" indent="-228600" algn="l" rtl="0" fontAlgn="base">
-              <a:spcBef>
-                <a:spcPct val="20000"/>
-              </a:spcBef>
-              <a:spcAft>
-                <a:spcPct val="0"/>
-              </a:spcAft>
-              <a:buChar char="»"/>
-              <a:defRPr kumimoji="1" sz="2000">
-                <a:solidFill>
-                  <a:schemeClr val="tx1"/>
-                </a:solidFill>
-                <a:latin typeface="+mn-lt"/>
-                <a:ea typeface="+mn-ea"/>
-              </a:defRPr>
-            </a:lvl6pPr>
-            <a:lvl7pPr marL="2971800" indent="-228600" algn="l" rtl="0" fontAlgn="base">
-              <a:spcBef>
-                <a:spcPct val="20000"/>
-              </a:spcBef>
-              <a:spcAft>
-                <a:spcPct val="0"/>
-              </a:spcAft>
-              <a:buChar char="»"/>
-              <a:defRPr kumimoji="1" sz="2000">
-                <a:solidFill>
-                  <a:schemeClr val="tx1"/>
-                </a:solidFill>
-                <a:latin typeface="+mn-lt"/>
-                <a:ea typeface="+mn-ea"/>
-              </a:defRPr>
-            </a:lvl7pPr>
-            <a:lvl8pPr marL="3429000" indent="-228600" algn="l" rtl="0" fontAlgn="base">
-              <a:spcBef>
-                <a:spcPct val="20000"/>
-              </a:spcBef>
-              <a:spcAft>
-                <a:spcPct val="0"/>
-              </a:spcAft>
-              <a:buChar char="»"/>
-              <a:defRPr kumimoji="1" sz="2000">
-                <a:solidFill>
-                  <a:schemeClr val="tx1"/>
-                </a:solidFill>
-                <a:latin typeface="+mn-lt"/>
-                <a:ea typeface="+mn-ea"/>
-              </a:defRPr>
-            </a:lvl8pPr>
-            <a:lvl9pPr marL="3886200" indent="-228600" algn="l" rtl="0" fontAlgn="base">
-              <a:spcBef>
-                <a:spcPct val="20000"/>
-              </a:spcBef>
-              <a:spcAft>
-                <a:spcPct val="0"/>
-              </a:spcAft>
-              <a:buChar char="»"/>
-              <a:defRPr kumimoji="1" sz="2000">
-                <a:solidFill>
-                  <a:schemeClr val="tx1"/>
-                </a:solidFill>
-                <a:latin typeface="+mn-lt"/>
-                <a:ea typeface="+mn-ea"/>
-              </a:defRPr>
-            </a:lvl9pPr>
-          </a:lstStyle>
-          <a:p>
-            <a:pPr marL="0" indent="0">
-              <a:buNone/>
-            </a:pPr>
-            <a:r>
-              <a:rPr lang="ja-JP" altLang="en-US" sz="2800" kern="0" dirty="0"/>
-              <a:t>パターン識別問題において，</a:t>
-            </a:r>
-            <a:r>
-              <a:rPr lang="ja-JP" altLang="en-US" sz="2800" u="sng" kern="0" dirty="0"/>
-              <a:t>識別性能の高さ</a:t>
-            </a:r>
-            <a:r>
-              <a:rPr lang="ja-JP" altLang="en-US" sz="2800" kern="0" dirty="0"/>
-              <a:t>と</a:t>
-            </a:r>
-            <a:br>
-              <a:rPr lang="en-US" altLang="ja-JP" sz="2800" kern="0" dirty="0"/>
-            </a:br>
-            <a:r>
-              <a:rPr lang="ja-JP" altLang="en-US" sz="2800" u="sng" kern="0" dirty="0"/>
-              <a:t>解釈性能の高さ</a:t>
-            </a:r>
-            <a:r>
-              <a:rPr lang="ja-JP" altLang="en-US" sz="2800" kern="0" dirty="0"/>
-              <a:t>を同時に最大化する識別器の設計が期待されている．</a:t>
-            </a:r>
-            <a:endParaRPr lang="en-US" altLang="ja-JP" sz="2800" kern="0" dirty="0"/>
-          </a:p>
-          <a:p>
-            <a:pPr marL="0" indent="0">
-              <a:buNone/>
-            </a:pPr>
-            <a:endParaRPr lang="en-US" altLang="ja-JP" sz="2800" kern="0" dirty="0"/>
-          </a:p>
-          <a:p>
-            <a:pPr marL="0" indent="0">
-              <a:buNone/>
-            </a:pPr>
-            <a:r>
-              <a:rPr lang="ja-JP" altLang="en-US" sz="2800" kern="0" dirty="0"/>
-              <a:t>大規模なデータセットに対する機械学習に</a:t>
-            </a:r>
-            <a:br>
-              <a:rPr lang="en-US" altLang="ja-JP" sz="2800" kern="0" dirty="0"/>
-            </a:br>
-            <a:r>
-              <a:rPr lang="ja-JP" altLang="en-US" sz="2800" kern="0" dirty="0"/>
-              <a:t>かかる膨大な</a:t>
-            </a:r>
-            <a:r>
-              <a:rPr lang="ja-JP" altLang="en-US" sz="2800" u="sng" kern="0" dirty="0"/>
-              <a:t>計算時間の短縮</a:t>
-            </a:r>
-            <a:r>
-              <a:rPr lang="ja-JP" altLang="en-US" sz="2800" kern="0" dirty="0"/>
-              <a:t>が期待されている．</a:t>
-            </a:r>
-            <a:endParaRPr lang="en-US" altLang="ja-JP" sz="2800" kern="0" dirty="0"/>
-          </a:p>
-          <a:p>
-            <a:pPr marL="0" indent="0">
-              <a:buNone/>
-            </a:pPr>
-            <a:endParaRPr lang="en-US" altLang="ja-JP" sz="2800" kern="0" dirty="0"/>
-          </a:p>
-          <a:p>
-            <a:pPr marL="0" indent="0">
-              <a:buNone/>
-            </a:pPr>
-            <a:r>
-              <a:rPr lang="ja-JP" altLang="en-US" sz="2800" kern="0" dirty="0"/>
-              <a:t>未知パターンの識別における</a:t>
-            </a:r>
-            <a:r>
-              <a:rPr lang="ja-JP" altLang="en-US" sz="2800" u="sng" kern="0" dirty="0"/>
-              <a:t>汎化性能</a:t>
-            </a:r>
-            <a:r>
-              <a:rPr lang="ja-JP" altLang="en-US" sz="2800" kern="0" dirty="0"/>
-              <a:t>が求められ，</a:t>
-            </a:r>
-            <a:br>
-              <a:rPr lang="en-US" altLang="ja-JP" sz="2800" kern="0" dirty="0"/>
-            </a:br>
-            <a:r>
-              <a:rPr lang="ja-JP" altLang="en-US" sz="2800" u="sng" kern="0" dirty="0"/>
-              <a:t>多様性の高い</a:t>
-            </a:r>
-            <a:r>
-              <a:rPr lang="ja-JP" altLang="en-US" sz="2800" kern="0" dirty="0"/>
-              <a:t>識別器の設計が期待されている．</a:t>
-            </a:r>
-            <a:endParaRPr lang="en-US" altLang="ja-JP" sz="2800" kern="0" dirty="0"/>
-          </a:p>
-        </p:txBody>
-      </p:sp>
-    </p:spTree>
-    <p:extLst>
-      <p:ext uri="{BB962C8B-B14F-4D97-AF65-F5344CB8AC3E}">
-        <p14:creationId xmlns:p14="http://schemas.microsoft.com/office/powerpoint/2010/main" val="2776182737"/>
-      </p:ext>
-    </p:extLst>
-  </p:cSld>
-  <p:clrMapOvr>
-    <a:masterClrMapping/>
-  </p:clrMapOvr>
-</p:sld>
-</file>
-
-<file path=ppt/slides/slide20.xml><?xml version="1.0" encoding="utf-8"?>
+<file path=ppt/slides/slide22.xml><?xml version="1.0" encoding="utf-8"?>
 <p:sld xmlns:a="http://schemas.openxmlformats.org/drawingml/2006/main" xmlns:r="http://schemas.openxmlformats.org/officeDocument/2006/relationships" xmlns:p="http://schemas.openxmlformats.org/presentationml/2006/main">
   <p:cSld>
     <p:spTree>
@@ -22423,7 +22851,7 @@
 </p:sld>
 </file>
 
-<file path=ppt/slides/slide21.xml><?xml version="1.0" encoding="utf-8"?>
+<file path=ppt/slides/slide23.xml><?xml version="1.0" encoding="utf-8"?>
 <p:sld xmlns:a="http://schemas.openxmlformats.org/drawingml/2006/main" xmlns:r="http://schemas.openxmlformats.org/officeDocument/2006/relationships" xmlns:p="http://schemas.openxmlformats.org/presentationml/2006/main">
   <p:cSld>
     <p:spTree>
@@ -25508,7 +25936,7 @@
 </p:sld>
 </file>
 
-<file path=ppt/slides/slide22.xml><?xml version="1.0" encoding="utf-8"?>
+<file path=ppt/slides/slide24.xml><?xml version="1.0" encoding="utf-8"?>
 <p:sld xmlns:a="http://schemas.openxmlformats.org/drawingml/2006/main" xmlns:r="http://schemas.openxmlformats.org/officeDocument/2006/relationships" xmlns:p="http://schemas.openxmlformats.org/presentationml/2006/main">
   <p:cSld>
     <p:spTree>
@@ -29537,7 +29965,7 @@
 </p:sld>
 </file>
 
-<file path=ppt/slides/slide23.xml><?xml version="1.0" encoding="utf-8"?>
+<file path=ppt/slides/slide25.xml><?xml version="1.0" encoding="utf-8"?>
 <p:sld xmlns:a="http://schemas.openxmlformats.org/drawingml/2006/main" xmlns:r="http://schemas.openxmlformats.org/officeDocument/2006/relationships" xmlns:p="http://schemas.openxmlformats.org/presentationml/2006/main">
   <p:cSld>
     <p:spTree>
@@ -32803,7 +33231,7 @@
 </p:sld>
 </file>
 
-<file path=ppt/slides/slide24.xml><?xml version="1.0" encoding="utf-8"?>
+<file path=ppt/slides/slide26.xml><?xml version="1.0" encoding="utf-8"?>
 <p:sld xmlns:a="http://schemas.openxmlformats.org/drawingml/2006/main" xmlns:r="http://schemas.openxmlformats.org/officeDocument/2006/relationships" xmlns:p="http://schemas.openxmlformats.org/presentationml/2006/main">
   <p:cSld>
     <p:spTree>
@@ -33142,7 +33570,7 @@
 </p:sld>
 </file>
 
-<file path=ppt/slides/slide25.xml><?xml version="1.0" encoding="utf-8"?>
+<file path=ppt/slides/slide27.xml><?xml version="1.0" encoding="utf-8"?>
 <p:sld xmlns:a="http://schemas.openxmlformats.org/drawingml/2006/main" xmlns:r="http://schemas.openxmlformats.org/officeDocument/2006/relationships" xmlns:p="http://schemas.openxmlformats.org/presentationml/2006/main">
   <p:cSld>
     <p:spTree>
@@ -33467,7 +33895,7 @@
 </p:sld>
 </file>
 
-<file path=ppt/slides/slide26.xml><?xml version="1.0" encoding="utf-8"?>
+<file path=ppt/slides/slide28.xml><?xml version="1.0" encoding="utf-8"?>
 <p:sld xmlns:a="http://schemas.openxmlformats.org/drawingml/2006/main" xmlns:r="http://schemas.openxmlformats.org/officeDocument/2006/relationships" xmlns:p="http://schemas.openxmlformats.org/presentationml/2006/main">
   <p:cSld>
     <p:spTree>

--- a/Junior_下書き.pptx
+++ b/Junior_下書き.pptx
@@ -28,7 +28,7 @@
     <p:sldId id="290" r:id="rId16"/>
     <p:sldId id="291" r:id="rId17"/>
     <p:sldId id="283" r:id="rId18"/>
-    <p:sldId id="298" r:id="rId19"/>
+    <p:sldId id="300" r:id="rId19"/>
     <p:sldId id="299" r:id="rId20"/>
     <p:sldId id="272" r:id="rId21"/>
     <p:sldId id="296" r:id="rId22"/>
@@ -7222,6 +7222,12 @@
               </a:rPr>
               <a:t>並列分散型</a:t>
             </a:r>
+            <a:r>
+              <a:rPr lang="en-US" altLang="ja-JP">
+                <a:latin typeface="Arial" panose="020B0604020202020204" pitchFamily="34" charset="0"/>
+              </a:rPr>
+              <a:t/>
+            </a:r>
             <a:br>
               <a:rPr lang="en-US" altLang="ja-JP">
                 <a:latin typeface="Arial" panose="020B0604020202020204" pitchFamily="34" charset="0"/>
@@ -7232,6 +7238,12 @@
                 <a:latin typeface="Arial" panose="020B0604020202020204" pitchFamily="34" charset="0"/>
               </a:rPr>
               <a:t>多目的ファジィ遺伝的機械学習</a:t>
+            </a:r>
+            <a:r>
+              <a:rPr lang="en-US" altLang="ja-JP">
+                <a:latin typeface="Arial" panose="020B0604020202020204" pitchFamily="34" charset="0"/>
+              </a:rPr>
+              <a:t/>
             </a:r>
             <a:br>
               <a:rPr lang="en-US" altLang="ja-JP">
@@ -7978,6 +7990,10 @@
             <a:r>
               <a:rPr lang="ja-JP" altLang="en-US" sz="2800" kern="0" dirty="0"/>
               <a:t>各弱識別器の全学習用データに対する識別率を重みとして与えた重み付け多数決</a:t>
+            </a:r>
+            <a:r>
+              <a:rPr lang="en-US" altLang="ja-JP" sz="2800" kern="0" dirty="0"/>
+              <a:t/>
             </a:r>
             <a:br>
               <a:rPr lang="en-US" altLang="ja-JP" sz="2800" kern="0" dirty="0"/>
@@ -10906,6 +10922,10 @@
               <a:rPr lang="ja-JP" altLang="en-US" sz="2000" kern="0" dirty="0"/>
               <a:t>従来の並列分散実装で得られる単一識別器と比較した</a:t>
             </a:r>
+            <a:r>
+              <a:rPr lang="en-US" altLang="ja-JP" sz="2000" kern="0" dirty="0"/>
+              <a:t/>
+            </a:r>
             <a:br>
               <a:rPr lang="en-US" altLang="ja-JP" sz="2000" kern="0" dirty="0"/>
             </a:br>
@@ -11309,6 +11329,41 @@
           <a:chExt cx="0" cy="0"/>
         </a:xfrm>
       </p:grpSpPr>
+      <p:pic>
+        <p:nvPicPr>
+          <p:cNvPr id="6" name="図 5" descr="テキスト, 地図 が含まれている画像&#10;&#10;&#10;&#10;自動的に生成された説明">
+            <a:extLst>
+              <a:ext uri="{FF2B5EF4-FFF2-40B4-BE49-F238E27FC236}">
+                <a16:creationId xmlns:a16="http://schemas.microsoft.com/office/drawing/2014/main" id="{9E5956B0-7336-5744-BCCC-CEB70F6003A6}"/>
+              </a:ext>
+            </a:extLst>
+          </p:cNvPr>
+          <p:cNvPicPr>
+            <a:picLocks noChangeAspect="1"/>
+          </p:cNvPicPr>
+          <p:nvPr/>
+        </p:nvPicPr>
+        <p:blipFill rotWithShape="1">
+          <a:blip r:embed="rId2">
+            <a:extLst>
+              <a:ext uri="{28A0092B-C50C-407E-A947-70E740481C1C}">
+                <a14:useLocalDpi xmlns:a14="http://schemas.microsoft.com/office/drawing/2010/main" val="0"/>
+              </a:ext>
+            </a:extLst>
+          </a:blip>
+          <a:srcRect l="8333" t="10834" r="8333" b="8333"/>
+          <a:stretch/>
+        </p:blipFill>
+        <p:spPr>
+          <a:xfrm>
+            <a:off x="1333995" y="1752597"/>
+            <a:ext cx="3810000" cy="3695702"/>
+          </a:xfrm>
+          <a:prstGeom prst="rect">
+            <a:avLst/>
+          </a:prstGeom>
+        </p:spPr>
+      </p:pic>
       <mc:AlternateContent xmlns:mc="http://schemas.openxmlformats.org/markup-compatibility/2006">
         <mc:Choice xmlns:a14="http://schemas.microsoft.com/office/drawing/2010/main" Requires="a14">
           <p:sp>
@@ -11325,8 +11380,8 @@
             </p:nvSpPr>
             <p:spPr>
               <a:xfrm rot="16200000">
-                <a:off x="55908" y="3312467"/>
-                <a:ext cx="2019299" cy="461665"/>
+                <a:off x="124291" y="3095594"/>
+                <a:ext cx="2019299" cy="400110"/>
               </a:xfrm>
               <a:prstGeom prst="rect">
                 <a:avLst/>
@@ -11340,17 +11395,17 @@
               <a:lstStyle/>
               <a:p>
                 <a:r>
-                  <a:rPr kumimoji="1" lang="ja-JP" altLang="en-US" sz="2400"/>
+                  <a:rPr kumimoji="1" lang="ja-JP" altLang="en-US" sz="2000" dirty="0"/>
                   <a:t>誤識別率</a:t>
                 </a:r>
                 <a:r>
-                  <a:rPr kumimoji="1" lang="en-US" altLang="ja-JP" sz="2400"/>
+                  <a:rPr kumimoji="1" lang="en-US" altLang="ja-JP" sz="2000" dirty="0"/>
                   <a:t> [</a:t>
                 </a:r>
                 <a14:m>
                   <m:oMath xmlns:m="http://schemas.openxmlformats.org/officeDocument/2006/math">
                     <m:r>
-                      <a:rPr kumimoji="1" lang="en-US" altLang="ja-JP" sz="2400" i="1">
+                      <a:rPr kumimoji="1" lang="en-US" altLang="ja-JP" sz="2000" i="1">
                         <a:latin typeface="Cambria Math" panose="02040503050406030204" pitchFamily="18" charset="0"/>
                         <a:ea typeface="Cambria Math" panose="02040503050406030204" pitchFamily="18" charset="0"/>
                       </a:rPr>
@@ -11359,10 +11414,10 @@
                   </m:oMath>
                 </a14:m>
                 <a:r>
-                  <a:rPr kumimoji="1" lang="en-US" altLang="ja-JP" sz="2400"/>
+                  <a:rPr kumimoji="1" lang="en-US" altLang="ja-JP" sz="2000" dirty="0"/>
                   <a:t>]</a:t>
                 </a:r>
-                <a:endParaRPr kumimoji="1" lang="ja-JP" altLang="en-US" sz="2400"/>
+                <a:endParaRPr kumimoji="1" lang="ja-JP" altLang="en-US" sz="2000" dirty="0"/>
               </a:p>
             </p:txBody>
           </p:sp>
@@ -11384,16 +11439,16 @@
             </p:nvSpPr>
             <p:spPr>
               <a:xfrm rot="16200000">
-                <a:off x="55908" y="3312467"/>
-                <a:ext cx="2019299" cy="461665"/>
+                <a:off x="124291" y="3095594"/>
+                <a:ext cx="2019299" cy="400110"/>
               </a:xfrm>
               <a:prstGeom prst="rect">
                 <a:avLst/>
               </a:prstGeom>
               <a:blipFill>
-                <a:blip r:embed="rId2"/>
+                <a:blip r:embed="rId3"/>
                 <a:stretch>
-                  <a:fillRect l="-13514" r="-29730" b="-5031"/>
+                  <a:fillRect l="-10606" r="-27273" b="-3323"/>
                 </a:stretch>
               </a:blipFill>
             </p:spPr>
@@ -11412,41 +11467,6 @@
           </p:sp>
         </mc:Fallback>
       </mc:AlternateContent>
-      <p:pic>
-        <p:nvPicPr>
-          <p:cNvPr id="10" name="図 9" descr="テキスト, 地図 が含まれている画像&#10;&#10;&#10;&#10;自動的に生成された説明">
-            <a:extLst>
-              <a:ext uri="{FF2B5EF4-FFF2-40B4-BE49-F238E27FC236}">
-                <a16:creationId xmlns:a16="http://schemas.microsoft.com/office/drawing/2014/main" id="{9E5956B0-7336-5744-BCCC-CEB70F6003A6}"/>
-              </a:ext>
-            </a:extLst>
-          </p:cNvPr>
-          <p:cNvPicPr>
-            <a:picLocks noChangeAspect="1"/>
-          </p:cNvPicPr>
-          <p:nvPr/>
-        </p:nvPicPr>
-        <p:blipFill rotWithShape="1">
-          <a:blip r:embed="rId3">
-            <a:extLst>
-              <a:ext uri="{28A0092B-C50C-407E-A947-70E740481C1C}">
-                <a14:useLocalDpi xmlns:a14="http://schemas.microsoft.com/office/drawing/2010/main" val="0"/>
-              </a:ext>
-            </a:extLst>
-          </a:blip>
-          <a:srcRect l="8333" t="10834" r="8333" b="8333"/>
-          <a:stretch/>
-        </p:blipFill>
-        <p:spPr>
-          <a:xfrm>
-            <a:off x="1333995" y="1752597"/>
-            <a:ext cx="3810000" cy="3695702"/>
-          </a:xfrm>
-          <a:prstGeom prst="rect">
-            <a:avLst/>
-          </a:prstGeom>
-        </p:spPr>
-      </p:pic>
       <p:sp>
         <p:nvSpPr>
           <p:cNvPr id="5" name="テキスト ボックス 4">
@@ -11461,8 +11481,8 @@
         </p:nvSpPr>
         <p:spPr>
           <a:xfrm>
-            <a:off x="2438400" y="5413663"/>
-            <a:ext cx="2019299" cy="461665"/>
+            <a:off x="2438400" y="5456216"/>
+            <a:ext cx="2019299" cy="400110"/>
           </a:xfrm>
           <a:prstGeom prst="rect">
             <a:avLst/>
@@ -11476,21 +11496,21 @@
           <a:lstStyle/>
           <a:p>
             <a:r>
-              <a:rPr lang="ja-JP" altLang="en-US" sz="2400"/>
+              <a:rPr lang="ja-JP" altLang="en-US" sz="2000"/>
               <a:t>ルール数</a:t>
             </a:r>
             <a:r>
-              <a:rPr kumimoji="1" lang="en-US" altLang="ja-JP" sz="2400"/>
+              <a:rPr kumimoji="1" lang="en-US" altLang="ja-JP" sz="2000"/>
               <a:t> [-]</a:t>
             </a:r>
-            <a:endParaRPr kumimoji="1" lang="ja-JP" altLang="en-US" sz="2400"/>
+            <a:endParaRPr kumimoji="1" lang="ja-JP" altLang="en-US" sz="2000"/>
           </a:p>
         </p:txBody>
       </p:sp>
     </p:spTree>
     <p:extLst>
       <p:ext uri="{BB962C8B-B14F-4D97-AF65-F5344CB8AC3E}">
-        <p14:creationId xmlns:p14="http://schemas.microsoft.com/office/powerpoint/2010/main" val="4045295647"/>
+        <p14:creationId xmlns:p14="http://schemas.microsoft.com/office/powerpoint/2010/main" val="370176063"/>
       </p:ext>
     </p:extLst>
   </p:cSld>
@@ -11578,8 +11598,8 @@
             </p:nvSpPr>
             <p:spPr>
               <a:xfrm rot="16200000">
-                <a:off x="55908" y="3312467"/>
-                <a:ext cx="2019299" cy="461665"/>
+                <a:off x="124291" y="3095594"/>
+                <a:ext cx="2019299" cy="400110"/>
               </a:xfrm>
               <a:prstGeom prst="rect">
                 <a:avLst/>
@@ -11593,17 +11613,17 @@
               <a:lstStyle/>
               <a:p>
                 <a:r>
-                  <a:rPr kumimoji="1" lang="ja-JP" altLang="en-US" sz="2400"/>
+                  <a:rPr kumimoji="1" lang="ja-JP" altLang="en-US" sz="2000" dirty="0"/>
                   <a:t>誤識別率</a:t>
                 </a:r>
                 <a:r>
-                  <a:rPr kumimoji="1" lang="en-US" altLang="ja-JP" sz="2400"/>
+                  <a:rPr kumimoji="1" lang="en-US" altLang="ja-JP" sz="2000" dirty="0"/>
                   <a:t> [</a:t>
                 </a:r>
                 <a14:m>
                   <m:oMath xmlns:m="http://schemas.openxmlformats.org/officeDocument/2006/math">
                     <m:r>
-                      <a:rPr kumimoji="1" lang="en-US" altLang="ja-JP" sz="2400" i="1">
+                      <a:rPr kumimoji="1" lang="en-US" altLang="ja-JP" sz="2000" i="1">
                         <a:latin typeface="Cambria Math" panose="02040503050406030204" pitchFamily="18" charset="0"/>
                         <a:ea typeface="Cambria Math" panose="02040503050406030204" pitchFamily="18" charset="0"/>
                       </a:rPr>
@@ -11612,10 +11632,10 @@
                   </m:oMath>
                 </a14:m>
                 <a:r>
-                  <a:rPr kumimoji="1" lang="en-US" altLang="ja-JP" sz="2400"/>
+                  <a:rPr kumimoji="1" lang="en-US" altLang="ja-JP" sz="2000" dirty="0"/>
                   <a:t>]</a:t>
                 </a:r>
-                <a:endParaRPr kumimoji="1" lang="ja-JP" altLang="en-US" sz="2400"/>
+                <a:endParaRPr kumimoji="1" lang="ja-JP" altLang="en-US" sz="2000" dirty="0"/>
               </a:p>
             </p:txBody>
           </p:sp>
@@ -11637,8 +11657,8 @@
             </p:nvSpPr>
             <p:spPr>
               <a:xfrm rot="16200000">
-                <a:off x="55908" y="3312467"/>
-                <a:ext cx="2019299" cy="461665"/>
+                <a:off x="124291" y="3095594"/>
+                <a:ext cx="2019299" cy="400110"/>
               </a:xfrm>
               <a:prstGeom prst="rect">
                 <a:avLst/>
@@ -11646,7 +11666,7 @@
               <a:blipFill>
                 <a:blip r:embed="rId3"/>
                 <a:stretch>
-                  <a:fillRect l="-13514" r="-29730" b="-5031"/>
+                  <a:fillRect l="-10606" r="-27273" b="-3323"/>
                 </a:stretch>
               </a:blipFill>
             </p:spPr>
@@ -11679,8 +11699,8 @@
         </p:nvSpPr>
         <p:spPr>
           <a:xfrm>
-            <a:off x="2438400" y="5413663"/>
-            <a:ext cx="2019299" cy="461665"/>
+            <a:off x="2438400" y="5456216"/>
+            <a:ext cx="2019299" cy="400110"/>
           </a:xfrm>
           <a:prstGeom prst="rect">
             <a:avLst/>
@@ -11694,14 +11714,14 @@
           <a:lstStyle/>
           <a:p>
             <a:r>
-              <a:rPr lang="ja-JP" altLang="en-US" sz="2400"/>
+              <a:rPr lang="ja-JP" altLang="en-US" sz="2000"/>
               <a:t>ルール数</a:t>
             </a:r>
             <a:r>
-              <a:rPr kumimoji="1" lang="en-US" altLang="ja-JP" sz="2400"/>
+              <a:rPr kumimoji="1" lang="en-US" altLang="ja-JP" sz="2000"/>
               <a:t> [-]</a:t>
             </a:r>
-            <a:endParaRPr kumimoji="1" lang="ja-JP" altLang="en-US" sz="2400"/>
+            <a:endParaRPr kumimoji="1" lang="ja-JP" altLang="en-US" sz="2000"/>
           </a:p>
         </p:txBody>
       </p:sp>
@@ -15408,6 +15428,10 @@
               <a:rPr lang="ja-JP" altLang="en-US" sz="2800" kern="0" dirty="0"/>
               <a:t>と</a:t>
             </a:r>
+            <a:r>
+              <a:rPr lang="en-US" altLang="ja-JP" sz="2800" kern="0" dirty="0"/>
+              <a:t/>
+            </a:r>
             <a:br>
               <a:rPr lang="en-US" altLang="ja-JP" sz="2800" kern="0" dirty="0"/>
             </a:br>
@@ -15435,6 +15459,10 @@
               <a:rPr lang="ja-JP" altLang="en-US" sz="2800" kern="0" dirty="0"/>
               <a:t>大規模なデータセットに対する機械学習に</a:t>
             </a:r>
+            <a:r>
+              <a:rPr lang="en-US" altLang="ja-JP" sz="2800" kern="0" dirty="0"/>
+              <a:t/>
+            </a:r>
             <a:br>
               <a:rPr lang="en-US" altLang="ja-JP" sz="2800" kern="0" dirty="0"/>
             </a:br>
@@ -15473,6 +15501,10 @@
             <a:r>
               <a:rPr lang="ja-JP" altLang="en-US" sz="2800" kern="0" dirty="0"/>
               <a:t>が求められ，</a:t>
+            </a:r>
+            <a:r>
+              <a:rPr lang="en-US" altLang="ja-JP" sz="2800" kern="0" dirty="0"/>
+              <a:t/>
             </a:r>
             <a:br>
               <a:rPr lang="en-US" altLang="ja-JP" sz="2800" kern="0" dirty="0"/>
@@ -22391,6 +22423,10 @@
               <a:rPr lang="ja-JP" altLang="en-US" sz="2800" kern="0" dirty="0"/>
               <a:t>を</a:t>
             </a:r>
+            <a:r>
+              <a:rPr lang="en-US" altLang="ja-JP" sz="2800" kern="0" dirty="0"/>
+              <a:t/>
+            </a:r>
             <a:br>
               <a:rPr lang="en-US" altLang="ja-JP" sz="2800" kern="0" dirty="0"/>
             </a:br>
@@ -22779,12 +22815,20 @@
               <a:rPr lang="ja-JP" altLang="en-US" sz="2800" kern="0" dirty="0"/>
               <a:t>を</a:t>
             </a:r>
+            <a:r>
+              <a:rPr lang="en-US" altLang="ja-JP" sz="2800" kern="0" dirty="0"/>
+              <a:t/>
+            </a:r>
             <a:br>
               <a:rPr lang="en-US" altLang="ja-JP" sz="2800" kern="0" dirty="0"/>
             </a:br>
             <a:r>
               <a:rPr lang="ja-JP" altLang="en-US" sz="2800" kern="0" dirty="0"/>
               <a:t>適用することで，弱識別器に</a:t>
+            </a:r>
+            <a:r>
+              <a:rPr lang="en-US" altLang="ja-JP" sz="2800" kern="0" dirty="0"/>
+              <a:t/>
             </a:r>
             <a:br>
               <a:rPr lang="en-US" altLang="ja-JP" sz="2800" kern="0" dirty="0"/>
@@ -25321,6 +25365,10 @@
             <a:r>
               <a:rPr lang="en-US" altLang="ja-JP" sz="2800" kern="0" dirty="0" err="1"/>
               <a:t>MoFGBML</a:t>
+            </a:r>
+            <a:r>
+              <a:rPr lang="en-US" altLang="ja-JP" sz="2800" kern="0" dirty="0"/>
+              <a:t/>
             </a:r>
             <a:br>
               <a:rPr lang="en-US" altLang="ja-JP" sz="2800" kern="0" dirty="0"/>
@@ -29127,12 +29175,20 @@
               <a:rPr lang="ja-JP" altLang="en-US" sz="2800" kern="0" dirty="0"/>
               <a:t>を</a:t>
             </a:r>
+            <a:r>
+              <a:rPr lang="en-US" altLang="ja-JP" sz="2800" kern="0" dirty="0"/>
+              <a:t/>
+            </a:r>
             <a:br>
               <a:rPr lang="en-US" altLang="ja-JP" sz="2800" kern="0" dirty="0"/>
             </a:br>
             <a:r>
               <a:rPr lang="ja-JP" altLang="en-US" sz="2800" kern="0" dirty="0"/>
               <a:t>適用することで，弱識別器に</a:t>
+            </a:r>
+            <a:r>
+              <a:rPr lang="en-US" altLang="ja-JP" sz="2800" kern="0" dirty="0"/>
+              <a:t/>
             </a:r>
             <a:br>
               <a:rPr lang="en-US" altLang="ja-JP" sz="2800" kern="0" dirty="0"/>
@@ -29563,12 +29619,20 @@
               <a:rPr lang="ja-JP" altLang="en-US" sz="2800" kern="0" dirty="0"/>
               <a:t>を</a:t>
             </a:r>
+            <a:r>
+              <a:rPr lang="en-US" altLang="ja-JP" sz="2800" kern="0" dirty="0"/>
+              <a:t/>
+            </a:r>
             <a:br>
               <a:rPr lang="en-US" altLang="ja-JP" sz="2800" kern="0" dirty="0"/>
             </a:br>
             <a:r>
               <a:rPr lang="ja-JP" altLang="en-US" sz="2800" kern="0" dirty="0"/>
               <a:t>適用することで，弱識別器に</a:t>
+            </a:r>
+            <a:r>
+              <a:rPr lang="en-US" altLang="ja-JP" sz="2800" kern="0" dirty="0"/>
+              <a:t/>
             </a:r>
             <a:br>
               <a:rPr lang="en-US" altLang="ja-JP" sz="2800" kern="0" dirty="0"/>
@@ -36328,12 +36392,20 @@
               <a:rPr lang="ja-JP" altLang="en-US" sz="2800" kern="0" dirty="0"/>
               <a:t>で識別器が構成される．</a:t>
             </a:r>
+            <a:r>
+              <a:rPr lang="en-US" altLang="ja-JP" sz="2800" kern="0" dirty="0"/>
+              <a:t/>
+            </a:r>
             <a:br>
               <a:rPr lang="en-US" altLang="ja-JP" sz="2800" kern="0" dirty="0"/>
             </a:br>
             <a:r>
               <a:rPr lang="ja-JP" altLang="en-US" sz="2800" kern="0" dirty="0"/>
               <a:t>どのようにしてデータの識別を行っているのかが</a:t>
+            </a:r>
+            <a:r>
+              <a:rPr lang="en-US" altLang="ja-JP" sz="2800" kern="0" dirty="0"/>
+              <a:t/>
             </a:r>
             <a:br>
               <a:rPr lang="en-US" altLang="ja-JP" sz="2800" kern="0" dirty="0"/>
@@ -39324,6 +39396,10 @@
               <a:rPr lang="ja-JP" altLang="en-US" sz="2800" kern="0" dirty="0"/>
               <a:t>複数の目的を同時に最適化する進化型多目的最適化手法を</a:t>
             </a:r>
+            <a:r>
+              <a:rPr lang="en-US" altLang="ja-JP" sz="2800" kern="0" dirty="0"/>
+              <a:t/>
+            </a:r>
             <a:br>
               <a:rPr lang="en-US" altLang="ja-JP" sz="2800" kern="0" dirty="0"/>
             </a:br>
@@ -39762,12 +39838,20 @@
               <a:rPr lang="ja-JP" altLang="en-US" sz="2800" kern="0" dirty="0"/>
               <a:t>目的における</a:t>
             </a:r>
+            <a:r>
+              <a:rPr lang="en-US" altLang="ja-JP" sz="2800" kern="0" dirty="0"/>
+              <a:t/>
+            </a:r>
             <a:br>
               <a:rPr lang="en-US" altLang="ja-JP" sz="2800" kern="0" dirty="0"/>
             </a:br>
             <a:r>
               <a:rPr lang="ja-JP" altLang="en-US" sz="2800" kern="0" dirty="0"/>
               <a:t>トレードオフ曲線に沿った</a:t>
+            </a:r>
+            <a:r>
+              <a:rPr lang="en-US" altLang="ja-JP" sz="2800" kern="0" dirty="0"/>
+              <a:t/>
             </a:r>
             <a:br>
               <a:rPr lang="en-US" altLang="ja-JP" sz="2800" kern="0" dirty="0"/>
@@ -43137,6 +43221,10 @@
               <a:rPr lang="ja-JP" altLang="en-US" sz="2800" kern="0" dirty="0"/>
               <a:t>個体群と学習用データを</a:t>
             </a:r>
+            <a:r>
+              <a:rPr lang="en-US" altLang="ja-JP" sz="2800" kern="0" dirty="0"/>
+              <a:t/>
+            </a:r>
             <a:br>
               <a:rPr lang="en-US" altLang="ja-JP" sz="2800" kern="0" dirty="0"/>
             </a:br>
@@ -43150,12 +43238,20 @@
             <a:pPr marL="0" indent="0">
               <a:buNone/>
             </a:pPr>
+            <a:r>
+              <a:rPr lang="en-US" altLang="ja-JP" sz="2800" kern="0" dirty="0"/>
+              <a:t/>
+            </a:r>
             <a:br>
               <a:rPr lang="en-US" altLang="ja-JP" sz="2800" kern="0" dirty="0"/>
             </a:br>
             <a:r>
               <a:rPr lang="ja-JP" altLang="en-US" sz="2800" kern="0" dirty="0"/>
               <a:t>分割したペアをそれぞれ</a:t>
+            </a:r>
+            <a:r>
+              <a:rPr lang="en-US" altLang="ja-JP" sz="2800" kern="0" dirty="0"/>
+              <a:t/>
             </a:r>
             <a:br>
               <a:rPr lang="en-US" altLang="ja-JP" sz="2800" kern="0" dirty="0"/>
@@ -45019,12 +45115,20 @@
               <a:rPr lang="ja-JP" altLang="en-US" sz="2800" kern="0" dirty="0"/>
               <a:t>特定のパターンに対して不得意な弱識別器が</a:t>
             </a:r>
+            <a:r>
+              <a:rPr lang="en-US" altLang="ja-JP" sz="2800" kern="0" dirty="0"/>
+              <a:t/>
+            </a:r>
             <a:br>
               <a:rPr lang="en-US" altLang="ja-JP" sz="2800" kern="0" dirty="0"/>
             </a:br>
             <a:r>
               <a:rPr lang="ja-JP" altLang="en-US" sz="2800" kern="0" dirty="0"/>
               <a:t>存在しても，多数決による識別が行われるため，</a:t>
+            </a:r>
+            <a:r>
+              <a:rPr lang="en-US" altLang="ja-JP" sz="2800" kern="0" dirty="0"/>
+              <a:t/>
             </a:r>
             <a:br>
               <a:rPr lang="en-US" altLang="ja-JP" sz="2800" kern="0" dirty="0"/>
@@ -47994,6 +48098,14 @@
               </a:rPr>
               <a:t>交換操作，移住操作を与えず</a:t>
             </a:r>
+            <a:r>
+              <a:rPr kumimoji="1" lang="en-US" altLang="ja-JP" sz="2800">
+                <a:solidFill>
+                  <a:schemeClr val="tx1"/>
+                </a:solidFill>
+              </a:rPr>
+              <a:t/>
+            </a:r>
             <a:br>
               <a:rPr kumimoji="1" lang="en-US" altLang="ja-JP" sz="2800">
                 <a:solidFill>
@@ -48138,6 +48250,14 @@
               </a:rPr>
               <a:t>島ごとに最良な識別器を</a:t>
             </a:r>
+            <a:r>
+              <a:rPr kumimoji="1" lang="en-US" altLang="ja-JP" sz="2800">
+                <a:solidFill>
+                  <a:schemeClr val="tx1"/>
+                </a:solidFill>
+              </a:rPr>
+              <a:t/>
+            </a:r>
             <a:br>
               <a:rPr kumimoji="1" lang="en-US" altLang="ja-JP" sz="2800">
                 <a:solidFill>
@@ -48265,6 +48385,14 @@
                 </a:solidFill>
               </a:rPr>
               <a:t>弱識別器の多数決で</a:t>
+            </a:r>
+            <a:r>
+              <a:rPr kumimoji="1" lang="en-US" altLang="ja-JP" sz="2800">
+                <a:solidFill>
+                  <a:schemeClr val="tx1"/>
+                </a:solidFill>
+              </a:rPr>
+              <a:t/>
             </a:r>
             <a:br>
               <a:rPr kumimoji="1" lang="en-US" altLang="ja-JP" sz="2800">

--- a/Junior_下書き.pptx
+++ b/Junior_下書き.pptx
@@ -6,10 +6,10 @@
     <p:sldMasterId id="2147483650" r:id="rId2"/>
   </p:sldMasterIdLst>
   <p:notesMasterIdLst>
-    <p:notesMasterId r:id="rId31"/>
+    <p:notesMasterId r:id="rId32"/>
   </p:notesMasterIdLst>
   <p:handoutMasterIdLst>
-    <p:handoutMasterId r:id="rId32"/>
+    <p:handoutMasterId r:id="rId33"/>
   </p:handoutMasterIdLst>
   <p:sldIdLst>
     <p:sldId id="256" r:id="rId3"/>
@@ -29,17 +29,18 @@
     <p:sldId id="291" r:id="rId17"/>
     <p:sldId id="283" r:id="rId18"/>
     <p:sldId id="300" r:id="rId19"/>
-    <p:sldId id="299" r:id="rId20"/>
-    <p:sldId id="272" r:id="rId21"/>
-    <p:sldId id="296" r:id="rId22"/>
-    <p:sldId id="287" r:id="rId23"/>
-    <p:sldId id="284" r:id="rId24"/>
-    <p:sldId id="281" r:id="rId25"/>
-    <p:sldId id="282" r:id="rId26"/>
-    <p:sldId id="273" r:id="rId27"/>
-    <p:sldId id="294" r:id="rId28"/>
-    <p:sldId id="295" r:id="rId29"/>
-    <p:sldId id="293" r:id="rId30"/>
+    <p:sldId id="301" r:id="rId20"/>
+    <p:sldId id="302" r:id="rId21"/>
+    <p:sldId id="272" r:id="rId22"/>
+    <p:sldId id="296" r:id="rId23"/>
+    <p:sldId id="287" r:id="rId24"/>
+    <p:sldId id="284" r:id="rId25"/>
+    <p:sldId id="281" r:id="rId26"/>
+    <p:sldId id="282" r:id="rId27"/>
+    <p:sldId id="273" r:id="rId28"/>
+    <p:sldId id="294" r:id="rId29"/>
+    <p:sldId id="295" r:id="rId30"/>
+    <p:sldId id="293" r:id="rId31"/>
   </p:sldIdLst>
   <p:sldSz cx="9144000" cy="6858000" type="screen4x3"/>
   <p:notesSz cx="6797675" cy="9926638"/>
@@ -1287,7 +1288,7 @@
               <a:pPr>
                 <a:defRPr/>
               </a:pPr>
-              <a:t>19</a:t>
+              <a:t>17</a:t>
             </a:fld>
             <a:endParaRPr lang="en-US" altLang="ja-JP"/>
           </a:p>
@@ -1296,7 +1297,7 @@
     </p:spTree>
     <p:extLst>
       <p:ext uri="{BB962C8B-B14F-4D97-AF65-F5344CB8AC3E}">
-        <p14:creationId xmlns:p14="http://schemas.microsoft.com/office/powerpoint/2010/main" val="197288431"/>
+        <p14:creationId xmlns:p14="http://schemas.microsoft.com/office/powerpoint/2010/main" val="1330401444"/>
       </p:ext>
     </p:extLst>
   </p:cSld>
@@ -1377,7 +1378,277 @@
               <a:pPr>
                 <a:defRPr/>
               </a:pPr>
+              <a:t>18</a:t>
+            </a:fld>
+            <a:endParaRPr lang="en-US" altLang="ja-JP"/>
+          </a:p>
+        </p:txBody>
+      </p:sp>
+    </p:spTree>
+    <p:extLst>
+      <p:ext uri="{BB962C8B-B14F-4D97-AF65-F5344CB8AC3E}">
+        <p14:creationId xmlns:p14="http://schemas.microsoft.com/office/powerpoint/2010/main" val="823009899"/>
+      </p:ext>
+    </p:extLst>
+  </p:cSld>
+  <p:clrMapOvr>
+    <a:masterClrMapping/>
+  </p:clrMapOvr>
+</p:notes>
+</file>
+
+<file path=ppt/notesSlides/notesSlide4.xml><?xml version="1.0" encoding="utf-8"?>
+<p:notes xmlns:a="http://schemas.openxmlformats.org/drawingml/2006/main" xmlns:r="http://schemas.openxmlformats.org/officeDocument/2006/relationships" xmlns:p="http://schemas.openxmlformats.org/presentationml/2006/main">
+  <p:cSld>
+    <p:spTree>
+      <p:nvGrpSpPr>
+        <p:cNvPr id="1" name=""/>
+        <p:cNvGrpSpPr/>
+        <p:nvPr/>
+      </p:nvGrpSpPr>
+      <p:grpSpPr>
+        <a:xfrm>
+          <a:off x="0" y="0"/>
+          <a:ext cx="0" cy="0"/>
+          <a:chOff x="0" y="0"/>
+          <a:chExt cx="0" cy="0"/>
+        </a:xfrm>
+      </p:grpSpPr>
+      <p:sp>
+        <p:nvSpPr>
+          <p:cNvPr id="2" name="スライド イメージ プレースホルダー 1"/>
+          <p:cNvSpPr>
+            <a:spLocks noGrp="1" noRot="1" noChangeAspect="1"/>
+          </p:cNvSpPr>
+          <p:nvPr>
+            <p:ph type="sldImg"/>
+          </p:nvPr>
+        </p:nvSpPr>
+        <p:spPr/>
+      </p:sp>
+      <p:sp>
+        <p:nvSpPr>
+          <p:cNvPr id="3" name="ノート プレースホルダー 2"/>
+          <p:cNvSpPr>
+            <a:spLocks noGrp="1"/>
+          </p:cNvSpPr>
+          <p:nvPr>
+            <p:ph type="body" idx="1"/>
+          </p:nvPr>
+        </p:nvSpPr>
+        <p:spPr/>
+        <p:txBody>
+          <a:bodyPr/>
+          <a:lstStyle/>
+          <a:p>
+            <a:endParaRPr kumimoji="1" lang="ja-JP" altLang="en-US"/>
+          </a:p>
+        </p:txBody>
+      </p:sp>
+      <p:sp>
+        <p:nvSpPr>
+          <p:cNvPr id="4" name="スライド番号プレースホルダー 3"/>
+          <p:cNvSpPr>
+            <a:spLocks noGrp="1"/>
+          </p:cNvSpPr>
+          <p:nvPr>
+            <p:ph type="sldNum" sz="quarter" idx="5"/>
+          </p:nvPr>
+        </p:nvSpPr>
+        <p:spPr/>
+        <p:txBody>
+          <a:bodyPr/>
+          <a:lstStyle/>
+          <a:p>
+            <a:pPr>
+              <a:defRPr/>
+            </a:pPr>
+            <a:fld id="{6AF993FB-784A-624D-9487-CA229CBFB36A}" type="slidenum">
+              <a:rPr lang="en-US" altLang="ja-JP"/>
+              <a:pPr>
+                <a:defRPr/>
+              </a:pPr>
+              <a:t>19</a:t>
+            </a:fld>
+            <a:endParaRPr lang="en-US" altLang="ja-JP"/>
+          </a:p>
+        </p:txBody>
+      </p:sp>
+    </p:spTree>
+    <p:extLst>
+      <p:ext uri="{BB962C8B-B14F-4D97-AF65-F5344CB8AC3E}">
+        <p14:creationId xmlns:p14="http://schemas.microsoft.com/office/powerpoint/2010/main" val="4289506143"/>
+      </p:ext>
+    </p:extLst>
+  </p:cSld>
+  <p:clrMapOvr>
+    <a:masterClrMapping/>
+  </p:clrMapOvr>
+</p:notes>
+</file>
+
+<file path=ppt/notesSlides/notesSlide5.xml><?xml version="1.0" encoding="utf-8"?>
+<p:notes xmlns:a="http://schemas.openxmlformats.org/drawingml/2006/main" xmlns:r="http://schemas.openxmlformats.org/officeDocument/2006/relationships" xmlns:p="http://schemas.openxmlformats.org/presentationml/2006/main">
+  <p:cSld>
+    <p:spTree>
+      <p:nvGrpSpPr>
+        <p:cNvPr id="1" name=""/>
+        <p:cNvGrpSpPr/>
+        <p:nvPr/>
+      </p:nvGrpSpPr>
+      <p:grpSpPr>
+        <a:xfrm>
+          <a:off x="0" y="0"/>
+          <a:ext cx="0" cy="0"/>
+          <a:chOff x="0" y="0"/>
+          <a:chExt cx="0" cy="0"/>
+        </a:xfrm>
+      </p:grpSpPr>
+      <p:sp>
+        <p:nvSpPr>
+          <p:cNvPr id="2" name="スライド イメージ プレースホルダー 1"/>
+          <p:cNvSpPr>
+            <a:spLocks noGrp="1" noRot="1" noChangeAspect="1"/>
+          </p:cNvSpPr>
+          <p:nvPr>
+            <p:ph type="sldImg"/>
+          </p:nvPr>
+        </p:nvSpPr>
+        <p:spPr/>
+      </p:sp>
+      <p:sp>
+        <p:nvSpPr>
+          <p:cNvPr id="3" name="ノート プレースホルダー 2"/>
+          <p:cNvSpPr>
+            <a:spLocks noGrp="1"/>
+          </p:cNvSpPr>
+          <p:nvPr>
+            <p:ph type="body" idx="1"/>
+          </p:nvPr>
+        </p:nvSpPr>
+        <p:spPr/>
+        <p:txBody>
+          <a:bodyPr/>
+          <a:lstStyle/>
+          <a:p>
+            <a:endParaRPr kumimoji="1" lang="ja-JP" altLang="en-US"/>
+          </a:p>
+        </p:txBody>
+      </p:sp>
+      <p:sp>
+        <p:nvSpPr>
+          <p:cNvPr id="4" name="スライド番号プレースホルダー 3"/>
+          <p:cNvSpPr>
+            <a:spLocks noGrp="1"/>
+          </p:cNvSpPr>
+          <p:nvPr>
+            <p:ph type="sldNum" sz="quarter" idx="5"/>
+          </p:nvPr>
+        </p:nvSpPr>
+        <p:spPr/>
+        <p:txBody>
+          <a:bodyPr/>
+          <a:lstStyle/>
+          <a:p>
+            <a:pPr>
+              <a:defRPr/>
+            </a:pPr>
+            <a:fld id="{6AF993FB-784A-624D-9487-CA229CBFB36A}" type="slidenum">
+              <a:rPr lang="en-US" altLang="ja-JP"/>
+              <a:pPr>
+                <a:defRPr/>
+              </a:pPr>
               <a:t>20</a:t>
+            </a:fld>
+            <a:endParaRPr lang="en-US" altLang="ja-JP"/>
+          </a:p>
+        </p:txBody>
+      </p:sp>
+    </p:spTree>
+    <p:extLst>
+      <p:ext uri="{BB962C8B-B14F-4D97-AF65-F5344CB8AC3E}">
+        <p14:creationId xmlns:p14="http://schemas.microsoft.com/office/powerpoint/2010/main" val="197288431"/>
+      </p:ext>
+    </p:extLst>
+  </p:cSld>
+  <p:clrMapOvr>
+    <a:masterClrMapping/>
+  </p:clrMapOvr>
+</p:notes>
+</file>
+
+<file path=ppt/notesSlides/notesSlide6.xml><?xml version="1.0" encoding="utf-8"?>
+<p:notes xmlns:a="http://schemas.openxmlformats.org/drawingml/2006/main" xmlns:r="http://schemas.openxmlformats.org/officeDocument/2006/relationships" xmlns:p="http://schemas.openxmlformats.org/presentationml/2006/main">
+  <p:cSld>
+    <p:spTree>
+      <p:nvGrpSpPr>
+        <p:cNvPr id="1" name=""/>
+        <p:cNvGrpSpPr/>
+        <p:nvPr/>
+      </p:nvGrpSpPr>
+      <p:grpSpPr>
+        <a:xfrm>
+          <a:off x="0" y="0"/>
+          <a:ext cx="0" cy="0"/>
+          <a:chOff x="0" y="0"/>
+          <a:chExt cx="0" cy="0"/>
+        </a:xfrm>
+      </p:grpSpPr>
+      <p:sp>
+        <p:nvSpPr>
+          <p:cNvPr id="2" name="スライド イメージ プレースホルダー 1"/>
+          <p:cNvSpPr>
+            <a:spLocks noGrp="1" noRot="1" noChangeAspect="1"/>
+          </p:cNvSpPr>
+          <p:nvPr>
+            <p:ph type="sldImg"/>
+          </p:nvPr>
+        </p:nvSpPr>
+        <p:spPr/>
+      </p:sp>
+      <p:sp>
+        <p:nvSpPr>
+          <p:cNvPr id="3" name="ノート プレースホルダー 2"/>
+          <p:cNvSpPr>
+            <a:spLocks noGrp="1"/>
+          </p:cNvSpPr>
+          <p:nvPr>
+            <p:ph type="body" idx="1"/>
+          </p:nvPr>
+        </p:nvSpPr>
+        <p:spPr/>
+        <p:txBody>
+          <a:bodyPr/>
+          <a:lstStyle/>
+          <a:p>
+            <a:endParaRPr kumimoji="1" lang="ja-JP" altLang="en-US"/>
+          </a:p>
+        </p:txBody>
+      </p:sp>
+      <p:sp>
+        <p:nvSpPr>
+          <p:cNvPr id="4" name="スライド番号プレースホルダー 3"/>
+          <p:cNvSpPr>
+            <a:spLocks noGrp="1"/>
+          </p:cNvSpPr>
+          <p:nvPr>
+            <p:ph type="sldNum" sz="quarter" idx="5"/>
+          </p:nvPr>
+        </p:nvSpPr>
+        <p:spPr/>
+        <p:txBody>
+          <a:bodyPr/>
+          <a:lstStyle/>
+          <a:p>
+            <a:pPr>
+              <a:defRPr/>
+            </a:pPr>
+            <a:fld id="{6AF993FB-784A-624D-9487-CA229CBFB36A}" type="slidenum">
+              <a:rPr lang="en-US" altLang="ja-JP"/>
+              <a:pPr>
+                <a:defRPr/>
+              </a:pPr>
+              <a:t>21</a:t>
             </a:fld>
             <a:endParaRPr lang="en-US" altLang="ja-JP"/>
           </a:p>
@@ -7222,12 +7493,6 @@
               </a:rPr>
               <a:t>並列分散型</a:t>
             </a:r>
-            <a:r>
-              <a:rPr lang="en-US" altLang="ja-JP">
-                <a:latin typeface="Arial" panose="020B0604020202020204" pitchFamily="34" charset="0"/>
-              </a:rPr>
-              <a:t/>
-            </a:r>
             <a:br>
               <a:rPr lang="en-US" altLang="ja-JP">
                 <a:latin typeface="Arial" panose="020B0604020202020204" pitchFamily="34" charset="0"/>
@@ -7238,12 +7503,6 @@
                 <a:latin typeface="Arial" panose="020B0604020202020204" pitchFamily="34" charset="0"/>
               </a:rPr>
               <a:t>多目的ファジィ遺伝的機械学習</a:t>
-            </a:r>
-            <a:r>
-              <a:rPr lang="en-US" altLang="ja-JP">
-                <a:latin typeface="Arial" panose="020B0604020202020204" pitchFamily="34" charset="0"/>
-              </a:rPr>
-              <a:t/>
             </a:r>
             <a:br>
               <a:rPr lang="en-US" altLang="ja-JP">
@@ -7990,10 +8249,6 @@
             <a:r>
               <a:rPr lang="ja-JP" altLang="en-US" sz="2800" kern="0" dirty="0"/>
               <a:t>各弱識別器の全学習用データに対する識別率を重みとして与えた重み付け多数決</a:t>
-            </a:r>
-            <a:r>
-              <a:rPr lang="en-US" altLang="ja-JP" sz="2800" kern="0" dirty="0"/>
-              <a:t/>
             </a:r>
             <a:br>
               <a:rPr lang="en-US" altLang="ja-JP" sz="2800" kern="0" dirty="0"/>
@@ -10922,10 +11177,6 @@
               <a:rPr lang="ja-JP" altLang="en-US" sz="2000" kern="0" dirty="0"/>
               <a:t>従来の並列分散実装で得られる単一識別器と比較した</a:t>
             </a:r>
-            <a:r>
-              <a:rPr lang="en-US" altLang="ja-JP" sz="2000" kern="0" dirty="0"/>
-              <a:t/>
-            </a:r>
             <a:br>
               <a:rPr lang="en-US" altLang="ja-JP" sz="2000" kern="0" dirty="0"/>
             </a:br>
@@ -11344,7 +11595,7 @@
           <p:nvPr/>
         </p:nvPicPr>
         <p:blipFill rotWithShape="1">
-          <a:blip r:embed="rId2">
+          <a:blip r:embed="rId3">
             <a:extLst>
               <a:ext uri="{28A0092B-C50C-407E-A947-70E740481C1C}">
                 <a14:useLocalDpi xmlns:a14="http://schemas.microsoft.com/office/drawing/2010/main" val="0"/>
@@ -11364,8 +11615,8 @@
           </a:prstGeom>
         </p:spPr>
       </p:pic>
-      <mc:AlternateContent xmlns:mc="http://schemas.openxmlformats.org/markup-compatibility/2006">
-        <mc:Choice xmlns:a14="http://schemas.microsoft.com/office/drawing/2010/main" Requires="a14">
+      <mc:AlternateContent xmlns:mc="http://schemas.openxmlformats.org/markup-compatibility/2006" xmlns:a14="http://schemas.microsoft.com/office/drawing/2010/main">
+        <mc:Choice Requires="a14">
           <p:sp>
             <p:nvSpPr>
               <p:cNvPr id="4" name="テキスト ボックス 3">
@@ -11422,7 +11673,7 @@
             </p:txBody>
           </p:sp>
         </mc:Choice>
-        <mc:Fallback>
+        <mc:Fallback xmlns="">
           <p:sp>
             <p:nvSpPr>
               <p:cNvPr id="4" name="テキスト ボックス 3">
@@ -11446,7 +11697,7 @@
                 <a:avLst/>
               </a:prstGeom>
               <a:blipFill>
-                <a:blip r:embed="rId3"/>
+                <a:blip r:embed="rId4"/>
                 <a:stretch>
                   <a:fillRect l="-10606" r="-27273" b="-3323"/>
                 </a:stretch>
@@ -11507,6 +11758,91 @@
           </a:p>
         </p:txBody>
       </p:sp>
+      <p:pic>
+        <p:nvPicPr>
+          <p:cNvPr id="11" name="図 10" descr="地図, テキスト が含まれている画像&#10;&#10;&#10;&#10;自動的に生成された説明">
+            <a:extLst>
+              <a:ext uri="{FF2B5EF4-FFF2-40B4-BE49-F238E27FC236}">
+                <a16:creationId xmlns:a16="http://schemas.microsoft.com/office/drawing/2014/main" id="{B0D71992-02D1-3E49-AA40-A18E17AE9D47}"/>
+              </a:ext>
+            </a:extLst>
+          </p:cNvPr>
+          <p:cNvPicPr>
+            <a:picLocks noChangeAspect="1"/>
+          </p:cNvPicPr>
+          <p:nvPr/>
+        </p:nvPicPr>
+        <p:blipFill rotWithShape="1">
+          <a:blip r:embed="rId5">
+            <a:extLst>
+              <a:ext uri="{28A0092B-C50C-407E-A947-70E740481C1C}">
+                <a14:useLocalDpi xmlns:a14="http://schemas.microsoft.com/office/drawing/2010/main" val="0"/>
+              </a:ext>
+            </a:extLst>
+          </a:blip>
+          <a:srcRect l="68889" t="15556" r="11111" b="55556"/>
+          <a:stretch/>
+        </p:blipFill>
+        <p:spPr>
+          <a:xfrm>
+            <a:off x="6096000" y="2133600"/>
+            <a:ext cx="1371600" cy="1981200"/>
+          </a:xfrm>
+          <a:prstGeom prst="rect">
+            <a:avLst/>
+          </a:prstGeom>
+          <a:ln>
+            <a:solidFill>
+              <a:schemeClr val="tx1"/>
+            </a:solidFill>
+          </a:ln>
+        </p:spPr>
+      </p:pic>
+      <p:pic>
+        <p:nvPicPr>
+          <p:cNvPr id="13" name="図 12" descr="テキスト, 地図 が含まれている画像&#10;&#10;&#10;&#10;自動的に生成された説明">
+            <a:extLst>
+              <a:ext uri="{FF2B5EF4-FFF2-40B4-BE49-F238E27FC236}">
+                <a16:creationId xmlns:a16="http://schemas.microsoft.com/office/drawing/2014/main" id="{31083DA5-FC0C-7847-A1B9-700790362716}"/>
+              </a:ext>
+            </a:extLst>
+          </p:cNvPr>
+          <p:cNvPicPr>
+            <a:picLocks noChangeAspect="1"/>
+          </p:cNvPicPr>
+          <p:nvPr/>
+        </p:nvPicPr>
+        <p:blipFill rotWithShape="1">
+          <a:blip r:embed="rId6">
+            <a:clrChange>
+              <a:clrFrom>
+                <a:srgbClr val="FFFFFF"/>
+              </a:clrFrom>
+              <a:clrTo>
+                <a:srgbClr val="FFFFFF">
+                  <a:alpha val="0"/>
+                </a:srgbClr>
+              </a:clrTo>
+            </a:clrChange>
+            <a:extLst>
+              <a:ext uri="{28A0092B-C50C-407E-A947-70E740481C1C}">
+                <a14:useLocalDpi xmlns:a14="http://schemas.microsoft.com/office/drawing/2010/main" val="0"/>
+              </a:ext>
+            </a:extLst>
+          </a:blip>
+          <a:srcRect l="5000" t="8333" r="6666" b="6667"/>
+          <a:stretch/>
+        </p:blipFill>
+        <p:spPr>
+          <a:xfrm>
+            <a:off x="2514600" y="1524000"/>
+            <a:ext cx="4038600" cy="3886200"/>
+          </a:xfrm>
+          <a:prstGeom prst="rect">
+            <a:avLst/>
+          </a:prstGeom>
+        </p:spPr>
+      </p:pic>
     </p:spTree>
     <p:extLst>
       <p:ext uri="{BB962C8B-B14F-4D97-AF65-F5344CB8AC3E}">
@@ -11539,10 +11875,10 @@
       </p:grpSpPr>
       <p:pic>
         <p:nvPicPr>
-          <p:cNvPr id="3" name="図 2" descr="地図, テキスト が含まれている画像&#10;&#10;&#10;&#10;自動的に生成された説明">
+          <p:cNvPr id="13" name="図 12" descr="テキスト, 地図 が含まれている画像&#10;&#10;&#10;&#10;自動的に生成された説明">
             <a:extLst>
               <a:ext uri="{FF2B5EF4-FFF2-40B4-BE49-F238E27FC236}">
-                <a16:creationId xmlns:a16="http://schemas.microsoft.com/office/drawing/2014/main" id="{0E131270-8A5A-694F-890F-58C487AA73F5}"/>
+                <a16:creationId xmlns:a16="http://schemas.microsoft.com/office/drawing/2014/main" id="{31083DA5-FC0C-7847-A1B9-700790362716}"/>
               </a:ext>
             </a:extLst>
           </p:cNvPr>
@@ -11552,7 +11888,7 @@
           <p:nvPr/>
         </p:nvPicPr>
         <p:blipFill rotWithShape="1">
-          <a:blip r:embed="rId2">
+          <a:blip r:embed="rId3">
             <a:clrChange>
               <a:clrFrom>
                 <a:srgbClr val="FFFFFF"/>
@@ -11569,21 +11905,56 @@
               </a:ext>
             </a:extLst>
           </a:blip>
-          <a:srcRect l="8333" t="10834" r="6667" b="8333"/>
+          <a:srcRect l="5000" t="8333" r="6666" b="6667"/>
           <a:stretch/>
         </p:blipFill>
         <p:spPr>
           <a:xfrm>
-            <a:off x="1333995" y="1760514"/>
-            <a:ext cx="3886200" cy="3695702"/>
+            <a:off x="1306501" y="1676400"/>
+            <a:ext cx="4038600" cy="3886200"/>
           </a:xfrm>
           <a:prstGeom prst="rect">
             <a:avLst/>
           </a:prstGeom>
         </p:spPr>
       </p:pic>
-      <mc:AlternateContent xmlns:mc="http://schemas.openxmlformats.org/markup-compatibility/2006">
-        <mc:Choice xmlns:a14="http://schemas.microsoft.com/office/drawing/2010/main" Requires="a14">
+      <p:sp>
+        <p:nvSpPr>
+          <p:cNvPr id="2" name="テキスト ボックス 1">
+            <a:extLst>
+              <a:ext uri="{FF2B5EF4-FFF2-40B4-BE49-F238E27FC236}">
+                <a16:creationId xmlns:a16="http://schemas.microsoft.com/office/drawing/2014/main" id="{EE3D1CA6-1E6E-AF43-83DB-28565166E873}"/>
+              </a:ext>
+            </a:extLst>
+          </p:cNvPr>
+          <p:cNvSpPr txBox="1"/>
+          <p:nvPr/>
+        </p:nvSpPr>
+        <p:spPr>
+          <a:xfrm>
+            <a:off x="3852430" y="1908280"/>
+            <a:ext cx="877163" cy="369332"/>
+          </a:xfrm>
+          <a:prstGeom prst="rect">
+            <a:avLst/>
+          </a:prstGeom>
+          <a:noFill/>
+        </p:spPr>
+        <p:txBody>
+          <a:bodyPr wrap="none" rtlCol="0">
+            <a:spAutoFit/>
+          </a:bodyPr>
+          <a:lstStyle/>
+          <a:p>
+            <a:r>
+              <a:rPr kumimoji="1" lang="ja-JP" altLang="en-US"/>
+              <a:t>個体数</a:t>
+            </a:r>
+          </a:p>
+        </p:txBody>
+      </p:sp>
+      <mc:AlternateContent xmlns:mc="http://schemas.openxmlformats.org/markup-compatibility/2006" xmlns:a14="http://schemas.microsoft.com/office/drawing/2010/main">
+        <mc:Choice Requires="a14">
           <p:sp>
             <p:nvSpPr>
               <p:cNvPr id="4" name="テキスト ボックス 3">
@@ -11640,7 +12011,7 @@
             </p:txBody>
           </p:sp>
         </mc:Choice>
-        <mc:Fallback>
+        <mc:Fallback xmlns="">
           <p:sp>
             <p:nvSpPr>
               <p:cNvPr id="4" name="テキスト ボックス 3">
@@ -11664,7 +12035,7 @@
                 <a:avLst/>
               </a:prstGeom>
               <a:blipFill>
-                <a:blip r:embed="rId3"/>
+                <a:blip r:embed="rId4"/>
                 <a:stretch>
                   <a:fillRect l="-10606" r="-27273" b="-3323"/>
                 </a:stretch>
@@ -11725,10 +12096,222 @@
           </a:p>
         </p:txBody>
       </p:sp>
+      <p:pic>
+        <p:nvPicPr>
+          <p:cNvPr id="11" name="図 10" descr="地図, テキスト が含まれている画像&#10;&#10;&#10;&#10;自動的に生成された説明">
+            <a:extLst>
+              <a:ext uri="{FF2B5EF4-FFF2-40B4-BE49-F238E27FC236}">
+                <a16:creationId xmlns:a16="http://schemas.microsoft.com/office/drawing/2014/main" id="{B0D71992-02D1-3E49-AA40-A18E17AE9D47}"/>
+              </a:ext>
+            </a:extLst>
+          </p:cNvPr>
+          <p:cNvPicPr>
+            <a:picLocks noChangeAspect="1"/>
+          </p:cNvPicPr>
+          <p:nvPr/>
+        </p:nvPicPr>
+        <p:blipFill rotWithShape="1">
+          <a:blip r:embed="rId5">
+            <a:extLst>
+              <a:ext uri="{28A0092B-C50C-407E-A947-70E740481C1C}">
+                <a14:useLocalDpi xmlns:a14="http://schemas.microsoft.com/office/drawing/2010/main" val="0"/>
+              </a:ext>
+            </a:extLst>
+          </a:blip>
+          <a:srcRect l="68889" t="15354" r="11111" b="55556"/>
+          <a:stretch/>
+        </p:blipFill>
+        <p:spPr>
+          <a:xfrm>
+            <a:off x="3505200" y="2251632"/>
+            <a:ext cx="1571624" cy="2286000"/>
+          </a:xfrm>
+          <a:prstGeom prst="rect">
+            <a:avLst/>
+          </a:prstGeom>
+          <a:ln>
+            <a:solidFill>
+              <a:schemeClr val="tx1"/>
+            </a:solidFill>
+          </a:ln>
+        </p:spPr>
+      </p:pic>
+      <p:sp>
+        <p:nvSpPr>
+          <p:cNvPr id="9" name="タイトル 1">
+            <a:extLst>
+              <a:ext uri="{FF2B5EF4-FFF2-40B4-BE49-F238E27FC236}">
+                <a16:creationId xmlns:a16="http://schemas.microsoft.com/office/drawing/2014/main" id="{E0B7A4FA-77A0-0940-A26E-86D944F4A083}"/>
+              </a:ext>
+            </a:extLst>
+          </p:cNvPr>
+          <p:cNvSpPr txBox="1">
+            <a:spLocks/>
+          </p:cNvSpPr>
+          <p:nvPr/>
+        </p:nvSpPr>
+        <p:spPr>
+          <a:xfrm>
+            <a:off x="76200" y="0"/>
+            <a:ext cx="9067800" cy="1143000"/>
+          </a:xfrm>
+          <a:prstGeom prst="rect">
+            <a:avLst/>
+          </a:prstGeom>
+        </p:spPr>
+        <p:txBody>
+          <a:bodyPr/>
+          <a:lstStyle>
+            <a:lvl1pPr algn="just" rtl="0" eaLnBrk="0" fontAlgn="base" hangingPunct="0">
+              <a:spcBef>
+                <a:spcPct val="0"/>
+              </a:spcBef>
+              <a:spcAft>
+                <a:spcPct val="0"/>
+              </a:spcAft>
+              <a:defRPr kumimoji="1" sz="4400" b="1">
+                <a:solidFill>
+                  <a:schemeClr val="bg1"/>
+                </a:solidFill>
+                <a:latin typeface="+mj-lt"/>
+                <a:ea typeface="+mj-ea"/>
+                <a:cs typeface="+mj-cs"/>
+              </a:defRPr>
+            </a:lvl1pPr>
+            <a:lvl2pPr algn="just" rtl="0" eaLnBrk="0" fontAlgn="base" hangingPunct="0">
+              <a:spcBef>
+                <a:spcPct val="0"/>
+              </a:spcBef>
+              <a:spcAft>
+                <a:spcPct val="0"/>
+              </a:spcAft>
+              <a:defRPr kumimoji="1" sz="4400" b="1">
+                <a:solidFill>
+                  <a:schemeClr val="bg1"/>
+                </a:solidFill>
+                <a:latin typeface="Times New Roman" pitchFamily="18" charset="0"/>
+                <a:ea typeface="ＭＳ Ｐゴシック" pitchFamily="50" charset="-128"/>
+              </a:defRPr>
+            </a:lvl2pPr>
+            <a:lvl3pPr algn="just" rtl="0" eaLnBrk="0" fontAlgn="base" hangingPunct="0">
+              <a:spcBef>
+                <a:spcPct val="0"/>
+              </a:spcBef>
+              <a:spcAft>
+                <a:spcPct val="0"/>
+              </a:spcAft>
+              <a:defRPr kumimoji="1" sz="4400" b="1">
+                <a:solidFill>
+                  <a:schemeClr val="bg1"/>
+                </a:solidFill>
+                <a:latin typeface="Times New Roman" pitchFamily="18" charset="0"/>
+                <a:ea typeface="ＭＳ Ｐゴシック" pitchFamily="50" charset="-128"/>
+              </a:defRPr>
+            </a:lvl3pPr>
+            <a:lvl4pPr algn="just" rtl="0" eaLnBrk="0" fontAlgn="base" hangingPunct="0">
+              <a:spcBef>
+                <a:spcPct val="0"/>
+              </a:spcBef>
+              <a:spcAft>
+                <a:spcPct val="0"/>
+              </a:spcAft>
+              <a:defRPr kumimoji="1" sz="4400" b="1">
+                <a:solidFill>
+                  <a:schemeClr val="bg1"/>
+                </a:solidFill>
+                <a:latin typeface="Times New Roman" pitchFamily="18" charset="0"/>
+                <a:ea typeface="ＭＳ Ｐゴシック" pitchFamily="50" charset="-128"/>
+              </a:defRPr>
+            </a:lvl4pPr>
+            <a:lvl5pPr algn="just" rtl="0" eaLnBrk="0" fontAlgn="base" hangingPunct="0">
+              <a:spcBef>
+                <a:spcPct val="0"/>
+              </a:spcBef>
+              <a:spcAft>
+                <a:spcPct val="0"/>
+              </a:spcAft>
+              <a:defRPr kumimoji="1" sz="4400" b="1">
+                <a:solidFill>
+                  <a:schemeClr val="bg1"/>
+                </a:solidFill>
+                <a:latin typeface="Times New Roman" pitchFamily="18" charset="0"/>
+                <a:ea typeface="ＭＳ Ｐゴシック" pitchFamily="50" charset="-128"/>
+              </a:defRPr>
+            </a:lvl5pPr>
+            <a:lvl6pPr marL="457200" algn="just" rtl="0" fontAlgn="base">
+              <a:spcBef>
+                <a:spcPct val="0"/>
+              </a:spcBef>
+              <a:spcAft>
+                <a:spcPct val="0"/>
+              </a:spcAft>
+              <a:defRPr kumimoji="1" sz="4400" b="1">
+                <a:solidFill>
+                  <a:schemeClr val="bg1"/>
+                </a:solidFill>
+                <a:latin typeface="Times New Roman" pitchFamily="18" charset="0"/>
+                <a:ea typeface="ＭＳ Ｐゴシック" pitchFamily="50" charset="-128"/>
+              </a:defRPr>
+            </a:lvl6pPr>
+            <a:lvl7pPr marL="914400" algn="just" rtl="0" fontAlgn="base">
+              <a:spcBef>
+                <a:spcPct val="0"/>
+              </a:spcBef>
+              <a:spcAft>
+                <a:spcPct val="0"/>
+              </a:spcAft>
+              <a:defRPr kumimoji="1" sz="4400" b="1">
+                <a:solidFill>
+                  <a:schemeClr val="bg1"/>
+                </a:solidFill>
+                <a:latin typeface="Times New Roman" pitchFamily="18" charset="0"/>
+                <a:ea typeface="ＭＳ Ｐゴシック" pitchFamily="50" charset="-128"/>
+              </a:defRPr>
+            </a:lvl7pPr>
+            <a:lvl8pPr marL="1371600" algn="just" rtl="0" fontAlgn="base">
+              <a:spcBef>
+                <a:spcPct val="0"/>
+              </a:spcBef>
+              <a:spcAft>
+                <a:spcPct val="0"/>
+              </a:spcAft>
+              <a:defRPr kumimoji="1" sz="4400" b="1">
+                <a:solidFill>
+                  <a:schemeClr val="bg1"/>
+                </a:solidFill>
+                <a:latin typeface="Times New Roman" pitchFamily="18" charset="0"/>
+                <a:ea typeface="ＭＳ Ｐゴシック" pitchFamily="50" charset="-128"/>
+              </a:defRPr>
+            </a:lvl8pPr>
+            <a:lvl9pPr marL="1828800" algn="just" rtl="0" fontAlgn="base">
+              <a:spcBef>
+                <a:spcPct val="0"/>
+              </a:spcBef>
+              <a:spcAft>
+                <a:spcPct val="0"/>
+              </a:spcAft>
+              <a:defRPr kumimoji="1" sz="4400" b="1">
+                <a:solidFill>
+                  <a:schemeClr val="bg1"/>
+                </a:solidFill>
+                <a:latin typeface="Times New Roman" pitchFamily="18" charset="0"/>
+                <a:ea typeface="ＭＳ Ｐゴシック" pitchFamily="50" charset="-128"/>
+              </a:defRPr>
+            </a:lvl9pPr>
+          </a:lstStyle>
+          <a:p>
+            <a:r>
+              <a:rPr lang="en-US" altLang="ja-JP" kern="0"/>
+              <a:t>phoneme</a:t>
+            </a:r>
+            <a:endParaRPr lang="ja-JP" altLang="en-US" kern="0"/>
+          </a:p>
+        </p:txBody>
+      </p:sp>
     </p:spTree>
     <p:extLst>
       <p:ext uri="{BB962C8B-B14F-4D97-AF65-F5344CB8AC3E}">
-        <p14:creationId xmlns:p14="http://schemas.microsoft.com/office/powerpoint/2010/main" val="1090688884"/>
+        <p14:creationId xmlns:p14="http://schemas.microsoft.com/office/powerpoint/2010/main" val="93501467"/>
       </p:ext>
     </p:extLst>
   </p:cSld>
@@ -11739,6 +12322,819 @@
 </file>
 
 <file path=ppt/slides/slide19.xml><?xml version="1.0" encoding="utf-8"?>
+<p:sld xmlns:a="http://schemas.openxmlformats.org/drawingml/2006/main" xmlns:r="http://schemas.openxmlformats.org/officeDocument/2006/relationships" xmlns:p="http://schemas.openxmlformats.org/presentationml/2006/main">
+  <p:cSld>
+    <p:spTree>
+      <p:nvGrpSpPr>
+        <p:cNvPr id="1" name=""/>
+        <p:cNvGrpSpPr/>
+        <p:nvPr/>
+      </p:nvGrpSpPr>
+      <p:grpSpPr>
+        <a:xfrm>
+          <a:off x="0" y="0"/>
+          <a:ext cx="0" cy="0"/>
+          <a:chOff x="0" y="0"/>
+          <a:chExt cx="0" cy="0"/>
+        </a:xfrm>
+      </p:grpSpPr>
+      <p:pic>
+        <p:nvPicPr>
+          <p:cNvPr id="8" name="図 7" descr="地図, テキスト が含まれている画像&#10;&#10;&#10;&#10;自動的に生成された説明">
+            <a:extLst>
+              <a:ext uri="{FF2B5EF4-FFF2-40B4-BE49-F238E27FC236}">
+                <a16:creationId xmlns:a16="http://schemas.microsoft.com/office/drawing/2014/main" id="{D4575C73-5DE9-7A48-AD5A-F46E3709C966}"/>
+              </a:ext>
+            </a:extLst>
+          </p:cNvPr>
+          <p:cNvPicPr>
+            <a:picLocks noChangeAspect="1"/>
+          </p:cNvPicPr>
+          <p:nvPr/>
+        </p:nvPicPr>
+        <p:blipFill rotWithShape="1">
+          <a:blip r:embed="rId3">
+            <a:clrChange>
+              <a:clrFrom>
+                <a:srgbClr val="FFFFFF"/>
+              </a:clrFrom>
+              <a:clrTo>
+                <a:srgbClr val="FFFFFF">
+                  <a:alpha val="0"/>
+                </a:srgbClr>
+              </a:clrTo>
+            </a:clrChange>
+            <a:extLst>
+              <a:ext uri="{28A0092B-C50C-407E-A947-70E740481C1C}">
+                <a14:useLocalDpi xmlns:a14="http://schemas.microsoft.com/office/drawing/2010/main" val="0"/>
+              </a:ext>
+            </a:extLst>
+          </a:blip>
+          <a:srcRect l="6666" t="8333" r="8333" b="8333"/>
+          <a:stretch/>
+        </p:blipFill>
+        <p:spPr>
+          <a:xfrm>
+            <a:off x="1382701" y="1676400"/>
+            <a:ext cx="3886200" cy="3810000"/>
+          </a:xfrm>
+          <a:prstGeom prst="rect">
+            <a:avLst/>
+          </a:prstGeom>
+        </p:spPr>
+      </p:pic>
+      <mc:AlternateContent xmlns:mc="http://schemas.openxmlformats.org/markup-compatibility/2006" xmlns:a14="http://schemas.microsoft.com/office/drawing/2010/main">
+        <mc:Choice Requires="a14">
+          <p:sp>
+            <p:nvSpPr>
+              <p:cNvPr id="4" name="テキスト ボックス 3">
+                <a:extLst>
+                  <a:ext uri="{FF2B5EF4-FFF2-40B4-BE49-F238E27FC236}">
+                    <a16:creationId xmlns:a16="http://schemas.microsoft.com/office/drawing/2014/main" id="{4C409D09-4126-564E-8142-EF558A61A3B2}"/>
+                  </a:ext>
+                </a:extLst>
+              </p:cNvPr>
+              <p:cNvSpPr txBox="1"/>
+              <p:nvPr/>
+            </p:nvSpPr>
+            <p:spPr>
+              <a:xfrm rot="16200000">
+                <a:off x="124291" y="3095594"/>
+                <a:ext cx="2019299" cy="400110"/>
+              </a:xfrm>
+              <a:prstGeom prst="rect">
+                <a:avLst/>
+              </a:prstGeom>
+              <a:noFill/>
+            </p:spPr>
+            <p:txBody>
+              <a:bodyPr wrap="square" rtlCol="0">
+                <a:spAutoFit/>
+              </a:bodyPr>
+              <a:lstStyle/>
+              <a:p>
+                <a:r>
+                  <a:rPr kumimoji="1" lang="ja-JP" altLang="en-US" sz="2000" dirty="0"/>
+                  <a:t>誤識別率</a:t>
+                </a:r>
+                <a:r>
+                  <a:rPr kumimoji="1" lang="en-US" altLang="ja-JP" sz="2000" dirty="0"/>
+                  <a:t> [</a:t>
+                </a:r>
+                <a14:m>
+                  <m:oMath xmlns:m="http://schemas.openxmlformats.org/officeDocument/2006/math">
+                    <m:r>
+                      <a:rPr kumimoji="1" lang="en-US" altLang="ja-JP" sz="2000" i="1">
+                        <a:latin typeface="Cambria Math" panose="02040503050406030204" pitchFamily="18" charset="0"/>
+                        <a:ea typeface="Cambria Math" panose="02040503050406030204" pitchFamily="18" charset="0"/>
+                      </a:rPr>
+                      <m:t>%</m:t>
+                    </m:r>
+                  </m:oMath>
+                </a14:m>
+                <a:r>
+                  <a:rPr kumimoji="1" lang="en-US" altLang="ja-JP" sz="2000" dirty="0"/>
+                  <a:t>]</a:t>
+                </a:r>
+                <a:endParaRPr kumimoji="1" lang="ja-JP" altLang="en-US" sz="2000" dirty="0"/>
+              </a:p>
+            </p:txBody>
+          </p:sp>
+        </mc:Choice>
+        <mc:Fallback xmlns="">
+          <p:sp>
+            <p:nvSpPr>
+              <p:cNvPr id="4" name="テキスト ボックス 3">
+                <a:extLst>
+                  <a:ext uri="{FF2B5EF4-FFF2-40B4-BE49-F238E27FC236}">
+                    <a16:creationId xmlns:a16="http://schemas.microsoft.com/office/drawing/2014/main" id="{4C409D09-4126-564E-8142-EF558A61A3B2}"/>
+                  </a:ext>
+                </a:extLst>
+              </p:cNvPr>
+              <p:cNvSpPr txBox="1">
+                <a:spLocks noRot="1" noChangeAspect="1" noMove="1" noResize="1" noEditPoints="1" noAdjustHandles="1" noChangeArrowheads="1" noChangeShapeType="1" noTextEdit="1"/>
+              </p:cNvSpPr>
+              <p:nvPr/>
+            </p:nvSpPr>
+            <p:spPr>
+              <a:xfrm rot="16200000">
+                <a:off x="124291" y="3095594"/>
+                <a:ext cx="2019299" cy="400110"/>
+              </a:xfrm>
+              <a:prstGeom prst="rect">
+                <a:avLst/>
+              </a:prstGeom>
+              <a:blipFill>
+                <a:blip r:embed="rId4"/>
+                <a:stretch>
+                  <a:fillRect l="-10606" r="-27273" b="-3323"/>
+                </a:stretch>
+              </a:blipFill>
+            </p:spPr>
+            <p:txBody>
+              <a:bodyPr/>
+              <a:lstStyle/>
+              <a:p>
+                <a:r>
+                  <a:rPr lang="ja-JP" altLang="en-US">
+                    <a:noFill/>
+                  </a:rPr>
+                  <a:t> </a:t>
+                </a:r>
+              </a:p>
+            </p:txBody>
+          </p:sp>
+        </mc:Fallback>
+      </mc:AlternateContent>
+      <p:sp>
+        <p:nvSpPr>
+          <p:cNvPr id="5" name="テキスト ボックス 4">
+            <a:extLst>
+              <a:ext uri="{FF2B5EF4-FFF2-40B4-BE49-F238E27FC236}">
+                <a16:creationId xmlns:a16="http://schemas.microsoft.com/office/drawing/2014/main" id="{3042699D-F075-0D46-A85E-505FE164BB32}"/>
+              </a:ext>
+            </a:extLst>
+          </p:cNvPr>
+          <p:cNvSpPr txBox="1"/>
+          <p:nvPr/>
+        </p:nvSpPr>
+        <p:spPr>
+          <a:xfrm>
+            <a:off x="2438400" y="5456216"/>
+            <a:ext cx="2019299" cy="400110"/>
+          </a:xfrm>
+          <a:prstGeom prst="rect">
+            <a:avLst/>
+          </a:prstGeom>
+          <a:noFill/>
+        </p:spPr>
+        <p:txBody>
+          <a:bodyPr wrap="square" rtlCol="0">
+            <a:spAutoFit/>
+          </a:bodyPr>
+          <a:lstStyle/>
+          <a:p>
+            <a:r>
+              <a:rPr lang="ja-JP" altLang="en-US" sz="2000"/>
+              <a:t>ルール数</a:t>
+            </a:r>
+            <a:r>
+              <a:rPr kumimoji="1" lang="en-US" altLang="ja-JP" sz="2000"/>
+              <a:t> [-]</a:t>
+            </a:r>
+            <a:endParaRPr kumimoji="1" lang="ja-JP" altLang="en-US" sz="2000"/>
+          </a:p>
+        </p:txBody>
+      </p:sp>
+      <p:sp>
+        <p:nvSpPr>
+          <p:cNvPr id="9" name="タイトル 1">
+            <a:extLst>
+              <a:ext uri="{FF2B5EF4-FFF2-40B4-BE49-F238E27FC236}">
+                <a16:creationId xmlns:a16="http://schemas.microsoft.com/office/drawing/2014/main" id="{E0B7A4FA-77A0-0940-A26E-86D944F4A083}"/>
+              </a:ext>
+            </a:extLst>
+          </p:cNvPr>
+          <p:cNvSpPr txBox="1">
+            <a:spLocks/>
+          </p:cNvSpPr>
+          <p:nvPr/>
+        </p:nvSpPr>
+        <p:spPr>
+          <a:xfrm>
+            <a:off x="76200" y="0"/>
+            <a:ext cx="9067800" cy="1143000"/>
+          </a:xfrm>
+          <a:prstGeom prst="rect">
+            <a:avLst/>
+          </a:prstGeom>
+        </p:spPr>
+        <p:txBody>
+          <a:bodyPr/>
+          <a:lstStyle>
+            <a:lvl1pPr algn="just" rtl="0" eaLnBrk="0" fontAlgn="base" hangingPunct="0">
+              <a:spcBef>
+                <a:spcPct val="0"/>
+              </a:spcBef>
+              <a:spcAft>
+                <a:spcPct val="0"/>
+              </a:spcAft>
+              <a:defRPr kumimoji="1" sz="4400" b="1">
+                <a:solidFill>
+                  <a:schemeClr val="bg1"/>
+                </a:solidFill>
+                <a:latin typeface="+mj-lt"/>
+                <a:ea typeface="+mj-ea"/>
+                <a:cs typeface="+mj-cs"/>
+              </a:defRPr>
+            </a:lvl1pPr>
+            <a:lvl2pPr algn="just" rtl="0" eaLnBrk="0" fontAlgn="base" hangingPunct="0">
+              <a:spcBef>
+                <a:spcPct val="0"/>
+              </a:spcBef>
+              <a:spcAft>
+                <a:spcPct val="0"/>
+              </a:spcAft>
+              <a:defRPr kumimoji="1" sz="4400" b="1">
+                <a:solidFill>
+                  <a:schemeClr val="bg1"/>
+                </a:solidFill>
+                <a:latin typeface="Times New Roman" pitchFamily="18" charset="0"/>
+                <a:ea typeface="ＭＳ Ｐゴシック" pitchFamily="50" charset="-128"/>
+              </a:defRPr>
+            </a:lvl2pPr>
+            <a:lvl3pPr algn="just" rtl="0" eaLnBrk="0" fontAlgn="base" hangingPunct="0">
+              <a:spcBef>
+                <a:spcPct val="0"/>
+              </a:spcBef>
+              <a:spcAft>
+                <a:spcPct val="0"/>
+              </a:spcAft>
+              <a:defRPr kumimoji="1" sz="4400" b="1">
+                <a:solidFill>
+                  <a:schemeClr val="bg1"/>
+                </a:solidFill>
+                <a:latin typeface="Times New Roman" pitchFamily="18" charset="0"/>
+                <a:ea typeface="ＭＳ Ｐゴシック" pitchFamily="50" charset="-128"/>
+              </a:defRPr>
+            </a:lvl3pPr>
+            <a:lvl4pPr algn="just" rtl="0" eaLnBrk="0" fontAlgn="base" hangingPunct="0">
+              <a:spcBef>
+                <a:spcPct val="0"/>
+              </a:spcBef>
+              <a:spcAft>
+                <a:spcPct val="0"/>
+              </a:spcAft>
+              <a:defRPr kumimoji="1" sz="4400" b="1">
+                <a:solidFill>
+                  <a:schemeClr val="bg1"/>
+                </a:solidFill>
+                <a:latin typeface="Times New Roman" pitchFamily="18" charset="0"/>
+                <a:ea typeface="ＭＳ Ｐゴシック" pitchFamily="50" charset="-128"/>
+              </a:defRPr>
+            </a:lvl4pPr>
+            <a:lvl5pPr algn="just" rtl="0" eaLnBrk="0" fontAlgn="base" hangingPunct="0">
+              <a:spcBef>
+                <a:spcPct val="0"/>
+              </a:spcBef>
+              <a:spcAft>
+                <a:spcPct val="0"/>
+              </a:spcAft>
+              <a:defRPr kumimoji="1" sz="4400" b="1">
+                <a:solidFill>
+                  <a:schemeClr val="bg1"/>
+                </a:solidFill>
+                <a:latin typeface="Times New Roman" pitchFamily="18" charset="0"/>
+                <a:ea typeface="ＭＳ Ｐゴシック" pitchFamily="50" charset="-128"/>
+              </a:defRPr>
+            </a:lvl5pPr>
+            <a:lvl6pPr marL="457200" algn="just" rtl="0" fontAlgn="base">
+              <a:spcBef>
+                <a:spcPct val="0"/>
+              </a:spcBef>
+              <a:spcAft>
+                <a:spcPct val="0"/>
+              </a:spcAft>
+              <a:defRPr kumimoji="1" sz="4400" b="1">
+                <a:solidFill>
+                  <a:schemeClr val="bg1"/>
+                </a:solidFill>
+                <a:latin typeface="Times New Roman" pitchFamily="18" charset="0"/>
+                <a:ea typeface="ＭＳ Ｐゴシック" pitchFamily="50" charset="-128"/>
+              </a:defRPr>
+            </a:lvl6pPr>
+            <a:lvl7pPr marL="914400" algn="just" rtl="0" fontAlgn="base">
+              <a:spcBef>
+                <a:spcPct val="0"/>
+              </a:spcBef>
+              <a:spcAft>
+                <a:spcPct val="0"/>
+              </a:spcAft>
+              <a:defRPr kumimoji="1" sz="4400" b="1">
+                <a:solidFill>
+                  <a:schemeClr val="bg1"/>
+                </a:solidFill>
+                <a:latin typeface="Times New Roman" pitchFamily="18" charset="0"/>
+                <a:ea typeface="ＭＳ Ｐゴシック" pitchFamily="50" charset="-128"/>
+              </a:defRPr>
+            </a:lvl7pPr>
+            <a:lvl8pPr marL="1371600" algn="just" rtl="0" fontAlgn="base">
+              <a:spcBef>
+                <a:spcPct val="0"/>
+              </a:spcBef>
+              <a:spcAft>
+                <a:spcPct val="0"/>
+              </a:spcAft>
+              <a:defRPr kumimoji="1" sz="4400" b="1">
+                <a:solidFill>
+                  <a:schemeClr val="bg1"/>
+                </a:solidFill>
+                <a:latin typeface="Times New Roman" pitchFamily="18" charset="0"/>
+                <a:ea typeface="ＭＳ Ｐゴシック" pitchFamily="50" charset="-128"/>
+              </a:defRPr>
+            </a:lvl8pPr>
+            <a:lvl9pPr marL="1828800" algn="just" rtl="0" fontAlgn="base">
+              <a:spcBef>
+                <a:spcPct val="0"/>
+              </a:spcBef>
+              <a:spcAft>
+                <a:spcPct val="0"/>
+              </a:spcAft>
+              <a:defRPr kumimoji="1" sz="4400" b="1">
+                <a:solidFill>
+                  <a:schemeClr val="bg1"/>
+                </a:solidFill>
+                <a:latin typeface="Times New Roman" pitchFamily="18" charset="0"/>
+                <a:ea typeface="ＭＳ Ｐゴシック" pitchFamily="50" charset="-128"/>
+              </a:defRPr>
+            </a:lvl9pPr>
+          </a:lstStyle>
+          <a:p>
+            <a:r>
+              <a:rPr lang="en-US" altLang="ja-JP" kern="0"/>
+              <a:t>satimage</a:t>
+            </a:r>
+            <a:endParaRPr lang="ja-JP" altLang="en-US" kern="0"/>
+          </a:p>
+        </p:txBody>
+      </p:sp>
+      <p:pic>
+        <p:nvPicPr>
+          <p:cNvPr id="10" name="図 9" descr="地図, テキスト が含まれている画像&#10;&#10;&#10;&#10;自動的に生成された説明">
+            <a:extLst>
+              <a:ext uri="{FF2B5EF4-FFF2-40B4-BE49-F238E27FC236}">
+                <a16:creationId xmlns:a16="http://schemas.microsoft.com/office/drawing/2014/main" id="{6357094D-5371-C04D-9462-896DAB714E69}"/>
+              </a:ext>
+            </a:extLst>
+          </p:cNvPr>
+          <p:cNvPicPr>
+            <a:picLocks noChangeAspect="1"/>
+          </p:cNvPicPr>
+          <p:nvPr/>
+        </p:nvPicPr>
+        <p:blipFill rotWithShape="1">
+          <a:blip r:embed="rId5">
+            <a:extLst>
+              <a:ext uri="{28A0092B-C50C-407E-A947-70E740481C1C}">
+                <a14:useLocalDpi xmlns:a14="http://schemas.microsoft.com/office/drawing/2010/main" val="0"/>
+              </a:ext>
+            </a:extLst>
+          </a:blip>
+          <a:srcRect l="68889" t="15556" r="11111" b="55555"/>
+          <a:stretch/>
+        </p:blipFill>
+        <p:spPr>
+          <a:xfrm>
+            <a:off x="3505200" y="2238642"/>
+            <a:ext cx="1582615" cy="2286000"/>
+          </a:xfrm>
+          <a:prstGeom prst="rect">
+            <a:avLst/>
+          </a:prstGeom>
+          <a:ln>
+            <a:solidFill>
+              <a:schemeClr val="tx1"/>
+            </a:solidFill>
+          </a:ln>
+        </p:spPr>
+      </p:pic>
+      <p:sp>
+        <p:nvSpPr>
+          <p:cNvPr id="16" name="テキスト ボックス 15">
+            <a:extLst>
+              <a:ext uri="{FF2B5EF4-FFF2-40B4-BE49-F238E27FC236}">
+                <a16:creationId xmlns:a16="http://schemas.microsoft.com/office/drawing/2014/main" id="{9F80D45A-6CC8-5D40-8777-B8064651B313}"/>
+              </a:ext>
+            </a:extLst>
+          </p:cNvPr>
+          <p:cNvSpPr txBox="1"/>
+          <p:nvPr/>
+        </p:nvSpPr>
+        <p:spPr>
+          <a:xfrm>
+            <a:off x="3852430" y="1908280"/>
+            <a:ext cx="877163" cy="369332"/>
+          </a:xfrm>
+          <a:prstGeom prst="rect">
+            <a:avLst/>
+          </a:prstGeom>
+          <a:noFill/>
+        </p:spPr>
+        <p:txBody>
+          <a:bodyPr wrap="none" rtlCol="0">
+            <a:spAutoFit/>
+          </a:bodyPr>
+          <a:lstStyle/>
+          <a:p>
+            <a:r>
+              <a:rPr kumimoji="1" lang="ja-JP" altLang="en-US"/>
+              <a:t>個体数</a:t>
+            </a:r>
+          </a:p>
+        </p:txBody>
+      </p:sp>
+    </p:spTree>
+    <p:extLst>
+      <p:ext uri="{BB962C8B-B14F-4D97-AF65-F5344CB8AC3E}">
+        <p14:creationId xmlns:p14="http://schemas.microsoft.com/office/powerpoint/2010/main" val="366543927"/>
+      </p:ext>
+    </p:extLst>
+  </p:cSld>
+  <p:clrMapOvr>
+    <a:masterClrMapping/>
+  </p:clrMapOvr>
+</p:sld>
+</file>
+
+<file path=ppt/slides/slide2.xml><?xml version="1.0" encoding="utf-8"?>
+<p:sld xmlns:a="http://schemas.openxmlformats.org/drawingml/2006/main" xmlns:r="http://schemas.openxmlformats.org/officeDocument/2006/relationships" xmlns:p="http://schemas.openxmlformats.org/presentationml/2006/main">
+  <p:cSld>
+    <p:spTree>
+      <p:nvGrpSpPr>
+        <p:cNvPr id="1" name=""/>
+        <p:cNvGrpSpPr/>
+        <p:nvPr/>
+      </p:nvGrpSpPr>
+      <p:grpSpPr>
+        <a:xfrm>
+          <a:off x="0" y="0"/>
+          <a:ext cx="0" cy="0"/>
+          <a:chOff x="0" y="0"/>
+          <a:chExt cx="0" cy="0"/>
+        </a:xfrm>
+      </p:grpSpPr>
+      <p:sp>
+        <p:nvSpPr>
+          <p:cNvPr id="2" name="タイトル 1"/>
+          <p:cNvSpPr>
+            <a:spLocks noGrp="1"/>
+          </p:cNvSpPr>
+          <p:nvPr>
+            <p:ph type="title"/>
+          </p:nvPr>
+        </p:nvSpPr>
+        <p:spPr/>
+        <p:txBody>
+          <a:bodyPr/>
+          <a:lstStyle/>
+          <a:p>
+            <a:r>
+              <a:rPr kumimoji="1" lang="ja-JP" altLang="en-US" dirty="0"/>
+              <a:t>研究背景</a:t>
+            </a:r>
+          </a:p>
+        </p:txBody>
+      </p:sp>
+      <p:sp>
+        <p:nvSpPr>
+          <p:cNvPr id="3" name="コンテンツ プレースホルダー 2">
+            <a:extLst>
+              <a:ext uri="{FF2B5EF4-FFF2-40B4-BE49-F238E27FC236}">
+                <a16:creationId xmlns:a16="http://schemas.microsoft.com/office/drawing/2014/main" id="{650AC380-765B-0448-9A5B-64B42AA5E0E3}"/>
+              </a:ext>
+            </a:extLst>
+          </p:cNvPr>
+          <p:cNvSpPr txBox="1">
+            <a:spLocks/>
+          </p:cNvSpPr>
+          <p:nvPr/>
+        </p:nvSpPr>
+        <p:spPr bwMode="auto">
+          <a:xfrm>
+            <a:off x="434770" y="1428984"/>
+            <a:ext cx="8328230" cy="5124216"/>
+          </a:xfrm>
+          <a:prstGeom prst="rect">
+            <a:avLst/>
+          </a:prstGeom>
+          <a:noFill/>
+          <a:ln>
+            <a:noFill/>
+          </a:ln>
+          <a:extLst>
+            <a:ext uri="{909E8E84-426E-40DD-AFC4-6F175D3DCCD1}">
+              <a14:hiddenFill xmlns:a14="http://schemas.microsoft.com/office/drawing/2010/main">
+                <a:solidFill>
+                  <a:srgbClr val="FFFFFF"/>
+                </a:solidFill>
+              </a14:hiddenFill>
+            </a:ext>
+            <a:ext uri="{91240B29-F687-4F45-9708-019B960494DF}">
+              <a14:hiddenLine xmlns:a14="http://schemas.microsoft.com/office/drawing/2010/main" w="9525">
+                <a:solidFill>
+                  <a:srgbClr val="000000"/>
+                </a:solidFill>
+                <a:miter lim="800000"/>
+                <a:headEnd/>
+                <a:tailEnd/>
+              </a14:hiddenLine>
+            </a:ext>
+          </a:extLst>
+        </p:spPr>
+        <p:txBody>
+          <a:bodyPr vert="horz" wrap="square" lIns="91440" tIns="45720" rIns="91440" bIns="45720" numCol="1" anchor="t" anchorCtr="0" compatLnSpc="1">
+            <a:prstTxWarp prst="textNoShape">
+              <a:avLst/>
+            </a:prstTxWarp>
+          </a:bodyPr>
+          <a:lstStyle>
+            <a:lvl1pPr marL="342900" indent="-342900" algn="l" rtl="0" eaLnBrk="0" fontAlgn="base" hangingPunct="0">
+              <a:spcBef>
+                <a:spcPct val="20000"/>
+              </a:spcBef>
+              <a:spcAft>
+                <a:spcPct val="0"/>
+              </a:spcAft>
+              <a:buChar char="•"/>
+              <a:defRPr kumimoji="1" sz="3200">
+                <a:solidFill>
+                  <a:schemeClr val="tx1"/>
+                </a:solidFill>
+                <a:latin typeface="+mn-lt"/>
+                <a:ea typeface="+mn-ea"/>
+                <a:cs typeface="+mn-cs"/>
+              </a:defRPr>
+            </a:lvl1pPr>
+            <a:lvl2pPr marL="742950" indent="-285750" algn="l" rtl="0" eaLnBrk="0" fontAlgn="base" hangingPunct="0">
+              <a:spcBef>
+                <a:spcPct val="20000"/>
+              </a:spcBef>
+              <a:spcAft>
+                <a:spcPct val="0"/>
+              </a:spcAft>
+              <a:buChar char="–"/>
+              <a:defRPr kumimoji="1" sz="2800">
+                <a:solidFill>
+                  <a:schemeClr val="tx1"/>
+                </a:solidFill>
+                <a:latin typeface="+mn-lt"/>
+                <a:ea typeface="+mn-ea"/>
+              </a:defRPr>
+            </a:lvl2pPr>
+            <a:lvl3pPr marL="1143000" indent="-228600" algn="l" rtl="0" eaLnBrk="0" fontAlgn="base" hangingPunct="0">
+              <a:spcBef>
+                <a:spcPct val="20000"/>
+              </a:spcBef>
+              <a:spcAft>
+                <a:spcPct val="0"/>
+              </a:spcAft>
+              <a:buChar char="•"/>
+              <a:defRPr kumimoji="1" sz="2400">
+                <a:solidFill>
+                  <a:schemeClr val="tx1"/>
+                </a:solidFill>
+                <a:latin typeface="+mn-lt"/>
+                <a:ea typeface="+mn-ea"/>
+              </a:defRPr>
+            </a:lvl3pPr>
+            <a:lvl4pPr marL="1600200" indent="-228600" algn="l" rtl="0" eaLnBrk="0" fontAlgn="base" hangingPunct="0">
+              <a:spcBef>
+                <a:spcPct val="20000"/>
+              </a:spcBef>
+              <a:spcAft>
+                <a:spcPct val="0"/>
+              </a:spcAft>
+              <a:buChar char="–"/>
+              <a:defRPr kumimoji="1" sz="2000">
+                <a:solidFill>
+                  <a:schemeClr val="tx1"/>
+                </a:solidFill>
+                <a:latin typeface="+mn-lt"/>
+                <a:ea typeface="+mn-ea"/>
+              </a:defRPr>
+            </a:lvl4pPr>
+            <a:lvl5pPr marL="2057400" indent="-228600" algn="l" rtl="0" eaLnBrk="0" fontAlgn="base" hangingPunct="0">
+              <a:spcBef>
+                <a:spcPct val="20000"/>
+              </a:spcBef>
+              <a:spcAft>
+                <a:spcPct val="0"/>
+              </a:spcAft>
+              <a:buChar char="»"/>
+              <a:defRPr kumimoji="1" sz="2000">
+                <a:solidFill>
+                  <a:schemeClr val="tx1"/>
+                </a:solidFill>
+                <a:latin typeface="+mn-lt"/>
+                <a:ea typeface="+mn-ea"/>
+              </a:defRPr>
+            </a:lvl5pPr>
+            <a:lvl6pPr marL="2514600" indent="-228600" algn="l" rtl="0" fontAlgn="base">
+              <a:spcBef>
+                <a:spcPct val="20000"/>
+              </a:spcBef>
+              <a:spcAft>
+                <a:spcPct val="0"/>
+              </a:spcAft>
+              <a:buChar char="»"/>
+              <a:defRPr kumimoji="1" sz="2000">
+                <a:solidFill>
+                  <a:schemeClr val="tx1"/>
+                </a:solidFill>
+                <a:latin typeface="+mn-lt"/>
+                <a:ea typeface="+mn-ea"/>
+              </a:defRPr>
+            </a:lvl6pPr>
+            <a:lvl7pPr marL="2971800" indent="-228600" algn="l" rtl="0" fontAlgn="base">
+              <a:spcBef>
+                <a:spcPct val="20000"/>
+              </a:spcBef>
+              <a:spcAft>
+                <a:spcPct val="0"/>
+              </a:spcAft>
+              <a:buChar char="»"/>
+              <a:defRPr kumimoji="1" sz="2000">
+                <a:solidFill>
+                  <a:schemeClr val="tx1"/>
+                </a:solidFill>
+                <a:latin typeface="+mn-lt"/>
+                <a:ea typeface="+mn-ea"/>
+              </a:defRPr>
+            </a:lvl7pPr>
+            <a:lvl8pPr marL="3429000" indent="-228600" algn="l" rtl="0" fontAlgn="base">
+              <a:spcBef>
+                <a:spcPct val="20000"/>
+              </a:spcBef>
+              <a:spcAft>
+                <a:spcPct val="0"/>
+              </a:spcAft>
+              <a:buChar char="»"/>
+              <a:defRPr kumimoji="1" sz="2000">
+                <a:solidFill>
+                  <a:schemeClr val="tx1"/>
+                </a:solidFill>
+                <a:latin typeface="+mn-lt"/>
+                <a:ea typeface="+mn-ea"/>
+              </a:defRPr>
+            </a:lvl8pPr>
+            <a:lvl9pPr marL="3886200" indent="-228600" algn="l" rtl="0" fontAlgn="base">
+              <a:spcBef>
+                <a:spcPct val="20000"/>
+              </a:spcBef>
+              <a:spcAft>
+                <a:spcPct val="0"/>
+              </a:spcAft>
+              <a:buChar char="»"/>
+              <a:defRPr kumimoji="1" sz="2000">
+                <a:solidFill>
+                  <a:schemeClr val="tx1"/>
+                </a:solidFill>
+                <a:latin typeface="+mn-lt"/>
+                <a:ea typeface="+mn-ea"/>
+              </a:defRPr>
+            </a:lvl9pPr>
+          </a:lstStyle>
+          <a:p>
+            <a:pPr marL="0" indent="0">
+              <a:buNone/>
+            </a:pPr>
+            <a:r>
+              <a:rPr lang="ja-JP" altLang="en-US" sz="2800" kern="0" dirty="0"/>
+              <a:t>パターン識別問題において，</a:t>
+            </a:r>
+            <a:r>
+              <a:rPr lang="ja-JP" altLang="en-US" sz="2800" u="sng" kern="0" dirty="0"/>
+              <a:t>識別性能の高さ</a:t>
+            </a:r>
+            <a:r>
+              <a:rPr lang="ja-JP" altLang="en-US" sz="2800" kern="0" dirty="0"/>
+              <a:t>と</a:t>
+            </a:r>
+            <a:br>
+              <a:rPr lang="en-US" altLang="ja-JP" sz="2800" kern="0" dirty="0"/>
+            </a:br>
+            <a:r>
+              <a:rPr lang="ja-JP" altLang="en-US" sz="2800" u="sng" kern="0" dirty="0"/>
+              <a:t>解釈性能の高さ</a:t>
+            </a:r>
+            <a:r>
+              <a:rPr lang="ja-JP" altLang="en-US" sz="2800" kern="0" dirty="0"/>
+              <a:t>を同時に最大化する識別器の設計が期待されている．</a:t>
+            </a:r>
+            <a:endParaRPr lang="en-US" altLang="ja-JP" sz="2800" kern="0" dirty="0"/>
+          </a:p>
+          <a:p>
+            <a:pPr marL="0" indent="0">
+              <a:buNone/>
+            </a:pPr>
+            <a:endParaRPr lang="en-US" altLang="ja-JP" sz="2800" kern="0" dirty="0"/>
+          </a:p>
+          <a:p>
+            <a:pPr marL="0" indent="0">
+              <a:buNone/>
+            </a:pPr>
+            <a:r>
+              <a:rPr lang="ja-JP" altLang="en-US" sz="2800" kern="0" dirty="0"/>
+              <a:t>大規模なデータセットに対する機械学習に</a:t>
+            </a:r>
+            <a:br>
+              <a:rPr lang="en-US" altLang="ja-JP" sz="2800" kern="0" dirty="0"/>
+            </a:br>
+            <a:r>
+              <a:rPr lang="ja-JP" altLang="en-US" sz="2800" kern="0" dirty="0"/>
+              <a:t>かかる膨大な</a:t>
+            </a:r>
+            <a:r>
+              <a:rPr lang="ja-JP" altLang="en-US" sz="2800" u="sng" kern="0" dirty="0"/>
+              <a:t>計算時間の短縮</a:t>
+            </a:r>
+            <a:r>
+              <a:rPr lang="ja-JP" altLang="en-US" sz="2800" kern="0" dirty="0"/>
+              <a:t>が期待されている．</a:t>
+            </a:r>
+            <a:endParaRPr lang="en-US" altLang="ja-JP" sz="2800" kern="0" dirty="0"/>
+          </a:p>
+          <a:p>
+            <a:pPr marL="0" indent="0">
+              <a:buNone/>
+            </a:pPr>
+            <a:endParaRPr lang="en-US" altLang="ja-JP" sz="2800" kern="0" dirty="0"/>
+          </a:p>
+          <a:p>
+            <a:pPr marL="0" indent="0">
+              <a:buNone/>
+            </a:pPr>
+            <a:r>
+              <a:rPr lang="ja-JP" altLang="en-US" sz="2800" kern="0" dirty="0"/>
+              <a:t>未知パターンの識別における</a:t>
+            </a:r>
+            <a:r>
+              <a:rPr lang="ja-JP" altLang="en-US" sz="2800" u="sng" kern="0" dirty="0"/>
+              <a:t>汎化性能</a:t>
+            </a:r>
+            <a:r>
+              <a:rPr lang="ja-JP" altLang="en-US" sz="2800" kern="0" dirty="0"/>
+              <a:t>が求められ，</a:t>
+            </a:r>
+            <a:br>
+              <a:rPr lang="en-US" altLang="ja-JP" sz="2800" kern="0" dirty="0"/>
+            </a:br>
+            <a:r>
+              <a:rPr lang="ja-JP" altLang="en-US" sz="2800" u="sng" kern="0" dirty="0"/>
+              <a:t>多様性の高い</a:t>
+            </a:r>
+            <a:r>
+              <a:rPr lang="ja-JP" altLang="en-US" sz="2800" kern="0" dirty="0"/>
+              <a:t>識別器の設計が期待されている．</a:t>
+            </a:r>
+            <a:endParaRPr lang="en-US" altLang="ja-JP" sz="2800" kern="0" dirty="0"/>
+          </a:p>
+        </p:txBody>
+      </p:sp>
+    </p:spTree>
+    <p:extLst>
+      <p:ext uri="{BB962C8B-B14F-4D97-AF65-F5344CB8AC3E}">
+        <p14:creationId xmlns:p14="http://schemas.microsoft.com/office/powerpoint/2010/main" val="2776182737"/>
+      </p:ext>
+    </p:extLst>
+  </p:cSld>
+  <p:clrMapOvr>
+    <a:masterClrMapping/>
+  </p:clrMapOvr>
+</p:sld>
+</file>
+
+<file path=ppt/slides/slide20.xml><?xml version="1.0" encoding="utf-8"?>
 <p:sld xmlns:a="http://schemas.openxmlformats.org/drawingml/2006/main" xmlns:r="http://schemas.openxmlformats.org/officeDocument/2006/relationships" xmlns:p="http://schemas.openxmlformats.org/presentationml/2006/main">
   <p:cSld>
     <p:spTree>
@@ -15174,367 +16570,7 @@
 </p:sld>
 </file>
 
-<file path=ppt/slides/slide2.xml><?xml version="1.0" encoding="utf-8"?>
-<p:sld xmlns:a="http://schemas.openxmlformats.org/drawingml/2006/main" xmlns:r="http://schemas.openxmlformats.org/officeDocument/2006/relationships" xmlns:p="http://schemas.openxmlformats.org/presentationml/2006/main">
-  <p:cSld>
-    <p:spTree>
-      <p:nvGrpSpPr>
-        <p:cNvPr id="1" name=""/>
-        <p:cNvGrpSpPr/>
-        <p:nvPr/>
-      </p:nvGrpSpPr>
-      <p:grpSpPr>
-        <a:xfrm>
-          <a:off x="0" y="0"/>
-          <a:ext cx="0" cy="0"/>
-          <a:chOff x="0" y="0"/>
-          <a:chExt cx="0" cy="0"/>
-        </a:xfrm>
-      </p:grpSpPr>
-      <p:sp>
-        <p:nvSpPr>
-          <p:cNvPr id="2" name="タイトル 1"/>
-          <p:cNvSpPr>
-            <a:spLocks noGrp="1"/>
-          </p:cNvSpPr>
-          <p:nvPr>
-            <p:ph type="title"/>
-          </p:nvPr>
-        </p:nvSpPr>
-        <p:spPr/>
-        <p:txBody>
-          <a:bodyPr/>
-          <a:lstStyle/>
-          <a:p>
-            <a:r>
-              <a:rPr kumimoji="1" lang="ja-JP" altLang="en-US" dirty="0"/>
-              <a:t>研究背景</a:t>
-            </a:r>
-          </a:p>
-        </p:txBody>
-      </p:sp>
-      <p:sp>
-        <p:nvSpPr>
-          <p:cNvPr id="3" name="コンテンツ プレースホルダー 2">
-            <a:extLst>
-              <a:ext uri="{FF2B5EF4-FFF2-40B4-BE49-F238E27FC236}">
-                <a16:creationId xmlns:a16="http://schemas.microsoft.com/office/drawing/2014/main" id="{650AC380-765B-0448-9A5B-64B42AA5E0E3}"/>
-              </a:ext>
-            </a:extLst>
-          </p:cNvPr>
-          <p:cNvSpPr txBox="1">
-            <a:spLocks/>
-          </p:cNvSpPr>
-          <p:nvPr/>
-        </p:nvSpPr>
-        <p:spPr bwMode="auto">
-          <a:xfrm>
-            <a:off x="434770" y="1428984"/>
-            <a:ext cx="8328230" cy="5124216"/>
-          </a:xfrm>
-          <a:prstGeom prst="rect">
-            <a:avLst/>
-          </a:prstGeom>
-          <a:noFill/>
-          <a:ln>
-            <a:noFill/>
-          </a:ln>
-          <a:extLst>
-            <a:ext uri="{909E8E84-426E-40DD-AFC4-6F175D3DCCD1}">
-              <a14:hiddenFill xmlns:a14="http://schemas.microsoft.com/office/drawing/2010/main">
-                <a:solidFill>
-                  <a:srgbClr val="FFFFFF"/>
-                </a:solidFill>
-              </a14:hiddenFill>
-            </a:ext>
-            <a:ext uri="{91240B29-F687-4F45-9708-019B960494DF}">
-              <a14:hiddenLine xmlns:a14="http://schemas.microsoft.com/office/drawing/2010/main" w="9525">
-                <a:solidFill>
-                  <a:srgbClr val="000000"/>
-                </a:solidFill>
-                <a:miter lim="800000"/>
-                <a:headEnd/>
-                <a:tailEnd/>
-              </a14:hiddenLine>
-            </a:ext>
-          </a:extLst>
-        </p:spPr>
-        <p:txBody>
-          <a:bodyPr vert="horz" wrap="square" lIns="91440" tIns="45720" rIns="91440" bIns="45720" numCol="1" anchor="t" anchorCtr="0" compatLnSpc="1">
-            <a:prstTxWarp prst="textNoShape">
-              <a:avLst/>
-            </a:prstTxWarp>
-          </a:bodyPr>
-          <a:lstStyle>
-            <a:lvl1pPr marL="342900" indent="-342900" algn="l" rtl="0" eaLnBrk="0" fontAlgn="base" hangingPunct="0">
-              <a:spcBef>
-                <a:spcPct val="20000"/>
-              </a:spcBef>
-              <a:spcAft>
-                <a:spcPct val="0"/>
-              </a:spcAft>
-              <a:buChar char="•"/>
-              <a:defRPr kumimoji="1" sz="3200">
-                <a:solidFill>
-                  <a:schemeClr val="tx1"/>
-                </a:solidFill>
-                <a:latin typeface="+mn-lt"/>
-                <a:ea typeface="+mn-ea"/>
-                <a:cs typeface="+mn-cs"/>
-              </a:defRPr>
-            </a:lvl1pPr>
-            <a:lvl2pPr marL="742950" indent="-285750" algn="l" rtl="0" eaLnBrk="0" fontAlgn="base" hangingPunct="0">
-              <a:spcBef>
-                <a:spcPct val="20000"/>
-              </a:spcBef>
-              <a:spcAft>
-                <a:spcPct val="0"/>
-              </a:spcAft>
-              <a:buChar char="–"/>
-              <a:defRPr kumimoji="1" sz="2800">
-                <a:solidFill>
-                  <a:schemeClr val="tx1"/>
-                </a:solidFill>
-                <a:latin typeface="+mn-lt"/>
-                <a:ea typeface="+mn-ea"/>
-              </a:defRPr>
-            </a:lvl2pPr>
-            <a:lvl3pPr marL="1143000" indent="-228600" algn="l" rtl="0" eaLnBrk="0" fontAlgn="base" hangingPunct="0">
-              <a:spcBef>
-                <a:spcPct val="20000"/>
-              </a:spcBef>
-              <a:spcAft>
-                <a:spcPct val="0"/>
-              </a:spcAft>
-              <a:buChar char="•"/>
-              <a:defRPr kumimoji="1" sz="2400">
-                <a:solidFill>
-                  <a:schemeClr val="tx1"/>
-                </a:solidFill>
-                <a:latin typeface="+mn-lt"/>
-                <a:ea typeface="+mn-ea"/>
-              </a:defRPr>
-            </a:lvl3pPr>
-            <a:lvl4pPr marL="1600200" indent="-228600" algn="l" rtl="0" eaLnBrk="0" fontAlgn="base" hangingPunct="0">
-              <a:spcBef>
-                <a:spcPct val="20000"/>
-              </a:spcBef>
-              <a:spcAft>
-                <a:spcPct val="0"/>
-              </a:spcAft>
-              <a:buChar char="–"/>
-              <a:defRPr kumimoji="1" sz="2000">
-                <a:solidFill>
-                  <a:schemeClr val="tx1"/>
-                </a:solidFill>
-                <a:latin typeface="+mn-lt"/>
-                <a:ea typeface="+mn-ea"/>
-              </a:defRPr>
-            </a:lvl4pPr>
-            <a:lvl5pPr marL="2057400" indent="-228600" algn="l" rtl="0" eaLnBrk="0" fontAlgn="base" hangingPunct="0">
-              <a:spcBef>
-                <a:spcPct val="20000"/>
-              </a:spcBef>
-              <a:spcAft>
-                <a:spcPct val="0"/>
-              </a:spcAft>
-              <a:buChar char="»"/>
-              <a:defRPr kumimoji="1" sz="2000">
-                <a:solidFill>
-                  <a:schemeClr val="tx1"/>
-                </a:solidFill>
-                <a:latin typeface="+mn-lt"/>
-                <a:ea typeface="+mn-ea"/>
-              </a:defRPr>
-            </a:lvl5pPr>
-            <a:lvl6pPr marL="2514600" indent="-228600" algn="l" rtl="0" fontAlgn="base">
-              <a:spcBef>
-                <a:spcPct val="20000"/>
-              </a:spcBef>
-              <a:spcAft>
-                <a:spcPct val="0"/>
-              </a:spcAft>
-              <a:buChar char="»"/>
-              <a:defRPr kumimoji="1" sz="2000">
-                <a:solidFill>
-                  <a:schemeClr val="tx1"/>
-                </a:solidFill>
-                <a:latin typeface="+mn-lt"/>
-                <a:ea typeface="+mn-ea"/>
-              </a:defRPr>
-            </a:lvl6pPr>
-            <a:lvl7pPr marL="2971800" indent="-228600" algn="l" rtl="0" fontAlgn="base">
-              <a:spcBef>
-                <a:spcPct val="20000"/>
-              </a:spcBef>
-              <a:spcAft>
-                <a:spcPct val="0"/>
-              </a:spcAft>
-              <a:buChar char="»"/>
-              <a:defRPr kumimoji="1" sz="2000">
-                <a:solidFill>
-                  <a:schemeClr val="tx1"/>
-                </a:solidFill>
-                <a:latin typeface="+mn-lt"/>
-                <a:ea typeface="+mn-ea"/>
-              </a:defRPr>
-            </a:lvl7pPr>
-            <a:lvl8pPr marL="3429000" indent="-228600" algn="l" rtl="0" fontAlgn="base">
-              <a:spcBef>
-                <a:spcPct val="20000"/>
-              </a:spcBef>
-              <a:spcAft>
-                <a:spcPct val="0"/>
-              </a:spcAft>
-              <a:buChar char="»"/>
-              <a:defRPr kumimoji="1" sz="2000">
-                <a:solidFill>
-                  <a:schemeClr val="tx1"/>
-                </a:solidFill>
-                <a:latin typeface="+mn-lt"/>
-                <a:ea typeface="+mn-ea"/>
-              </a:defRPr>
-            </a:lvl8pPr>
-            <a:lvl9pPr marL="3886200" indent="-228600" algn="l" rtl="0" fontAlgn="base">
-              <a:spcBef>
-                <a:spcPct val="20000"/>
-              </a:spcBef>
-              <a:spcAft>
-                <a:spcPct val="0"/>
-              </a:spcAft>
-              <a:buChar char="»"/>
-              <a:defRPr kumimoji="1" sz="2000">
-                <a:solidFill>
-                  <a:schemeClr val="tx1"/>
-                </a:solidFill>
-                <a:latin typeface="+mn-lt"/>
-                <a:ea typeface="+mn-ea"/>
-              </a:defRPr>
-            </a:lvl9pPr>
-          </a:lstStyle>
-          <a:p>
-            <a:pPr marL="0" indent="0">
-              <a:buNone/>
-            </a:pPr>
-            <a:r>
-              <a:rPr lang="ja-JP" altLang="en-US" sz="2800" kern="0" dirty="0"/>
-              <a:t>パターン識別問題において，</a:t>
-            </a:r>
-            <a:r>
-              <a:rPr lang="ja-JP" altLang="en-US" sz="2800" u="sng" kern="0" dirty="0"/>
-              <a:t>識別性能の高さ</a:t>
-            </a:r>
-            <a:r>
-              <a:rPr lang="ja-JP" altLang="en-US" sz="2800" kern="0" dirty="0"/>
-              <a:t>と</a:t>
-            </a:r>
-            <a:r>
-              <a:rPr lang="en-US" altLang="ja-JP" sz="2800" kern="0" dirty="0"/>
-              <a:t/>
-            </a:r>
-            <a:br>
-              <a:rPr lang="en-US" altLang="ja-JP" sz="2800" kern="0" dirty="0"/>
-            </a:br>
-            <a:r>
-              <a:rPr lang="ja-JP" altLang="en-US" sz="2800" u="sng" kern="0" dirty="0"/>
-              <a:t>解釈性能の高さ</a:t>
-            </a:r>
-            <a:r>
-              <a:rPr lang="ja-JP" altLang="en-US" sz="2800" kern="0" dirty="0"/>
-              <a:t>を同時に最大化する識別器の設計が期待されている．</a:t>
-            </a:r>
-            <a:endParaRPr lang="en-US" altLang="ja-JP" sz="2800" kern="0" dirty="0"/>
-          </a:p>
-          <a:p>
-            <a:pPr marL="0" indent="0">
-              <a:buNone/>
-            </a:pPr>
-            <a:endParaRPr lang="en-US" altLang="ja-JP" sz="2800" kern="0" dirty="0"/>
-          </a:p>
-          <a:p>
-            <a:pPr marL="0" indent="0">
-              <a:buNone/>
-            </a:pPr>
-            <a:r>
-              <a:rPr lang="ja-JP" altLang="en-US" sz="2800" kern="0" dirty="0"/>
-              <a:t>大規模なデータセットに対する機械学習に</a:t>
-            </a:r>
-            <a:r>
-              <a:rPr lang="en-US" altLang="ja-JP" sz="2800" kern="0" dirty="0"/>
-              <a:t/>
-            </a:r>
-            <a:br>
-              <a:rPr lang="en-US" altLang="ja-JP" sz="2800" kern="0" dirty="0"/>
-            </a:br>
-            <a:r>
-              <a:rPr lang="ja-JP" altLang="en-US" sz="2800" kern="0" dirty="0"/>
-              <a:t>かかる膨大な</a:t>
-            </a:r>
-            <a:r>
-              <a:rPr lang="ja-JP" altLang="en-US" sz="2800" u="sng" kern="0" dirty="0"/>
-              <a:t>計算時間の短縮</a:t>
-            </a:r>
-            <a:r>
-              <a:rPr lang="ja-JP" altLang="en-US" sz="2800" kern="0" dirty="0"/>
-              <a:t>が期待されている．</a:t>
-            </a:r>
-            <a:endParaRPr lang="en-US" altLang="ja-JP" sz="2800" kern="0" dirty="0"/>
-          </a:p>
-          <a:p>
-            <a:pPr marL="0" indent="0">
-              <a:buNone/>
-            </a:pPr>
-            <a:endParaRPr lang="en-US" altLang="ja-JP" sz="2800" kern="0" dirty="0"/>
-          </a:p>
-          <a:p>
-            <a:pPr marL="0" indent="0">
-              <a:buNone/>
-            </a:pPr>
-            <a:r>
-              <a:rPr lang="ja-JP" altLang="en-US" sz="2800" kern="0" dirty="0"/>
-              <a:t>未知パターンの識別における</a:t>
-            </a:r>
-            <a:r>
-              <a:rPr lang="ja-JP" altLang="en-US" sz="2800" u="sng" kern="0" dirty="0"/>
-              <a:t>汎化性能</a:t>
-            </a:r>
-            <a:r>
-              <a:rPr lang="ja-JP" altLang="en-US" sz="2800" kern="0" dirty="0"/>
-              <a:t>が求められ，</a:t>
-            </a:r>
-            <a:r>
-              <a:rPr lang="en-US" altLang="ja-JP" sz="2800" kern="0" dirty="0"/>
-              <a:t/>
-            </a:r>
-            <a:br>
-              <a:rPr lang="en-US" altLang="ja-JP" sz="2800" kern="0" dirty="0"/>
-            </a:br>
-            <a:r>
-              <a:rPr lang="ja-JP" altLang="en-US" sz="2800" u="sng" kern="0" dirty="0"/>
-              <a:t>多様性の高い</a:t>
-            </a:r>
-            <a:r>
-              <a:rPr lang="ja-JP" altLang="en-US" sz="2800" kern="0" dirty="0"/>
-              <a:t>識別器の設計が期待されている．</a:t>
-            </a:r>
-            <a:endParaRPr lang="en-US" altLang="ja-JP" sz="2800" kern="0" dirty="0"/>
-          </a:p>
-        </p:txBody>
-      </p:sp>
-    </p:spTree>
-    <p:extLst>
-      <p:ext uri="{BB962C8B-B14F-4D97-AF65-F5344CB8AC3E}">
-        <p14:creationId xmlns:p14="http://schemas.microsoft.com/office/powerpoint/2010/main" val="2776182737"/>
-      </p:ext>
-    </p:extLst>
-  </p:cSld>
-  <p:clrMapOvr>
-    <a:masterClrMapping/>
-  </p:clrMapOvr>
-</p:sld>
-</file>
-
-<file path=ppt/slides/slide20.xml><?xml version="1.0" encoding="utf-8"?>
+<file path=ppt/slides/slide21.xml><?xml version="1.0" encoding="utf-8"?>
 <p:sld xmlns:a="http://schemas.openxmlformats.org/drawingml/2006/main" xmlns:r="http://schemas.openxmlformats.org/officeDocument/2006/relationships" xmlns:p="http://schemas.openxmlformats.org/presentationml/2006/main">
   <p:cSld>
     <p:spTree>
@@ -18720,7 +19756,7 @@
 </p:sld>
 </file>
 
-<file path=ppt/slides/slide21.xml><?xml version="1.0" encoding="utf-8"?>
+<file path=ppt/slides/slide22.xml><?xml version="1.0" encoding="utf-8"?>
 <p:sld xmlns:a="http://schemas.openxmlformats.org/drawingml/2006/main" xmlns:r="http://schemas.openxmlformats.org/officeDocument/2006/relationships" xmlns:p="http://schemas.openxmlformats.org/presentationml/2006/main">
   <p:cSld>
     <p:spTree>
@@ -19840,7 +20876,7 @@
 </p:sld>
 </file>
 
-<file path=ppt/slides/slide22.xml><?xml version="1.0" encoding="utf-8"?>
+<file path=ppt/slides/slide23.xml><?xml version="1.0" encoding="utf-8"?>
 <p:sld xmlns:a="http://schemas.openxmlformats.org/drawingml/2006/main" xmlns:r="http://schemas.openxmlformats.org/officeDocument/2006/relationships" xmlns:p="http://schemas.openxmlformats.org/presentationml/2006/main">
   <p:cSld>
     <p:spTree>
@@ -22423,10 +23459,6 @@
               <a:rPr lang="ja-JP" altLang="en-US" sz="2800" kern="0" dirty="0"/>
               <a:t>を</a:t>
             </a:r>
-            <a:r>
-              <a:rPr lang="en-US" altLang="ja-JP" sz="2800" kern="0" dirty="0"/>
-              <a:t/>
-            </a:r>
             <a:br>
               <a:rPr lang="en-US" altLang="ja-JP" sz="2800" kern="0" dirty="0"/>
             </a:br>
@@ -22815,20 +23847,12 @@
               <a:rPr lang="ja-JP" altLang="en-US" sz="2800" kern="0" dirty="0"/>
               <a:t>を</a:t>
             </a:r>
-            <a:r>
-              <a:rPr lang="en-US" altLang="ja-JP" sz="2800" kern="0" dirty="0"/>
-              <a:t/>
-            </a:r>
             <a:br>
               <a:rPr lang="en-US" altLang="ja-JP" sz="2800" kern="0" dirty="0"/>
             </a:br>
             <a:r>
               <a:rPr lang="ja-JP" altLang="en-US" sz="2800" kern="0" dirty="0"/>
               <a:t>適用することで，弱識別器に</a:t>
-            </a:r>
-            <a:r>
-              <a:rPr lang="en-US" altLang="ja-JP" sz="2800" kern="0" dirty="0"/>
-              <a:t/>
             </a:r>
             <a:br>
               <a:rPr lang="en-US" altLang="ja-JP" sz="2800" kern="0" dirty="0"/>
@@ -22895,7 +23919,7 @@
 </p:sld>
 </file>
 
-<file path=ppt/slides/slide23.xml><?xml version="1.0" encoding="utf-8"?>
+<file path=ppt/slides/slide24.xml><?xml version="1.0" encoding="utf-8"?>
 <p:sld xmlns:a="http://schemas.openxmlformats.org/drawingml/2006/main" xmlns:r="http://schemas.openxmlformats.org/officeDocument/2006/relationships" xmlns:p="http://schemas.openxmlformats.org/presentationml/2006/main">
   <p:cSld>
     <p:spTree>
@@ -25366,10 +26390,6 @@
               <a:rPr lang="en-US" altLang="ja-JP" sz="2800" kern="0" dirty="0" err="1"/>
               <a:t>MoFGBML</a:t>
             </a:r>
-            <a:r>
-              <a:rPr lang="en-US" altLang="ja-JP" sz="2800" kern="0" dirty="0"/>
-              <a:t/>
-            </a:r>
             <a:br>
               <a:rPr lang="en-US" altLang="ja-JP" sz="2800" kern="0" dirty="0"/>
             </a:br>
@@ -25984,7 +27004,7 @@
 </p:sld>
 </file>
 
-<file path=ppt/slides/slide24.xml><?xml version="1.0" encoding="utf-8"?>
+<file path=ppt/slides/slide25.xml><?xml version="1.0" encoding="utf-8"?>
 <p:sld xmlns:a="http://schemas.openxmlformats.org/drawingml/2006/main" xmlns:r="http://schemas.openxmlformats.org/officeDocument/2006/relationships" xmlns:p="http://schemas.openxmlformats.org/presentationml/2006/main">
   <p:cSld>
     <p:spTree>
@@ -29175,20 +30195,12 @@
               <a:rPr lang="ja-JP" altLang="en-US" sz="2800" kern="0" dirty="0"/>
               <a:t>を</a:t>
             </a:r>
-            <a:r>
-              <a:rPr lang="en-US" altLang="ja-JP" sz="2800" kern="0" dirty="0"/>
-              <a:t/>
-            </a:r>
             <a:br>
               <a:rPr lang="en-US" altLang="ja-JP" sz="2800" kern="0" dirty="0"/>
             </a:br>
             <a:r>
               <a:rPr lang="ja-JP" altLang="en-US" sz="2800" kern="0" dirty="0"/>
               <a:t>適用することで，弱識別器に</a:t>
-            </a:r>
-            <a:r>
-              <a:rPr lang="en-US" altLang="ja-JP" sz="2800" kern="0" dirty="0"/>
-              <a:t/>
             </a:r>
             <a:br>
               <a:rPr lang="en-US" altLang="ja-JP" sz="2800" kern="0" dirty="0"/>
@@ -29619,20 +30631,12 @@
               <a:rPr lang="ja-JP" altLang="en-US" sz="2800" kern="0" dirty="0"/>
               <a:t>を</a:t>
             </a:r>
-            <a:r>
-              <a:rPr lang="en-US" altLang="ja-JP" sz="2800" kern="0" dirty="0"/>
-              <a:t/>
-            </a:r>
             <a:br>
               <a:rPr lang="en-US" altLang="ja-JP" sz="2800" kern="0" dirty="0"/>
             </a:br>
             <a:r>
               <a:rPr lang="ja-JP" altLang="en-US" sz="2800" kern="0" dirty="0"/>
               <a:t>適用することで，弱識別器に</a:t>
-            </a:r>
-            <a:r>
-              <a:rPr lang="en-US" altLang="ja-JP" sz="2800" kern="0" dirty="0"/>
-              <a:t/>
             </a:r>
             <a:br>
               <a:rPr lang="en-US" altLang="ja-JP" sz="2800" kern="0" dirty="0"/>
@@ -30029,7 +31033,7 @@
 </p:sld>
 </file>
 
-<file path=ppt/slides/slide25.xml><?xml version="1.0" encoding="utf-8"?>
+<file path=ppt/slides/slide26.xml><?xml version="1.0" encoding="utf-8"?>
 <p:sld xmlns:a="http://schemas.openxmlformats.org/drawingml/2006/main" xmlns:r="http://schemas.openxmlformats.org/officeDocument/2006/relationships" xmlns:p="http://schemas.openxmlformats.org/presentationml/2006/main">
   <p:cSld>
     <p:spTree>
@@ -33295,7 +34299,7 @@
 </p:sld>
 </file>
 
-<file path=ppt/slides/slide26.xml><?xml version="1.0" encoding="utf-8"?>
+<file path=ppt/slides/slide27.xml><?xml version="1.0" encoding="utf-8"?>
 <p:sld xmlns:a="http://schemas.openxmlformats.org/drawingml/2006/main" xmlns:r="http://schemas.openxmlformats.org/officeDocument/2006/relationships" xmlns:p="http://schemas.openxmlformats.org/presentationml/2006/main">
   <p:cSld>
     <p:spTree>
@@ -33634,7 +34638,7 @@
 </p:sld>
 </file>
 
-<file path=ppt/slides/slide27.xml><?xml version="1.0" encoding="utf-8"?>
+<file path=ppt/slides/slide28.xml><?xml version="1.0" encoding="utf-8"?>
 <p:sld xmlns:a="http://schemas.openxmlformats.org/drawingml/2006/main" xmlns:r="http://schemas.openxmlformats.org/officeDocument/2006/relationships" xmlns:p="http://schemas.openxmlformats.org/presentationml/2006/main">
   <p:cSld>
     <p:spTree>
@@ -33959,7 +34963,7 @@
 </p:sld>
 </file>
 
-<file path=ppt/slides/slide28.xml><?xml version="1.0" encoding="utf-8"?>
+<file path=ppt/slides/slide29.xml><?xml version="1.0" encoding="utf-8"?>
 <p:sld xmlns:a="http://schemas.openxmlformats.org/drawingml/2006/main" xmlns:r="http://schemas.openxmlformats.org/officeDocument/2006/relationships" xmlns:p="http://schemas.openxmlformats.org/presentationml/2006/main">
   <p:cSld>
     <p:spTree>
@@ -36392,20 +37396,12 @@
               <a:rPr lang="ja-JP" altLang="en-US" sz="2800" kern="0" dirty="0"/>
               <a:t>で識別器が構成される．</a:t>
             </a:r>
-            <a:r>
-              <a:rPr lang="en-US" altLang="ja-JP" sz="2800" kern="0" dirty="0"/>
-              <a:t/>
-            </a:r>
             <a:br>
               <a:rPr lang="en-US" altLang="ja-JP" sz="2800" kern="0" dirty="0"/>
             </a:br>
             <a:r>
               <a:rPr lang="ja-JP" altLang="en-US" sz="2800" kern="0" dirty="0"/>
               <a:t>どのようにしてデータの識別を行っているのかが</a:t>
-            </a:r>
-            <a:r>
-              <a:rPr lang="en-US" altLang="ja-JP" sz="2800" kern="0" dirty="0"/>
-              <a:t/>
             </a:r>
             <a:br>
               <a:rPr lang="en-US" altLang="ja-JP" sz="2800" kern="0" dirty="0"/>
@@ -39396,10 +40392,6 @@
               <a:rPr lang="ja-JP" altLang="en-US" sz="2800" kern="0" dirty="0"/>
               <a:t>複数の目的を同時に最適化する進化型多目的最適化手法を</a:t>
             </a:r>
-            <a:r>
-              <a:rPr lang="en-US" altLang="ja-JP" sz="2800" kern="0" dirty="0"/>
-              <a:t/>
-            </a:r>
             <a:br>
               <a:rPr lang="en-US" altLang="ja-JP" sz="2800" kern="0" dirty="0"/>
             </a:br>
@@ -39838,20 +40830,12 @@
               <a:rPr lang="ja-JP" altLang="en-US" sz="2800" kern="0" dirty="0"/>
               <a:t>目的における</a:t>
             </a:r>
-            <a:r>
-              <a:rPr lang="en-US" altLang="ja-JP" sz="2800" kern="0" dirty="0"/>
-              <a:t/>
-            </a:r>
             <a:br>
               <a:rPr lang="en-US" altLang="ja-JP" sz="2800" kern="0" dirty="0"/>
             </a:br>
             <a:r>
               <a:rPr lang="ja-JP" altLang="en-US" sz="2800" kern="0" dirty="0"/>
               <a:t>トレードオフ曲線に沿った</a:t>
-            </a:r>
-            <a:r>
-              <a:rPr lang="en-US" altLang="ja-JP" sz="2800" kern="0" dirty="0"/>
-              <a:t/>
             </a:r>
             <a:br>
               <a:rPr lang="en-US" altLang="ja-JP" sz="2800" kern="0" dirty="0"/>
@@ -43221,10 +44205,6 @@
               <a:rPr lang="ja-JP" altLang="en-US" sz="2800" kern="0" dirty="0"/>
               <a:t>個体群と学習用データを</a:t>
             </a:r>
-            <a:r>
-              <a:rPr lang="en-US" altLang="ja-JP" sz="2800" kern="0" dirty="0"/>
-              <a:t/>
-            </a:r>
             <a:br>
               <a:rPr lang="en-US" altLang="ja-JP" sz="2800" kern="0" dirty="0"/>
             </a:br>
@@ -43238,20 +44218,12 @@
             <a:pPr marL="0" indent="0">
               <a:buNone/>
             </a:pPr>
-            <a:r>
-              <a:rPr lang="en-US" altLang="ja-JP" sz="2800" kern="0" dirty="0"/>
-              <a:t/>
-            </a:r>
             <a:br>
               <a:rPr lang="en-US" altLang="ja-JP" sz="2800" kern="0" dirty="0"/>
             </a:br>
             <a:r>
               <a:rPr lang="ja-JP" altLang="en-US" sz="2800" kern="0" dirty="0"/>
               <a:t>分割したペアをそれぞれ</a:t>
-            </a:r>
-            <a:r>
-              <a:rPr lang="en-US" altLang="ja-JP" sz="2800" kern="0" dirty="0"/>
-              <a:t/>
             </a:r>
             <a:br>
               <a:rPr lang="en-US" altLang="ja-JP" sz="2800" kern="0" dirty="0"/>
@@ -45115,20 +46087,12 @@
               <a:rPr lang="ja-JP" altLang="en-US" sz="2800" kern="0" dirty="0"/>
               <a:t>特定のパターンに対して不得意な弱識別器が</a:t>
             </a:r>
-            <a:r>
-              <a:rPr lang="en-US" altLang="ja-JP" sz="2800" kern="0" dirty="0"/>
-              <a:t/>
-            </a:r>
             <a:br>
               <a:rPr lang="en-US" altLang="ja-JP" sz="2800" kern="0" dirty="0"/>
             </a:br>
             <a:r>
               <a:rPr lang="ja-JP" altLang="en-US" sz="2800" kern="0" dirty="0"/>
               <a:t>存在しても，多数決による識別が行われるため，</a:t>
-            </a:r>
-            <a:r>
-              <a:rPr lang="en-US" altLang="ja-JP" sz="2800" kern="0" dirty="0"/>
-              <a:t/>
             </a:r>
             <a:br>
               <a:rPr lang="en-US" altLang="ja-JP" sz="2800" kern="0" dirty="0"/>
@@ -48098,14 +49062,6 @@
               </a:rPr>
               <a:t>交換操作，移住操作を与えず</a:t>
             </a:r>
-            <a:r>
-              <a:rPr kumimoji="1" lang="en-US" altLang="ja-JP" sz="2800">
-                <a:solidFill>
-                  <a:schemeClr val="tx1"/>
-                </a:solidFill>
-              </a:rPr>
-              <a:t/>
-            </a:r>
             <a:br>
               <a:rPr kumimoji="1" lang="en-US" altLang="ja-JP" sz="2800">
                 <a:solidFill>
@@ -48250,14 +49206,6 @@
               </a:rPr>
               <a:t>島ごとに最良な識別器を</a:t>
             </a:r>
-            <a:r>
-              <a:rPr kumimoji="1" lang="en-US" altLang="ja-JP" sz="2800">
-                <a:solidFill>
-                  <a:schemeClr val="tx1"/>
-                </a:solidFill>
-              </a:rPr>
-              <a:t/>
-            </a:r>
             <a:br>
               <a:rPr kumimoji="1" lang="en-US" altLang="ja-JP" sz="2800">
                 <a:solidFill>
@@ -48385,14 +49333,6 @@
                 </a:solidFill>
               </a:rPr>
               <a:t>弱識別器の多数決で</a:t>
-            </a:r>
-            <a:r>
-              <a:rPr kumimoji="1" lang="en-US" altLang="ja-JP" sz="2800">
-                <a:solidFill>
-                  <a:schemeClr val="tx1"/>
-                </a:solidFill>
-              </a:rPr>
-              <a:t/>
             </a:r>
             <a:br>
               <a:rPr kumimoji="1" lang="en-US" altLang="ja-JP" sz="2800">

--- a/Junior_下書き.pptx
+++ b/Junior_下書き.pptx
@@ -6,41 +6,42 @@
     <p:sldMasterId id="2147483650" r:id="rId2"/>
   </p:sldMasterIdLst>
   <p:notesMasterIdLst>
-    <p:notesMasterId r:id="rId32"/>
+    <p:notesMasterId r:id="rId33"/>
   </p:notesMasterIdLst>
   <p:handoutMasterIdLst>
-    <p:handoutMasterId r:id="rId33"/>
+    <p:handoutMasterId r:id="rId34"/>
   </p:handoutMasterIdLst>
   <p:sldIdLst>
     <p:sldId id="256" r:id="rId3"/>
     <p:sldId id="279" r:id="rId4"/>
-    <p:sldId id="274" r:id="rId5"/>
-    <p:sldId id="275" r:id="rId6"/>
-    <p:sldId id="276" r:id="rId7"/>
-    <p:sldId id="278" r:id="rId8"/>
-    <p:sldId id="277" r:id="rId9"/>
-    <p:sldId id="280" r:id="rId10"/>
-    <p:sldId id="285" r:id="rId11"/>
-    <p:sldId id="286" r:id="rId12"/>
-    <p:sldId id="289" r:id="rId13"/>
-    <p:sldId id="292" r:id="rId14"/>
-    <p:sldId id="288" r:id="rId15"/>
-    <p:sldId id="290" r:id="rId16"/>
-    <p:sldId id="291" r:id="rId17"/>
-    <p:sldId id="283" r:id="rId18"/>
-    <p:sldId id="300" r:id="rId19"/>
-    <p:sldId id="301" r:id="rId20"/>
-    <p:sldId id="302" r:id="rId21"/>
-    <p:sldId id="272" r:id="rId22"/>
-    <p:sldId id="296" r:id="rId23"/>
-    <p:sldId id="287" r:id="rId24"/>
-    <p:sldId id="284" r:id="rId25"/>
-    <p:sldId id="281" r:id="rId26"/>
-    <p:sldId id="282" r:id="rId27"/>
-    <p:sldId id="273" r:id="rId28"/>
-    <p:sldId id="294" r:id="rId29"/>
-    <p:sldId id="295" r:id="rId30"/>
-    <p:sldId id="293" r:id="rId31"/>
+    <p:sldId id="303" r:id="rId5"/>
+    <p:sldId id="274" r:id="rId6"/>
+    <p:sldId id="275" r:id="rId7"/>
+    <p:sldId id="276" r:id="rId8"/>
+    <p:sldId id="278" r:id="rId9"/>
+    <p:sldId id="277" r:id="rId10"/>
+    <p:sldId id="280" r:id="rId11"/>
+    <p:sldId id="285" r:id="rId12"/>
+    <p:sldId id="286" r:id="rId13"/>
+    <p:sldId id="289" r:id="rId14"/>
+    <p:sldId id="292" r:id="rId15"/>
+    <p:sldId id="288" r:id="rId16"/>
+    <p:sldId id="290" r:id="rId17"/>
+    <p:sldId id="291" r:id="rId18"/>
+    <p:sldId id="283" r:id="rId19"/>
+    <p:sldId id="300" r:id="rId20"/>
+    <p:sldId id="301" r:id="rId21"/>
+    <p:sldId id="302" r:id="rId22"/>
+    <p:sldId id="272" r:id="rId23"/>
+    <p:sldId id="296" r:id="rId24"/>
+    <p:sldId id="287" r:id="rId25"/>
+    <p:sldId id="284" r:id="rId26"/>
+    <p:sldId id="281" r:id="rId27"/>
+    <p:sldId id="282" r:id="rId28"/>
+    <p:sldId id="273" r:id="rId29"/>
+    <p:sldId id="294" r:id="rId30"/>
+    <p:sldId id="295" r:id="rId31"/>
+    <p:sldId id="293" r:id="rId32"/>
   </p:sldIdLst>
   <p:sldSz cx="9144000" cy="6858000" type="screen4x3"/>
   <p:notesSz cx="6797675" cy="9926638"/>
@@ -1288,7 +1289,7 @@
               <a:pPr>
                 <a:defRPr/>
               </a:pPr>
-              <a:t>17</a:t>
+              <a:t>3</a:t>
             </a:fld>
             <a:endParaRPr lang="en-US" altLang="ja-JP"/>
           </a:p>
@@ -1297,7 +1298,7 @@
     </p:spTree>
     <p:extLst>
       <p:ext uri="{BB962C8B-B14F-4D97-AF65-F5344CB8AC3E}">
-        <p14:creationId xmlns:p14="http://schemas.microsoft.com/office/powerpoint/2010/main" val="1330401444"/>
+        <p14:creationId xmlns:p14="http://schemas.microsoft.com/office/powerpoint/2010/main" val="615274549"/>
       </p:ext>
     </p:extLst>
   </p:cSld>
@@ -1387,7 +1388,7 @@
     </p:spTree>
     <p:extLst>
       <p:ext uri="{BB962C8B-B14F-4D97-AF65-F5344CB8AC3E}">
-        <p14:creationId xmlns:p14="http://schemas.microsoft.com/office/powerpoint/2010/main" val="823009899"/>
+        <p14:creationId xmlns:p14="http://schemas.microsoft.com/office/powerpoint/2010/main" val="1330401444"/>
       </p:ext>
     </p:extLst>
   </p:cSld>
@@ -1477,7 +1478,7 @@
     </p:spTree>
     <p:extLst>
       <p:ext uri="{BB962C8B-B14F-4D97-AF65-F5344CB8AC3E}">
-        <p14:creationId xmlns:p14="http://schemas.microsoft.com/office/powerpoint/2010/main" val="4289506143"/>
+        <p14:creationId xmlns:p14="http://schemas.microsoft.com/office/powerpoint/2010/main" val="823009899"/>
       </p:ext>
     </p:extLst>
   </p:cSld>
@@ -1567,7 +1568,7 @@
     </p:spTree>
     <p:extLst>
       <p:ext uri="{BB962C8B-B14F-4D97-AF65-F5344CB8AC3E}">
-        <p14:creationId xmlns:p14="http://schemas.microsoft.com/office/powerpoint/2010/main" val="197288431"/>
+        <p14:creationId xmlns:p14="http://schemas.microsoft.com/office/powerpoint/2010/main" val="4289506143"/>
       </p:ext>
     </p:extLst>
   </p:cSld>
@@ -1649,6 +1650,96 @@
                 <a:defRPr/>
               </a:pPr>
               <a:t>21</a:t>
+            </a:fld>
+            <a:endParaRPr lang="en-US" altLang="ja-JP"/>
+          </a:p>
+        </p:txBody>
+      </p:sp>
+    </p:spTree>
+    <p:extLst>
+      <p:ext uri="{BB962C8B-B14F-4D97-AF65-F5344CB8AC3E}">
+        <p14:creationId xmlns:p14="http://schemas.microsoft.com/office/powerpoint/2010/main" val="197288431"/>
+      </p:ext>
+    </p:extLst>
+  </p:cSld>
+  <p:clrMapOvr>
+    <a:masterClrMapping/>
+  </p:clrMapOvr>
+</p:notes>
+</file>
+
+<file path=ppt/notesSlides/notesSlide7.xml><?xml version="1.0" encoding="utf-8"?>
+<p:notes xmlns:a="http://schemas.openxmlformats.org/drawingml/2006/main" xmlns:r="http://schemas.openxmlformats.org/officeDocument/2006/relationships" xmlns:p="http://schemas.openxmlformats.org/presentationml/2006/main">
+  <p:cSld>
+    <p:spTree>
+      <p:nvGrpSpPr>
+        <p:cNvPr id="1" name=""/>
+        <p:cNvGrpSpPr/>
+        <p:nvPr/>
+      </p:nvGrpSpPr>
+      <p:grpSpPr>
+        <a:xfrm>
+          <a:off x="0" y="0"/>
+          <a:ext cx="0" cy="0"/>
+          <a:chOff x="0" y="0"/>
+          <a:chExt cx="0" cy="0"/>
+        </a:xfrm>
+      </p:grpSpPr>
+      <p:sp>
+        <p:nvSpPr>
+          <p:cNvPr id="2" name="スライド イメージ プレースホルダー 1"/>
+          <p:cNvSpPr>
+            <a:spLocks noGrp="1" noRot="1" noChangeAspect="1"/>
+          </p:cNvSpPr>
+          <p:nvPr>
+            <p:ph type="sldImg"/>
+          </p:nvPr>
+        </p:nvSpPr>
+        <p:spPr/>
+      </p:sp>
+      <p:sp>
+        <p:nvSpPr>
+          <p:cNvPr id="3" name="ノート プレースホルダー 2"/>
+          <p:cNvSpPr>
+            <a:spLocks noGrp="1"/>
+          </p:cNvSpPr>
+          <p:nvPr>
+            <p:ph type="body" idx="1"/>
+          </p:nvPr>
+        </p:nvSpPr>
+        <p:spPr/>
+        <p:txBody>
+          <a:bodyPr/>
+          <a:lstStyle/>
+          <a:p>
+            <a:endParaRPr kumimoji="1" lang="ja-JP" altLang="en-US"/>
+          </a:p>
+        </p:txBody>
+      </p:sp>
+      <p:sp>
+        <p:nvSpPr>
+          <p:cNvPr id="4" name="スライド番号プレースホルダー 3"/>
+          <p:cNvSpPr>
+            <a:spLocks noGrp="1"/>
+          </p:cNvSpPr>
+          <p:nvPr>
+            <p:ph type="sldNum" sz="quarter" idx="5"/>
+          </p:nvPr>
+        </p:nvSpPr>
+        <p:spPr/>
+        <p:txBody>
+          <a:bodyPr/>
+          <a:lstStyle/>
+          <a:p>
+            <a:pPr>
+              <a:defRPr/>
+            </a:pPr>
+            <a:fld id="{6AF993FB-784A-624D-9487-CA229CBFB36A}" type="slidenum">
+              <a:rPr lang="en-US" altLang="ja-JP"/>
+              <a:pPr>
+                <a:defRPr/>
+              </a:pPr>
+              <a:t>22</a:t>
             </a:fld>
             <a:endParaRPr lang="en-US" altLang="ja-JP"/>
           </a:p>
@@ -7610,6 +7701,708 @@
           <p:cNvPr id="2" name="タイトル 1">
             <a:extLst>
               <a:ext uri="{FF2B5EF4-FFF2-40B4-BE49-F238E27FC236}">
+                <a16:creationId xmlns:a16="http://schemas.microsoft.com/office/drawing/2014/main" id="{3194CBF9-D933-6547-9A9C-778BA5368481}"/>
+              </a:ext>
+            </a:extLst>
+          </p:cNvPr>
+          <p:cNvSpPr>
+            <a:spLocks noGrp="1"/>
+          </p:cNvSpPr>
+          <p:nvPr>
+            <p:ph type="title"/>
+          </p:nvPr>
+        </p:nvSpPr>
+        <p:spPr>
+          <a:xfrm>
+            <a:off x="76200" y="0"/>
+            <a:ext cx="9067800" cy="1143000"/>
+          </a:xfrm>
+        </p:spPr>
+        <p:txBody>
+          <a:bodyPr/>
+          <a:lstStyle/>
+          <a:p>
+            <a:r>
+              <a:rPr kumimoji="1" lang="ja-JP" altLang="en-US"/>
+              <a:t>弱識別器の抽出</a:t>
+            </a:r>
+          </a:p>
+        </p:txBody>
+      </p:sp>
+      <p:sp>
+        <p:nvSpPr>
+          <p:cNvPr id="3" name="コンテンツ プレースホルダー 2">
+            <a:extLst>
+              <a:ext uri="{FF2B5EF4-FFF2-40B4-BE49-F238E27FC236}">
+                <a16:creationId xmlns:a16="http://schemas.microsoft.com/office/drawing/2014/main" id="{B2111D58-56CD-5B4F-902D-40D3D36843D5}"/>
+              </a:ext>
+            </a:extLst>
+          </p:cNvPr>
+          <p:cNvSpPr txBox="1">
+            <a:spLocks/>
+          </p:cNvSpPr>
+          <p:nvPr/>
+        </p:nvSpPr>
+        <p:spPr bwMode="auto">
+          <a:xfrm>
+            <a:off x="657726" y="1796834"/>
+            <a:ext cx="6505074" cy="1022566"/>
+          </a:xfrm>
+          <a:prstGeom prst="rect">
+            <a:avLst/>
+          </a:prstGeom>
+          <a:noFill/>
+          <a:ln>
+            <a:noFill/>
+          </a:ln>
+          <a:extLst>
+            <a:ext uri="{909E8E84-426E-40DD-AFC4-6F175D3DCCD1}">
+              <a14:hiddenFill xmlns:a14="http://schemas.microsoft.com/office/drawing/2010/main">
+                <a:solidFill>
+                  <a:srgbClr val="FFFFFF"/>
+                </a:solidFill>
+              </a14:hiddenFill>
+            </a:ext>
+            <a:ext uri="{91240B29-F687-4F45-9708-019B960494DF}">
+              <a14:hiddenLine xmlns:a14="http://schemas.microsoft.com/office/drawing/2010/main" w="9525">
+                <a:solidFill>
+                  <a:srgbClr val="000000"/>
+                </a:solidFill>
+                <a:miter lim="800000"/>
+                <a:headEnd/>
+                <a:tailEnd/>
+              </a14:hiddenLine>
+            </a:ext>
+          </a:extLst>
+        </p:spPr>
+        <p:txBody>
+          <a:bodyPr vert="horz" wrap="square" lIns="91440" tIns="45720" rIns="91440" bIns="45720" numCol="1" anchor="t" anchorCtr="0" compatLnSpc="1">
+            <a:prstTxWarp prst="textNoShape">
+              <a:avLst/>
+            </a:prstTxWarp>
+          </a:bodyPr>
+          <a:lstStyle>
+            <a:lvl1pPr marL="342900" indent="-342900" algn="l" rtl="0" eaLnBrk="0" fontAlgn="base" hangingPunct="0">
+              <a:spcBef>
+                <a:spcPct val="20000"/>
+              </a:spcBef>
+              <a:spcAft>
+                <a:spcPct val="0"/>
+              </a:spcAft>
+              <a:buChar char="•"/>
+              <a:defRPr kumimoji="1" sz="3200">
+                <a:solidFill>
+                  <a:schemeClr val="tx1"/>
+                </a:solidFill>
+                <a:latin typeface="+mn-lt"/>
+                <a:ea typeface="+mn-ea"/>
+                <a:cs typeface="+mn-cs"/>
+              </a:defRPr>
+            </a:lvl1pPr>
+            <a:lvl2pPr marL="742950" indent="-285750" algn="l" rtl="0" eaLnBrk="0" fontAlgn="base" hangingPunct="0">
+              <a:spcBef>
+                <a:spcPct val="20000"/>
+              </a:spcBef>
+              <a:spcAft>
+                <a:spcPct val="0"/>
+              </a:spcAft>
+              <a:buChar char="–"/>
+              <a:defRPr kumimoji="1" sz="2800">
+                <a:solidFill>
+                  <a:schemeClr val="tx1"/>
+                </a:solidFill>
+                <a:latin typeface="+mn-lt"/>
+                <a:ea typeface="+mn-ea"/>
+              </a:defRPr>
+            </a:lvl2pPr>
+            <a:lvl3pPr marL="1143000" indent="-228600" algn="l" rtl="0" eaLnBrk="0" fontAlgn="base" hangingPunct="0">
+              <a:spcBef>
+                <a:spcPct val="20000"/>
+              </a:spcBef>
+              <a:spcAft>
+                <a:spcPct val="0"/>
+              </a:spcAft>
+              <a:buChar char="•"/>
+              <a:defRPr kumimoji="1" sz="2400">
+                <a:solidFill>
+                  <a:schemeClr val="tx1"/>
+                </a:solidFill>
+                <a:latin typeface="+mn-lt"/>
+                <a:ea typeface="+mn-ea"/>
+              </a:defRPr>
+            </a:lvl3pPr>
+            <a:lvl4pPr marL="1600200" indent="-228600" algn="l" rtl="0" eaLnBrk="0" fontAlgn="base" hangingPunct="0">
+              <a:spcBef>
+                <a:spcPct val="20000"/>
+              </a:spcBef>
+              <a:spcAft>
+                <a:spcPct val="0"/>
+              </a:spcAft>
+              <a:buChar char="–"/>
+              <a:defRPr kumimoji="1" sz="2000">
+                <a:solidFill>
+                  <a:schemeClr val="tx1"/>
+                </a:solidFill>
+                <a:latin typeface="+mn-lt"/>
+                <a:ea typeface="+mn-ea"/>
+              </a:defRPr>
+            </a:lvl4pPr>
+            <a:lvl5pPr marL="2057400" indent="-228600" algn="l" rtl="0" eaLnBrk="0" fontAlgn="base" hangingPunct="0">
+              <a:spcBef>
+                <a:spcPct val="20000"/>
+              </a:spcBef>
+              <a:spcAft>
+                <a:spcPct val="0"/>
+              </a:spcAft>
+              <a:buChar char="»"/>
+              <a:defRPr kumimoji="1" sz="2000">
+                <a:solidFill>
+                  <a:schemeClr val="tx1"/>
+                </a:solidFill>
+                <a:latin typeface="+mn-lt"/>
+                <a:ea typeface="+mn-ea"/>
+              </a:defRPr>
+            </a:lvl5pPr>
+            <a:lvl6pPr marL="2514600" indent="-228600" algn="l" rtl="0" fontAlgn="base">
+              <a:spcBef>
+                <a:spcPct val="20000"/>
+              </a:spcBef>
+              <a:spcAft>
+                <a:spcPct val="0"/>
+              </a:spcAft>
+              <a:buChar char="»"/>
+              <a:defRPr kumimoji="1" sz="2000">
+                <a:solidFill>
+                  <a:schemeClr val="tx1"/>
+                </a:solidFill>
+                <a:latin typeface="+mn-lt"/>
+                <a:ea typeface="+mn-ea"/>
+              </a:defRPr>
+            </a:lvl6pPr>
+            <a:lvl7pPr marL="2971800" indent="-228600" algn="l" rtl="0" fontAlgn="base">
+              <a:spcBef>
+                <a:spcPct val="20000"/>
+              </a:spcBef>
+              <a:spcAft>
+                <a:spcPct val="0"/>
+              </a:spcAft>
+              <a:buChar char="»"/>
+              <a:defRPr kumimoji="1" sz="2000">
+                <a:solidFill>
+                  <a:schemeClr val="tx1"/>
+                </a:solidFill>
+                <a:latin typeface="+mn-lt"/>
+                <a:ea typeface="+mn-ea"/>
+              </a:defRPr>
+            </a:lvl7pPr>
+            <a:lvl8pPr marL="3429000" indent="-228600" algn="l" rtl="0" fontAlgn="base">
+              <a:spcBef>
+                <a:spcPct val="20000"/>
+              </a:spcBef>
+              <a:spcAft>
+                <a:spcPct val="0"/>
+              </a:spcAft>
+              <a:buChar char="»"/>
+              <a:defRPr kumimoji="1" sz="2000">
+                <a:solidFill>
+                  <a:schemeClr val="tx1"/>
+                </a:solidFill>
+                <a:latin typeface="+mn-lt"/>
+                <a:ea typeface="+mn-ea"/>
+              </a:defRPr>
+            </a:lvl8pPr>
+            <a:lvl9pPr marL="3886200" indent="-228600" algn="l" rtl="0" fontAlgn="base">
+              <a:spcBef>
+                <a:spcPct val="20000"/>
+              </a:spcBef>
+              <a:spcAft>
+                <a:spcPct val="0"/>
+              </a:spcAft>
+              <a:buChar char="»"/>
+              <a:defRPr kumimoji="1" sz="2000">
+                <a:solidFill>
+                  <a:schemeClr val="tx1"/>
+                </a:solidFill>
+                <a:latin typeface="+mn-lt"/>
+                <a:ea typeface="+mn-ea"/>
+              </a:defRPr>
+            </a:lvl9pPr>
+          </a:lstStyle>
+          <a:p>
+            <a:pPr marL="0" indent="0">
+              <a:buNone/>
+            </a:pPr>
+            <a:r>
+              <a:rPr lang="ja-JP" altLang="en-US" sz="2800" kern="0" dirty="0"/>
+              <a:t>各島内で全データセットに対する識別率が最大のものをそれぞれ一つずつ抽出</a:t>
+            </a:r>
+            <a:endParaRPr lang="en-US" altLang="ja-JP" sz="2800" kern="0" dirty="0"/>
+          </a:p>
+        </p:txBody>
+      </p:sp>
+      <p:sp>
+        <p:nvSpPr>
+          <p:cNvPr id="4" name="テキスト ボックス 3">
+            <a:extLst>
+              <a:ext uri="{FF2B5EF4-FFF2-40B4-BE49-F238E27FC236}">
+                <a16:creationId xmlns:a16="http://schemas.microsoft.com/office/drawing/2014/main" id="{5C890EC3-9A21-214A-9052-7AC60C23AB53}"/>
+              </a:ext>
+            </a:extLst>
+          </p:cNvPr>
+          <p:cNvSpPr txBox="1"/>
+          <p:nvPr/>
+        </p:nvSpPr>
+        <p:spPr>
+          <a:xfrm>
+            <a:off x="304800" y="1280411"/>
+            <a:ext cx="2667000" cy="523220"/>
+          </a:xfrm>
+          <a:prstGeom prst="rect">
+            <a:avLst/>
+          </a:prstGeom>
+          <a:noFill/>
+          <a:ln w="19050">
+            <a:solidFill>
+              <a:schemeClr val="accent6"/>
+            </a:solidFill>
+          </a:ln>
+        </p:spPr>
+        <p:txBody>
+          <a:bodyPr wrap="square" rtlCol="0">
+            <a:spAutoFit/>
+          </a:bodyPr>
+          <a:lstStyle/>
+          <a:p>
+            <a:r>
+              <a:rPr kumimoji="1" lang="ja-JP" altLang="en-US" sz="2800" dirty="0"/>
+              <a:t>単一な弱識別器</a:t>
+            </a:r>
+          </a:p>
+        </p:txBody>
+      </p:sp>
+      <p:sp>
+        <p:nvSpPr>
+          <p:cNvPr id="5" name="コンテンツ プレースホルダー 2">
+            <a:extLst>
+              <a:ext uri="{FF2B5EF4-FFF2-40B4-BE49-F238E27FC236}">
+                <a16:creationId xmlns:a16="http://schemas.microsoft.com/office/drawing/2014/main" id="{5706C4E5-7E5F-AA4E-AA48-0F6014FC8C61}"/>
+              </a:ext>
+            </a:extLst>
+          </p:cNvPr>
+          <p:cNvSpPr txBox="1">
+            <a:spLocks/>
+          </p:cNvSpPr>
+          <p:nvPr/>
+        </p:nvSpPr>
+        <p:spPr bwMode="auto">
+          <a:xfrm>
+            <a:off x="657726" y="3473234"/>
+            <a:ext cx="6505074" cy="1022566"/>
+          </a:xfrm>
+          <a:prstGeom prst="rect">
+            <a:avLst/>
+          </a:prstGeom>
+          <a:noFill/>
+          <a:ln>
+            <a:noFill/>
+          </a:ln>
+          <a:extLst>
+            <a:ext uri="{909E8E84-426E-40DD-AFC4-6F175D3DCCD1}">
+              <a14:hiddenFill xmlns:a14="http://schemas.microsoft.com/office/drawing/2010/main">
+                <a:solidFill>
+                  <a:srgbClr val="FFFFFF"/>
+                </a:solidFill>
+              </a14:hiddenFill>
+            </a:ext>
+            <a:ext uri="{91240B29-F687-4F45-9708-019B960494DF}">
+              <a14:hiddenLine xmlns:a14="http://schemas.microsoft.com/office/drawing/2010/main" w="9525">
+                <a:solidFill>
+                  <a:srgbClr val="000000"/>
+                </a:solidFill>
+                <a:miter lim="800000"/>
+                <a:headEnd/>
+                <a:tailEnd/>
+              </a14:hiddenLine>
+            </a:ext>
+          </a:extLst>
+        </p:spPr>
+        <p:txBody>
+          <a:bodyPr vert="horz" wrap="square" lIns="91440" tIns="45720" rIns="91440" bIns="45720" numCol="1" anchor="t" anchorCtr="0" compatLnSpc="1">
+            <a:prstTxWarp prst="textNoShape">
+              <a:avLst/>
+            </a:prstTxWarp>
+          </a:bodyPr>
+          <a:lstStyle>
+            <a:lvl1pPr marL="342900" indent="-342900" algn="l" rtl="0" eaLnBrk="0" fontAlgn="base" hangingPunct="0">
+              <a:spcBef>
+                <a:spcPct val="20000"/>
+              </a:spcBef>
+              <a:spcAft>
+                <a:spcPct val="0"/>
+              </a:spcAft>
+              <a:buChar char="•"/>
+              <a:defRPr kumimoji="1" sz="3200">
+                <a:solidFill>
+                  <a:schemeClr val="tx1"/>
+                </a:solidFill>
+                <a:latin typeface="+mn-lt"/>
+                <a:ea typeface="+mn-ea"/>
+                <a:cs typeface="+mn-cs"/>
+              </a:defRPr>
+            </a:lvl1pPr>
+            <a:lvl2pPr marL="742950" indent="-285750" algn="l" rtl="0" eaLnBrk="0" fontAlgn="base" hangingPunct="0">
+              <a:spcBef>
+                <a:spcPct val="20000"/>
+              </a:spcBef>
+              <a:spcAft>
+                <a:spcPct val="0"/>
+              </a:spcAft>
+              <a:buChar char="–"/>
+              <a:defRPr kumimoji="1" sz="2800">
+                <a:solidFill>
+                  <a:schemeClr val="tx1"/>
+                </a:solidFill>
+                <a:latin typeface="+mn-lt"/>
+                <a:ea typeface="+mn-ea"/>
+              </a:defRPr>
+            </a:lvl2pPr>
+            <a:lvl3pPr marL="1143000" indent="-228600" algn="l" rtl="0" eaLnBrk="0" fontAlgn="base" hangingPunct="0">
+              <a:spcBef>
+                <a:spcPct val="20000"/>
+              </a:spcBef>
+              <a:spcAft>
+                <a:spcPct val="0"/>
+              </a:spcAft>
+              <a:buChar char="•"/>
+              <a:defRPr kumimoji="1" sz="2400">
+                <a:solidFill>
+                  <a:schemeClr val="tx1"/>
+                </a:solidFill>
+                <a:latin typeface="+mn-lt"/>
+                <a:ea typeface="+mn-ea"/>
+              </a:defRPr>
+            </a:lvl3pPr>
+            <a:lvl4pPr marL="1600200" indent="-228600" algn="l" rtl="0" eaLnBrk="0" fontAlgn="base" hangingPunct="0">
+              <a:spcBef>
+                <a:spcPct val="20000"/>
+              </a:spcBef>
+              <a:spcAft>
+                <a:spcPct val="0"/>
+              </a:spcAft>
+              <a:buChar char="–"/>
+              <a:defRPr kumimoji="1" sz="2000">
+                <a:solidFill>
+                  <a:schemeClr val="tx1"/>
+                </a:solidFill>
+                <a:latin typeface="+mn-lt"/>
+                <a:ea typeface="+mn-ea"/>
+              </a:defRPr>
+            </a:lvl4pPr>
+            <a:lvl5pPr marL="2057400" indent="-228600" algn="l" rtl="0" eaLnBrk="0" fontAlgn="base" hangingPunct="0">
+              <a:spcBef>
+                <a:spcPct val="20000"/>
+              </a:spcBef>
+              <a:spcAft>
+                <a:spcPct val="0"/>
+              </a:spcAft>
+              <a:buChar char="»"/>
+              <a:defRPr kumimoji="1" sz="2000">
+                <a:solidFill>
+                  <a:schemeClr val="tx1"/>
+                </a:solidFill>
+                <a:latin typeface="+mn-lt"/>
+                <a:ea typeface="+mn-ea"/>
+              </a:defRPr>
+            </a:lvl5pPr>
+            <a:lvl6pPr marL="2514600" indent="-228600" algn="l" rtl="0" fontAlgn="base">
+              <a:spcBef>
+                <a:spcPct val="20000"/>
+              </a:spcBef>
+              <a:spcAft>
+                <a:spcPct val="0"/>
+              </a:spcAft>
+              <a:buChar char="»"/>
+              <a:defRPr kumimoji="1" sz="2000">
+                <a:solidFill>
+                  <a:schemeClr val="tx1"/>
+                </a:solidFill>
+                <a:latin typeface="+mn-lt"/>
+                <a:ea typeface="+mn-ea"/>
+              </a:defRPr>
+            </a:lvl6pPr>
+            <a:lvl7pPr marL="2971800" indent="-228600" algn="l" rtl="0" fontAlgn="base">
+              <a:spcBef>
+                <a:spcPct val="20000"/>
+              </a:spcBef>
+              <a:spcAft>
+                <a:spcPct val="0"/>
+              </a:spcAft>
+              <a:buChar char="»"/>
+              <a:defRPr kumimoji="1" sz="2000">
+                <a:solidFill>
+                  <a:schemeClr val="tx1"/>
+                </a:solidFill>
+                <a:latin typeface="+mn-lt"/>
+                <a:ea typeface="+mn-ea"/>
+              </a:defRPr>
+            </a:lvl7pPr>
+            <a:lvl8pPr marL="3429000" indent="-228600" algn="l" rtl="0" fontAlgn="base">
+              <a:spcBef>
+                <a:spcPct val="20000"/>
+              </a:spcBef>
+              <a:spcAft>
+                <a:spcPct val="0"/>
+              </a:spcAft>
+              <a:buChar char="»"/>
+              <a:defRPr kumimoji="1" sz="2000">
+                <a:solidFill>
+                  <a:schemeClr val="tx1"/>
+                </a:solidFill>
+                <a:latin typeface="+mn-lt"/>
+                <a:ea typeface="+mn-ea"/>
+              </a:defRPr>
+            </a:lvl8pPr>
+            <a:lvl9pPr marL="3886200" indent="-228600" algn="l" rtl="0" fontAlgn="base">
+              <a:spcBef>
+                <a:spcPct val="20000"/>
+              </a:spcBef>
+              <a:spcAft>
+                <a:spcPct val="0"/>
+              </a:spcAft>
+              <a:buChar char="»"/>
+              <a:defRPr kumimoji="1" sz="2000">
+                <a:solidFill>
+                  <a:schemeClr val="tx1"/>
+                </a:solidFill>
+                <a:latin typeface="+mn-lt"/>
+                <a:ea typeface="+mn-ea"/>
+              </a:defRPr>
+            </a:lvl9pPr>
+          </a:lstStyle>
+          <a:p>
+            <a:pPr marL="0" indent="0">
+              <a:buNone/>
+            </a:pPr>
+            <a:r>
+              <a:rPr lang="ja-JP" altLang="en-US" sz="2800" kern="0" dirty="0"/>
+              <a:t>全データセットに対して島内で非劣となる識別器集合を弱識別器として抽出</a:t>
+            </a:r>
+            <a:endParaRPr lang="en-US" altLang="ja-JP" sz="2800" kern="0" dirty="0"/>
+          </a:p>
+        </p:txBody>
+      </p:sp>
+      <p:sp>
+        <p:nvSpPr>
+          <p:cNvPr id="6" name="テキスト ボックス 5">
+            <a:extLst>
+              <a:ext uri="{FF2B5EF4-FFF2-40B4-BE49-F238E27FC236}">
+                <a16:creationId xmlns:a16="http://schemas.microsoft.com/office/drawing/2014/main" id="{1ADE812A-A29B-9C46-83E1-B597890139DB}"/>
+              </a:ext>
+            </a:extLst>
+          </p:cNvPr>
+          <p:cNvSpPr txBox="1"/>
+          <p:nvPr/>
+        </p:nvSpPr>
+        <p:spPr>
+          <a:xfrm>
+            <a:off x="304800" y="2956811"/>
+            <a:ext cx="4343400" cy="523220"/>
+          </a:xfrm>
+          <a:prstGeom prst="rect">
+            <a:avLst/>
+          </a:prstGeom>
+          <a:noFill/>
+          <a:ln w="19050">
+            <a:solidFill>
+              <a:schemeClr val="accent6"/>
+            </a:solidFill>
+          </a:ln>
+        </p:spPr>
+        <p:txBody>
+          <a:bodyPr wrap="square" rtlCol="0">
+            <a:spAutoFit/>
+          </a:bodyPr>
+          <a:lstStyle/>
+          <a:p>
+            <a:r>
+              <a:rPr kumimoji="1" lang="ja-JP" altLang="en-US" sz="2800" dirty="0"/>
+              <a:t>非劣解集合による弱識別器</a:t>
+            </a:r>
+          </a:p>
+        </p:txBody>
+      </p:sp>
+      <p:pic>
+        <p:nvPicPr>
+          <p:cNvPr id="7" name="図 6"/>
+          <p:cNvPicPr>
+            <a:picLocks noChangeAspect="1"/>
+          </p:cNvPicPr>
+          <p:nvPr/>
+        </p:nvPicPr>
+        <p:blipFill>
+          <a:blip r:embed="rId2"/>
+          <a:stretch>
+            <a:fillRect/>
+          </a:stretch>
+        </p:blipFill>
+        <p:spPr>
+          <a:xfrm>
+            <a:off x="1600200" y="4343400"/>
+            <a:ext cx="2542446" cy="2514600"/>
+          </a:xfrm>
+          <a:prstGeom prst="rect">
+            <a:avLst/>
+          </a:prstGeom>
+        </p:spPr>
+      </p:pic>
+      <p:sp>
+        <p:nvSpPr>
+          <p:cNvPr id="8" name="テキスト ボックス 7">
+            <a:extLst>
+              <a:ext uri="{FF2B5EF4-FFF2-40B4-BE49-F238E27FC236}">
+                <a16:creationId xmlns:a16="http://schemas.microsoft.com/office/drawing/2014/main" id="{8A622EB5-A4E2-8447-9A5F-5CDA2D207408}"/>
+              </a:ext>
+            </a:extLst>
+          </p:cNvPr>
+          <p:cNvSpPr txBox="1"/>
+          <p:nvPr/>
+        </p:nvSpPr>
+        <p:spPr>
+          <a:xfrm flipH="1">
+            <a:off x="4267200" y="4773183"/>
+            <a:ext cx="2133601" cy="408623"/>
+          </a:xfrm>
+          <a:prstGeom prst="roundRect">
+            <a:avLst/>
+          </a:prstGeom>
+          <a:noFill/>
+          <a:ln>
+            <a:solidFill>
+              <a:schemeClr val="accent2"/>
+            </a:solidFill>
+          </a:ln>
+        </p:spPr>
+        <p:txBody>
+          <a:bodyPr wrap="square" rtlCol="0">
+            <a:spAutoFit/>
+          </a:bodyPr>
+          <a:lstStyle/>
+          <a:p>
+            <a:r>
+              <a:rPr kumimoji="1" lang="en-US" altLang="ja-JP" dirty="0"/>
+              <a:t>D</a:t>
+            </a:r>
+            <a:r>
+              <a:rPr kumimoji="1" lang="ja-JP" altLang="en-US" dirty="0"/>
+              <a:t>は</a:t>
+            </a:r>
+            <a:r>
+              <a:rPr kumimoji="1" lang="en-US" altLang="ja-JP" dirty="0"/>
+              <a:t>B</a:t>
+            </a:r>
+            <a:r>
+              <a:rPr kumimoji="1" lang="ja-JP" altLang="en-US" dirty="0" err="1"/>
+              <a:t>に優</a:t>
+            </a:r>
+            <a:r>
+              <a:rPr kumimoji="1" lang="ja-JP" altLang="en-US" dirty="0"/>
+              <a:t>越される</a:t>
+            </a:r>
+            <a:endParaRPr kumimoji="1" lang="en-US" altLang="ja-JP" dirty="0"/>
+          </a:p>
+        </p:txBody>
+      </p:sp>
+      <p:sp>
+        <p:nvSpPr>
+          <p:cNvPr id="9" name="テキスト ボックス 8">
+            <a:extLst>
+              <a:ext uri="{FF2B5EF4-FFF2-40B4-BE49-F238E27FC236}">
+                <a16:creationId xmlns:a16="http://schemas.microsoft.com/office/drawing/2014/main" id="{94C7644D-546A-CB41-BAB1-FFA69962B749}"/>
+              </a:ext>
+            </a:extLst>
+          </p:cNvPr>
+          <p:cNvSpPr txBox="1"/>
+          <p:nvPr/>
+        </p:nvSpPr>
+        <p:spPr>
+          <a:xfrm flipH="1">
+            <a:off x="4267200" y="5379244"/>
+            <a:ext cx="3048000" cy="1021556"/>
+          </a:xfrm>
+          <a:prstGeom prst="roundRect">
+            <a:avLst/>
+          </a:prstGeom>
+          <a:noFill/>
+          <a:ln>
+            <a:solidFill>
+              <a:schemeClr val="accent2"/>
+            </a:solidFill>
+          </a:ln>
+        </p:spPr>
+        <p:txBody>
+          <a:bodyPr wrap="square" rtlCol="0">
+            <a:spAutoFit/>
+          </a:bodyPr>
+          <a:lstStyle/>
+          <a:p>
+            <a:r>
+              <a:rPr kumimoji="1" lang="en-US" altLang="ja-JP" dirty="0"/>
+              <a:t>A, B, C</a:t>
+            </a:r>
+            <a:r>
+              <a:rPr kumimoji="1" lang="ja-JP" altLang="en-US" dirty="0"/>
+              <a:t>は他に優越される解が存在しない</a:t>
+            </a:r>
+            <a:endParaRPr kumimoji="1" lang="en-US" altLang="ja-JP" dirty="0"/>
+          </a:p>
+          <a:p>
+            <a:r>
+              <a:rPr lang="en-US" altLang="ja-JP" dirty="0"/>
+              <a:t>= A, B, C </a:t>
+            </a:r>
+            <a:r>
+              <a:rPr lang="ja-JP" altLang="en-US" dirty="0"/>
+              <a:t>は互いに非劣</a:t>
+            </a:r>
+            <a:endParaRPr kumimoji="1" lang="ja-JP" altLang="en-US" dirty="0"/>
+          </a:p>
+        </p:txBody>
+      </p:sp>
+    </p:spTree>
+    <p:extLst>
+      <p:ext uri="{BB962C8B-B14F-4D97-AF65-F5344CB8AC3E}">
+        <p14:creationId xmlns:p14="http://schemas.microsoft.com/office/powerpoint/2010/main" val="433801714"/>
+      </p:ext>
+    </p:extLst>
+  </p:cSld>
+  <p:clrMapOvr>
+    <a:masterClrMapping/>
+  </p:clrMapOvr>
+</p:sld>
+</file>
+
+<file path=ppt/slides/slide11.xml><?xml version="1.0" encoding="utf-8"?>
+<p:sld xmlns:a="http://schemas.openxmlformats.org/drawingml/2006/main" xmlns:r="http://schemas.openxmlformats.org/officeDocument/2006/relationships" xmlns:p="http://schemas.openxmlformats.org/presentationml/2006/main">
+  <p:cSld>
+    <p:spTree>
+      <p:nvGrpSpPr>
+        <p:cNvPr id="1" name=""/>
+        <p:cNvGrpSpPr/>
+        <p:nvPr/>
+      </p:nvGrpSpPr>
+      <p:grpSpPr>
+        <a:xfrm>
+          <a:off x="0" y="0"/>
+          <a:ext cx="0" cy="0"/>
+          <a:chOff x="0" y="0"/>
+          <a:chExt cx="0" cy="0"/>
+        </a:xfrm>
+      </p:grpSpPr>
+      <p:sp>
+        <p:nvSpPr>
+          <p:cNvPr id="2" name="タイトル 1">
+            <a:extLst>
+              <a:ext uri="{FF2B5EF4-FFF2-40B4-BE49-F238E27FC236}">
                 <a16:creationId xmlns:a16="http://schemas.microsoft.com/office/drawing/2014/main" id="{187AB015-A40A-0340-9311-10DAD592CCC3}"/>
               </a:ext>
             </a:extLst>
@@ -8726,7 +9519,7 @@
 </p:sld>
 </file>
 
-<file path=ppt/slides/slide11.xml><?xml version="1.0" encoding="utf-8"?>
+<file path=ppt/slides/slide12.xml><?xml version="1.0" encoding="utf-8"?>
 <p:sld xmlns:a="http://schemas.openxmlformats.org/drawingml/2006/main" xmlns:r="http://schemas.openxmlformats.org/officeDocument/2006/relationships" xmlns:p="http://schemas.openxmlformats.org/presentationml/2006/main">
   <p:cSld>
     <p:spTree>
@@ -10738,7 +11531,7 @@
 </p:sld>
 </file>
 
-<file path=ppt/slides/slide12.xml><?xml version="1.0" encoding="utf-8"?>
+<file path=ppt/slides/slide13.xml><?xml version="1.0" encoding="utf-8"?>
 <p:sld xmlns:a="http://schemas.openxmlformats.org/drawingml/2006/main" xmlns:r="http://schemas.openxmlformats.org/officeDocument/2006/relationships" xmlns:p="http://schemas.openxmlformats.org/presentationml/2006/main">
   <p:cSld>
     <p:spTree>
@@ -10790,7 +11583,7 @@
 </p:sld>
 </file>
 
-<file path=ppt/slides/slide13.xml><?xml version="1.0" encoding="utf-8"?>
+<file path=ppt/slides/slide14.xml><?xml version="1.0" encoding="utf-8"?>
 <p:sld xmlns:a="http://schemas.openxmlformats.org/drawingml/2006/main" xmlns:r="http://schemas.openxmlformats.org/officeDocument/2006/relationships" xmlns:p="http://schemas.openxmlformats.org/presentationml/2006/main">
   <p:cSld>
     <p:spTree>
@@ -11209,7 +12002,7 @@
 </p:sld>
 </file>
 
-<file path=ppt/slides/slide14.xml><?xml version="1.0" encoding="utf-8"?>
+<file path=ppt/slides/slide15.xml><?xml version="1.0" encoding="utf-8"?>
 <p:sld xmlns:a="http://schemas.openxmlformats.org/drawingml/2006/main" xmlns:r="http://schemas.openxmlformats.org/officeDocument/2006/relationships" xmlns:p="http://schemas.openxmlformats.org/presentationml/2006/main">
   <p:cSld>
     <p:spTree>
@@ -11484,7 +12277,7 @@
 </p:sld>
 </file>
 
-<file path=ppt/slides/slide15.xml><?xml version="1.0" encoding="utf-8"?>
+<file path=ppt/slides/slide16.xml><?xml version="1.0" encoding="utf-8"?>
 <p:sld xmlns:a="http://schemas.openxmlformats.org/drawingml/2006/main" xmlns:r="http://schemas.openxmlformats.org/officeDocument/2006/relationships" xmlns:p="http://schemas.openxmlformats.org/presentationml/2006/main">
   <p:cSld>
     <p:spTree>
@@ -11533,7 +12326,7 @@
 </p:sld>
 </file>
 
-<file path=ppt/slides/slide16.xml><?xml version="1.0" encoding="utf-8"?>
+<file path=ppt/slides/slide17.xml><?xml version="1.0" encoding="utf-8"?>
 <p:sld xmlns:a="http://schemas.openxmlformats.org/drawingml/2006/main" xmlns:r="http://schemas.openxmlformats.org/officeDocument/2006/relationships" xmlns:p="http://schemas.openxmlformats.org/presentationml/2006/main">
   <p:cSld>
     <p:spTree>
@@ -11563,7 +12356,7 @@
 </p:sld>
 </file>
 
-<file path=ppt/slides/slide17.xml><?xml version="1.0" encoding="utf-8"?>
+<file path=ppt/slides/slide18.xml><?xml version="1.0" encoding="utf-8"?>
 <p:sld xmlns:a="http://schemas.openxmlformats.org/drawingml/2006/main" xmlns:r="http://schemas.openxmlformats.org/officeDocument/2006/relationships" xmlns:p="http://schemas.openxmlformats.org/presentationml/2006/main">
   <p:cSld>
     <p:spTree>
@@ -11856,7 +12649,7 @@
 </p:sld>
 </file>
 
-<file path=ppt/slides/slide18.xml><?xml version="1.0" encoding="utf-8"?>
+<file path=ppt/slides/slide19.xml><?xml version="1.0" encoding="utf-8"?>
 <p:sld xmlns:a="http://schemas.openxmlformats.org/drawingml/2006/main" xmlns:r="http://schemas.openxmlformats.org/officeDocument/2006/relationships" xmlns:p="http://schemas.openxmlformats.org/presentationml/2006/main">
   <p:cSld>
     <p:spTree>
@@ -12321,471 +13114,6 @@
 </p:sld>
 </file>
 
-<file path=ppt/slides/slide19.xml><?xml version="1.0" encoding="utf-8"?>
-<p:sld xmlns:a="http://schemas.openxmlformats.org/drawingml/2006/main" xmlns:r="http://schemas.openxmlformats.org/officeDocument/2006/relationships" xmlns:p="http://schemas.openxmlformats.org/presentationml/2006/main">
-  <p:cSld>
-    <p:spTree>
-      <p:nvGrpSpPr>
-        <p:cNvPr id="1" name=""/>
-        <p:cNvGrpSpPr/>
-        <p:nvPr/>
-      </p:nvGrpSpPr>
-      <p:grpSpPr>
-        <a:xfrm>
-          <a:off x="0" y="0"/>
-          <a:ext cx="0" cy="0"/>
-          <a:chOff x="0" y="0"/>
-          <a:chExt cx="0" cy="0"/>
-        </a:xfrm>
-      </p:grpSpPr>
-      <p:pic>
-        <p:nvPicPr>
-          <p:cNvPr id="8" name="図 7" descr="地図, テキスト が含まれている画像&#10;&#10;&#10;&#10;自動的に生成された説明">
-            <a:extLst>
-              <a:ext uri="{FF2B5EF4-FFF2-40B4-BE49-F238E27FC236}">
-                <a16:creationId xmlns:a16="http://schemas.microsoft.com/office/drawing/2014/main" id="{D4575C73-5DE9-7A48-AD5A-F46E3709C966}"/>
-              </a:ext>
-            </a:extLst>
-          </p:cNvPr>
-          <p:cNvPicPr>
-            <a:picLocks noChangeAspect="1"/>
-          </p:cNvPicPr>
-          <p:nvPr/>
-        </p:nvPicPr>
-        <p:blipFill rotWithShape="1">
-          <a:blip r:embed="rId3">
-            <a:clrChange>
-              <a:clrFrom>
-                <a:srgbClr val="FFFFFF"/>
-              </a:clrFrom>
-              <a:clrTo>
-                <a:srgbClr val="FFFFFF">
-                  <a:alpha val="0"/>
-                </a:srgbClr>
-              </a:clrTo>
-            </a:clrChange>
-            <a:extLst>
-              <a:ext uri="{28A0092B-C50C-407E-A947-70E740481C1C}">
-                <a14:useLocalDpi xmlns:a14="http://schemas.microsoft.com/office/drawing/2010/main" val="0"/>
-              </a:ext>
-            </a:extLst>
-          </a:blip>
-          <a:srcRect l="6666" t="8333" r="8333" b="8333"/>
-          <a:stretch/>
-        </p:blipFill>
-        <p:spPr>
-          <a:xfrm>
-            <a:off x="1382701" y="1676400"/>
-            <a:ext cx="3886200" cy="3810000"/>
-          </a:xfrm>
-          <a:prstGeom prst="rect">
-            <a:avLst/>
-          </a:prstGeom>
-        </p:spPr>
-      </p:pic>
-      <mc:AlternateContent xmlns:mc="http://schemas.openxmlformats.org/markup-compatibility/2006" xmlns:a14="http://schemas.microsoft.com/office/drawing/2010/main">
-        <mc:Choice Requires="a14">
-          <p:sp>
-            <p:nvSpPr>
-              <p:cNvPr id="4" name="テキスト ボックス 3">
-                <a:extLst>
-                  <a:ext uri="{FF2B5EF4-FFF2-40B4-BE49-F238E27FC236}">
-                    <a16:creationId xmlns:a16="http://schemas.microsoft.com/office/drawing/2014/main" id="{4C409D09-4126-564E-8142-EF558A61A3B2}"/>
-                  </a:ext>
-                </a:extLst>
-              </p:cNvPr>
-              <p:cNvSpPr txBox="1"/>
-              <p:nvPr/>
-            </p:nvSpPr>
-            <p:spPr>
-              <a:xfrm rot="16200000">
-                <a:off x="124291" y="3095594"/>
-                <a:ext cx="2019299" cy="400110"/>
-              </a:xfrm>
-              <a:prstGeom prst="rect">
-                <a:avLst/>
-              </a:prstGeom>
-              <a:noFill/>
-            </p:spPr>
-            <p:txBody>
-              <a:bodyPr wrap="square" rtlCol="0">
-                <a:spAutoFit/>
-              </a:bodyPr>
-              <a:lstStyle/>
-              <a:p>
-                <a:r>
-                  <a:rPr kumimoji="1" lang="ja-JP" altLang="en-US" sz="2000" dirty="0"/>
-                  <a:t>誤識別率</a:t>
-                </a:r>
-                <a:r>
-                  <a:rPr kumimoji="1" lang="en-US" altLang="ja-JP" sz="2000" dirty="0"/>
-                  <a:t> [</a:t>
-                </a:r>
-                <a14:m>
-                  <m:oMath xmlns:m="http://schemas.openxmlformats.org/officeDocument/2006/math">
-                    <m:r>
-                      <a:rPr kumimoji="1" lang="en-US" altLang="ja-JP" sz="2000" i="1">
-                        <a:latin typeface="Cambria Math" panose="02040503050406030204" pitchFamily="18" charset="0"/>
-                        <a:ea typeface="Cambria Math" panose="02040503050406030204" pitchFamily="18" charset="0"/>
-                      </a:rPr>
-                      <m:t>%</m:t>
-                    </m:r>
-                  </m:oMath>
-                </a14:m>
-                <a:r>
-                  <a:rPr kumimoji="1" lang="en-US" altLang="ja-JP" sz="2000" dirty="0"/>
-                  <a:t>]</a:t>
-                </a:r>
-                <a:endParaRPr kumimoji="1" lang="ja-JP" altLang="en-US" sz="2000" dirty="0"/>
-              </a:p>
-            </p:txBody>
-          </p:sp>
-        </mc:Choice>
-        <mc:Fallback xmlns="">
-          <p:sp>
-            <p:nvSpPr>
-              <p:cNvPr id="4" name="テキスト ボックス 3">
-                <a:extLst>
-                  <a:ext uri="{FF2B5EF4-FFF2-40B4-BE49-F238E27FC236}">
-                    <a16:creationId xmlns:a16="http://schemas.microsoft.com/office/drawing/2014/main" id="{4C409D09-4126-564E-8142-EF558A61A3B2}"/>
-                  </a:ext>
-                </a:extLst>
-              </p:cNvPr>
-              <p:cNvSpPr txBox="1">
-                <a:spLocks noRot="1" noChangeAspect="1" noMove="1" noResize="1" noEditPoints="1" noAdjustHandles="1" noChangeArrowheads="1" noChangeShapeType="1" noTextEdit="1"/>
-              </p:cNvSpPr>
-              <p:nvPr/>
-            </p:nvSpPr>
-            <p:spPr>
-              <a:xfrm rot="16200000">
-                <a:off x="124291" y="3095594"/>
-                <a:ext cx="2019299" cy="400110"/>
-              </a:xfrm>
-              <a:prstGeom prst="rect">
-                <a:avLst/>
-              </a:prstGeom>
-              <a:blipFill>
-                <a:blip r:embed="rId4"/>
-                <a:stretch>
-                  <a:fillRect l="-10606" r="-27273" b="-3323"/>
-                </a:stretch>
-              </a:blipFill>
-            </p:spPr>
-            <p:txBody>
-              <a:bodyPr/>
-              <a:lstStyle/>
-              <a:p>
-                <a:r>
-                  <a:rPr lang="ja-JP" altLang="en-US">
-                    <a:noFill/>
-                  </a:rPr>
-                  <a:t> </a:t>
-                </a:r>
-              </a:p>
-            </p:txBody>
-          </p:sp>
-        </mc:Fallback>
-      </mc:AlternateContent>
-      <p:sp>
-        <p:nvSpPr>
-          <p:cNvPr id="5" name="テキスト ボックス 4">
-            <a:extLst>
-              <a:ext uri="{FF2B5EF4-FFF2-40B4-BE49-F238E27FC236}">
-                <a16:creationId xmlns:a16="http://schemas.microsoft.com/office/drawing/2014/main" id="{3042699D-F075-0D46-A85E-505FE164BB32}"/>
-              </a:ext>
-            </a:extLst>
-          </p:cNvPr>
-          <p:cNvSpPr txBox="1"/>
-          <p:nvPr/>
-        </p:nvSpPr>
-        <p:spPr>
-          <a:xfrm>
-            <a:off x="2438400" y="5456216"/>
-            <a:ext cx="2019299" cy="400110"/>
-          </a:xfrm>
-          <a:prstGeom prst="rect">
-            <a:avLst/>
-          </a:prstGeom>
-          <a:noFill/>
-        </p:spPr>
-        <p:txBody>
-          <a:bodyPr wrap="square" rtlCol="0">
-            <a:spAutoFit/>
-          </a:bodyPr>
-          <a:lstStyle/>
-          <a:p>
-            <a:r>
-              <a:rPr lang="ja-JP" altLang="en-US" sz="2000"/>
-              <a:t>ルール数</a:t>
-            </a:r>
-            <a:r>
-              <a:rPr kumimoji="1" lang="en-US" altLang="ja-JP" sz="2000"/>
-              <a:t> [-]</a:t>
-            </a:r>
-            <a:endParaRPr kumimoji="1" lang="ja-JP" altLang="en-US" sz="2000"/>
-          </a:p>
-        </p:txBody>
-      </p:sp>
-      <p:sp>
-        <p:nvSpPr>
-          <p:cNvPr id="9" name="タイトル 1">
-            <a:extLst>
-              <a:ext uri="{FF2B5EF4-FFF2-40B4-BE49-F238E27FC236}">
-                <a16:creationId xmlns:a16="http://schemas.microsoft.com/office/drawing/2014/main" id="{E0B7A4FA-77A0-0940-A26E-86D944F4A083}"/>
-              </a:ext>
-            </a:extLst>
-          </p:cNvPr>
-          <p:cNvSpPr txBox="1">
-            <a:spLocks/>
-          </p:cNvSpPr>
-          <p:nvPr/>
-        </p:nvSpPr>
-        <p:spPr>
-          <a:xfrm>
-            <a:off x="76200" y="0"/>
-            <a:ext cx="9067800" cy="1143000"/>
-          </a:xfrm>
-          <a:prstGeom prst="rect">
-            <a:avLst/>
-          </a:prstGeom>
-        </p:spPr>
-        <p:txBody>
-          <a:bodyPr/>
-          <a:lstStyle>
-            <a:lvl1pPr algn="just" rtl="0" eaLnBrk="0" fontAlgn="base" hangingPunct="0">
-              <a:spcBef>
-                <a:spcPct val="0"/>
-              </a:spcBef>
-              <a:spcAft>
-                <a:spcPct val="0"/>
-              </a:spcAft>
-              <a:defRPr kumimoji="1" sz="4400" b="1">
-                <a:solidFill>
-                  <a:schemeClr val="bg1"/>
-                </a:solidFill>
-                <a:latin typeface="+mj-lt"/>
-                <a:ea typeface="+mj-ea"/>
-                <a:cs typeface="+mj-cs"/>
-              </a:defRPr>
-            </a:lvl1pPr>
-            <a:lvl2pPr algn="just" rtl="0" eaLnBrk="0" fontAlgn="base" hangingPunct="0">
-              <a:spcBef>
-                <a:spcPct val="0"/>
-              </a:spcBef>
-              <a:spcAft>
-                <a:spcPct val="0"/>
-              </a:spcAft>
-              <a:defRPr kumimoji="1" sz="4400" b="1">
-                <a:solidFill>
-                  <a:schemeClr val="bg1"/>
-                </a:solidFill>
-                <a:latin typeface="Times New Roman" pitchFamily="18" charset="0"/>
-                <a:ea typeface="ＭＳ Ｐゴシック" pitchFamily="50" charset="-128"/>
-              </a:defRPr>
-            </a:lvl2pPr>
-            <a:lvl3pPr algn="just" rtl="0" eaLnBrk="0" fontAlgn="base" hangingPunct="0">
-              <a:spcBef>
-                <a:spcPct val="0"/>
-              </a:spcBef>
-              <a:spcAft>
-                <a:spcPct val="0"/>
-              </a:spcAft>
-              <a:defRPr kumimoji="1" sz="4400" b="1">
-                <a:solidFill>
-                  <a:schemeClr val="bg1"/>
-                </a:solidFill>
-                <a:latin typeface="Times New Roman" pitchFamily="18" charset="0"/>
-                <a:ea typeface="ＭＳ Ｐゴシック" pitchFamily="50" charset="-128"/>
-              </a:defRPr>
-            </a:lvl3pPr>
-            <a:lvl4pPr algn="just" rtl="0" eaLnBrk="0" fontAlgn="base" hangingPunct="0">
-              <a:spcBef>
-                <a:spcPct val="0"/>
-              </a:spcBef>
-              <a:spcAft>
-                <a:spcPct val="0"/>
-              </a:spcAft>
-              <a:defRPr kumimoji="1" sz="4400" b="1">
-                <a:solidFill>
-                  <a:schemeClr val="bg1"/>
-                </a:solidFill>
-                <a:latin typeface="Times New Roman" pitchFamily="18" charset="0"/>
-                <a:ea typeface="ＭＳ Ｐゴシック" pitchFamily="50" charset="-128"/>
-              </a:defRPr>
-            </a:lvl4pPr>
-            <a:lvl5pPr algn="just" rtl="0" eaLnBrk="0" fontAlgn="base" hangingPunct="0">
-              <a:spcBef>
-                <a:spcPct val="0"/>
-              </a:spcBef>
-              <a:spcAft>
-                <a:spcPct val="0"/>
-              </a:spcAft>
-              <a:defRPr kumimoji="1" sz="4400" b="1">
-                <a:solidFill>
-                  <a:schemeClr val="bg1"/>
-                </a:solidFill>
-                <a:latin typeface="Times New Roman" pitchFamily="18" charset="0"/>
-                <a:ea typeface="ＭＳ Ｐゴシック" pitchFamily="50" charset="-128"/>
-              </a:defRPr>
-            </a:lvl5pPr>
-            <a:lvl6pPr marL="457200" algn="just" rtl="0" fontAlgn="base">
-              <a:spcBef>
-                <a:spcPct val="0"/>
-              </a:spcBef>
-              <a:spcAft>
-                <a:spcPct val="0"/>
-              </a:spcAft>
-              <a:defRPr kumimoji="1" sz="4400" b="1">
-                <a:solidFill>
-                  <a:schemeClr val="bg1"/>
-                </a:solidFill>
-                <a:latin typeface="Times New Roman" pitchFamily="18" charset="0"/>
-                <a:ea typeface="ＭＳ Ｐゴシック" pitchFamily="50" charset="-128"/>
-              </a:defRPr>
-            </a:lvl6pPr>
-            <a:lvl7pPr marL="914400" algn="just" rtl="0" fontAlgn="base">
-              <a:spcBef>
-                <a:spcPct val="0"/>
-              </a:spcBef>
-              <a:spcAft>
-                <a:spcPct val="0"/>
-              </a:spcAft>
-              <a:defRPr kumimoji="1" sz="4400" b="1">
-                <a:solidFill>
-                  <a:schemeClr val="bg1"/>
-                </a:solidFill>
-                <a:latin typeface="Times New Roman" pitchFamily="18" charset="0"/>
-                <a:ea typeface="ＭＳ Ｐゴシック" pitchFamily="50" charset="-128"/>
-              </a:defRPr>
-            </a:lvl7pPr>
-            <a:lvl8pPr marL="1371600" algn="just" rtl="0" fontAlgn="base">
-              <a:spcBef>
-                <a:spcPct val="0"/>
-              </a:spcBef>
-              <a:spcAft>
-                <a:spcPct val="0"/>
-              </a:spcAft>
-              <a:defRPr kumimoji="1" sz="4400" b="1">
-                <a:solidFill>
-                  <a:schemeClr val="bg1"/>
-                </a:solidFill>
-                <a:latin typeface="Times New Roman" pitchFamily="18" charset="0"/>
-                <a:ea typeface="ＭＳ Ｐゴシック" pitchFamily="50" charset="-128"/>
-              </a:defRPr>
-            </a:lvl8pPr>
-            <a:lvl9pPr marL="1828800" algn="just" rtl="0" fontAlgn="base">
-              <a:spcBef>
-                <a:spcPct val="0"/>
-              </a:spcBef>
-              <a:spcAft>
-                <a:spcPct val="0"/>
-              </a:spcAft>
-              <a:defRPr kumimoji="1" sz="4400" b="1">
-                <a:solidFill>
-                  <a:schemeClr val="bg1"/>
-                </a:solidFill>
-                <a:latin typeface="Times New Roman" pitchFamily="18" charset="0"/>
-                <a:ea typeface="ＭＳ Ｐゴシック" pitchFamily="50" charset="-128"/>
-              </a:defRPr>
-            </a:lvl9pPr>
-          </a:lstStyle>
-          <a:p>
-            <a:r>
-              <a:rPr lang="en-US" altLang="ja-JP" kern="0"/>
-              <a:t>satimage</a:t>
-            </a:r>
-            <a:endParaRPr lang="ja-JP" altLang="en-US" kern="0"/>
-          </a:p>
-        </p:txBody>
-      </p:sp>
-      <p:pic>
-        <p:nvPicPr>
-          <p:cNvPr id="10" name="図 9" descr="地図, テキスト が含まれている画像&#10;&#10;&#10;&#10;自動的に生成された説明">
-            <a:extLst>
-              <a:ext uri="{FF2B5EF4-FFF2-40B4-BE49-F238E27FC236}">
-                <a16:creationId xmlns:a16="http://schemas.microsoft.com/office/drawing/2014/main" id="{6357094D-5371-C04D-9462-896DAB714E69}"/>
-              </a:ext>
-            </a:extLst>
-          </p:cNvPr>
-          <p:cNvPicPr>
-            <a:picLocks noChangeAspect="1"/>
-          </p:cNvPicPr>
-          <p:nvPr/>
-        </p:nvPicPr>
-        <p:blipFill rotWithShape="1">
-          <a:blip r:embed="rId5">
-            <a:extLst>
-              <a:ext uri="{28A0092B-C50C-407E-A947-70E740481C1C}">
-                <a14:useLocalDpi xmlns:a14="http://schemas.microsoft.com/office/drawing/2010/main" val="0"/>
-              </a:ext>
-            </a:extLst>
-          </a:blip>
-          <a:srcRect l="68889" t="15556" r="11111" b="55555"/>
-          <a:stretch/>
-        </p:blipFill>
-        <p:spPr>
-          <a:xfrm>
-            <a:off x="3505200" y="2238642"/>
-            <a:ext cx="1582615" cy="2286000"/>
-          </a:xfrm>
-          <a:prstGeom prst="rect">
-            <a:avLst/>
-          </a:prstGeom>
-          <a:ln>
-            <a:solidFill>
-              <a:schemeClr val="tx1"/>
-            </a:solidFill>
-          </a:ln>
-        </p:spPr>
-      </p:pic>
-      <p:sp>
-        <p:nvSpPr>
-          <p:cNvPr id="16" name="テキスト ボックス 15">
-            <a:extLst>
-              <a:ext uri="{FF2B5EF4-FFF2-40B4-BE49-F238E27FC236}">
-                <a16:creationId xmlns:a16="http://schemas.microsoft.com/office/drawing/2014/main" id="{9F80D45A-6CC8-5D40-8777-B8064651B313}"/>
-              </a:ext>
-            </a:extLst>
-          </p:cNvPr>
-          <p:cNvSpPr txBox="1"/>
-          <p:nvPr/>
-        </p:nvSpPr>
-        <p:spPr>
-          <a:xfrm>
-            <a:off x="3852430" y="1908280"/>
-            <a:ext cx="877163" cy="369332"/>
-          </a:xfrm>
-          <a:prstGeom prst="rect">
-            <a:avLst/>
-          </a:prstGeom>
-          <a:noFill/>
-        </p:spPr>
-        <p:txBody>
-          <a:bodyPr wrap="none" rtlCol="0">
-            <a:spAutoFit/>
-          </a:bodyPr>
-          <a:lstStyle/>
-          <a:p>
-            <a:r>
-              <a:rPr kumimoji="1" lang="ja-JP" altLang="en-US"/>
-              <a:t>個体数</a:t>
-            </a:r>
-          </a:p>
-        </p:txBody>
-      </p:sp>
-    </p:spTree>
-    <p:extLst>
-      <p:ext uri="{BB962C8B-B14F-4D97-AF65-F5344CB8AC3E}">
-        <p14:creationId xmlns:p14="http://schemas.microsoft.com/office/powerpoint/2010/main" val="366543927"/>
-      </p:ext>
-    </p:extLst>
-  </p:cSld>
-  <p:clrMapOvr>
-    <a:masterClrMapping/>
-  </p:clrMapOvr>
-</p:sld>
-</file>
-
 <file path=ppt/slides/slide2.xml><?xml version="1.0" encoding="utf-8"?>
 <p:sld xmlns:a="http://schemas.openxmlformats.org/drawingml/2006/main" xmlns:r="http://schemas.openxmlformats.org/officeDocument/2006/relationships" xmlns:p="http://schemas.openxmlformats.org/presentationml/2006/main">
   <p:cSld>
@@ -13135,6 +13463,471 @@
 </file>
 
 <file path=ppt/slides/slide20.xml><?xml version="1.0" encoding="utf-8"?>
+<p:sld xmlns:a="http://schemas.openxmlformats.org/drawingml/2006/main" xmlns:r="http://schemas.openxmlformats.org/officeDocument/2006/relationships" xmlns:p="http://schemas.openxmlformats.org/presentationml/2006/main">
+  <p:cSld>
+    <p:spTree>
+      <p:nvGrpSpPr>
+        <p:cNvPr id="1" name=""/>
+        <p:cNvGrpSpPr/>
+        <p:nvPr/>
+      </p:nvGrpSpPr>
+      <p:grpSpPr>
+        <a:xfrm>
+          <a:off x="0" y="0"/>
+          <a:ext cx="0" cy="0"/>
+          <a:chOff x="0" y="0"/>
+          <a:chExt cx="0" cy="0"/>
+        </a:xfrm>
+      </p:grpSpPr>
+      <p:pic>
+        <p:nvPicPr>
+          <p:cNvPr id="8" name="図 7" descr="地図, テキスト が含まれている画像&#10;&#10;&#10;&#10;自動的に生成された説明">
+            <a:extLst>
+              <a:ext uri="{FF2B5EF4-FFF2-40B4-BE49-F238E27FC236}">
+                <a16:creationId xmlns:a16="http://schemas.microsoft.com/office/drawing/2014/main" id="{D4575C73-5DE9-7A48-AD5A-F46E3709C966}"/>
+              </a:ext>
+            </a:extLst>
+          </p:cNvPr>
+          <p:cNvPicPr>
+            <a:picLocks noChangeAspect="1"/>
+          </p:cNvPicPr>
+          <p:nvPr/>
+        </p:nvPicPr>
+        <p:blipFill rotWithShape="1">
+          <a:blip r:embed="rId3">
+            <a:clrChange>
+              <a:clrFrom>
+                <a:srgbClr val="FFFFFF"/>
+              </a:clrFrom>
+              <a:clrTo>
+                <a:srgbClr val="FFFFFF">
+                  <a:alpha val="0"/>
+                </a:srgbClr>
+              </a:clrTo>
+            </a:clrChange>
+            <a:extLst>
+              <a:ext uri="{28A0092B-C50C-407E-A947-70E740481C1C}">
+                <a14:useLocalDpi xmlns:a14="http://schemas.microsoft.com/office/drawing/2010/main" val="0"/>
+              </a:ext>
+            </a:extLst>
+          </a:blip>
+          <a:srcRect l="6666" t="8333" r="8333" b="8333"/>
+          <a:stretch/>
+        </p:blipFill>
+        <p:spPr>
+          <a:xfrm>
+            <a:off x="1382701" y="1676400"/>
+            <a:ext cx="3886200" cy="3810000"/>
+          </a:xfrm>
+          <a:prstGeom prst="rect">
+            <a:avLst/>
+          </a:prstGeom>
+        </p:spPr>
+      </p:pic>
+      <mc:AlternateContent xmlns:mc="http://schemas.openxmlformats.org/markup-compatibility/2006" xmlns:a14="http://schemas.microsoft.com/office/drawing/2010/main">
+        <mc:Choice Requires="a14">
+          <p:sp>
+            <p:nvSpPr>
+              <p:cNvPr id="4" name="テキスト ボックス 3">
+                <a:extLst>
+                  <a:ext uri="{FF2B5EF4-FFF2-40B4-BE49-F238E27FC236}">
+                    <a16:creationId xmlns:a16="http://schemas.microsoft.com/office/drawing/2014/main" id="{4C409D09-4126-564E-8142-EF558A61A3B2}"/>
+                  </a:ext>
+                </a:extLst>
+              </p:cNvPr>
+              <p:cNvSpPr txBox="1"/>
+              <p:nvPr/>
+            </p:nvSpPr>
+            <p:spPr>
+              <a:xfrm rot="16200000">
+                <a:off x="124291" y="3095594"/>
+                <a:ext cx="2019299" cy="400110"/>
+              </a:xfrm>
+              <a:prstGeom prst="rect">
+                <a:avLst/>
+              </a:prstGeom>
+              <a:noFill/>
+            </p:spPr>
+            <p:txBody>
+              <a:bodyPr wrap="square" rtlCol="0">
+                <a:spAutoFit/>
+              </a:bodyPr>
+              <a:lstStyle/>
+              <a:p>
+                <a:r>
+                  <a:rPr kumimoji="1" lang="ja-JP" altLang="en-US" sz="2000" dirty="0"/>
+                  <a:t>誤識別率</a:t>
+                </a:r>
+                <a:r>
+                  <a:rPr kumimoji="1" lang="en-US" altLang="ja-JP" sz="2000" dirty="0"/>
+                  <a:t> [</a:t>
+                </a:r>
+                <a14:m>
+                  <m:oMath xmlns:m="http://schemas.openxmlformats.org/officeDocument/2006/math">
+                    <m:r>
+                      <a:rPr kumimoji="1" lang="en-US" altLang="ja-JP" sz="2000" i="1">
+                        <a:latin typeface="Cambria Math" panose="02040503050406030204" pitchFamily="18" charset="0"/>
+                        <a:ea typeface="Cambria Math" panose="02040503050406030204" pitchFamily="18" charset="0"/>
+                      </a:rPr>
+                      <m:t>%</m:t>
+                    </m:r>
+                  </m:oMath>
+                </a14:m>
+                <a:r>
+                  <a:rPr kumimoji="1" lang="en-US" altLang="ja-JP" sz="2000" dirty="0"/>
+                  <a:t>]</a:t>
+                </a:r>
+                <a:endParaRPr kumimoji="1" lang="ja-JP" altLang="en-US" sz="2000" dirty="0"/>
+              </a:p>
+            </p:txBody>
+          </p:sp>
+        </mc:Choice>
+        <mc:Fallback xmlns="">
+          <p:sp>
+            <p:nvSpPr>
+              <p:cNvPr id="4" name="テキスト ボックス 3">
+                <a:extLst>
+                  <a:ext uri="{FF2B5EF4-FFF2-40B4-BE49-F238E27FC236}">
+                    <a16:creationId xmlns:a16="http://schemas.microsoft.com/office/drawing/2014/main" id="{4C409D09-4126-564E-8142-EF558A61A3B2}"/>
+                  </a:ext>
+                </a:extLst>
+              </p:cNvPr>
+              <p:cNvSpPr txBox="1">
+                <a:spLocks noRot="1" noChangeAspect="1" noMove="1" noResize="1" noEditPoints="1" noAdjustHandles="1" noChangeArrowheads="1" noChangeShapeType="1" noTextEdit="1"/>
+              </p:cNvSpPr>
+              <p:nvPr/>
+            </p:nvSpPr>
+            <p:spPr>
+              <a:xfrm rot="16200000">
+                <a:off x="124291" y="3095594"/>
+                <a:ext cx="2019299" cy="400110"/>
+              </a:xfrm>
+              <a:prstGeom prst="rect">
+                <a:avLst/>
+              </a:prstGeom>
+              <a:blipFill>
+                <a:blip r:embed="rId4"/>
+                <a:stretch>
+                  <a:fillRect l="-10606" r="-27273" b="-3323"/>
+                </a:stretch>
+              </a:blipFill>
+            </p:spPr>
+            <p:txBody>
+              <a:bodyPr/>
+              <a:lstStyle/>
+              <a:p>
+                <a:r>
+                  <a:rPr lang="ja-JP" altLang="en-US">
+                    <a:noFill/>
+                  </a:rPr>
+                  <a:t> </a:t>
+                </a:r>
+              </a:p>
+            </p:txBody>
+          </p:sp>
+        </mc:Fallback>
+      </mc:AlternateContent>
+      <p:sp>
+        <p:nvSpPr>
+          <p:cNvPr id="5" name="テキスト ボックス 4">
+            <a:extLst>
+              <a:ext uri="{FF2B5EF4-FFF2-40B4-BE49-F238E27FC236}">
+                <a16:creationId xmlns:a16="http://schemas.microsoft.com/office/drawing/2014/main" id="{3042699D-F075-0D46-A85E-505FE164BB32}"/>
+              </a:ext>
+            </a:extLst>
+          </p:cNvPr>
+          <p:cNvSpPr txBox="1"/>
+          <p:nvPr/>
+        </p:nvSpPr>
+        <p:spPr>
+          <a:xfrm>
+            <a:off x="2438400" y="5456216"/>
+            <a:ext cx="2019299" cy="400110"/>
+          </a:xfrm>
+          <a:prstGeom prst="rect">
+            <a:avLst/>
+          </a:prstGeom>
+          <a:noFill/>
+        </p:spPr>
+        <p:txBody>
+          <a:bodyPr wrap="square" rtlCol="0">
+            <a:spAutoFit/>
+          </a:bodyPr>
+          <a:lstStyle/>
+          <a:p>
+            <a:r>
+              <a:rPr lang="ja-JP" altLang="en-US" sz="2000"/>
+              <a:t>ルール数</a:t>
+            </a:r>
+            <a:r>
+              <a:rPr kumimoji="1" lang="en-US" altLang="ja-JP" sz="2000"/>
+              <a:t> [-]</a:t>
+            </a:r>
+            <a:endParaRPr kumimoji="1" lang="ja-JP" altLang="en-US" sz="2000"/>
+          </a:p>
+        </p:txBody>
+      </p:sp>
+      <p:sp>
+        <p:nvSpPr>
+          <p:cNvPr id="9" name="タイトル 1">
+            <a:extLst>
+              <a:ext uri="{FF2B5EF4-FFF2-40B4-BE49-F238E27FC236}">
+                <a16:creationId xmlns:a16="http://schemas.microsoft.com/office/drawing/2014/main" id="{E0B7A4FA-77A0-0940-A26E-86D944F4A083}"/>
+              </a:ext>
+            </a:extLst>
+          </p:cNvPr>
+          <p:cNvSpPr txBox="1">
+            <a:spLocks/>
+          </p:cNvSpPr>
+          <p:nvPr/>
+        </p:nvSpPr>
+        <p:spPr>
+          <a:xfrm>
+            <a:off x="76200" y="0"/>
+            <a:ext cx="9067800" cy="1143000"/>
+          </a:xfrm>
+          <a:prstGeom prst="rect">
+            <a:avLst/>
+          </a:prstGeom>
+        </p:spPr>
+        <p:txBody>
+          <a:bodyPr/>
+          <a:lstStyle>
+            <a:lvl1pPr algn="just" rtl="0" eaLnBrk="0" fontAlgn="base" hangingPunct="0">
+              <a:spcBef>
+                <a:spcPct val="0"/>
+              </a:spcBef>
+              <a:spcAft>
+                <a:spcPct val="0"/>
+              </a:spcAft>
+              <a:defRPr kumimoji="1" sz="4400" b="1">
+                <a:solidFill>
+                  <a:schemeClr val="bg1"/>
+                </a:solidFill>
+                <a:latin typeface="+mj-lt"/>
+                <a:ea typeface="+mj-ea"/>
+                <a:cs typeface="+mj-cs"/>
+              </a:defRPr>
+            </a:lvl1pPr>
+            <a:lvl2pPr algn="just" rtl="0" eaLnBrk="0" fontAlgn="base" hangingPunct="0">
+              <a:spcBef>
+                <a:spcPct val="0"/>
+              </a:spcBef>
+              <a:spcAft>
+                <a:spcPct val="0"/>
+              </a:spcAft>
+              <a:defRPr kumimoji="1" sz="4400" b="1">
+                <a:solidFill>
+                  <a:schemeClr val="bg1"/>
+                </a:solidFill>
+                <a:latin typeface="Times New Roman" pitchFamily="18" charset="0"/>
+                <a:ea typeface="ＭＳ Ｐゴシック" pitchFamily="50" charset="-128"/>
+              </a:defRPr>
+            </a:lvl2pPr>
+            <a:lvl3pPr algn="just" rtl="0" eaLnBrk="0" fontAlgn="base" hangingPunct="0">
+              <a:spcBef>
+                <a:spcPct val="0"/>
+              </a:spcBef>
+              <a:spcAft>
+                <a:spcPct val="0"/>
+              </a:spcAft>
+              <a:defRPr kumimoji="1" sz="4400" b="1">
+                <a:solidFill>
+                  <a:schemeClr val="bg1"/>
+                </a:solidFill>
+                <a:latin typeface="Times New Roman" pitchFamily="18" charset="0"/>
+                <a:ea typeface="ＭＳ Ｐゴシック" pitchFamily="50" charset="-128"/>
+              </a:defRPr>
+            </a:lvl3pPr>
+            <a:lvl4pPr algn="just" rtl="0" eaLnBrk="0" fontAlgn="base" hangingPunct="0">
+              <a:spcBef>
+                <a:spcPct val="0"/>
+              </a:spcBef>
+              <a:spcAft>
+                <a:spcPct val="0"/>
+              </a:spcAft>
+              <a:defRPr kumimoji="1" sz="4400" b="1">
+                <a:solidFill>
+                  <a:schemeClr val="bg1"/>
+                </a:solidFill>
+                <a:latin typeface="Times New Roman" pitchFamily="18" charset="0"/>
+                <a:ea typeface="ＭＳ Ｐゴシック" pitchFamily="50" charset="-128"/>
+              </a:defRPr>
+            </a:lvl4pPr>
+            <a:lvl5pPr algn="just" rtl="0" eaLnBrk="0" fontAlgn="base" hangingPunct="0">
+              <a:spcBef>
+                <a:spcPct val="0"/>
+              </a:spcBef>
+              <a:spcAft>
+                <a:spcPct val="0"/>
+              </a:spcAft>
+              <a:defRPr kumimoji="1" sz="4400" b="1">
+                <a:solidFill>
+                  <a:schemeClr val="bg1"/>
+                </a:solidFill>
+                <a:latin typeface="Times New Roman" pitchFamily="18" charset="0"/>
+                <a:ea typeface="ＭＳ Ｐゴシック" pitchFamily="50" charset="-128"/>
+              </a:defRPr>
+            </a:lvl5pPr>
+            <a:lvl6pPr marL="457200" algn="just" rtl="0" fontAlgn="base">
+              <a:spcBef>
+                <a:spcPct val="0"/>
+              </a:spcBef>
+              <a:spcAft>
+                <a:spcPct val="0"/>
+              </a:spcAft>
+              <a:defRPr kumimoji="1" sz="4400" b="1">
+                <a:solidFill>
+                  <a:schemeClr val="bg1"/>
+                </a:solidFill>
+                <a:latin typeface="Times New Roman" pitchFamily="18" charset="0"/>
+                <a:ea typeface="ＭＳ Ｐゴシック" pitchFamily="50" charset="-128"/>
+              </a:defRPr>
+            </a:lvl6pPr>
+            <a:lvl7pPr marL="914400" algn="just" rtl="0" fontAlgn="base">
+              <a:spcBef>
+                <a:spcPct val="0"/>
+              </a:spcBef>
+              <a:spcAft>
+                <a:spcPct val="0"/>
+              </a:spcAft>
+              <a:defRPr kumimoji="1" sz="4400" b="1">
+                <a:solidFill>
+                  <a:schemeClr val="bg1"/>
+                </a:solidFill>
+                <a:latin typeface="Times New Roman" pitchFamily="18" charset="0"/>
+                <a:ea typeface="ＭＳ Ｐゴシック" pitchFamily="50" charset="-128"/>
+              </a:defRPr>
+            </a:lvl7pPr>
+            <a:lvl8pPr marL="1371600" algn="just" rtl="0" fontAlgn="base">
+              <a:spcBef>
+                <a:spcPct val="0"/>
+              </a:spcBef>
+              <a:spcAft>
+                <a:spcPct val="0"/>
+              </a:spcAft>
+              <a:defRPr kumimoji="1" sz="4400" b="1">
+                <a:solidFill>
+                  <a:schemeClr val="bg1"/>
+                </a:solidFill>
+                <a:latin typeface="Times New Roman" pitchFamily="18" charset="0"/>
+                <a:ea typeface="ＭＳ Ｐゴシック" pitchFamily="50" charset="-128"/>
+              </a:defRPr>
+            </a:lvl8pPr>
+            <a:lvl9pPr marL="1828800" algn="just" rtl="0" fontAlgn="base">
+              <a:spcBef>
+                <a:spcPct val="0"/>
+              </a:spcBef>
+              <a:spcAft>
+                <a:spcPct val="0"/>
+              </a:spcAft>
+              <a:defRPr kumimoji="1" sz="4400" b="1">
+                <a:solidFill>
+                  <a:schemeClr val="bg1"/>
+                </a:solidFill>
+                <a:latin typeface="Times New Roman" pitchFamily="18" charset="0"/>
+                <a:ea typeface="ＭＳ Ｐゴシック" pitchFamily="50" charset="-128"/>
+              </a:defRPr>
+            </a:lvl9pPr>
+          </a:lstStyle>
+          <a:p>
+            <a:r>
+              <a:rPr lang="en-US" altLang="ja-JP" kern="0"/>
+              <a:t>satimage</a:t>
+            </a:r>
+            <a:endParaRPr lang="ja-JP" altLang="en-US" kern="0"/>
+          </a:p>
+        </p:txBody>
+      </p:sp>
+      <p:pic>
+        <p:nvPicPr>
+          <p:cNvPr id="10" name="図 9" descr="地図, テキスト が含まれている画像&#10;&#10;&#10;&#10;自動的に生成された説明">
+            <a:extLst>
+              <a:ext uri="{FF2B5EF4-FFF2-40B4-BE49-F238E27FC236}">
+                <a16:creationId xmlns:a16="http://schemas.microsoft.com/office/drawing/2014/main" id="{6357094D-5371-C04D-9462-896DAB714E69}"/>
+              </a:ext>
+            </a:extLst>
+          </p:cNvPr>
+          <p:cNvPicPr>
+            <a:picLocks noChangeAspect="1"/>
+          </p:cNvPicPr>
+          <p:nvPr/>
+        </p:nvPicPr>
+        <p:blipFill rotWithShape="1">
+          <a:blip r:embed="rId5">
+            <a:extLst>
+              <a:ext uri="{28A0092B-C50C-407E-A947-70E740481C1C}">
+                <a14:useLocalDpi xmlns:a14="http://schemas.microsoft.com/office/drawing/2010/main" val="0"/>
+              </a:ext>
+            </a:extLst>
+          </a:blip>
+          <a:srcRect l="68889" t="15556" r="11111" b="55555"/>
+          <a:stretch/>
+        </p:blipFill>
+        <p:spPr>
+          <a:xfrm>
+            <a:off x="3505200" y="2238642"/>
+            <a:ext cx="1582615" cy="2286000"/>
+          </a:xfrm>
+          <a:prstGeom prst="rect">
+            <a:avLst/>
+          </a:prstGeom>
+          <a:ln>
+            <a:solidFill>
+              <a:schemeClr val="tx1"/>
+            </a:solidFill>
+          </a:ln>
+        </p:spPr>
+      </p:pic>
+      <p:sp>
+        <p:nvSpPr>
+          <p:cNvPr id="16" name="テキスト ボックス 15">
+            <a:extLst>
+              <a:ext uri="{FF2B5EF4-FFF2-40B4-BE49-F238E27FC236}">
+                <a16:creationId xmlns:a16="http://schemas.microsoft.com/office/drawing/2014/main" id="{9F80D45A-6CC8-5D40-8777-B8064651B313}"/>
+              </a:ext>
+            </a:extLst>
+          </p:cNvPr>
+          <p:cNvSpPr txBox="1"/>
+          <p:nvPr/>
+        </p:nvSpPr>
+        <p:spPr>
+          <a:xfrm>
+            <a:off x="3852430" y="1908280"/>
+            <a:ext cx="877163" cy="369332"/>
+          </a:xfrm>
+          <a:prstGeom prst="rect">
+            <a:avLst/>
+          </a:prstGeom>
+          <a:noFill/>
+        </p:spPr>
+        <p:txBody>
+          <a:bodyPr wrap="none" rtlCol="0">
+            <a:spAutoFit/>
+          </a:bodyPr>
+          <a:lstStyle/>
+          <a:p>
+            <a:r>
+              <a:rPr kumimoji="1" lang="ja-JP" altLang="en-US"/>
+              <a:t>個体数</a:t>
+            </a:r>
+          </a:p>
+        </p:txBody>
+      </p:sp>
+    </p:spTree>
+    <p:extLst>
+      <p:ext uri="{BB962C8B-B14F-4D97-AF65-F5344CB8AC3E}">
+        <p14:creationId xmlns:p14="http://schemas.microsoft.com/office/powerpoint/2010/main" val="366543927"/>
+      </p:ext>
+    </p:extLst>
+  </p:cSld>
+  <p:clrMapOvr>
+    <a:masterClrMapping/>
+  </p:clrMapOvr>
+</p:sld>
+</file>
+
+<file path=ppt/slides/slide21.xml><?xml version="1.0" encoding="utf-8"?>
 <p:sld xmlns:a="http://schemas.openxmlformats.org/drawingml/2006/main" xmlns:r="http://schemas.openxmlformats.org/officeDocument/2006/relationships" xmlns:p="http://schemas.openxmlformats.org/presentationml/2006/main">
   <p:cSld>
     <p:spTree>
@@ -16570,7 +17363,7 @@
 </p:sld>
 </file>
 
-<file path=ppt/slides/slide21.xml><?xml version="1.0" encoding="utf-8"?>
+<file path=ppt/slides/slide22.xml><?xml version="1.0" encoding="utf-8"?>
 <p:sld xmlns:a="http://schemas.openxmlformats.org/drawingml/2006/main" xmlns:r="http://schemas.openxmlformats.org/officeDocument/2006/relationships" xmlns:p="http://schemas.openxmlformats.org/presentationml/2006/main">
   <p:cSld>
     <p:spTree>
@@ -19756,7 +20549,7 @@
 </p:sld>
 </file>
 
-<file path=ppt/slides/slide22.xml><?xml version="1.0" encoding="utf-8"?>
+<file path=ppt/slides/slide23.xml><?xml version="1.0" encoding="utf-8"?>
 <p:sld xmlns:a="http://schemas.openxmlformats.org/drawingml/2006/main" xmlns:r="http://schemas.openxmlformats.org/officeDocument/2006/relationships" xmlns:p="http://schemas.openxmlformats.org/presentationml/2006/main">
   <p:cSld>
     <p:spTree>
@@ -20876,7 +21669,7 @@
 </p:sld>
 </file>
 
-<file path=ppt/slides/slide23.xml><?xml version="1.0" encoding="utf-8"?>
+<file path=ppt/slides/slide24.xml><?xml version="1.0" encoding="utf-8"?>
 <p:sld xmlns:a="http://schemas.openxmlformats.org/drawingml/2006/main" xmlns:r="http://schemas.openxmlformats.org/officeDocument/2006/relationships" xmlns:p="http://schemas.openxmlformats.org/presentationml/2006/main">
   <p:cSld>
     <p:spTree>
@@ -23919,7 +24712,7 @@
 </p:sld>
 </file>
 
-<file path=ppt/slides/slide24.xml><?xml version="1.0" encoding="utf-8"?>
+<file path=ppt/slides/slide25.xml><?xml version="1.0" encoding="utf-8"?>
 <p:sld xmlns:a="http://schemas.openxmlformats.org/drawingml/2006/main" xmlns:r="http://schemas.openxmlformats.org/officeDocument/2006/relationships" xmlns:p="http://schemas.openxmlformats.org/presentationml/2006/main">
   <p:cSld>
     <p:spTree>
@@ -27004,7 +27797,7 @@
 </p:sld>
 </file>
 
-<file path=ppt/slides/slide25.xml><?xml version="1.0" encoding="utf-8"?>
+<file path=ppt/slides/slide26.xml><?xml version="1.0" encoding="utf-8"?>
 <p:sld xmlns:a="http://schemas.openxmlformats.org/drawingml/2006/main" xmlns:r="http://schemas.openxmlformats.org/officeDocument/2006/relationships" xmlns:p="http://schemas.openxmlformats.org/presentationml/2006/main">
   <p:cSld>
     <p:spTree>
@@ -31033,7 +31826,7 @@
 </p:sld>
 </file>
 
-<file path=ppt/slides/slide26.xml><?xml version="1.0" encoding="utf-8"?>
+<file path=ppt/slides/slide27.xml><?xml version="1.0" encoding="utf-8"?>
 <p:sld xmlns:a="http://schemas.openxmlformats.org/drawingml/2006/main" xmlns:r="http://schemas.openxmlformats.org/officeDocument/2006/relationships" xmlns:p="http://schemas.openxmlformats.org/presentationml/2006/main">
   <p:cSld>
     <p:spTree>
@@ -34299,7 +35092,7 @@
 </p:sld>
 </file>
 
-<file path=ppt/slides/slide27.xml><?xml version="1.0" encoding="utf-8"?>
+<file path=ppt/slides/slide28.xml><?xml version="1.0" encoding="utf-8"?>
 <p:sld xmlns:a="http://schemas.openxmlformats.org/drawingml/2006/main" xmlns:r="http://schemas.openxmlformats.org/officeDocument/2006/relationships" xmlns:p="http://schemas.openxmlformats.org/presentationml/2006/main">
   <p:cSld>
     <p:spTree>
@@ -34638,7 +35431,7 @@
 </p:sld>
 </file>
 
-<file path=ppt/slides/slide28.xml><?xml version="1.0" encoding="utf-8"?>
+<file path=ppt/slides/slide29.xml><?xml version="1.0" encoding="utf-8"?>
 <p:sld xmlns:a="http://schemas.openxmlformats.org/drawingml/2006/main" xmlns:r="http://schemas.openxmlformats.org/officeDocument/2006/relationships" xmlns:p="http://schemas.openxmlformats.org/presentationml/2006/main">
   <p:cSld>
     <p:spTree>
@@ -34963,7 +35756,538 @@
 </p:sld>
 </file>
 
-<file path=ppt/slides/slide29.xml><?xml version="1.0" encoding="utf-8"?>
+<file path=ppt/slides/slide3.xml><?xml version="1.0" encoding="utf-8"?>
+<p:sld xmlns:a="http://schemas.openxmlformats.org/drawingml/2006/main" xmlns:r="http://schemas.openxmlformats.org/officeDocument/2006/relationships" xmlns:p="http://schemas.openxmlformats.org/presentationml/2006/main">
+  <p:cSld>
+    <p:spTree>
+      <p:nvGrpSpPr>
+        <p:cNvPr id="1" name=""/>
+        <p:cNvGrpSpPr/>
+        <p:nvPr/>
+      </p:nvGrpSpPr>
+      <p:grpSpPr>
+        <a:xfrm>
+          <a:off x="0" y="0"/>
+          <a:ext cx="0" cy="0"/>
+          <a:chOff x="0" y="0"/>
+          <a:chExt cx="0" cy="0"/>
+        </a:xfrm>
+      </p:grpSpPr>
+      <p:sp>
+        <p:nvSpPr>
+          <p:cNvPr id="2" name="タイトル 1">
+            <a:extLst>
+              <a:ext uri="{FF2B5EF4-FFF2-40B4-BE49-F238E27FC236}">
+                <a16:creationId xmlns:a16="http://schemas.microsoft.com/office/drawing/2014/main" id="{1EA0C149-1AFE-9843-A25F-CC26E94E7E67}"/>
+              </a:ext>
+            </a:extLst>
+          </p:cNvPr>
+          <p:cNvSpPr>
+            <a:spLocks noGrp="1"/>
+          </p:cNvSpPr>
+          <p:nvPr>
+            <p:ph type="title"/>
+          </p:nvPr>
+        </p:nvSpPr>
+        <p:spPr/>
+        <p:txBody>
+          <a:bodyPr/>
+          <a:lstStyle/>
+          <a:p>
+            <a:r>
+              <a:rPr kumimoji="1" lang="ja-JP" altLang="en-US"/>
+              <a:t>研究背景</a:t>
+            </a:r>
+          </a:p>
+        </p:txBody>
+      </p:sp>
+      <p:sp>
+        <p:nvSpPr>
+          <p:cNvPr id="3" name="コンテンツ プレースホルダー 2">
+            <a:extLst>
+              <a:ext uri="{FF2B5EF4-FFF2-40B4-BE49-F238E27FC236}">
+                <a16:creationId xmlns:a16="http://schemas.microsoft.com/office/drawing/2014/main" id="{9D68D4A9-644E-0547-B340-7D22C50A17DC}"/>
+              </a:ext>
+            </a:extLst>
+          </p:cNvPr>
+          <p:cNvSpPr txBox="1">
+            <a:spLocks/>
+          </p:cNvSpPr>
+          <p:nvPr/>
+        </p:nvSpPr>
+        <p:spPr bwMode="auto">
+          <a:xfrm>
+            <a:off x="434770" y="1428984"/>
+            <a:ext cx="8328230" cy="2990616"/>
+          </a:xfrm>
+          <a:prstGeom prst="rect">
+            <a:avLst/>
+          </a:prstGeom>
+          <a:noFill/>
+          <a:ln>
+            <a:noFill/>
+          </a:ln>
+          <a:extLst>
+            <a:ext uri="{909E8E84-426E-40DD-AFC4-6F175D3DCCD1}">
+              <a14:hiddenFill xmlns:a14="http://schemas.microsoft.com/office/drawing/2010/main">
+                <a:solidFill>
+                  <a:srgbClr val="FFFFFF"/>
+                </a:solidFill>
+              </a14:hiddenFill>
+            </a:ext>
+            <a:ext uri="{91240B29-F687-4F45-9708-019B960494DF}">
+              <a14:hiddenLine xmlns:a14="http://schemas.microsoft.com/office/drawing/2010/main" w="9525">
+                <a:solidFill>
+                  <a:srgbClr val="000000"/>
+                </a:solidFill>
+                <a:miter lim="800000"/>
+                <a:headEnd/>
+                <a:tailEnd/>
+              </a14:hiddenLine>
+            </a:ext>
+          </a:extLst>
+        </p:spPr>
+        <p:txBody>
+          <a:bodyPr vert="horz" wrap="square" lIns="91440" tIns="45720" rIns="91440" bIns="45720" numCol="1" anchor="t" anchorCtr="0" compatLnSpc="1">
+            <a:prstTxWarp prst="textNoShape">
+              <a:avLst/>
+            </a:prstTxWarp>
+          </a:bodyPr>
+          <a:lstStyle>
+            <a:lvl1pPr marL="342900" indent="-342900" algn="l" rtl="0" eaLnBrk="0" fontAlgn="base" hangingPunct="0">
+              <a:spcBef>
+                <a:spcPct val="20000"/>
+              </a:spcBef>
+              <a:spcAft>
+                <a:spcPct val="0"/>
+              </a:spcAft>
+              <a:buChar char="•"/>
+              <a:defRPr kumimoji="1" sz="3200">
+                <a:solidFill>
+                  <a:schemeClr val="tx1"/>
+                </a:solidFill>
+                <a:latin typeface="+mn-lt"/>
+                <a:ea typeface="+mn-ea"/>
+                <a:cs typeface="+mn-cs"/>
+              </a:defRPr>
+            </a:lvl1pPr>
+            <a:lvl2pPr marL="742950" indent="-285750" algn="l" rtl="0" eaLnBrk="0" fontAlgn="base" hangingPunct="0">
+              <a:spcBef>
+                <a:spcPct val="20000"/>
+              </a:spcBef>
+              <a:spcAft>
+                <a:spcPct val="0"/>
+              </a:spcAft>
+              <a:buChar char="–"/>
+              <a:defRPr kumimoji="1" sz="2800">
+                <a:solidFill>
+                  <a:schemeClr val="tx1"/>
+                </a:solidFill>
+                <a:latin typeface="+mn-lt"/>
+                <a:ea typeface="+mn-ea"/>
+              </a:defRPr>
+            </a:lvl2pPr>
+            <a:lvl3pPr marL="1143000" indent="-228600" algn="l" rtl="0" eaLnBrk="0" fontAlgn="base" hangingPunct="0">
+              <a:spcBef>
+                <a:spcPct val="20000"/>
+              </a:spcBef>
+              <a:spcAft>
+                <a:spcPct val="0"/>
+              </a:spcAft>
+              <a:buChar char="•"/>
+              <a:defRPr kumimoji="1" sz="2400">
+                <a:solidFill>
+                  <a:schemeClr val="tx1"/>
+                </a:solidFill>
+                <a:latin typeface="+mn-lt"/>
+                <a:ea typeface="+mn-ea"/>
+              </a:defRPr>
+            </a:lvl3pPr>
+            <a:lvl4pPr marL="1600200" indent="-228600" algn="l" rtl="0" eaLnBrk="0" fontAlgn="base" hangingPunct="0">
+              <a:spcBef>
+                <a:spcPct val="20000"/>
+              </a:spcBef>
+              <a:spcAft>
+                <a:spcPct val="0"/>
+              </a:spcAft>
+              <a:buChar char="–"/>
+              <a:defRPr kumimoji="1" sz="2000">
+                <a:solidFill>
+                  <a:schemeClr val="tx1"/>
+                </a:solidFill>
+                <a:latin typeface="+mn-lt"/>
+                <a:ea typeface="+mn-ea"/>
+              </a:defRPr>
+            </a:lvl4pPr>
+            <a:lvl5pPr marL="2057400" indent="-228600" algn="l" rtl="0" eaLnBrk="0" fontAlgn="base" hangingPunct="0">
+              <a:spcBef>
+                <a:spcPct val="20000"/>
+              </a:spcBef>
+              <a:spcAft>
+                <a:spcPct val="0"/>
+              </a:spcAft>
+              <a:buChar char="»"/>
+              <a:defRPr kumimoji="1" sz="2000">
+                <a:solidFill>
+                  <a:schemeClr val="tx1"/>
+                </a:solidFill>
+                <a:latin typeface="+mn-lt"/>
+                <a:ea typeface="+mn-ea"/>
+              </a:defRPr>
+            </a:lvl5pPr>
+            <a:lvl6pPr marL="2514600" indent="-228600" algn="l" rtl="0" fontAlgn="base">
+              <a:spcBef>
+                <a:spcPct val="20000"/>
+              </a:spcBef>
+              <a:spcAft>
+                <a:spcPct val="0"/>
+              </a:spcAft>
+              <a:buChar char="»"/>
+              <a:defRPr kumimoji="1" sz="2000">
+                <a:solidFill>
+                  <a:schemeClr val="tx1"/>
+                </a:solidFill>
+                <a:latin typeface="+mn-lt"/>
+                <a:ea typeface="+mn-ea"/>
+              </a:defRPr>
+            </a:lvl6pPr>
+            <a:lvl7pPr marL="2971800" indent="-228600" algn="l" rtl="0" fontAlgn="base">
+              <a:spcBef>
+                <a:spcPct val="20000"/>
+              </a:spcBef>
+              <a:spcAft>
+                <a:spcPct val="0"/>
+              </a:spcAft>
+              <a:buChar char="»"/>
+              <a:defRPr kumimoji="1" sz="2000">
+                <a:solidFill>
+                  <a:schemeClr val="tx1"/>
+                </a:solidFill>
+                <a:latin typeface="+mn-lt"/>
+                <a:ea typeface="+mn-ea"/>
+              </a:defRPr>
+            </a:lvl7pPr>
+            <a:lvl8pPr marL="3429000" indent="-228600" algn="l" rtl="0" fontAlgn="base">
+              <a:spcBef>
+                <a:spcPct val="20000"/>
+              </a:spcBef>
+              <a:spcAft>
+                <a:spcPct val="0"/>
+              </a:spcAft>
+              <a:buChar char="»"/>
+              <a:defRPr kumimoji="1" sz="2000">
+                <a:solidFill>
+                  <a:schemeClr val="tx1"/>
+                </a:solidFill>
+                <a:latin typeface="+mn-lt"/>
+                <a:ea typeface="+mn-ea"/>
+              </a:defRPr>
+            </a:lvl8pPr>
+            <a:lvl9pPr marL="3886200" indent="-228600" algn="l" rtl="0" fontAlgn="base">
+              <a:spcBef>
+                <a:spcPct val="20000"/>
+              </a:spcBef>
+              <a:spcAft>
+                <a:spcPct val="0"/>
+              </a:spcAft>
+              <a:buChar char="»"/>
+              <a:defRPr kumimoji="1" sz="2000">
+                <a:solidFill>
+                  <a:schemeClr val="tx1"/>
+                </a:solidFill>
+                <a:latin typeface="+mn-lt"/>
+                <a:ea typeface="+mn-ea"/>
+              </a:defRPr>
+            </a:lvl9pPr>
+          </a:lstStyle>
+          <a:p>
+            <a:pPr marL="0" indent="0" algn="just">
+              <a:buNone/>
+            </a:pPr>
+            <a:r>
+              <a:rPr lang="ja-JP" altLang="en-US" sz="2800" kern="0" dirty="0"/>
+              <a:t>パターン識別問題において，近年，以下のことが期待されている．</a:t>
+            </a:r>
+            <a:endParaRPr lang="en-US" altLang="ja-JP" sz="2800" kern="0" dirty="0"/>
+          </a:p>
+          <a:p>
+            <a:pPr marL="914400" lvl="1" indent="-514350" algn="just">
+              <a:buFont typeface="+mj-lt"/>
+              <a:buAutoNum type="arabicPeriod"/>
+            </a:pPr>
+            <a:r>
+              <a:rPr lang="ja-JP" altLang="en-US" kern="0" dirty="0"/>
+              <a:t>識別性能の高い識別器の設計</a:t>
+            </a:r>
+            <a:endParaRPr lang="en-US" altLang="ja-JP" kern="0" dirty="0"/>
+          </a:p>
+          <a:p>
+            <a:pPr marL="914400" lvl="1" indent="-514350" algn="just">
+              <a:buFont typeface="+mj-lt"/>
+              <a:buAutoNum type="arabicPeriod"/>
+            </a:pPr>
+            <a:r>
+              <a:rPr lang="ja-JP" altLang="en-US" kern="0" dirty="0"/>
+              <a:t>解釈性能の高い識別器の設計</a:t>
+            </a:r>
+            <a:endParaRPr lang="en-US" altLang="ja-JP" kern="0" dirty="0"/>
+          </a:p>
+          <a:p>
+            <a:pPr marL="914400" lvl="1" indent="-514350">
+              <a:buFont typeface="+mj-lt"/>
+              <a:buAutoNum type="arabicPeriod"/>
+            </a:pPr>
+            <a:r>
+              <a:rPr lang="ja-JP" altLang="en-US" kern="0" dirty="0"/>
+              <a:t>大規模なデータセットに対する機械学習</a:t>
+            </a:r>
+            <a:br>
+              <a:rPr lang="en-US" altLang="ja-JP" kern="0" dirty="0"/>
+            </a:br>
+            <a:r>
+              <a:rPr lang="ja-JP" altLang="en-US" kern="0" dirty="0"/>
+              <a:t>にかかる膨大な計算時間の短縮</a:t>
+            </a:r>
+            <a:endParaRPr lang="en-US" altLang="ja-JP" kern="0" dirty="0"/>
+          </a:p>
+        </p:txBody>
+      </p:sp>
+      <p:sp>
+        <p:nvSpPr>
+          <p:cNvPr id="4" name="コンテンツ プレースホルダー 2">
+            <a:extLst>
+              <a:ext uri="{FF2B5EF4-FFF2-40B4-BE49-F238E27FC236}">
+                <a16:creationId xmlns:a16="http://schemas.microsoft.com/office/drawing/2014/main" id="{6AC22C0E-A007-9245-B62B-DF4EB5F1AE74}"/>
+              </a:ext>
+            </a:extLst>
+          </p:cNvPr>
+          <p:cNvSpPr txBox="1">
+            <a:spLocks/>
+          </p:cNvSpPr>
+          <p:nvPr/>
+        </p:nvSpPr>
+        <p:spPr bwMode="auto">
+          <a:xfrm>
+            <a:off x="434770" y="4876800"/>
+            <a:ext cx="8328230" cy="1676400"/>
+          </a:xfrm>
+          <a:prstGeom prst="rect">
+            <a:avLst/>
+          </a:prstGeom>
+          <a:noFill/>
+          <a:ln>
+            <a:noFill/>
+          </a:ln>
+          <a:extLst>
+            <a:ext uri="{909E8E84-426E-40DD-AFC4-6F175D3DCCD1}">
+              <a14:hiddenFill xmlns:a14="http://schemas.microsoft.com/office/drawing/2010/main">
+                <a:solidFill>
+                  <a:srgbClr val="FFFFFF"/>
+                </a:solidFill>
+              </a14:hiddenFill>
+            </a:ext>
+            <a:ext uri="{91240B29-F687-4F45-9708-019B960494DF}">
+              <a14:hiddenLine xmlns:a14="http://schemas.microsoft.com/office/drawing/2010/main" w="9525">
+                <a:solidFill>
+                  <a:srgbClr val="000000"/>
+                </a:solidFill>
+                <a:miter lim="800000"/>
+                <a:headEnd/>
+                <a:tailEnd/>
+              </a14:hiddenLine>
+            </a:ext>
+          </a:extLst>
+        </p:spPr>
+        <p:txBody>
+          <a:bodyPr vert="horz" wrap="square" lIns="91440" tIns="45720" rIns="91440" bIns="45720" numCol="1" anchor="t" anchorCtr="0" compatLnSpc="1">
+            <a:prstTxWarp prst="textNoShape">
+              <a:avLst/>
+            </a:prstTxWarp>
+          </a:bodyPr>
+          <a:lstStyle>
+            <a:lvl1pPr marL="342900" indent="-342900" algn="l" rtl="0" eaLnBrk="0" fontAlgn="base" hangingPunct="0">
+              <a:spcBef>
+                <a:spcPct val="20000"/>
+              </a:spcBef>
+              <a:spcAft>
+                <a:spcPct val="0"/>
+              </a:spcAft>
+              <a:buChar char="•"/>
+              <a:defRPr kumimoji="1" sz="3200">
+                <a:solidFill>
+                  <a:schemeClr val="tx1"/>
+                </a:solidFill>
+                <a:latin typeface="+mn-lt"/>
+                <a:ea typeface="+mn-ea"/>
+                <a:cs typeface="+mn-cs"/>
+              </a:defRPr>
+            </a:lvl1pPr>
+            <a:lvl2pPr marL="742950" indent="-285750" algn="l" rtl="0" eaLnBrk="0" fontAlgn="base" hangingPunct="0">
+              <a:spcBef>
+                <a:spcPct val="20000"/>
+              </a:spcBef>
+              <a:spcAft>
+                <a:spcPct val="0"/>
+              </a:spcAft>
+              <a:buChar char="–"/>
+              <a:defRPr kumimoji="1" sz="2800">
+                <a:solidFill>
+                  <a:schemeClr val="tx1"/>
+                </a:solidFill>
+                <a:latin typeface="+mn-lt"/>
+                <a:ea typeface="+mn-ea"/>
+              </a:defRPr>
+            </a:lvl2pPr>
+            <a:lvl3pPr marL="1143000" indent="-228600" algn="l" rtl="0" eaLnBrk="0" fontAlgn="base" hangingPunct="0">
+              <a:spcBef>
+                <a:spcPct val="20000"/>
+              </a:spcBef>
+              <a:spcAft>
+                <a:spcPct val="0"/>
+              </a:spcAft>
+              <a:buChar char="•"/>
+              <a:defRPr kumimoji="1" sz="2400">
+                <a:solidFill>
+                  <a:schemeClr val="tx1"/>
+                </a:solidFill>
+                <a:latin typeface="+mn-lt"/>
+                <a:ea typeface="+mn-ea"/>
+              </a:defRPr>
+            </a:lvl3pPr>
+            <a:lvl4pPr marL="1600200" indent="-228600" algn="l" rtl="0" eaLnBrk="0" fontAlgn="base" hangingPunct="0">
+              <a:spcBef>
+                <a:spcPct val="20000"/>
+              </a:spcBef>
+              <a:spcAft>
+                <a:spcPct val="0"/>
+              </a:spcAft>
+              <a:buChar char="–"/>
+              <a:defRPr kumimoji="1" sz="2000">
+                <a:solidFill>
+                  <a:schemeClr val="tx1"/>
+                </a:solidFill>
+                <a:latin typeface="+mn-lt"/>
+                <a:ea typeface="+mn-ea"/>
+              </a:defRPr>
+            </a:lvl4pPr>
+            <a:lvl5pPr marL="2057400" indent="-228600" algn="l" rtl="0" eaLnBrk="0" fontAlgn="base" hangingPunct="0">
+              <a:spcBef>
+                <a:spcPct val="20000"/>
+              </a:spcBef>
+              <a:spcAft>
+                <a:spcPct val="0"/>
+              </a:spcAft>
+              <a:buChar char="»"/>
+              <a:defRPr kumimoji="1" sz="2000">
+                <a:solidFill>
+                  <a:schemeClr val="tx1"/>
+                </a:solidFill>
+                <a:latin typeface="+mn-lt"/>
+                <a:ea typeface="+mn-ea"/>
+              </a:defRPr>
+            </a:lvl5pPr>
+            <a:lvl6pPr marL="2514600" indent="-228600" algn="l" rtl="0" fontAlgn="base">
+              <a:spcBef>
+                <a:spcPct val="20000"/>
+              </a:spcBef>
+              <a:spcAft>
+                <a:spcPct val="0"/>
+              </a:spcAft>
+              <a:buChar char="»"/>
+              <a:defRPr kumimoji="1" sz="2000">
+                <a:solidFill>
+                  <a:schemeClr val="tx1"/>
+                </a:solidFill>
+                <a:latin typeface="+mn-lt"/>
+                <a:ea typeface="+mn-ea"/>
+              </a:defRPr>
+            </a:lvl6pPr>
+            <a:lvl7pPr marL="2971800" indent="-228600" algn="l" rtl="0" fontAlgn="base">
+              <a:spcBef>
+                <a:spcPct val="20000"/>
+              </a:spcBef>
+              <a:spcAft>
+                <a:spcPct val="0"/>
+              </a:spcAft>
+              <a:buChar char="»"/>
+              <a:defRPr kumimoji="1" sz="2000">
+                <a:solidFill>
+                  <a:schemeClr val="tx1"/>
+                </a:solidFill>
+                <a:latin typeface="+mn-lt"/>
+                <a:ea typeface="+mn-ea"/>
+              </a:defRPr>
+            </a:lvl7pPr>
+            <a:lvl8pPr marL="3429000" indent="-228600" algn="l" rtl="0" fontAlgn="base">
+              <a:spcBef>
+                <a:spcPct val="20000"/>
+              </a:spcBef>
+              <a:spcAft>
+                <a:spcPct val="0"/>
+              </a:spcAft>
+              <a:buChar char="»"/>
+              <a:defRPr kumimoji="1" sz="2000">
+                <a:solidFill>
+                  <a:schemeClr val="tx1"/>
+                </a:solidFill>
+                <a:latin typeface="+mn-lt"/>
+                <a:ea typeface="+mn-ea"/>
+              </a:defRPr>
+            </a:lvl8pPr>
+            <a:lvl9pPr marL="3886200" indent="-228600" algn="l" rtl="0" fontAlgn="base">
+              <a:spcBef>
+                <a:spcPct val="20000"/>
+              </a:spcBef>
+              <a:spcAft>
+                <a:spcPct val="0"/>
+              </a:spcAft>
+              <a:buChar char="»"/>
+              <a:defRPr kumimoji="1" sz="2000">
+                <a:solidFill>
+                  <a:schemeClr val="tx1"/>
+                </a:solidFill>
+                <a:latin typeface="+mn-lt"/>
+                <a:ea typeface="+mn-ea"/>
+              </a:defRPr>
+            </a:lvl9pPr>
+          </a:lstStyle>
+          <a:p>
+            <a:pPr marL="0" indent="0" algn="just">
+              <a:buNone/>
+            </a:pPr>
+            <a:r>
+              <a:rPr lang="ja-JP" altLang="en-US" sz="2800" u="sng" kern="0" dirty="0"/>
+              <a:t>識別性能の高さ</a:t>
+            </a:r>
+            <a:r>
+              <a:rPr lang="ja-JP" altLang="en-US" sz="2800" kern="0" dirty="0"/>
+              <a:t>と，解釈性能の高さとの間には，</a:t>
+            </a:r>
+            <a:br>
+              <a:rPr lang="en-US" altLang="ja-JP" sz="2800" kern="0" dirty="0"/>
+            </a:br>
+            <a:r>
+              <a:rPr lang="ja-JP" altLang="en-US" sz="2800" kern="0" dirty="0"/>
+              <a:t>トレードオフの関係があるため，どちらも同時に最適となる識別器の獲得は困難である．</a:t>
+            </a:r>
+            <a:endParaRPr lang="en-US" altLang="ja-JP" sz="2800" kern="0" dirty="0"/>
+          </a:p>
+        </p:txBody>
+      </p:sp>
+    </p:spTree>
+    <p:extLst>
+      <p:ext uri="{BB962C8B-B14F-4D97-AF65-F5344CB8AC3E}">
+        <p14:creationId xmlns:p14="http://schemas.microsoft.com/office/powerpoint/2010/main" val="4266244056"/>
+      </p:ext>
+    </p:extLst>
+  </p:cSld>
+  <p:clrMapOvr>
+    <a:masterClrMapping/>
+  </p:clrMapOvr>
+</p:sld>
+</file>
+
+<file path=ppt/slides/slide30.xml><?xml version="1.0" encoding="utf-8"?>
 <p:sld xmlns:a="http://schemas.openxmlformats.org/drawingml/2006/main" xmlns:r="http://schemas.openxmlformats.org/officeDocument/2006/relationships" xmlns:p="http://schemas.openxmlformats.org/presentationml/2006/main">
   <p:cSld>
     <p:spTree>
@@ -35143,7 +36467,7 @@
 </p:sld>
 </file>
 
-<file path=ppt/slides/slide3.xml><?xml version="1.0" encoding="utf-8"?>
+<file path=ppt/slides/slide4.xml><?xml version="1.0" encoding="utf-8"?>
 <p:sld xmlns:a="http://schemas.openxmlformats.org/drawingml/2006/main" xmlns:r="http://schemas.openxmlformats.org/officeDocument/2006/relationships" xmlns:p="http://schemas.openxmlformats.org/presentationml/2006/main">
   <p:cSld>
     <p:spTree>
@@ -37389,30 +38713,8 @@
               <a:buNone/>
             </a:pPr>
             <a:r>
-              <a:rPr lang="ja-JP" altLang="en-US" sz="2800" b="1" u="sng" kern="0" dirty="0"/>
-              <a:t>ルール集合</a:t>
-            </a:r>
-            <a:r>
               <a:rPr lang="ja-JP" altLang="en-US" sz="2800" kern="0" dirty="0"/>
-              <a:t>で識別器が構成される．</a:t>
-            </a:r>
-            <a:br>
-              <a:rPr lang="en-US" altLang="ja-JP" sz="2800" kern="0" dirty="0"/>
-            </a:br>
-            <a:r>
-              <a:rPr lang="ja-JP" altLang="en-US" sz="2800" kern="0" dirty="0"/>
-              <a:t>どのようにしてデータの識別を行っているのかが</a:t>
-            </a:r>
-            <a:br>
-              <a:rPr lang="en-US" altLang="ja-JP" sz="2800" kern="0" dirty="0"/>
-            </a:br>
-            <a:r>
-              <a:rPr lang="ja-JP" altLang="en-US" sz="2800" b="1" u="sng" kern="0" dirty="0"/>
-              <a:t>言語的に解釈可能</a:t>
-            </a:r>
-            <a:r>
-              <a:rPr lang="ja-JP" altLang="en-US" sz="2800" kern="0" dirty="0"/>
-              <a:t>．</a:t>
+              <a:t>言語的に解釈可能なルール集合で構成されているため，識別器がどのようにデータを識別しているのかが解釈可能である．</a:t>
             </a:r>
             <a:endParaRPr lang="en-US" altLang="ja-JP" sz="2800" kern="0" dirty="0"/>
           </a:p>
@@ -37420,16 +38722,22 @@
       </p:sp>
       <p:grpSp>
         <p:nvGrpSpPr>
-          <p:cNvPr id="16" name="グループ化 15"/>
+          <p:cNvPr id="3" name="グループ化 2">
+            <a:extLst>
+              <a:ext uri="{FF2B5EF4-FFF2-40B4-BE49-F238E27FC236}">
+                <a16:creationId xmlns:a16="http://schemas.microsoft.com/office/drawing/2014/main" id="{BED2C8E0-C02D-A843-AAC5-FF6C7B1777BF}"/>
+              </a:ext>
+            </a:extLst>
+          </p:cNvPr>
           <p:cNvGrpSpPr/>
           <p:nvPr/>
         </p:nvGrpSpPr>
         <p:grpSpPr>
           <a:xfrm>
-            <a:off x="538630" y="2037694"/>
-            <a:ext cx="4795370" cy="1315106"/>
-            <a:chOff x="386230" y="2090058"/>
-            <a:chExt cx="4795370" cy="1315106"/>
+            <a:off x="103909" y="1896429"/>
+            <a:ext cx="5230091" cy="1433274"/>
+            <a:chOff x="103909" y="1646841"/>
+            <a:chExt cx="5230091" cy="1433274"/>
           </a:xfrm>
         </p:grpSpPr>
         <p:sp>
@@ -37440,8 +38748,8 @@
           </p:nvSpPr>
           <p:spPr>
             <a:xfrm>
-              <a:off x="596173" y="2419151"/>
-              <a:ext cx="4585427" cy="986013"/>
+              <a:off x="313852" y="1975934"/>
+              <a:ext cx="5020148" cy="1104181"/>
             </a:xfrm>
             <a:prstGeom prst="roundRect">
               <a:avLst/>
@@ -37481,8 +38789,8 @@
             </a:p>
           </p:txBody>
         </p:sp>
-        <mc:AlternateContent xmlns:mc="http://schemas.openxmlformats.org/markup-compatibility/2006" xmlns:a14="http://schemas.microsoft.com/office/drawing/2010/main">
-          <mc:Choice Requires="a14">
+        <mc:AlternateContent xmlns:mc="http://schemas.openxmlformats.org/markup-compatibility/2006">
+          <mc:Choice xmlns:a14="http://schemas.microsoft.com/office/drawing/2010/main" Requires="a14">
             <p:sp>
               <p:nvSpPr>
                 <p:cNvPr id="4" name="テキスト ボックス 3"/>
@@ -37491,8 +38799,8 @@
               </p:nvSpPr>
               <p:spPr>
                 <a:xfrm>
-                  <a:off x="596173" y="2514600"/>
-                  <a:ext cx="3996607" cy="461665"/>
+                  <a:off x="474004" y="2071383"/>
+                  <a:ext cx="4631396" cy="523220"/>
                 </a:xfrm>
                 <a:prstGeom prst="rect">
                   <a:avLst/>
@@ -37506,7 +38814,7 @@
                 <a:lstStyle/>
                 <a:p>
                   <a:r>
-                    <a:rPr kumimoji="1" lang="en-US" altLang="ja-JP" sz="2400" dirty="0">
+                    <a:rPr kumimoji="1" lang="en-US" altLang="ja-JP" sz="2800" dirty="0">
                       <a:latin typeface="+mj-lt"/>
                     </a:rPr>
                     <a:t>If </a:t>
@@ -37516,14 +38824,14 @@
                       <m:sSub>
                         <m:sSubPr>
                           <m:ctrlPr>
-                            <a:rPr kumimoji="1" lang="en-US" altLang="ja-JP" sz="2400" i="1" smtClean="0">
+                            <a:rPr kumimoji="1" lang="en-US" altLang="ja-JP" sz="2800" i="1" smtClean="0">
                               <a:latin typeface="Cambria Math" panose="02040503050406030204" pitchFamily="18" charset="0"/>
                             </a:rPr>
                           </m:ctrlPr>
                         </m:sSubPr>
                         <m:e>
                           <m:r>
-                            <a:rPr kumimoji="1" lang="en-US" altLang="ja-JP" sz="2400" b="0" i="1" smtClean="0">
+                            <a:rPr kumimoji="1" lang="en-US" altLang="ja-JP" sz="2800" b="0" i="1" smtClean="0">
                               <a:latin typeface="Cambria Math" panose="02040503050406030204" pitchFamily="18" charset="0"/>
                             </a:rPr>
                             <m:t>𝑥</m:t>
@@ -37531,7 +38839,7 @@
                         </m:e>
                         <m:sub>
                           <m:r>
-                            <a:rPr kumimoji="1" lang="en-US" altLang="ja-JP" sz="2400" b="0" i="1" smtClean="0">
+                            <a:rPr kumimoji="1" lang="en-US" altLang="ja-JP" sz="2800" b="0" i="1" smtClean="0">
                               <a:latin typeface="Cambria Math" panose="02040503050406030204" pitchFamily="18" charset="0"/>
                             </a:rPr>
                             <m:t>1</m:t>
@@ -37541,13 +38849,13 @@
                     </m:oMath>
                   </a14:m>
                   <a:r>
-                    <a:rPr kumimoji="1" lang="ja-JP" altLang="en-US" sz="2400" dirty="0">
+                    <a:rPr kumimoji="1" lang="ja-JP" altLang="en-US" sz="2800" dirty="0">
                       <a:latin typeface="+mj-lt"/>
                     </a:rPr>
                     <a:t> </a:t>
                   </a:r>
                   <a:r>
-                    <a:rPr kumimoji="1" lang="en-US" altLang="ja-JP" sz="2400" dirty="0">
+                    <a:rPr kumimoji="1" lang="en-US" altLang="ja-JP" sz="2800" dirty="0">
                       <a:latin typeface="+mj-lt"/>
                     </a:rPr>
                     <a:t>is </a:t>
@@ -37557,14 +38865,14 @@
                       <m:sSub>
                         <m:sSubPr>
                           <m:ctrlPr>
-                            <a:rPr kumimoji="1" lang="en-US" altLang="ja-JP" sz="2400" i="1" smtClean="0">
+                            <a:rPr kumimoji="1" lang="en-US" altLang="ja-JP" sz="2800" i="1" smtClean="0">
                               <a:latin typeface="Cambria Math" panose="02040503050406030204" pitchFamily="18" charset="0"/>
                             </a:rPr>
                           </m:ctrlPr>
                         </m:sSubPr>
                         <m:e>
                           <m:r>
-                            <a:rPr kumimoji="1" lang="en-US" altLang="ja-JP" sz="2400" b="0" i="1" smtClean="0">
+                            <a:rPr kumimoji="1" lang="en-US" altLang="ja-JP" sz="2800" b="0" i="1" smtClean="0">
                               <a:latin typeface="Cambria Math" panose="02040503050406030204" pitchFamily="18" charset="0"/>
                             </a:rPr>
                             <m:t>𝐴</m:t>
@@ -37572,7 +38880,7 @@
                         </m:e>
                         <m:sub>
                           <m:r>
-                            <a:rPr kumimoji="1" lang="en-US" altLang="ja-JP" sz="2400" b="0" i="1" smtClean="0">
+                            <a:rPr kumimoji="1" lang="en-US" altLang="ja-JP" sz="2800" b="0" i="1" smtClean="0">
                               <a:latin typeface="Cambria Math" panose="02040503050406030204" pitchFamily="18" charset="0"/>
                             </a:rPr>
                             <m:t>1</m:t>
@@ -37582,31 +38890,31 @@
                     </m:oMath>
                   </a14:m>
                   <a:r>
-                    <a:rPr kumimoji="1" lang="ja-JP" altLang="en-US" sz="2400" dirty="0">
+                    <a:rPr kumimoji="1" lang="ja-JP" altLang="en-US" sz="2800" dirty="0">
                       <a:latin typeface="+mj-lt"/>
                     </a:rPr>
                     <a:t> </a:t>
                   </a:r>
                   <a:r>
-                    <a:rPr kumimoji="1" lang="en-US" altLang="ja-JP" sz="2400" dirty="0">
+                    <a:rPr kumimoji="1" lang="en-US" altLang="ja-JP" sz="2800" dirty="0">
                       <a:latin typeface="+mj-lt"/>
                     </a:rPr>
                     <a:t>and …</a:t>
                   </a:r>
                   <a:r>
-                    <a:rPr lang="ja-JP" altLang="en-US" sz="2400" dirty="0">
+                    <a:rPr lang="ja-JP" altLang="en-US" sz="2800" dirty="0">
                       <a:latin typeface="+mj-lt"/>
                     </a:rPr>
                     <a:t> </a:t>
                   </a:r>
                   <a:r>
-                    <a:rPr lang="en-US" altLang="ja-JP" sz="2400" dirty="0">
+                    <a:rPr lang="en-US" altLang="ja-JP" sz="2800" dirty="0">
                       <a:latin typeface="+mj-lt"/>
                     </a:rPr>
                     <a:t>and</a:t>
                   </a:r>
                   <a:r>
-                    <a:rPr kumimoji="1" lang="en-US" altLang="ja-JP" sz="2400" dirty="0">
+                    <a:rPr kumimoji="1" lang="en-US" altLang="ja-JP" sz="2800" dirty="0">
                       <a:latin typeface="+mj-lt"/>
                     </a:rPr>
                     <a:t> </a:t>
@@ -37616,14 +38924,14 @@
                       <m:sSub>
                         <m:sSubPr>
                           <m:ctrlPr>
-                            <a:rPr kumimoji="1" lang="en-US" altLang="ja-JP" sz="2400" i="1" smtClean="0">
+                            <a:rPr kumimoji="1" lang="en-US" altLang="ja-JP" sz="2800" i="1" smtClean="0">
                               <a:latin typeface="Cambria Math" panose="02040503050406030204" pitchFamily="18" charset="0"/>
                             </a:rPr>
                           </m:ctrlPr>
                         </m:sSubPr>
                         <m:e>
                           <m:r>
-                            <a:rPr kumimoji="1" lang="en-US" altLang="ja-JP" sz="2400" b="0" i="1" smtClean="0">
+                            <a:rPr kumimoji="1" lang="en-US" altLang="ja-JP" sz="2800" b="0" i="1" smtClean="0">
                               <a:latin typeface="Cambria Math" panose="02040503050406030204" pitchFamily="18" charset="0"/>
                             </a:rPr>
                             <m:t>𝑥</m:t>
@@ -37631,7 +38939,7 @@
                         </m:e>
                         <m:sub>
                           <m:r>
-                            <a:rPr kumimoji="1" lang="en-US" altLang="ja-JP" sz="2400" b="0" i="1" smtClean="0">
+                            <a:rPr kumimoji="1" lang="en-US" altLang="ja-JP" sz="2800" b="0" i="1" smtClean="0">
                               <a:latin typeface="Cambria Math" panose="02040503050406030204" pitchFamily="18" charset="0"/>
                             </a:rPr>
                             <m:t>𝑛</m:t>
@@ -37641,13 +38949,13 @@
                     </m:oMath>
                   </a14:m>
                   <a:r>
-                    <a:rPr kumimoji="1" lang="ja-JP" altLang="en-US" sz="2400" dirty="0">
+                    <a:rPr kumimoji="1" lang="ja-JP" altLang="en-US" sz="2800" dirty="0">
                       <a:latin typeface="+mj-lt"/>
                     </a:rPr>
                     <a:t> </a:t>
                   </a:r>
                   <a:r>
-                    <a:rPr kumimoji="1" lang="en-US" altLang="ja-JP" sz="2400" dirty="0">
+                    <a:rPr kumimoji="1" lang="en-US" altLang="ja-JP" sz="2800" dirty="0">
                       <a:latin typeface="+mj-lt"/>
                     </a:rPr>
                     <a:t>is </a:t>
@@ -37657,14 +38965,14 @@
                       <m:sSub>
                         <m:sSubPr>
                           <m:ctrlPr>
-                            <a:rPr kumimoji="1" lang="en-US" altLang="ja-JP" sz="2400" i="1" smtClean="0">
+                            <a:rPr kumimoji="1" lang="en-US" altLang="ja-JP" sz="2800" i="1" smtClean="0">
                               <a:latin typeface="Cambria Math" panose="02040503050406030204" pitchFamily="18" charset="0"/>
                             </a:rPr>
                           </m:ctrlPr>
                         </m:sSubPr>
                         <m:e>
                           <m:r>
-                            <a:rPr kumimoji="1" lang="en-US" altLang="ja-JP" sz="2400" b="0" i="1" smtClean="0">
+                            <a:rPr kumimoji="1" lang="en-US" altLang="ja-JP" sz="2800" b="0" i="1" smtClean="0">
                               <a:latin typeface="Cambria Math" panose="02040503050406030204" pitchFamily="18" charset="0"/>
                             </a:rPr>
                             <m:t>𝐴</m:t>
@@ -37672,7 +38980,7 @@
                         </m:e>
                         <m:sub>
                           <m:r>
-                            <a:rPr kumimoji="1" lang="en-US" altLang="ja-JP" sz="2400" b="0" i="1" smtClean="0">
+                            <a:rPr kumimoji="1" lang="en-US" altLang="ja-JP" sz="2800" b="0" i="1" smtClean="0">
                               <a:latin typeface="Cambria Math" panose="02040503050406030204" pitchFamily="18" charset="0"/>
                             </a:rPr>
                             <m:t>𝑛</m:t>
@@ -37681,14 +38989,14 @@
                       </m:sSub>
                     </m:oMath>
                   </a14:m>
-                  <a:endParaRPr kumimoji="1" lang="ja-JP" altLang="en-US" sz="2400" dirty="0">
+                  <a:endParaRPr kumimoji="1" lang="ja-JP" altLang="en-US" sz="2800" dirty="0">
                     <a:latin typeface="+mj-lt"/>
                   </a:endParaRPr>
                 </a:p>
               </p:txBody>
             </p:sp>
           </mc:Choice>
-          <mc:Fallback xmlns="">
+          <mc:Fallback>
             <p:sp>
               <p:nvSpPr>
                 <p:cNvPr id="4" name="テキスト ボックス 3"/>
@@ -37699,8 +39007,8 @@
               </p:nvSpPr>
               <p:spPr>
                 <a:xfrm>
-                  <a:off x="596173" y="2514600"/>
-                  <a:ext cx="3996607" cy="461665"/>
+                  <a:off x="474004" y="2071383"/>
+                  <a:ext cx="4631396" cy="523220"/>
                 </a:xfrm>
                 <a:prstGeom prst="rect">
                   <a:avLst/>
@@ -37708,7 +39016,7 @@
                 <a:blipFill>
                   <a:blip r:embed="rId3"/>
                   <a:stretch>
-                    <a:fillRect l="-2443" t="-10526" b="-28947"/>
+                    <a:fillRect l="-2459" t="-11905" b="-30952"/>
                   </a:stretch>
                 </a:blipFill>
               </p:spPr>
@@ -37735,8 +39043,8 @@
           </p:nvSpPr>
           <p:spPr>
             <a:xfrm>
-              <a:off x="2348773" y="2910384"/>
-              <a:ext cx="2832827" cy="461665"/>
+              <a:off x="2061950" y="2467167"/>
+              <a:ext cx="3272050" cy="523220"/>
             </a:xfrm>
             <a:prstGeom prst="rect">
               <a:avLst/>
@@ -37750,36 +39058,36 @@
             <a:lstStyle/>
             <a:p>
               <a:r>
-                <a:rPr lang="en-US" altLang="ja-JP" sz="2400" dirty="0">
+                <a:rPr lang="en-US" altLang="ja-JP" sz="2800" dirty="0">
                   <a:latin typeface="+mj-lt"/>
                 </a:rPr>
                 <a:t>t</a:t>
               </a:r>
               <a:r>
-                <a:rPr kumimoji="1" lang="en-US" altLang="ja-JP" sz="2400" dirty="0">
+                <a:rPr kumimoji="1" lang="en-US" altLang="ja-JP" sz="2800" dirty="0">
                   <a:latin typeface="+mj-lt"/>
                 </a:rPr>
                 <a:t>hen Class </a:t>
               </a:r>
               <a:r>
-                <a:rPr kumimoji="1" lang="en-US" altLang="ja-JP" sz="2400" i="1" dirty="0">
+                <a:rPr kumimoji="1" lang="en-US" altLang="ja-JP" sz="2800" i="1" dirty="0">
                   <a:latin typeface="+mj-lt"/>
                 </a:rPr>
                 <a:t>C </a:t>
               </a:r>
               <a:r>
-                <a:rPr lang="en-US" altLang="ja-JP" sz="2400" dirty="0">
+                <a:rPr lang="en-US" altLang="ja-JP" sz="2800" dirty="0">
                   <a:latin typeface="+mj-lt"/>
                 </a:rPr>
                 <a:t>with </a:t>
               </a:r>
               <a:r>
-                <a:rPr lang="en-US" altLang="ja-JP" sz="2400" i="1" dirty="0">
+                <a:rPr lang="en-US" altLang="ja-JP" sz="2800" i="1" dirty="0">
                   <a:latin typeface="+mj-lt"/>
                 </a:rPr>
                 <a:t>CF</a:t>
               </a:r>
-              <a:endParaRPr kumimoji="1" lang="ja-JP" altLang="en-US" sz="2400" i="1" dirty="0">
+              <a:endParaRPr kumimoji="1" lang="ja-JP" altLang="en-US" sz="2800" i="1" dirty="0">
                 <a:latin typeface="+mj-lt"/>
               </a:endParaRPr>
             </a:p>
@@ -37799,7 +39107,7 @@
           </p:nvSpPr>
           <p:spPr>
             <a:xfrm>
-              <a:off x="386230" y="2090058"/>
+              <a:off x="103909" y="1646841"/>
               <a:ext cx="2979993" cy="442674"/>
             </a:xfrm>
             <a:prstGeom prst="roundRect">
@@ -37854,7 +39162,7 @@
 </p:sld>
 </file>
 
-<file path=ppt/slides/slide4.xml><?xml version="1.0" encoding="utf-8"?>
+<file path=ppt/slides/slide5.xml><?xml version="1.0" encoding="utf-8"?>
 <p:sld xmlns:a="http://schemas.openxmlformats.org/drawingml/2006/main" xmlns:r="http://schemas.openxmlformats.org/officeDocument/2006/relationships" xmlns:p="http://schemas.openxmlformats.org/presentationml/2006/main">
   <p:cSld>
     <p:spTree>
@@ -41100,7 +42408,7 @@
 </p:sld>
 </file>
 
-<file path=ppt/slides/slide5.xml><?xml version="1.0" encoding="utf-8"?>
+<file path=ppt/slides/slide6.xml><?xml version="1.0" encoding="utf-8"?>
 <p:sld xmlns:a="http://schemas.openxmlformats.org/drawingml/2006/main" xmlns:r="http://schemas.openxmlformats.org/officeDocument/2006/relationships" xmlns:p="http://schemas.openxmlformats.org/presentationml/2006/main">
   <p:cSld>
     <p:spTree>
@@ -44780,7 +46088,7 @@
 </p:sld>
 </file>
 
-<file path=ppt/slides/slide6.xml><?xml version="1.0" encoding="utf-8"?>
+<file path=ppt/slides/slide7.xml><?xml version="1.0" encoding="utf-8"?>
 <p:sld xmlns:a="http://schemas.openxmlformats.org/drawingml/2006/main" xmlns:r="http://schemas.openxmlformats.org/officeDocument/2006/relationships" xmlns:p="http://schemas.openxmlformats.org/presentationml/2006/main">
   <p:cSld>
     <p:spTree>
@@ -46159,7 +47467,7 @@
 </p:sld>
 </file>
 
-<file path=ppt/slides/slide7.xml><?xml version="1.0" encoding="utf-8"?>
+<file path=ppt/slides/slide8.xml><?xml version="1.0" encoding="utf-8"?>
 <p:sld xmlns:a="http://schemas.openxmlformats.org/drawingml/2006/main" xmlns:r="http://schemas.openxmlformats.org/officeDocument/2006/relationships" xmlns:p="http://schemas.openxmlformats.org/presentationml/2006/main">
   <p:cSld>
     <p:spTree>
@@ -46478,7 +47786,7 @@
 </p:sld>
 </file>
 
-<file path=ppt/slides/slide8.xml><?xml version="1.0" encoding="utf-8"?>
+<file path=ppt/slides/slide9.xml><?xml version="1.0" encoding="utf-8"?>
 <p:sld xmlns:a="http://schemas.openxmlformats.org/drawingml/2006/main" xmlns:r="http://schemas.openxmlformats.org/officeDocument/2006/relationships" xmlns:p="http://schemas.openxmlformats.org/presentationml/2006/main">
   <p:cSld>
     <p:spTree>
@@ -49356,708 +50664,6 @@
     <p:extLst>
       <p:ext uri="{BB962C8B-B14F-4D97-AF65-F5344CB8AC3E}">
         <p14:creationId xmlns:p14="http://schemas.microsoft.com/office/powerpoint/2010/main" val="3153569879"/>
-      </p:ext>
-    </p:extLst>
-  </p:cSld>
-  <p:clrMapOvr>
-    <a:masterClrMapping/>
-  </p:clrMapOvr>
-</p:sld>
-</file>
-
-<file path=ppt/slides/slide9.xml><?xml version="1.0" encoding="utf-8"?>
-<p:sld xmlns:a="http://schemas.openxmlformats.org/drawingml/2006/main" xmlns:r="http://schemas.openxmlformats.org/officeDocument/2006/relationships" xmlns:p="http://schemas.openxmlformats.org/presentationml/2006/main">
-  <p:cSld>
-    <p:spTree>
-      <p:nvGrpSpPr>
-        <p:cNvPr id="1" name=""/>
-        <p:cNvGrpSpPr/>
-        <p:nvPr/>
-      </p:nvGrpSpPr>
-      <p:grpSpPr>
-        <a:xfrm>
-          <a:off x="0" y="0"/>
-          <a:ext cx="0" cy="0"/>
-          <a:chOff x="0" y="0"/>
-          <a:chExt cx="0" cy="0"/>
-        </a:xfrm>
-      </p:grpSpPr>
-      <p:sp>
-        <p:nvSpPr>
-          <p:cNvPr id="2" name="タイトル 1">
-            <a:extLst>
-              <a:ext uri="{FF2B5EF4-FFF2-40B4-BE49-F238E27FC236}">
-                <a16:creationId xmlns:a16="http://schemas.microsoft.com/office/drawing/2014/main" id="{3194CBF9-D933-6547-9A9C-778BA5368481}"/>
-              </a:ext>
-            </a:extLst>
-          </p:cNvPr>
-          <p:cNvSpPr>
-            <a:spLocks noGrp="1"/>
-          </p:cNvSpPr>
-          <p:nvPr>
-            <p:ph type="title"/>
-          </p:nvPr>
-        </p:nvSpPr>
-        <p:spPr>
-          <a:xfrm>
-            <a:off x="76200" y="0"/>
-            <a:ext cx="9067800" cy="1143000"/>
-          </a:xfrm>
-        </p:spPr>
-        <p:txBody>
-          <a:bodyPr/>
-          <a:lstStyle/>
-          <a:p>
-            <a:r>
-              <a:rPr kumimoji="1" lang="ja-JP" altLang="en-US"/>
-              <a:t>弱識別器の抽出</a:t>
-            </a:r>
-          </a:p>
-        </p:txBody>
-      </p:sp>
-      <p:sp>
-        <p:nvSpPr>
-          <p:cNvPr id="3" name="コンテンツ プレースホルダー 2">
-            <a:extLst>
-              <a:ext uri="{FF2B5EF4-FFF2-40B4-BE49-F238E27FC236}">
-                <a16:creationId xmlns:a16="http://schemas.microsoft.com/office/drawing/2014/main" id="{B2111D58-56CD-5B4F-902D-40D3D36843D5}"/>
-              </a:ext>
-            </a:extLst>
-          </p:cNvPr>
-          <p:cNvSpPr txBox="1">
-            <a:spLocks/>
-          </p:cNvSpPr>
-          <p:nvPr/>
-        </p:nvSpPr>
-        <p:spPr bwMode="auto">
-          <a:xfrm>
-            <a:off x="657726" y="1796834"/>
-            <a:ext cx="6505074" cy="1022566"/>
-          </a:xfrm>
-          <a:prstGeom prst="rect">
-            <a:avLst/>
-          </a:prstGeom>
-          <a:noFill/>
-          <a:ln>
-            <a:noFill/>
-          </a:ln>
-          <a:extLst>
-            <a:ext uri="{909E8E84-426E-40DD-AFC4-6F175D3DCCD1}">
-              <a14:hiddenFill xmlns:a14="http://schemas.microsoft.com/office/drawing/2010/main">
-                <a:solidFill>
-                  <a:srgbClr val="FFFFFF"/>
-                </a:solidFill>
-              </a14:hiddenFill>
-            </a:ext>
-            <a:ext uri="{91240B29-F687-4F45-9708-019B960494DF}">
-              <a14:hiddenLine xmlns:a14="http://schemas.microsoft.com/office/drawing/2010/main" w="9525">
-                <a:solidFill>
-                  <a:srgbClr val="000000"/>
-                </a:solidFill>
-                <a:miter lim="800000"/>
-                <a:headEnd/>
-                <a:tailEnd/>
-              </a14:hiddenLine>
-            </a:ext>
-          </a:extLst>
-        </p:spPr>
-        <p:txBody>
-          <a:bodyPr vert="horz" wrap="square" lIns="91440" tIns="45720" rIns="91440" bIns="45720" numCol="1" anchor="t" anchorCtr="0" compatLnSpc="1">
-            <a:prstTxWarp prst="textNoShape">
-              <a:avLst/>
-            </a:prstTxWarp>
-          </a:bodyPr>
-          <a:lstStyle>
-            <a:lvl1pPr marL="342900" indent="-342900" algn="l" rtl="0" eaLnBrk="0" fontAlgn="base" hangingPunct="0">
-              <a:spcBef>
-                <a:spcPct val="20000"/>
-              </a:spcBef>
-              <a:spcAft>
-                <a:spcPct val="0"/>
-              </a:spcAft>
-              <a:buChar char="•"/>
-              <a:defRPr kumimoji="1" sz="3200">
-                <a:solidFill>
-                  <a:schemeClr val="tx1"/>
-                </a:solidFill>
-                <a:latin typeface="+mn-lt"/>
-                <a:ea typeface="+mn-ea"/>
-                <a:cs typeface="+mn-cs"/>
-              </a:defRPr>
-            </a:lvl1pPr>
-            <a:lvl2pPr marL="742950" indent="-285750" algn="l" rtl="0" eaLnBrk="0" fontAlgn="base" hangingPunct="0">
-              <a:spcBef>
-                <a:spcPct val="20000"/>
-              </a:spcBef>
-              <a:spcAft>
-                <a:spcPct val="0"/>
-              </a:spcAft>
-              <a:buChar char="–"/>
-              <a:defRPr kumimoji="1" sz="2800">
-                <a:solidFill>
-                  <a:schemeClr val="tx1"/>
-                </a:solidFill>
-                <a:latin typeface="+mn-lt"/>
-                <a:ea typeface="+mn-ea"/>
-              </a:defRPr>
-            </a:lvl2pPr>
-            <a:lvl3pPr marL="1143000" indent="-228600" algn="l" rtl="0" eaLnBrk="0" fontAlgn="base" hangingPunct="0">
-              <a:spcBef>
-                <a:spcPct val="20000"/>
-              </a:spcBef>
-              <a:spcAft>
-                <a:spcPct val="0"/>
-              </a:spcAft>
-              <a:buChar char="•"/>
-              <a:defRPr kumimoji="1" sz="2400">
-                <a:solidFill>
-                  <a:schemeClr val="tx1"/>
-                </a:solidFill>
-                <a:latin typeface="+mn-lt"/>
-                <a:ea typeface="+mn-ea"/>
-              </a:defRPr>
-            </a:lvl3pPr>
-            <a:lvl4pPr marL="1600200" indent="-228600" algn="l" rtl="0" eaLnBrk="0" fontAlgn="base" hangingPunct="0">
-              <a:spcBef>
-                <a:spcPct val="20000"/>
-              </a:spcBef>
-              <a:spcAft>
-                <a:spcPct val="0"/>
-              </a:spcAft>
-              <a:buChar char="–"/>
-              <a:defRPr kumimoji="1" sz="2000">
-                <a:solidFill>
-                  <a:schemeClr val="tx1"/>
-                </a:solidFill>
-                <a:latin typeface="+mn-lt"/>
-                <a:ea typeface="+mn-ea"/>
-              </a:defRPr>
-            </a:lvl4pPr>
-            <a:lvl5pPr marL="2057400" indent="-228600" algn="l" rtl="0" eaLnBrk="0" fontAlgn="base" hangingPunct="0">
-              <a:spcBef>
-                <a:spcPct val="20000"/>
-              </a:spcBef>
-              <a:spcAft>
-                <a:spcPct val="0"/>
-              </a:spcAft>
-              <a:buChar char="»"/>
-              <a:defRPr kumimoji="1" sz="2000">
-                <a:solidFill>
-                  <a:schemeClr val="tx1"/>
-                </a:solidFill>
-                <a:latin typeface="+mn-lt"/>
-                <a:ea typeface="+mn-ea"/>
-              </a:defRPr>
-            </a:lvl5pPr>
-            <a:lvl6pPr marL="2514600" indent="-228600" algn="l" rtl="0" fontAlgn="base">
-              <a:spcBef>
-                <a:spcPct val="20000"/>
-              </a:spcBef>
-              <a:spcAft>
-                <a:spcPct val="0"/>
-              </a:spcAft>
-              <a:buChar char="»"/>
-              <a:defRPr kumimoji="1" sz="2000">
-                <a:solidFill>
-                  <a:schemeClr val="tx1"/>
-                </a:solidFill>
-                <a:latin typeface="+mn-lt"/>
-                <a:ea typeface="+mn-ea"/>
-              </a:defRPr>
-            </a:lvl6pPr>
-            <a:lvl7pPr marL="2971800" indent="-228600" algn="l" rtl="0" fontAlgn="base">
-              <a:spcBef>
-                <a:spcPct val="20000"/>
-              </a:spcBef>
-              <a:spcAft>
-                <a:spcPct val="0"/>
-              </a:spcAft>
-              <a:buChar char="»"/>
-              <a:defRPr kumimoji="1" sz="2000">
-                <a:solidFill>
-                  <a:schemeClr val="tx1"/>
-                </a:solidFill>
-                <a:latin typeface="+mn-lt"/>
-                <a:ea typeface="+mn-ea"/>
-              </a:defRPr>
-            </a:lvl7pPr>
-            <a:lvl8pPr marL="3429000" indent="-228600" algn="l" rtl="0" fontAlgn="base">
-              <a:spcBef>
-                <a:spcPct val="20000"/>
-              </a:spcBef>
-              <a:spcAft>
-                <a:spcPct val="0"/>
-              </a:spcAft>
-              <a:buChar char="»"/>
-              <a:defRPr kumimoji="1" sz="2000">
-                <a:solidFill>
-                  <a:schemeClr val="tx1"/>
-                </a:solidFill>
-                <a:latin typeface="+mn-lt"/>
-                <a:ea typeface="+mn-ea"/>
-              </a:defRPr>
-            </a:lvl8pPr>
-            <a:lvl9pPr marL="3886200" indent="-228600" algn="l" rtl="0" fontAlgn="base">
-              <a:spcBef>
-                <a:spcPct val="20000"/>
-              </a:spcBef>
-              <a:spcAft>
-                <a:spcPct val="0"/>
-              </a:spcAft>
-              <a:buChar char="»"/>
-              <a:defRPr kumimoji="1" sz="2000">
-                <a:solidFill>
-                  <a:schemeClr val="tx1"/>
-                </a:solidFill>
-                <a:latin typeface="+mn-lt"/>
-                <a:ea typeface="+mn-ea"/>
-              </a:defRPr>
-            </a:lvl9pPr>
-          </a:lstStyle>
-          <a:p>
-            <a:pPr marL="0" indent="0">
-              <a:buNone/>
-            </a:pPr>
-            <a:r>
-              <a:rPr lang="ja-JP" altLang="en-US" sz="2800" kern="0" dirty="0"/>
-              <a:t>各島内で全データセットに対する識別率が最大のものをそれぞれ一つずつ抽出</a:t>
-            </a:r>
-            <a:endParaRPr lang="en-US" altLang="ja-JP" sz="2800" kern="0" dirty="0"/>
-          </a:p>
-        </p:txBody>
-      </p:sp>
-      <p:sp>
-        <p:nvSpPr>
-          <p:cNvPr id="4" name="テキスト ボックス 3">
-            <a:extLst>
-              <a:ext uri="{FF2B5EF4-FFF2-40B4-BE49-F238E27FC236}">
-                <a16:creationId xmlns:a16="http://schemas.microsoft.com/office/drawing/2014/main" id="{5C890EC3-9A21-214A-9052-7AC60C23AB53}"/>
-              </a:ext>
-            </a:extLst>
-          </p:cNvPr>
-          <p:cNvSpPr txBox="1"/>
-          <p:nvPr/>
-        </p:nvSpPr>
-        <p:spPr>
-          <a:xfrm>
-            <a:off x="304800" y="1280411"/>
-            <a:ext cx="2667000" cy="523220"/>
-          </a:xfrm>
-          <a:prstGeom prst="rect">
-            <a:avLst/>
-          </a:prstGeom>
-          <a:noFill/>
-          <a:ln w="19050">
-            <a:solidFill>
-              <a:schemeClr val="accent6"/>
-            </a:solidFill>
-          </a:ln>
-        </p:spPr>
-        <p:txBody>
-          <a:bodyPr wrap="square" rtlCol="0">
-            <a:spAutoFit/>
-          </a:bodyPr>
-          <a:lstStyle/>
-          <a:p>
-            <a:r>
-              <a:rPr kumimoji="1" lang="ja-JP" altLang="en-US" sz="2800" dirty="0"/>
-              <a:t>単一な弱識別器</a:t>
-            </a:r>
-          </a:p>
-        </p:txBody>
-      </p:sp>
-      <p:sp>
-        <p:nvSpPr>
-          <p:cNvPr id="5" name="コンテンツ プレースホルダー 2">
-            <a:extLst>
-              <a:ext uri="{FF2B5EF4-FFF2-40B4-BE49-F238E27FC236}">
-                <a16:creationId xmlns:a16="http://schemas.microsoft.com/office/drawing/2014/main" id="{5706C4E5-7E5F-AA4E-AA48-0F6014FC8C61}"/>
-              </a:ext>
-            </a:extLst>
-          </p:cNvPr>
-          <p:cNvSpPr txBox="1">
-            <a:spLocks/>
-          </p:cNvSpPr>
-          <p:nvPr/>
-        </p:nvSpPr>
-        <p:spPr bwMode="auto">
-          <a:xfrm>
-            <a:off x="657726" y="3473234"/>
-            <a:ext cx="6505074" cy="1022566"/>
-          </a:xfrm>
-          <a:prstGeom prst="rect">
-            <a:avLst/>
-          </a:prstGeom>
-          <a:noFill/>
-          <a:ln>
-            <a:noFill/>
-          </a:ln>
-          <a:extLst>
-            <a:ext uri="{909E8E84-426E-40DD-AFC4-6F175D3DCCD1}">
-              <a14:hiddenFill xmlns:a14="http://schemas.microsoft.com/office/drawing/2010/main">
-                <a:solidFill>
-                  <a:srgbClr val="FFFFFF"/>
-                </a:solidFill>
-              </a14:hiddenFill>
-            </a:ext>
-            <a:ext uri="{91240B29-F687-4F45-9708-019B960494DF}">
-              <a14:hiddenLine xmlns:a14="http://schemas.microsoft.com/office/drawing/2010/main" w="9525">
-                <a:solidFill>
-                  <a:srgbClr val="000000"/>
-                </a:solidFill>
-                <a:miter lim="800000"/>
-                <a:headEnd/>
-                <a:tailEnd/>
-              </a14:hiddenLine>
-            </a:ext>
-          </a:extLst>
-        </p:spPr>
-        <p:txBody>
-          <a:bodyPr vert="horz" wrap="square" lIns="91440" tIns="45720" rIns="91440" bIns="45720" numCol="1" anchor="t" anchorCtr="0" compatLnSpc="1">
-            <a:prstTxWarp prst="textNoShape">
-              <a:avLst/>
-            </a:prstTxWarp>
-          </a:bodyPr>
-          <a:lstStyle>
-            <a:lvl1pPr marL="342900" indent="-342900" algn="l" rtl="0" eaLnBrk="0" fontAlgn="base" hangingPunct="0">
-              <a:spcBef>
-                <a:spcPct val="20000"/>
-              </a:spcBef>
-              <a:spcAft>
-                <a:spcPct val="0"/>
-              </a:spcAft>
-              <a:buChar char="•"/>
-              <a:defRPr kumimoji="1" sz="3200">
-                <a:solidFill>
-                  <a:schemeClr val="tx1"/>
-                </a:solidFill>
-                <a:latin typeface="+mn-lt"/>
-                <a:ea typeface="+mn-ea"/>
-                <a:cs typeface="+mn-cs"/>
-              </a:defRPr>
-            </a:lvl1pPr>
-            <a:lvl2pPr marL="742950" indent="-285750" algn="l" rtl="0" eaLnBrk="0" fontAlgn="base" hangingPunct="0">
-              <a:spcBef>
-                <a:spcPct val="20000"/>
-              </a:spcBef>
-              <a:spcAft>
-                <a:spcPct val="0"/>
-              </a:spcAft>
-              <a:buChar char="–"/>
-              <a:defRPr kumimoji="1" sz="2800">
-                <a:solidFill>
-                  <a:schemeClr val="tx1"/>
-                </a:solidFill>
-                <a:latin typeface="+mn-lt"/>
-                <a:ea typeface="+mn-ea"/>
-              </a:defRPr>
-            </a:lvl2pPr>
-            <a:lvl3pPr marL="1143000" indent="-228600" algn="l" rtl="0" eaLnBrk="0" fontAlgn="base" hangingPunct="0">
-              <a:spcBef>
-                <a:spcPct val="20000"/>
-              </a:spcBef>
-              <a:spcAft>
-                <a:spcPct val="0"/>
-              </a:spcAft>
-              <a:buChar char="•"/>
-              <a:defRPr kumimoji="1" sz="2400">
-                <a:solidFill>
-                  <a:schemeClr val="tx1"/>
-                </a:solidFill>
-                <a:latin typeface="+mn-lt"/>
-                <a:ea typeface="+mn-ea"/>
-              </a:defRPr>
-            </a:lvl3pPr>
-            <a:lvl4pPr marL="1600200" indent="-228600" algn="l" rtl="0" eaLnBrk="0" fontAlgn="base" hangingPunct="0">
-              <a:spcBef>
-                <a:spcPct val="20000"/>
-              </a:spcBef>
-              <a:spcAft>
-                <a:spcPct val="0"/>
-              </a:spcAft>
-              <a:buChar char="–"/>
-              <a:defRPr kumimoji="1" sz="2000">
-                <a:solidFill>
-                  <a:schemeClr val="tx1"/>
-                </a:solidFill>
-                <a:latin typeface="+mn-lt"/>
-                <a:ea typeface="+mn-ea"/>
-              </a:defRPr>
-            </a:lvl4pPr>
-            <a:lvl5pPr marL="2057400" indent="-228600" algn="l" rtl="0" eaLnBrk="0" fontAlgn="base" hangingPunct="0">
-              <a:spcBef>
-                <a:spcPct val="20000"/>
-              </a:spcBef>
-              <a:spcAft>
-                <a:spcPct val="0"/>
-              </a:spcAft>
-              <a:buChar char="»"/>
-              <a:defRPr kumimoji="1" sz="2000">
-                <a:solidFill>
-                  <a:schemeClr val="tx1"/>
-                </a:solidFill>
-                <a:latin typeface="+mn-lt"/>
-                <a:ea typeface="+mn-ea"/>
-              </a:defRPr>
-            </a:lvl5pPr>
-            <a:lvl6pPr marL="2514600" indent="-228600" algn="l" rtl="0" fontAlgn="base">
-              <a:spcBef>
-                <a:spcPct val="20000"/>
-              </a:spcBef>
-              <a:spcAft>
-                <a:spcPct val="0"/>
-              </a:spcAft>
-              <a:buChar char="»"/>
-              <a:defRPr kumimoji="1" sz="2000">
-                <a:solidFill>
-                  <a:schemeClr val="tx1"/>
-                </a:solidFill>
-                <a:latin typeface="+mn-lt"/>
-                <a:ea typeface="+mn-ea"/>
-              </a:defRPr>
-            </a:lvl6pPr>
-            <a:lvl7pPr marL="2971800" indent="-228600" algn="l" rtl="0" fontAlgn="base">
-              <a:spcBef>
-                <a:spcPct val="20000"/>
-              </a:spcBef>
-              <a:spcAft>
-                <a:spcPct val="0"/>
-              </a:spcAft>
-              <a:buChar char="»"/>
-              <a:defRPr kumimoji="1" sz="2000">
-                <a:solidFill>
-                  <a:schemeClr val="tx1"/>
-                </a:solidFill>
-                <a:latin typeface="+mn-lt"/>
-                <a:ea typeface="+mn-ea"/>
-              </a:defRPr>
-            </a:lvl7pPr>
-            <a:lvl8pPr marL="3429000" indent="-228600" algn="l" rtl="0" fontAlgn="base">
-              <a:spcBef>
-                <a:spcPct val="20000"/>
-              </a:spcBef>
-              <a:spcAft>
-                <a:spcPct val="0"/>
-              </a:spcAft>
-              <a:buChar char="»"/>
-              <a:defRPr kumimoji="1" sz="2000">
-                <a:solidFill>
-                  <a:schemeClr val="tx1"/>
-                </a:solidFill>
-                <a:latin typeface="+mn-lt"/>
-                <a:ea typeface="+mn-ea"/>
-              </a:defRPr>
-            </a:lvl8pPr>
-            <a:lvl9pPr marL="3886200" indent="-228600" algn="l" rtl="0" fontAlgn="base">
-              <a:spcBef>
-                <a:spcPct val="20000"/>
-              </a:spcBef>
-              <a:spcAft>
-                <a:spcPct val="0"/>
-              </a:spcAft>
-              <a:buChar char="»"/>
-              <a:defRPr kumimoji="1" sz="2000">
-                <a:solidFill>
-                  <a:schemeClr val="tx1"/>
-                </a:solidFill>
-                <a:latin typeface="+mn-lt"/>
-                <a:ea typeface="+mn-ea"/>
-              </a:defRPr>
-            </a:lvl9pPr>
-          </a:lstStyle>
-          <a:p>
-            <a:pPr marL="0" indent="0">
-              <a:buNone/>
-            </a:pPr>
-            <a:r>
-              <a:rPr lang="ja-JP" altLang="en-US" sz="2800" kern="0" dirty="0"/>
-              <a:t>全データセットに対して島内で非劣となる識別器集合を弱識別器として抽出</a:t>
-            </a:r>
-            <a:endParaRPr lang="en-US" altLang="ja-JP" sz="2800" kern="0" dirty="0"/>
-          </a:p>
-        </p:txBody>
-      </p:sp>
-      <p:sp>
-        <p:nvSpPr>
-          <p:cNvPr id="6" name="テキスト ボックス 5">
-            <a:extLst>
-              <a:ext uri="{FF2B5EF4-FFF2-40B4-BE49-F238E27FC236}">
-                <a16:creationId xmlns:a16="http://schemas.microsoft.com/office/drawing/2014/main" id="{1ADE812A-A29B-9C46-83E1-B597890139DB}"/>
-              </a:ext>
-            </a:extLst>
-          </p:cNvPr>
-          <p:cNvSpPr txBox="1"/>
-          <p:nvPr/>
-        </p:nvSpPr>
-        <p:spPr>
-          <a:xfrm>
-            <a:off x="304800" y="2956811"/>
-            <a:ext cx="4343400" cy="523220"/>
-          </a:xfrm>
-          <a:prstGeom prst="rect">
-            <a:avLst/>
-          </a:prstGeom>
-          <a:noFill/>
-          <a:ln w="19050">
-            <a:solidFill>
-              <a:schemeClr val="accent6"/>
-            </a:solidFill>
-          </a:ln>
-        </p:spPr>
-        <p:txBody>
-          <a:bodyPr wrap="square" rtlCol="0">
-            <a:spAutoFit/>
-          </a:bodyPr>
-          <a:lstStyle/>
-          <a:p>
-            <a:r>
-              <a:rPr kumimoji="1" lang="ja-JP" altLang="en-US" sz="2800" dirty="0"/>
-              <a:t>非劣解集合による弱識別器</a:t>
-            </a:r>
-          </a:p>
-        </p:txBody>
-      </p:sp>
-      <p:pic>
-        <p:nvPicPr>
-          <p:cNvPr id="7" name="図 6"/>
-          <p:cNvPicPr>
-            <a:picLocks noChangeAspect="1"/>
-          </p:cNvPicPr>
-          <p:nvPr/>
-        </p:nvPicPr>
-        <p:blipFill>
-          <a:blip r:embed="rId2"/>
-          <a:stretch>
-            <a:fillRect/>
-          </a:stretch>
-        </p:blipFill>
-        <p:spPr>
-          <a:xfrm>
-            <a:off x="1600200" y="4343400"/>
-            <a:ext cx="2542446" cy="2514600"/>
-          </a:xfrm>
-          <a:prstGeom prst="rect">
-            <a:avLst/>
-          </a:prstGeom>
-        </p:spPr>
-      </p:pic>
-      <p:sp>
-        <p:nvSpPr>
-          <p:cNvPr id="8" name="テキスト ボックス 7">
-            <a:extLst>
-              <a:ext uri="{FF2B5EF4-FFF2-40B4-BE49-F238E27FC236}">
-                <a16:creationId xmlns:a16="http://schemas.microsoft.com/office/drawing/2014/main" id="{8A622EB5-A4E2-8447-9A5F-5CDA2D207408}"/>
-              </a:ext>
-            </a:extLst>
-          </p:cNvPr>
-          <p:cNvSpPr txBox="1"/>
-          <p:nvPr/>
-        </p:nvSpPr>
-        <p:spPr>
-          <a:xfrm flipH="1">
-            <a:off x="4267200" y="4773183"/>
-            <a:ext cx="2133601" cy="408623"/>
-          </a:xfrm>
-          <a:prstGeom prst="roundRect">
-            <a:avLst/>
-          </a:prstGeom>
-          <a:noFill/>
-          <a:ln>
-            <a:solidFill>
-              <a:schemeClr val="accent2"/>
-            </a:solidFill>
-          </a:ln>
-        </p:spPr>
-        <p:txBody>
-          <a:bodyPr wrap="square" rtlCol="0">
-            <a:spAutoFit/>
-          </a:bodyPr>
-          <a:lstStyle/>
-          <a:p>
-            <a:r>
-              <a:rPr kumimoji="1" lang="en-US" altLang="ja-JP" dirty="0"/>
-              <a:t>D</a:t>
-            </a:r>
-            <a:r>
-              <a:rPr kumimoji="1" lang="ja-JP" altLang="en-US" dirty="0"/>
-              <a:t>は</a:t>
-            </a:r>
-            <a:r>
-              <a:rPr kumimoji="1" lang="en-US" altLang="ja-JP" dirty="0"/>
-              <a:t>B</a:t>
-            </a:r>
-            <a:r>
-              <a:rPr kumimoji="1" lang="ja-JP" altLang="en-US" dirty="0" err="1"/>
-              <a:t>に優</a:t>
-            </a:r>
-            <a:r>
-              <a:rPr kumimoji="1" lang="ja-JP" altLang="en-US" dirty="0"/>
-              <a:t>越される</a:t>
-            </a:r>
-            <a:endParaRPr kumimoji="1" lang="en-US" altLang="ja-JP" dirty="0"/>
-          </a:p>
-        </p:txBody>
-      </p:sp>
-      <p:sp>
-        <p:nvSpPr>
-          <p:cNvPr id="9" name="テキスト ボックス 8">
-            <a:extLst>
-              <a:ext uri="{FF2B5EF4-FFF2-40B4-BE49-F238E27FC236}">
-                <a16:creationId xmlns:a16="http://schemas.microsoft.com/office/drawing/2014/main" id="{94C7644D-546A-CB41-BAB1-FFA69962B749}"/>
-              </a:ext>
-            </a:extLst>
-          </p:cNvPr>
-          <p:cNvSpPr txBox="1"/>
-          <p:nvPr/>
-        </p:nvSpPr>
-        <p:spPr>
-          <a:xfrm flipH="1">
-            <a:off x="4267200" y="5379244"/>
-            <a:ext cx="3048000" cy="1021556"/>
-          </a:xfrm>
-          <a:prstGeom prst="roundRect">
-            <a:avLst/>
-          </a:prstGeom>
-          <a:noFill/>
-          <a:ln>
-            <a:solidFill>
-              <a:schemeClr val="accent2"/>
-            </a:solidFill>
-          </a:ln>
-        </p:spPr>
-        <p:txBody>
-          <a:bodyPr wrap="square" rtlCol="0">
-            <a:spAutoFit/>
-          </a:bodyPr>
-          <a:lstStyle/>
-          <a:p>
-            <a:r>
-              <a:rPr kumimoji="1" lang="en-US" altLang="ja-JP" dirty="0"/>
-              <a:t>A, B, C</a:t>
-            </a:r>
-            <a:r>
-              <a:rPr kumimoji="1" lang="ja-JP" altLang="en-US" dirty="0"/>
-              <a:t>は他に優越される解が存在しない</a:t>
-            </a:r>
-            <a:endParaRPr kumimoji="1" lang="en-US" altLang="ja-JP" dirty="0"/>
-          </a:p>
-          <a:p>
-            <a:r>
-              <a:rPr lang="en-US" altLang="ja-JP" dirty="0"/>
-              <a:t>= A, B, C </a:t>
-            </a:r>
-            <a:r>
-              <a:rPr lang="ja-JP" altLang="en-US" dirty="0"/>
-              <a:t>は互いに非劣</a:t>
-            </a:r>
-            <a:endParaRPr kumimoji="1" lang="ja-JP" altLang="en-US" dirty="0"/>
-          </a:p>
-        </p:txBody>
-      </p:sp>
-    </p:spTree>
-    <p:extLst>
-      <p:ext uri="{BB962C8B-B14F-4D97-AF65-F5344CB8AC3E}">
-        <p14:creationId xmlns:p14="http://schemas.microsoft.com/office/powerpoint/2010/main" val="433801714"/>
       </p:ext>
     </p:extLst>
   </p:cSld>
